--- a/api/templates/brochure_en.pptx
+++ b/api/templates/brochure_en.pptx
@@ -1,23 +1,24 @@
 
 <file path=ppt/presentation.xml><?xml version="1.0" encoding="utf-8"?>
-<p:presentation xmlns:a="http://schemas.openxmlformats.org/drawingml/2006/main" xmlns:r="http://schemas.openxmlformats.org/officeDocument/2006/relationships" xmlns:p="http://schemas.openxmlformats.org/presentationml/2006/main" saveSubsetFonts="1" embedTrueTypeFonts="true">
+<p:presentation xmlns:a="http://schemas.openxmlformats.org/drawingml/2006/main" xmlns:r="http://schemas.openxmlformats.org/officeDocument/2006/relationships" xmlns:p="http://schemas.openxmlformats.org/presentationml/2006/main" embedTrueTypeFonts="1" saveSubsetFonts="1">
   <p:sldMasterIdLst>
     <p:sldMasterId id="2147483648" r:id="rId1"/>
   </p:sldMasterIdLst>
   <p:sldIdLst>
-    <p:sldId id="256" r:id="rId6"/>
-    <p:sldId id="257" r:id="rId7"/>
+    <p:sldId id="256" r:id="rId2"/>
+    <p:sldId id="257" r:id="rId3"/>
   </p:sldIdLst>
   <p:sldSz cx="10693400" cy="7556500"/>
   <p:notesSz cx="6858000" cy="9144000"/>
   <p:embeddedFontLst>
     <p:embeddedFont>
-      <p:font typeface="Circe Bold" charset="1" panose="020B0602020203020203"/>
-      <p:regular r:id="rId8"/>
+      <p:font typeface="Circe" panose="020B0502020203020203" pitchFamily="34" charset="-52"/>
+      <p:regular r:id="rId4"/>
     </p:embeddedFont>
     <p:embeddedFont>
-      <p:font typeface="Circe" charset="1" panose="020B0502020203020203"/>
-      <p:regular r:id="rId9"/>
+      <p:font typeface="Circe Bold" panose="020B0602020203020203" pitchFamily="34" charset="-52"/>
+      <p:regular r:id="rId5"/>
+      <p:bold r:id="rId6"/>
     </p:embeddedFont>
   </p:embeddedFontLst>
   <p:defaultTextStyle>
@@ -115,6 +116,22 @@
       </a:defRPr>
     </a:lvl9pPr>
   </p:defaultTextStyle>
+  <p:extLst>
+    <p:ext uri="{EFAFB233-063F-42B5-8137-9DF3F51BA10A}">
+      <p15:sldGuideLst xmlns:p15="http://schemas.microsoft.com/office/powerpoint/2012/main">
+        <p15:guide id="1" orient="horz" pos="2160">
+          <p15:clr>
+            <a:srgbClr val="A4A3A4"/>
+          </p15:clr>
+        </p15:guide>
+        <p15:guide id="2" pos="2880">
+          <p15:clr>
+            <a:srgbClr val="A4A3A4"/>
+          </p15:clr>
+        </p15:guide>
+      </p15:sldGuideLst>
+    </p:ext>
+  </p:extLst>
 </p:presentation>
 </file>
 
@@ -156,10 +173,9 @@
           <a:lstStyle/>
           <a:p>
             <a:r>
-              <a:rPr lang="en-US" smtClean="0"/>
+              <a:rPr lang="en-US"/>
               <a:t>Click to edit Master title style</a:t>
             </a:r>
-            <a:endParaRPr lang="en-US"/>
           </a:p>
         </p:txBody>
       </p:sp>
@@ -275,10 +291,9 @@
           </a:lstStyle>
           <a:p>
             <a:r>
-              <a:rPr lang="en-US" smtClean="0"/>
+              <a:rPr lang="en-US"/>
               <a:t>Click to edit Master subtitle style</a:t>
             </a:r>
-            <a:endParaRPr lang="en-US"/>
           </a:p>
         </p:txBody>
       </p:sp>
@@ -300,7 +315,7 @@
             <a:fld id="{1D8BD707-D9CF-40AE-B4C6-C98DA3205C09}" type="datetimeFigureOut">
               <a:rPr lang="en-US" smtClean="0"/>
               <a:pPr/>
-              <a:t>8/1/2011</a:t>
+              <a:t>2/2/2026</a:t>
             </a:fld>
             <a:endParaRPr lang="en-US"/>
           </a:p>
@@ -390,10 +405,9 @@
           <a:lstStyle/>
           <a:p>
             <a:r>
-              <a:rPr lang="en-US" smtClean="0"/>
+              <a:rPr lang="en-US"/>
               <a:t>Click to edit Master title style</a:t>
             </a:r>
-            <a:endParaRPr lang="en-US"/>
           </a:p>
         </p:txBody>
       </p:sp>
@@ -414,38 +428,37 @@
           <a:p>
             <a:pPr lvl="0"/>
             <a:r>
-              <a:rPr lang="en-US" smtClean="0"/>
+              <a:rPr lang="en-US"/>
               <a:t>Click to edit Master text styles</a:t>
             </a:r>
           </a:p>
           <a:p>
             <a:pPr lvl="1"/>
             <a:r>
-              <a:rPr lang="en-US" smtClean="0"/>
+              <a:rPr lang="en-US"/>
               <a:t>Second level</a:t>
             </a:r>
           </a:p>
           <a:p>
             <a:pPr lvl="2"/>
             <a:r>
-              <a:rPr lang="en-US" smtClean="0"/>
+              <a:rPr lang="en-US"/>
               <a:t>Third level</a:t>
             </a:r>
           </a:p>
           <a:p>
             <a:pPr lvl="3"/>
             <a:r>
-              <a:rPr lang="en-US" smtClean="0"/>
+              <a:rPr lang="en-US"/>
               <a:t>Fourth level</a:t>
             </a:r>
           </a:p>
           <a:p>
             <a:pPr lvl="4"/>
             <a:r>
-              <a:rPr lang="en-US" smtClean="0"/>
+              <a:rPr lang="en-US"/>
               <a:t>Fifth level</a:t>
             </a:r>
-            <a:endParaRPr lang="en-US"/>
           </a:p>
         </p:txBody>
       </p:sp>
@@ -467,7 +480,7 @@
             <a:fld id="{1D8BD707-D9CF-40AE-B4C6-C98DA3205C09}" type="datetimeFigureOut">
               <a:rPr lang="en-US" smtClean="0"/>
               <a:pPr/>
-              <a:t>8/1/2011</a:t>
+              <a:t>2/2/2026</a:t>
             </a:fld>
             <a:endParaRPr lang="en-US"/>
           </a:p>
@@ -562,10 +575,9 @@
           <a:lstStyle/>
           <a:p>
             <a:r>
-              <a:rPr lang="en-US" smtClean="0"/>
+              <a:rPr lang="en-US"/>
               <a:t>Click to edit Master title style</a:t>
             </a:r>
-            <a:endParaRPr lang="en-US"/>
           </a:p>
         </p:txBody>
       </p:sp>
@@ -591,38 +603,37 @@
           <a:p>
             <a:pPr lvl="0"/>
             <a:r>
-              <a:rPr lang="en-US" smtClean="0"/>
+              <a:rPr lang="en-US"/>
               <a:t>Click to edit Master text styles</a:t>
             </a:r>
           </a:p>
           <a:p>
             <a:pPr lvl="1"/>
             <a:r>
-              <a:rPr lang="en-US" smtClean="0"/>
+              <a:rPr lang="en-US"/>
               <a:t>Second level</a:t>
             </a:r>
           </a:p>
           <a:p>
             <a:pPr lvl="2"/>
             <a:r>
-              <a:rPr lang="en-US" smtClean="0"/>
+              <a:rPr lang="en-US"/>
               <a:t>Third level</a:t>
             </a:r>
           </a:p>
           <a:p>
             <a:pPr lvl="3"/>
             <a:r>
-              <a:rPr lang="en-US" smtClean="0"/>
+              <a:rPr lang="en-US"/>
               <a:t>Fourth level</a:t>
             </a:r>
           </a:p>
           <a:p>
             <a:pPr lvl="4"/>
             <a:r>
-              <a:rPr lang="en-US" smtClean="0"/>
+              <a:rPr lang="en-US"/>
               <a:t>Fifth level</a:t>
             </a:r>
-            <a:endParaRPr lang="en-US"/>
           </a:p>
         </p:txBody>
       </p:sp>
@@ -644,7 +655,7 @@
             <a:fld id="{1D8BD707-D9CF-40AE-B4C6-C98DA3205C09}" type="datetimeFigureOut">
               <a:rPr lang="en-US" smtClean="0"/>
               <a:pPr/>
-              <a:t>8/1/2011</a:t>
+              <a:t>2/2/2026</a:t>
             </a:fld>
             <a:endParaRPr lang="en-US"/>
           </a:p>
@@ -734,10 +745,9 @@
           <a:lstStyle/>
           <a:p>
             <a:r>
-              <a:rPr lang="en-US" smtClean="0"/>
+              <a:rPr lang="en-US"/>
               <a:t>Click to edit Master title style</a:t>
             </a:r>
-            <a:endParaRPr lang="en-US"/>
           </a:p>
         </p:txBody>
       </p:sp>
@@ -758,38 +768,37 @@
           <a:p>
             <a:pPr lvl="0"/>
             <a:r>
-              <a:rPr lang="en-US" smtClean="0"/>
+              <a:rPr lang="en-US"/>
               <a:t>Click to edit Master text styles</a:t>
             </a:r>
           </a:p>
           <a:p>
             <a:pPr lvl="1"/>
             <a:r>
-              <a:rPr lang="en-US" smtClean="0"/>
+              <a:rPr lang="en-US"/>
               <a:t>Second level</a:t>
             </a:r>
           </a:p>
           <a:p>
             <a:pPr lvl="2"/>
             <a:r>
-              <a:rPr lang="en-US" smtClean="0"/>
+              <a:rPr lang="en-US"/>
               <a:t>Third level</a:t>
             </a:r>
           </a:p>
           <a:p>
             <a:pPr lvl="3"/>
             <a:r>
-              <a:rPr lang="en-US" smtClean="0"/>
+              <a:rPr lang="en-US"/>
               <a:t>Fourth level</a:t>
             </a:r>
           </a:p>
           <a:p>
             <a:pPr lvl="4"/>
             <a:r>
-              <a:rPr lang="en-US" smtClean="0"/>
+              <a:rPr lang="en-US"/>
               <a:t>Fifth level</a:t>
             </a:r>
-            <a:endParaRPr lang="en-US"/>
           </a:p>
         </p:txBody>
       </p:sp>
@@ -811,7 +820,7 @@
             <a:fld id="{1D8BD707-D9CF-40AE-B4C6-C98DA3205C09}" type="datetimeFigureOut">
               <a:rPr lang="en-US" smtClean="0"/>
               <a:pPr/>
-              <a:t>8/1/2011</a:t>
+              <a:t>2/2/2026</a:t>
             </a:fld>
             <a:endParaRPr lang="en-US"/>
           </a:p>
@@ -910,10 +919,9 @@
           </a:lstStyle>
           <a:p>
             <a:r>
-              <a:rPr lang="en-US" smtClean="0"/>
+              <a:rPr lang="en-US"/>
               <a:t>Click to edit Master title style</a:t>
             </a:r>
-            <a:endParaRPr lang="en-US"/>
           </a:p>
         </p:txBody>
       </p:sp>
@@ -1030,7 +1038,7 @@
           <a:p>
             <a:pPr lvl="0"/>
             <a:r>
-              <a:rPr lang="en-US" smtClean="0"/>
+              <a:rPr lang="en-US"/>
               <a:t>Click to edit Master text styles</a:t>
             </a:r>
           </a:p>
@@ -1054,7 +1062,7 @@
             <a:fld id="{1D8BD707-D9CF-40AE-B4C6-C98DA3205C09}" type="datetimeFigureOut">
               <a:rPr lang="en-US" smtClean="0"/>
               <a:pPr/>
-              <a:t>8/1/2011</a:t>
+              <a:t>2/2/2026</a:t>
             </a:fld>
             <a:endParaRPr lang="en-US"/>
           </a:p>
@@ -1144,10 +1152,9 @@
           <a:lstStyle/>
           <a:p>
             <a:r>
-              <a:rPr lang="en-US" smtClean="0"/>
+              <a:rPr lang="en-US"/>
               <a:t>Click to edit Master title style</a:t>
             </a:r>
-            <a:endParaRPr lang="en-US"/>
           </a:p>
         </p:txBody>
       </p:sp>
@@ -1201,38 +1208,37 @@
           <a:p>
             <a:pPr lvl="0"/>
             <a:r>
-              <a:rPr lang="en-US" smtClean="0"/>
+              <a:rPr lang="en-US"/>
               <a:t>Click to edit Master text styles</a:t>
             </a:r>
           </a:p>
           <a:p>
             <a:pPr lvl="1"/>
             <a:r>
-              <a:rPr lang="en-US" smtClean="0"/>
+              <a:rPr lang="en-US"/>
               <a:t>Second level</a:t>
             </a:r>
           </a:p>
           <a:p>
             <a:pPr lvl="2"/>
             <a:r>
-              <a:rPr lang="en-US" smtClean="0"/>
+              <a:rPr lang="en-US"/>
               <a:t>Third level</a:t>
             </a:r>
           </a:p>
           <a:p>
             <a:pPr lvl="3"/>
             <a:r>
-              <a:rPr lang="en-US" smtClean="0"/>
+              <a:rPr lang="en-US"/>
               <a:t>Fourth level</a:t>
             </a:r>
           </a:p>
           <a:p>
             <a:pPr lvl="4"/>
             <a:r>
-              <a:rPr lang="en-US" smtClean="0"/>
+              <a:rPr lang="en-US"/>
               <a:t>Fifth level</a:t>
             </a:r>
-            <a:endParaRPr lang="en-US"/>
           </a:p>
         </p:txBody>
       </p:sp>
@@ -1286,38 +1292,37 @@
           <a:p>
             <a:pPr lvl="0"/>
             <a:r>
-              <a:rPr lang="en-US" smtClean="0"/>
+              <a:rPr lang="en-US"/>
               <a:t>Click to edit Master text styles</a:t>
             </a:r>
           </a:p>
           <a:p>
             <a:pPr lvl="1"/>
             <a:r>
-              <a:rPr lang="en-US" smtClean="0"/>
+              <a:rPr lang="en-US"/>
               <a:t>Second level</a:t>
             </a:r>
           </a:p>
           <a:p>
             <a:pPr lvl="2"/>
             <a:r>
-              <a:rPr lang="en-US" smtClean="0"/>
+              <a:rPr lang="en-US"/>
               <a:t>Third level</a:t>
             </a:r>
           </a:p>
           <a:p>
             <a:pPr lvl="3"/>
             <a:r>
-              <a:rPr lang="en-US" smtClean="0"/>
+              <a:rPr lang="en-US"/>
               <a:t>Fourth level</a:t>
             </a:r>
           </a:p>
           <a:p>
             <a:pPr lvl="4"/>
             <a:r>
-              <a:rPr lang="en-US" smtClean="0"/>
+              <a:rPr lang="en-US"/>
               <a:t>Fifth level</a:t>
             </a:r>
-            <a:endParaRPr lang="en-US"/>
           </a:p>
         </p:txBody>
       </p:sp>
@@ -1339,7 +1344,7 @@
             <a:fld id="{1D8BD707-D9CF-40AE-B4C6-C98DA3205C09}" type="datetimeFigureOut">
               <a:rPr lang="en-US" smtClean="0"/>
               <a:pPr/>
-              <a:t>8/1/2011</a:t>
+              <a:t>2/2/2026</a:t>
             </a:fld>
             <a:endParaRPr lang="en-US"/>
           </a:p>
@@ -1433,10 +1438,9 @@
           </a:lstStyle>
           <a:p>
             <a:r>
-              <a:rPr lang="en-US" smtClean="0"/>
+              <a:rPr lang="en-US"/>
               <a:t>Click to edit Master title style</a:t>
             </a:r>
-            <a:endParaRPr lang="en-US"/>
           </a:p>
         </p:txBody>
       </p:sp>
@@ -1499,7 +1503,7 @@
           <a:p>
             <a:pPr lvl="0"/>
             <a:r>
-              <a:rPr lang="en-US" smtClean="0"/>
+              <a:rPr lang="en-US"/>
               <a:t>Click to edit Master text styles</a:t>
             </a:r>
           </a:p>
@@ -1555,38 +1559,37 @@
           <a:p>
             <a:pPr lvl="0"/>
             <a:r>
-              <a:rPr lang="en-US" smtClean="0"/>
+              <a:rPr lang="en-US"/>
               <a:t>Click to edit Master text styles</a:t>
             </a:r>
           </a:p>
           <a:p>
             <a:pPr lvl="1"/>
             <a:r>
-              <a:rPr lang="en-US" smtClean="0"/>
+              <a:rPr lang="en-US"/>
               <a:t>Second level</a:t>
             </a:r>
           </a:p>
           <a:p>
             <a:pPr lvl="2"/>
             <a:r>
-              <a:rPr lang="en-US" smtClean="0"/>
+              <a:rPr lang="en-US"/>
               <a:t>Third level</a:t>
             </a:r>
           </a:p>
           <a:p>
             <a:pPr lvl="3"/>
             <a:r>
-              <a:rPr lang="en-US" smtClean="0"/>
+              <a:rPr lang="en-US"/>
               <a:t>Fourth level</a:t>
             </a:r>
           </a:p>
           <a:p>
             <a:pPr lvl="4"/>
             <a:r>
-              <a:rPr lang="en-US" smtClean="0"/>
+              <a:rPr lang="en-US"/>
               <a:t>Fifth level</a:t>
             </a:r>
-            <a:endParaRPr lang="en-US"/>
           </a:p>
         </p:txBody>
       </p:sp>
@@ -1649,7 +1652,7 @@
           <a:p>
             <a:pPr lvl="0"/>
             <a:r>
-              <a:rPr lang="en-US" smtClean="0"/>
+              <a:rPr lang="en-US"/>
               <a:t>Click to edit Master text styles</a:t>
             </a:r>
           </a:p>
@@ -1705,38 +1708,37 @@
           <a:p>
             <a:pPr lvl="0"/>
             <a:r>
-              <a:rPr lang="en-US" smtClean="0"/>
+              <a:rPr lang="en-US"/>
               <a:t>Click to edit Master text styles</a:t>
             </a:r>
           </a:p>
           <a:p>
             <a:pPr lvl="1"/>
             <a:r>
-              <a:rPr lang="en-US" smtClean="0"/>
+              <a:rPr lang="en-US"/>
               <a:t>Second level</a:t>
             </a:r>
           </a:p>
           <a:p>
             <a:pPr lvl="2"/>
             <a:r>
-              <a:rPr lang="en-US" smtClean="0"/>
+              <a:rPr lang="en-US"/>
               <a:t>Third level</a:t>
             </a:r>
           </a:p>
           <a:p>
             <a:pPr lvl="3"/>
             <a:r>
-              <a:rPr lang="en-US" smtClean="0"/>
+              <a:rPr lang="en-US"/>
               <a:t>Fourth level</a:t>
             </a:r>
           </a:p>
           <a:p>
             <a:pPr lvl="4"/>
             <a:r>
-              <a:rPr lang="en-US" smtClean="0"/>
+              <a:rPr lang="en-US"/>
               <a:t>Fifth level</a:t>
             </a:r>
-            <a:endParaRPr lang="en-US"/>
           </a:p>
         </p:txBody>
       </p:sp>
@@ -1758,7 +1760,7 @@
             <a:fld id="{1D8BD707-D9CF-40AE-B4C6-C98DA3205C09}" type="datetimeFigureOut">
               <a:rPr lang="en-US" smtClean="0"/>
               <a:pPr/>
-              <a:t>8/1/2011</a:t>
+              <a:t>2/2/2026</a:t>
             </a:fld>
             <a:endParaRPr lang="en-US"/>
           </a:p>
@@ -1848,10 +1850,9 @@
           <a:lstStyle/>
           <a:p>
             <a:r>
-              <a:rPr lang="en-US" smtClean="0"/>
+              <a:rPr lang="en-US"/>
               <a:t>Click to edit Master title style</a:t>
             </a:r>
-            <a:endParaRPr lang="en-US"/>
           </a:p>
         </p:txBody>
       </p:sp>
@@ -1873,7 +1874,7 @@
             <a:fld id="{1D8BD707-D9CF-40AE-B4C6-C98DA3205C09}" type="datetimeFigureOut">
               <a:rPr lang="en-US" smtClean="0"/>
               <a:pPr/>
-              <a:t>8/1/2011</a:t>
+              <a:t>2/2/2026</a:t>
             </a:fld>
             <a:endParaRPr lang="en-US"/>
           </a:p>
@@ -1965,7 +1966,7 @@
             <a:fld id="{1D8BD707-D9CF-40AE-B4C6-C98DA3205C09}" type="datetimeFigureOut">
               <a:rPr lang="en-US" smtClean="0"/>
               <a:pPr/>
-              <a:t>8/1/2011</a:t>
+              <a:t>2/2/2026</a:t>
             </a:fld>
             <a:endParaRPr lang="en-US"/>
           </a:p>
@@ -2064,10 +2065,9 @@
           </a:lstStyle>
           <a:p>
             <a:r>
-              <a:rPr lang="en-US" smtClean="0"/>
+              <a:rPr lang="en-US"/>
               <a:t>Click to edit Master title style</a:t>
             </a:r>
-            <a:endParaRPr lang="en-US"/>
           </a:p>
         </p:txBody>
       </p:sp>
@@ -2121,38 +2121,37 @@
           <a:p>
             <a:pPr lvl="0"/>
             <a:r>
-              <a:rPr lang="en-US" smtClean="0"/>
+              <a:rPr lang="en-US"/>
               <a:t>Click to edit Master text styles</a:t>
             </a:r>
           </a:p>
           <a:p>
             <a:pPr lvl="1"/>
             <a:r>
-              <a:rPr lang="en-US" smtClean="0"/>
+              <a:rPr lang="en-US"/>
               <a:t>Second level</a:t>
             </a:r>
           </a:p>
           <a:p>
             <a:pPr lvl="2"/>
             <a:r>
-              <a:rPr lang="en-US" smtClean="0"/>
+              <a:rPr lang="en-US"/>
               <a:t>Third level</a:t>
             </a:r>
           </a:p>
           <a:p>
             <a:pPr lvl="3"/>
             <a:r>
-              <a:rPr lang="en-US" smtClean="0"/>
+              <a:rPr lang="en-US"/>
               <a:t>Fourth level</a:t>
             </a:r>
           </a:p>
           <a:p>
             <a:pPr lvl="4"/>
             <a:r>
-              <a:rPr lang="en-US" smtClean="0"/>
+              <a:rPr lang="en-US"/>
               <a:t>Fifth level</a:t>
             </a:r>
-            <a:endParaRPr lang="en-US"/>
           </a:p>
         </p:txBody>
       </p:sp>
@@ -2215,7 +2214,7 @@
           <a:p>
             <a:pPr lvl="0"/>
             <a:r>
-              <a:rPr lang="en-US" smtClean="0"/>
+              <a:rPr lang="en-US"/>
               <a:t>Click to edit Master text styles</a:t>
             </a:r>
           </a:p>
@@ -2239,7 +2238,7 @@
             <a:fld id="{1D8BD707-D9CF-40AE-B4C6-C98DA3205C09}" type="datetimeFigureOut">
               <a:rPr lang="en-US" smtClean="0"/>
               <a:pPr/>
-              <a:t>8/1/2011</a:t>
+              <a:t>2/2/2026</a:t>
             </a:fld>
             <a:endParaRPr lang="en-US"/>
           </a:p>
@@ -2338,10 +2337,9 @@
           </a:lstStyle>
           <a:p>
             <a:r>
-              <a:rPr lang="en-US" smtClean="0"/>
+              <a:rPr lang="en-US"/>
               <a:t>Click to edit Master title style</a:t>
             </a:r>
-            <a:endParaRPr lang="en-US"/>
           </a:p>
         </p:txBody>
       </p:sp>
@@ -2465,7 +2463,7 @@
           <a:p>
             <a:pPr lvl="0"/>
             <a:r>
-              <a:rPr lang="en-US" smtClean="0"/>
+              <a:rPr lang="en-US"/>
               <a:t>Click to edit Master text styles</a:t>
             </a:r>
           </a:p>
@@ -2489,7 +2487,7 @@
             <a:fld id="{1D8BD707-D9CF-40AE-B4C6-C98DA3205C09}" type="datetimeFigureOut">
               <a:rPr lang="en-US" smtClean="0"/>
               <a:pPr/>
-              <a:t>8/1/2011</a:t>
+              <a:t>2/2/2026</a:t>
             </a:fld>
             <a:endParaRPr lang="en-US"/>
           </a:p>
@@ -2594,10 +2592,9 @@
           <a:lstStyle/>
           <a:p>
             <a:r>
-              <a:rPr lang="en-US" smtClean="0"/>
+              <a:rPr lang="en-US"/>
               <a:t>Click to edit Master title style</a:t>
             </a:r>
-            <a:endParaRPr lang="en-US"/>
           </a:p>
         </p:txBody>
       </p:sp>
@@ -2628,38 +2625,37 @@
           <a:p>
             <a:pPr lvl="0"/>
             <a:r>
-              <a:rPr lang="en-US" smtClean="0"/>
+              <a:rPr lang="en-US"/>
               <a:t>Click to edit Master text styles</a:t>
             </a:r>
           </a:p>
           <a:p>
             <a:pPr lvl="1"/>
             <a:r>
-              <a:rPr lang="en-US" smtClean="0"/>
+              <a:rPr lang="en-US"/>
               <a:t>Second level</a:t>
             </a:r>
           </a:p>
           <a:p>
             <a:pPr lvl="2"/>
             <a:r>
-              <a:rPr lang="en-US" smtClean="0"/>
+              <a:rPr lang="en-US"/>
               <a:t>Third level</a:t>
             </a:r>
           </a:p>
           <a:p>
             <a:pPr lvl="3"/>
             <a:r>
-              <a:rPr lang="en-US" smtClean="0"/>
+              <a:rPr lang="en-US"/>
               <a:t>Fourth level</a:t>
             </a:r>
           </a:p>
           <a:p>
             <a:pPr lvl="4"/>
             <a:r>
-              <a:rPr lang="en-US" smtClean="0"/>
+              <a:rPr lang="en-US"/>
               <a:t>Fifth level</a:t>
             </a:r>
-            <a:endParaRPr lang="en-US"/>
           </a:p>
         </p:txBody>
       </p:sp>
@@ -2699,7 +2695,7 @@
             <a:fld id="{1D8BD707-D9CF-40AE-B4C6-C98DA3205C09}" type="datetimeFigureOut">
               <a:rPr lang="en-US" smtClean="0"/>
               <a:pPr/>
-              <a:t>8/1/2011</a:t>
+              <a:t>2/2/2026</a:t>
             </a:fld>
             <a:endParaRPr lang="en-US"/>
           </a:p>
@@ -3054,7 +3050,7 @@
 </file>
 
 <file path=ppt/slides/slide1.xml><?xml version="1.0" encoding="utf-8"?>
-<p:sld xmlns:p="http://schemas.openxmlformats.org/presentationml/2006/main" xmlns:a="http://schemas.openxmlformats.org/drawingml/2006/main" xmlns:r="http://schemas.openxmlformats.org/officeDocument/2006/relationships">
+<p:sld xmlns:a="http://schemas.openxmlformats.org/drawingml/2006/main" xmlns:r="http://schemas.openxmlformats.org/officeDocument/2006/relationships" xmlns:p="http://schemas.openxmlformats.org/presentationml/2006/main">
   <p:cSld>
     <p:spTree>
       <p:nvGrpSpPr>
@@ -3072,12 +3068,14 @@
       </p:grpSpPr>
       <p:grpSp>
         <p:nvGrpSpPr>
-          <p:cNvPr name="Group 2" id="2"/>
-          <p:cNvGrpSpPr/>
+          <p:cNvPr id="2" name="Group 2"/>
+          <p:cNvGrpSpPr>
+            <a:grpSpLocks noGrp="1" noUngrp="1" noRot="1" noMove="1" noResize="1"/>
+          </p:cNvGrpSpPr>
           <p:nvPr/>
         </p:nvGrpSpPr>
         <p:grpSpPr>
-          <a:xfrm rot="0">
+          <a:xfrm>
             <a:off x="4430221" y="-315799"/>
             <a:ext cx="1842750" cy="4095799"/>
             <a:chOff x="0" y="0"/>
@@ -3086,12 +3084,14 @@
         </p:grpSpPr>
         <p:sp>
           <p:nvSpPr>
-            <p:cNvPr name="Freeform 3" id="3"/>
-            <p:cNvSpPr/>
+            <p:cNvPr id="3" name="Freeform 3"/>
+            <p:cNvSpPr>
+              <a:spLocks noGrp="1" noRot="1" noMove="1" noResize="1" noEditPoints="1" noAdjustHandles="1" noChangeArrowheads="1" noChangeShapeType="1"/>
+            </p:cNvSpPr>
             <p:nvPr/>
           </p:nvSpPr>
           <p:spPr>
-            <a:xfrm flipH="false" flipV="false" rot="0">
+            <a:xfrm>
               <a:off x="0" y="0"/>
               <a:ext cx="660400" cy="1467842"/>
             </a:xfrm>
@@ -3100,9 +3100,9 @@
               <a:gdLst/>
               <a:ahLst/>
               <a:cxnLst/>
-              <a:rect r="r" b="b" t="t" l="l"/>
+              <a:rect l="l" t="t" r="r" b="b"/>
               <a:pathLst>
-                <a:path h="1467842" w="660400">
+                <a:path w="660400" h="1467842">
                   <a:moveTo>
                     <a:pt x="220252" y="1448773"/>
                   </a:moveTo>
@@ -3150,13 +3150,18 @@
           </p:spPr>
           <p:txBody>
             <a:bodyPr/>
-            <a:p/>
+            <a:lstStyle/>
+            <a:p>
+              <a:endParaRPr/>
+            </a:p>
           </p:txBody>
         </p:sp>
         <p:sp>
           <p:nvSpPr>
-            <p:cNvPr name="TextBox 4" id="4"/>
-            <p:cNvSpPr txBox="true"/>
+            <p:cNvPr id="4" name="TextBox 4"/>
+            <p:cNvSpPr txBox="1">
+              <a:spLocks noGrp="1" noRot="1" noMove="1" noResize="1" noEditPoints="1" noAdjustHandles="1" noChangeArrowheads="1" noChangeShapeType="1"/>
+            </p:cNvSpPr>
             <p:nvPr/>
           </p:nvSpPr>
           <p:spPr>
@@ -3169,7 +3174,7 @@
             </a:prstGeom>
           </p:spPr>
           <p:txBody>
-            <a:bodyPr anchor="ctr" rtlCol="false" tIns="50800" lIns="50800" bIns="50800" rIns="50800"/>
+            <a:bodyPr lIns="50800" tIns="50800" rIns="50800" bIns="50800" rtlCol="0" anchor="ctr"/>
             <a:lstStyle/>
             <a:p>
               <a:pPr algn="ctr">
@@ -3177,18 +3182,21 @@
                   <a:spcPts val="1664"/>
                 </a:lnSpc>
               </a:pPr>
+              <a:endParaRPr/>
             </a:p>
           </p:txBody>
         </p:sp>
       </p:grpSp>
       <p:grpSp>
         <p:nvGrpSpPr>
-          <p:cNvPr name="Group 5" id="5"/>
-          <p:cNvGrpSpPr/>
+          <p:cNvPr id="5" name="Group 5"/>
+          <p:cNvGrpSpPr>
+            <a:grpSpLocks noGrp="1" noUngrp="1" noRot="1" noMove="1" noResize="1"/>
+          </p:cNvGrpSpPr>
           <p:nvPr/>
         </p:nvGrpSpPr>
         <p:grpSpPr>
-          <a:xfrm rot="0">
+          <a:xfrm>
             <a:off x="5108264" y="5875934"/>
             <a:ext cx="669436" cy="150528"/>
             <a:chOff x="0" y="0"/>
@@ -3197,12 +3205,14 @@
         </p:grpSpPr>
         <p:grpSp>
           <p:nvGrpSpPr>
-            <p:cNvPr name="Group 6" id="6"/>
-            <p:cNvGrpSpPr/>
+            <p:cNvPr id="6" name="Group 6"/>
+            <p:cNvGrpSpPr>
+              <a:grpSpLocks noGrp="1" noUngrp="1" noRot="1" noMove="1" noResize="1"/>
+            </p:cNvGrpSpPr>
             <p:nvPr/>
           </p:nvGrpSpPr>
           <p:grpSpPr>
-            <a:xfrm rot="0">
+            <a:xfrm>
               <a:off x="340404" y="0"/>
               <a:ext cx="200704" cy="200704"/>
               <a:chOff x="0" y="0"/>
@@ -3211,12 +3221,14 @@
           </p:grpSpPr>
           <p:sp>
             <p:nvSpPr>
-              <p:cNvPr name="Freeform 7" id="7"/>
-              <p:cNvSpPr/>
+              <p:cNvPr id="7" name="Freeform 7"/>
+              <p:cNvSpPr>
+                <a:spLocks noGrp="1" noRot="1" noMove="1" noResize="1" noEditPoints="1" noAdjustHandles="1" noChangeArrowheads="1" noChangeShapeType="1"/>
+              </p:cNvSpPr>
               <p:nvPr/>
             </p:nvSpPr>
             <p:spPr>
-              <a:xfrm flipH="false" flipV="false" rot="0">
+              <a:xfrm>
                 <a:off x="0" y="0"/>
                 <a:ext cx="812800" cy="812800"/>
               </a:xfrm>
@@ -3225,9 +3237,9 @@
                 <a:gdLst/>
                 <a:ahLst/>
                 <a:cxnLst/>
-                <a:rect r="r" b="b" t="t" l="l"/>
+                <a:rect l="l" t="t" r="r" b="b"/>
                 <a:pathLst>
-                  <a:path h="812800" w="812800">
+                  <a:path w="812800" h="812800">
                     <a:moveTo>
                       <a:pt x="406400" y="0"/>
                     </a:moveTo>
@@ -3270,13 +3282,18 @@
             </p:spPr>
             <p:txBody>
               <a:bodyPr/>
-              <a:p/>
+              <a:lstStyle/>
+              <a:p>
+                <a:endParaRPr/>
+              </a:p>
             </p:txBody>
           </p:sp>
           <p:sp>
             <p:nvSpPr>
-              <p:cNvPr name="TextBox 8" id="8"/>
-              <p:cNvSpPr txBox="true"/>
+              <p:cNvPr id="8" name="TextBox 8"/>
+              <p:cNvSpPr txBox="1">
+                <a:spLocks noGrp="1" noRot="1" noMove="1" noResize="1" noEditPoints="1" noAdjustHandles="1" noChangeArrowheads="1" noChangeShapeType="1"/>
+              </p:cNvSpPr>
               <p:nvPr/>
             </p:nvSpPr>
             <p:spPr>
@@ -3289,7 +3306,7 @@
               </a:prstGeom>
             </p:spPr>
             <p:txBody>
-              <a:bodyPr anchor="ctr" rtlCol="false" tIns="50800" lIns="50800" bIns="50800" rIns="50800"/>
+              <a:bodyPr lIns="50800" tIns="50800" rIns="50800" bIns="50800" rtlCol="0" anchor="ctr"/>
               <a:lstStyle/>
               <a:p>
                 <a:pPr algn="ctr">
@@ -3297,18 +3314,21 @@
                     <a:spcPts val="1664"/>
                   </a:lnSpc>
                 </a:pPr>
+                <a:endParaRPr/>
               </a:p>
             </p:txBody>
           </p:sp>
         </p:grpSp>
         <p:grpSp>
           <p:nvGrpSpPr>
-            <p:cNvPr name="Group 9" id="9"/>
-            <p:cNvGrpSpPr/>
+            <p:cNvPr id="9" name="Group 9"/>
+            <p:cNvGrpSpPr>
+              <a:grpSpLocks noGrp="1" noUngrp="1" noRot="1" noMove="1" noResize="1"/>
+            </p:cNvGrpSpPr>
             <p:nvPr/>
           </p:nvGrpSpPr>
           <p:grpSpPr>
-            <a:xfrm rot="0">
+            <a:xfrm>
               <a:off x="691878" y="0"/>
               <a:ext cx="200704" cy="200704"/>
               <a:chOff x="0" y="0"/>
@@ -3317,12 +3337,14 @@
           </p:grpSpPr>
           <p:sp>
             <p:nvSpPr>
-              <p:cNvPr name="Freeform 10" id="10"/>
-              <p:cNvSpPr/>
+              <p:cNvPr id="10" name="Freeform 10"/>
+              <p:cNvSpPr>
+                <a:spLocks noGrp="1" noRot="1" noMove="1" noResize="1" noEditPoints="1" noAdjustHandles="1" noChangeArrowheads="1" noChangeShapeType="1"/>
+              </p:cNvSpPr>
               <p:nvPr/>
             </p:nvSpPr>
             <p:spPr>
-              <a:xfrm flipH="false" flipV="false" rot="0">
+              <a:xfrm>
                 <a:off x="0" y="0"/>
                 <a:ext cx="812800" cy="812800"/>
               </a:xfrm>
@@ -3331,9 +3353,9 @@
                 <a:gdLst/>
                 <a:ahLst/>
                 <a:cxnLst/>
-                <a:rect r="r" b="b" t="t" l="l"/>
+                <a:rect l="l" t="t" r="r" b="b"/>
                 <a:pathLst>
-                  <a:path h="812800" w="812800">
+                  <a:path w="812800" h="812800">
                     <a:moveTo>
                       <a:pt x="406400" y="0"/>
                     </a:moveTo>
@@ -3376,13 +3398,18 @@
             </p:spPr>
             <p:txBody>
               <a:bodyPr/>
-              <a:p/>
+              <a:lstStyle/>
+              <a:p>
+                <a:endParaRPr/>
+              </a:p>
             </p:txBody>
           </p:sp>
           <p:sp>
             <p:nvSpPr>
-              <p:cNvPr name="TextBox 11" id="11"/>
-              <p:cNvSpPr txBox="true"/>
+              <p:cNvPr id="11" name="TextBox 11"/>
+              <p:cNvSpPr txBox="1">
+                <a:spLocks noGrp="1" noRot="1" noMove="1" noResize="1" noEditPoints="1" noAdjustHandles="1" noChangeArrowheads="1" noChangeShapeType="1"/>
+              </p:cNvSpPr>
               <p:nvPr/>
             </p:nvSpPr>
             <p:spPr>
@@ -3395,7 +3422,7 @@
               </a:prstGeom>
             </p:spPr>
             <p:txBody>
-              <a:bodyPr anchor="ctr" rtlCol="false" tIns="50800" lIns="50800" bIns="50800" rIns="50800"/>
+              <a:bodyPr lIns="50800" tIns="50800" rIns="50800" bIns="50800" rtlCol="0" anchor="ctr"/>
               <a:lstStyle/>
               <a:p>
                 <a:pPr algn="ctr">
@@ -3403,18 +3430,21 @@
                     <a:spcPts val="1664"/>
                   </a:lnSpc>
                 </a:pPr>
+                <a:endParaRPr/>
               </a:p>
             </p:txBody>
           </p:sp>
         </p:grpSp>
         <p:grpSp>
           <p:nvGrpSpPr>
-            <p:cNvPr name="Group 12" id="12"/>
-            <p:cNvGrpSpPr/>
+            <p:cNvPr id="12" name="Group 12"/>
+            <p:cNvGrpSpPr>
+              <a:grpSpLocks noGrp="1" noUngrp="1" noRot="1" noMove="1" noResize="1"/>
+            </p:cNvGrpSpPr>
             <p:nvPr/>
           </p:nvGrpSpPr>
           <p:grpSpPr>
-            <a:xfrm rot="0">
+            <a:xfrm>
               <a:off x="0" y="0"/>
               <a:ext cx="200704" cy="200704"/>
               <a:chOff x="0" y="0"/>
@@ -3423,12 +3453,14 @@
           </p:grpSpPr>
           <p:sp>
             <p:nvSpPr>
-              <p:cNvPr name="Freeform 13" id="13"/>
-              <p:cNvSpPr/>
+              <p:cNvPr id="13" name="Freeform 13"/>
+              <p:cNvSpPr>
+                <a:spLocks noGrp="1" noRot="1" noMove="1" noResize="1" noEditPoints="1" noAdjustHandles="1" noChangeArrowheads="1" noChangeShapeType="1"/>
+              </p:cNvSpPr>
               <p:nvPr/>
             </p:nvSpPr>
             <p:spPr>
-              <a:xfrm flipH="false" flipV="false" rot="0">
+              <a:xfrm>
                 <a:off x="0" y="0"/>
                 <a:ext cx="812800" cy="812800"/>
               </a:xfrm>
@@ -3437,9 +3469,9 @@
                 <a:gdLst/>
                 <a:ahLst/>
                 <a:cxnLst/>
-                <a:rect r="r" b="b" t="t" l="l"/>
+                <a:rect l="l" t="t" r="r" b="b"/>
                 <a:pathLst>
-                  <a:path h="812800" w="812800">
+                  <a:path w="812800" h="812800">
                     <a:moveTo>
                       <a:pt x="406400" y="0"/>
                     </a:moveTo>
@@ -3482,13 +3514,18 @@
             </p:spPr>
             <p:txBody>
               <a:bodyPr/>
-              <a:p/>
+              <a:lstStyle/>
+              <a:p>
+                <a:endParaRPr/>
+              </a:p>
             </p:txBody>
           </p:sp>
           <p:sp>
             <p:nvSpPr>
-              <p:cNvPr name="TextBox 14" id="14"/>
-              <p:cNvSpPr txBox="true"/>
+              <p:cNvPr id="14" name="TextBox 14"/>
+              <p:cNvSpPr txBox="1">
+                <a:spLocks noGrp="1" noRot="1" noMove="1" noResize="1" noEditPoints="1" noAdjustHandles="1" noChangeArrowheads="1" noChangeShapeType="1"/>
+              </p:cNvSpPr>
               <p:nvPr/>
             </p:nvSpPr>
             <p:spPr>
@@ -3501,7 +3538,7 @@
               </a:prstGeom>
             </p:spPr>
             <p:txBody>
-              <a:bodyPr anchor="ctr" rtlCol="false" tIns="50800" lIns="50800" bIns="50800" rIns="50800"/>
+              <a:bodyPr lIns="50800" tIns="50800" rIns="50800" bIns="50800" rtlCol="0" anchor="ctr"/>
               <a:lstStyle/>
               <a:p>
                 <a:pPr algn="ctr">
@@ -3509,6 +3546,7 @@
                     <a:spcPts val="1664"/>
                   </a:lnSpc>
                 </a:pPr>
+                <a:endParaRPr/>
               </a:p>
             </p:txBody>
           </p:sp>
@@ -3516,12 +3554,14 @@
       </p:grpSp>
       <p:grpSp>
         <p:nvGrpSpPr>
-          <p:cNvPr name="Group 15" id="15"/>
-          <p:cNvGrpSpPr/>
+          <p:cNvPr id="15" name="Group 15"/>
+          <p:cNvGrpSpPr>
+            <a:grpSpLocks noGrp="1" noUngrp="1" noRot="1" noMove="1" noResize="1"/>
+          </p:cNvGrpSpPr>
           <p:nvPr/>
         </p:nvGrpSpPr>
         <p:grpSpPr>
-          <a:xfrm rot="0">
+          <a:xfrm>
             <a:off x="290103" y="162198"/>
             <a:ext cx="3146443" cy="2605461"/>
             <a:chOff x="0" y="0"/>
@@ -3530,12 +3570,14 @@
         </p:grpSpPr>
         <p:grpSp>
           <p:nvGrpSpPr>
-            <p:cNvPr name="Group 16" id="16"/>
-            <p:cNvGrpSpPr/>
+            <p:cNvPr id="16" name="Group 16"/>
+            <p:cNvGrpSpPr>
+              <a:grpSpLocks noGrp="1" noUngrp="1" noRot="1" noMove="1" noResize="1"/>
+            </p:cNvGrpSpPr>
             <p:nvPr/>
           </p:nvGrpSpPr>
           <p:grpSpPr>
-            <a:xfrm rot="0">
+            <a:xfrm>
               <a:off x="0" y="0"/>
               <a:ext cx="885827" cy="885827"/>
               <a:chOff x="0" y="0"/>
@@ -3544,12 +3586,14 @@
           </p:grpSpPr>
           <p:sp>
             <p:nvSpPr>
-              <p:cNvPr name="Freeform 17" id="17"/>
-              <p:cNvSpPr/>
+              <p:cNvPr id="17" name="Freeform 17"/>
+              <p:cNvSpPr>
+                <a:spLocks noGrp="1" noRot="1" noMove="1" noResize="1" noEditPoints="1" noAdjustHandles="1" noChangeArrowheads="1" noChangeShapeType="1"/>
+              </p:cNvSpPr>
               <p:nvPr/>
             </p:nvSpPr>
             <p:spPr>
-              <a:xfrm flipH="false" flipV="false" rot="0">
+              <a:xfrm>
                 <a:off x="0" y="0"/>
                 <a:ext cx="812800" cy="812800"/>
               </a:xfrm>
@@ -3558,9 +3602,9 @@
                 <a:gdLst/>
                 <a:ahLst/>
                 <a:cxnLst/>
-                <a:rect r="r" b="b" t="t" l="l"/>
+                <a:rect l="l" t="t" r="r" b="b"/>
                 <a:pathLst>
-                  <a:path h="812800" w="812800">
+                  <a:path w="812800" h="812800">
                     <a:moveTo>
                       <a:pt x="406400" y="0"/>
                     </a:moveTo>
@@ -3594,13 +3638,18 @@
             </p:spPr>
             <p:txBody>
               <a:bodyPr/>
-              <a:p/>
+              <a:lstStyle/>
+              <a:p>
+                <a:endParaRPr/>
+              </a:p>
             </p:txBody>
           </p:sp>
           <p:sp>
             <p:nvSpPr>
-              <p:cNvPr name="TextBox 18" id="18"/>
-              <p:cNvSpPr txBox="true"/>
+              <p:cNvPr id="18" name="TextBox 18"/>
+              <p:cNvSpPr txBox="1">
+                <a:spLocks noGrp="1" noRot="1" noMove="1" noResize="1" noEditPoints="1" noAdjustHandles="1" noChangeArrowheads="1" noChangeShapeType="1"/>
+              </p:cNvSpPr>
               <p:nvPr/>
             </p:nvSpPr>
             <p:spPr>
@@ -3613,7 +3662,7 @@
               </a:prstGeom>
             </p:spPr>
             <p:txBody>
-              <a:bodyPr anchor="ctr" rtlCol="false" tIns="50800" lIns="50800" bIns="50800" rIns="50800"/>
+              <a:bodyPr lIns="50800" tIns="50800" rIns="50800" bIns="50800" rtlCol="0" anchor="ctr"/>
               <a:lstStyle/>
               <a:p>
                 <a:pPr algn="ctr">
@@ -3621,46 +3670,54 @@
                     <a:spcPts val="1664"/>
                   </a:lnSpc>
                 </a:pPr>
+                <a:endParaRPr/>
               </a:p>
             </p:txBody>
           </p:sp>
         </p:grpSp>
         <p:sp>
           <p:nvSpPr>
-            <p:cNvPr name="AutoShape 19" id="19"/>
-            <p:cNvSpPr/>
+            <p:cNvPr id="19" name="AutoShape 19"/>
+            <p:cNvSpPr>
+              <a:spLocks noGrp="1" noRot="1" noMove="1" noResize="1" noEditPoints="1" noAdjustHandles="1" noChangeArrowheads="1" noChangeShapeType="1"/>
+            </p:cNvSpPr>
             <p:nvPr/>
           </p:nvSpPr>
           <p:spPr>
-            <a:xfrm flipV="true">
+            <a:xfrm flipV="1">
               <a:off x="885827" y="998817"/>
               <a:ext cx="1889581" cy="0"/>
             </a:xfrm>
             <a:prstGeom prst="line">
               <a:avLst/>
             </a:prstGeom>
-            <a:ln cap="rnd" w="25400">
+            <a:ln w="25400" cap="rnd">
               <a:solidFill>
                 <a:srgbClr val="767576"/>
               </a:solidFill>
               <a:prstDash val="solid"/>
-              <a:headEnd type="none" len="sm" w="sm"/>
-              <a:tailEnd type="none" len="sm" w="sm"/>
+              <a:headEnd type="none" w="sm" len="sm"/>
+              <a:tailEnd type="none" w="sm" len="sm"/>
             </a:ln>
           </p:spPr>
           <p:txBody>
             <a:bodyPr/>
-            <a:p/>
+            <a:lstStyle/>
+            <a:p>
+              <a:endParaRPr/>
+            </a:p>
           </p:txBody>
         </p:sp>
         <p:sp>
           <p:nvSpPr>
-            <p:cNvPr name="TextBox 20" id="20"/>
-            <p:cNvSpPr txBox="true"/>
+            <p:cNvPr id="20" name="TextBox 20"/>
+            <p:cNvSpPr txBox="1">
+              <a:spLocks noGrp="1" noRot="1" noMove="1" noResize="1" noEditPoints="1" noAdjustHandles="1" noChangeArrowheads="1" noChangeShapeType="1"/>
+            </p:cNvSpPr>
             <p:nvPr/>
           </p:nvSpPr>
           <p:spPr>
-            <a:xfrm rot="0">
+            <a:xfrm>
               <a:off x="442914" y="152693"/>
               <a:ext cx="3752344" cy="693724"/>
             </a:xfrm>
@@ -3669,7 +3726,7 @@
             </a:prstGeom>
           </p:spPr>
           <p:txBody>
-            <a:bodyPr anchor="t" rtlCol="false" tIns="0" lIns="0" bIns="0" rIns="0">
+            <a:bodyPr lIns="0" tIns="0" rIns="0" bIns="0" rtlCol="0" anchor="t">
               <a:spAutoFit/>
             </a:bodyPr>
             <a:lstStyle/>
@@ -3680,7 +3737,7 @@
                 </a:lnSpc>
               </a:pPr>
               <a:r>
-                <a:rPr lang="en-US" sz="1169" b="true">
+                <a:rPr lang="en-US" sz="1169" b="1" dirty="0">
                   <a:solidFill>
                     <a:srgbClr val="000000"/>
                   </a:solidFill>
@@ -3699,7 +3756,7 @@
                 </a:lnSpc>
               </a:pPr>
               <a:r>
-                <a:rPr lang="en-US" sz="1169">
+                <a:rPr lang="en-US" sz="1169" dirty="0">
                   <a:solidFill>
                     <a:srgbClr val="000000"/>
                   </a:solidFill>
@@ -3715,12 +3772,14 @@
         </p:sp>
         <p:grpSp>
           <p:nvGrpSpPr>
-            <p:cNvPr name="Group 21" id="21"/>
-            <p:cNvGrpSpPr/>
+            <p:cNvPr id="21" name="Group 21"/>
+            <p:cNvGrpSpPr>
+              <a:grpSpLocks noGrp="1" noUngrp="1" noRot="1" noMove="1" noResize="1"/>
+            </p:cNvGrpSpPr>
             <p:nvPr/>
           </p:nvGrpSpPr>
           <p:grpSpPr>
-            <a:xfrm rot="0">
+            <a:xfrm>
               <a:off x="0" y="1143217"/>
               <a:ext cx="885827" cy="885827"/>
               <a:chOff x="0" y="0"/>
@@ -3729,12 +3788,14 @@
           </p:grpSpPr>
           <p:sp>
             <p:nvSpPr>
-              <p:cNvPr name="Freeform 22" id="22"/>
-              <p:cNvSpPr/>
+              <p:cNvPr id="22" name="Freeform 22"/>
+              <p:cNvSpPr>
+                <a:spLocks noGrp="1" noRot="1" noMove="1" noResize="1" noEditPoints="1" noAdjustHandles="1" noChangeArrowheads="1" noChangeShapeType="1"/>
+              </p:cNvSpPr>
               <p:nvPr/>
             </p:nvSpPr>
             <p:spPr>
-              <a:xfrm flipH="false" flipV="false" rot="0">
+              <a:xfrm>
                 <a:off x="0" y="0"/>
                 <a:ext cx="812800" cy="812800"/>
               </a:xfrm>
@@ -3743,9 +3804,9 @@
                 <a:gdLst/>
                 <a:ahLst/>
                 <a:cxnLst/>
-                <a:rect r="r" b="b" t="t" l="l"/>
+                <a:rect l="l" t="t" r="r" b="b"/>
                 <a:pathLst>
-                  <a:path h="812800" w="812800">
+                  <a:path w="812800" h="812800">
                     <a:moveTo>
                       <a:pt x="406400" y="0"/>
                     </a:moveTo>
@@ -3779,13 +3840,18 @@
             </p:spPr>
             <p:txBody>
               <a:bodyPr/>
-              <a:p/>
+              <a:lstStyle/>
+              <a:p>
+                <a:endParaRPr/>
+              </a:p>
             </p:txBody>
           </p:sp>
           <p:sp>
             <p:nvSpPr>
-              <p:cNvPr name="TextBox 23" id="23"/>
-              <p:cNvSpPr txBox="true"/>
+              <p:cNvPr id="23" name="TextBox 23"/>
+              <p:cNvSpPr txBox="1">
+                <a:spLocks noGrp="1" noRot="1" noMove="1" noResize="1" noEditPoints="1" noAdjustHandles="1" noChangeArrowheads="1" noChangeShapeType="1"/>
+              </p:cNvSpPr>
               <p:nvPr/>
             </p:nvSpPr>
             <p:spPr>
@@ -3798,7 +3864,7 @@
               </a:prstGeom>
             </p:spPr>
             <p:txBody>
-              <a:bodyPr anchor="ctr" rtlCol="false" tIns="50800" lIns="50800" bIns="50800" rIns="50800"/>
+              <a:bodyPr lIns="50800" tIns="50800" rIns="50800" bIns="50800" rtlCol="0" anchor="ctr"/>
               <a:lstStyle/>
               <a:p>
                 <a:pPr algn="ctr">
@@ -3806,18 +3872,21 @@
                     <a:spcPts val="1664"/>
                   </a:lnSpc>
                 </a:pPr>
+                <a:endParaRPr/>
               </a:p>
             </p:txBody>
           </p:sp>
         </p:grpSp>
         <p:grpSp>
           <p:nvGrpSpPr>
-            <p:cNvPr name="Group 24" id="24"/>
-            <p:cNvGrpSpPr/>
+            <p:cNvPr id="24" name="Group 24"/>
+            <p:cNvGrpSpPr>
+              <a:grpSpLocks noGrp="1" noUngrp="1" noRot="1" noMove="1" noResize="1"/>
+            </p:cNvGrpSpPr>
             <p:nvPr/>
           </p:nvGrpSpPr>
           <p:grpSpPr>
-            <a:xfrm rot="0">
+            <a:xfrm>
               <a:off x="0" y="2403461"/>
               <a:ext cx="885827" cy="885827"/>
               <a:chOff x="0" y="0"/>
@@ -3826,12 +3895,14 @@
           </p:grpSpPr>
           <p:sp>
             <p:nvSpPr>
-              <p:cNvPr name="Freeform 25" id="25"/>
-              <p:cNvSpPr/>
+              <p:cNvPr id="25" name="Freeform 25"/>
+              <p:cNvSpPr>
+                <a:spLocks noGrp="1" noRot="1" noMove="1" noResize="1" noEditPoints="1" noAdjustHandles="1" noChangeArrowheads="1" noChangeShapeType="1"/>
+              </p:cNvSpPr>
               <p:nvPr/>
             </p:nvSpPr>
             <p:spPr>
-              <a:xfrm flipH="false" flipV="false" rot="0">
+              <a:xfrm>
                 <a:off x="0" y="0"/>
                 <a:ext cx="812800" cy="812800"/>
               </a:xfrm>
@@ -3840,9 +3911,9 @@
                 <a:gdLst/>
                 <a:ahLst/>
                 <a:cxnLst/>
-                <a:rect r="r" b="b" t="t" l="l"/>
+                <a:rect l="l" t="t" r="r" b="b"/>
                 <a:pathLst>
-                  <a:path h="812800" w="812800">
+                  <a:path w="812800" h="812800">
                     <a:moveTo>
                       <a:pt x="406400" y="0"/>
                     </a:moveTo>
@@ -3876,13 +3947,18 @@
             </p:spPr>
             <p:txBody>
               <a:bodyPr/>
-              <a:p/>
+              <a:lstStyle/>
+              <a:p>
+                <a:endParaRPr/>
+              </a:p>
             </p:txBody>
           </p:sp>
           <p:sp>
             <p:nvSpPr>
-              <p:cNvPr name="TextBox 26" id="26"/>
-              <p:cNvSpPr txBox="true"/>
+              <p:cNvPr id="26" name="TextBox 26"/>
+              <p:cNvSpPr txBox="1">
+                <a:spLocks noGrp="1" noRot="1" noMove="1" noResize="1" noEditPoints="1" noAdjustHandles="1" noChangeArrowheads="1" noChangeShapeType="1"/>
+              </p:cNvSpPr>
               <p:nvPr/>
             </p:nvSpPr>
             <p:spPr>
@@ -3895,7 +3971,7 @@
               </a:prstGeom>
             </p:spPr>
             <p:txBody>
-              <a:bodyPr anchor="ctr" rtlCol="false" tIns="50800" lIns="50800" bIns="50800" rIns="50800"/>
+              <a:bodyPr lIns="50800" tIns="50800" rIns="50800" bIns="50800" rtlCol="0" anchor="ctr"/>
               <a:lstStyle/>
               <a:p>
                 <a:pPr algn="ctr">
@@ -3903,74 +3979,87 @@
                     <a:spcPts val="1664"/>
                   </a:lnSpc>
                 </a:pPr>
+                <a:endParaRPr/>
               </a:p>
             </p:txBody>
           </p:sp>
         </p:grpSp>
         <p:sp>
           <p:nvSpPr>
-            <p:cNvPr name="AutoShape 27" id="27"/>
-            <p:cNvSpPr/>
+            <p:cNvPr id="27" name="AutoShape 27"/>
+            <p:cNvSpPr>
+              <a:spLocks noGrp="1" noRot="1" noMove="1" noResize="1" noEditPoints="1" noAdjustHandles="1" noChangeArrowheads="1" noChangeShapeType="1"/>
+            </p:cNvSpPr>
             <p:nvPr/>
           </p:nvSpPr>
           <p:spPr>
-            <a:xfrm flipV="true">
+            <a:xfrm flipV="1">
               <a:off x="885827" y="3461248"/>
               <a:ext cx="1889581" cy="0"/>
             </a:xfrm>
             <a:prstGeom prst="line">
               <a:avLst/>
             </a:prstGeom>
-            <a:ln cap="rnd" w="25400">
+            <a:ln w="25400" cap="rnd">
               <a:solidFill>
                 <a:srgbClr val="767576"/>
               </a:solidFill>
               <a:prstDash val="solid"/>
-              <a:headEnd type="none" len="sm" w="sm"/>
-              <a:tailEnd type="none" len="sm" w="sm"/>
+              <a:headEnd type="none" w="sm" len="sm"/>
+              <a:tailEnd type="none" w="sm" len="sm"/>
             </a:ln>
           </p:spPr>
           <p:txBody>
             <a:bodyPr/>
-            <a:p/>
+            <a:lstStyle/>
+            <a:p>
+              <a:endParaRPr/>
+            </a:p>
           </p:txBody>
         </p:sp>
         <p:sp>
           <p:nvSpPr>
-            <p:cNvPr name="AutoShape 28" id="28"/>
-            <p:cNvSpPr/>
+            <p:cNvPr id="28" name="AutoShape 28"/>
+            <p:cNvSpPr>
+              <a:spLocks noGrp="1" noRot="1" noMove="1" noResize="1" noEditPoints="1" noAdjustHandles="1" noChangeArrowheads="1" noChangeShapeType="1"/>
+            </p:cNvSpPr>
             <p:nvPr/>
           </p:nvSpPr>
           <p:spPr>
-            <a:xfrm flipV="true">
+            <a:xfrm flipV="1">
               <a:off x="885827" y="2187561"/>
               <a:ext cx="1889581" cy="0"/>
             </a:xfrm>
             <a:prstGeom prst="line">
               <a:avLst/>
             </a:prstGeom>
-            <a:ln cap="rnd" w="25400">
+            <a:ln w="25400" cap="rnd">
               <a:solidFill>
                 <a:srgbClr val="767576"/>
               </a:solidFill>
               <a:prstDash val="solid"/>
-              <a:headEnd type="none" len="sm" w="sm"/>
-              <a:tailEnd type="none" len="sm" w="sm"/>
+              <a:headEnd type="none" w="sm" len="sm"/>
+              <a:tailEnd type="none" w="sm" len="sm"/>
             </a:ln>
           </p:spPr>
           <p:txBody>
             <a:bodyPr/>
-            <a:p/>
+            <a:lstStyle/>
+            <a:p>
+              <a:endParaRPr/>
+            </a:p>
           </p:txBody>
         </p:sp>
         <p:sp>
           <p:nvSpPr>
-            <p:cNvPr name="TextBox 29" id="29"/>
-            <p:cNvSpPr txBox="true"/>
+            <p:cNvPr id="29" name="TextBox 29"/>
+            <p:cNvSpPr txBox="1">
+              <a:spLocks noGrp="1" noRot="1" noMove="1" noResize="1" noEditPoints="1" noAdjustHandles="1" noChangeArrowheads="1" noChangeShapeType="1"/>
+            </p:cNvSpPr>
             <p:nvPr/>
           </p:nvSpPr>
           <p:spPr>
-            <a:xfrm rot="0">
+            <a:xfrm>
               <a:off x="442914" y="1226277"/>
               <a:ext cx="3628992" cy="863600"/>
             </a:xfrm>
@@ -3979,7 +4068,7 @@
             </a:prstGeom>
           </p:spPr>
           <p:txBody>
-            <a:bodyPr anchor="t" rtlCol="false" tIns="0" lIns="0" bIns="0" rIns="0">
+            <a:bodyPr lIns="0" tIns="0" rIns="0" bIns="0" rtlCol="0" anchor="t">
               <a:spAutoFit/>
             </a:bodyPr>
             <a:lstStyle/>
@@ -3990,7 +4079,7 @@
                 </a:lnSpc>
               </a:pPr>
               <a:r>
-                <a:rPr lang="en-US" sz="1109" b="true">
+                <a:rPr lang="en-US" sz="1109" b="1" dirty="0">
                   <a:solidFill>
                     <a:srgbClr val="000000"/>
                   </a:solidFill>
@@ -4009,7 +4098,7 @@
                 </a:lnSpc>
               </a:pPr>
               <a:r>
-                <a:rPr lang="en-US" sz="1109">
+                <a:rPr lang="en-US" sz="1109" dirty="0">
                   <a:solidFill>
                     <a:srgbClr val="000000"/>
                   </a:solidFill>
@@ -4025,12 +4114,14 @@
         </p:sp>
         <p:sp>
           <p:nvSpPr>
-            <p:cNvPr name="TextBox 30" id="30"/>
-            <p:cNvSpPr txBox="true"/>
+            <p:cNvPr id="30" name="TextBox 30"/>
+            <p:cNvSpPr txBox="1">
+              <a:spLocks noGrp="1" noRot="1" noMove="1" noResize="1" noEditPoints="1" noAdjustHandles="1" noChangeArrowheads="1" noChangeShapeType="1"/>
+            </p:cNvSpPr>
             <p:nvPr/>
           </p:nvSpPr>
           <p:spPr>
-            <a:xfrm rot="0">
+            <a:xfrm>
               <a:off x="393917" y="2527752"/>
               <a:ext cx="3677989" cy="676406"/>
             </a:xfrm>
@@ -4039,7 +4130,7 @@
             </a:prstGeom>
           </p:spPr>
           <p:txBody>
-            <a:bodyPr anchor="t" rtlCol="false" tIns="0" lIns="0" bIns="0" rIns="0">
+            <a:bodyPr lIns="0" tIns="0" rIns="0" bIns="0" rtlCol="0" anchor="t">
               <a:spAutoFit/>
             </a:bodyPr>
             <a:lstStyle/>
@@ -4050,7 +4141,7 @@
                 </a:lnSpc>
               </a:pPr>
               <a:r>
-                <a:rPr lang="en-US" sz="1109" b="true">
+                <a:rPr lang="en-US" sz="1109" b="1" dirty="0">
                   <a:solidFill>
                     <a:srgbClr val="000000"/>
                   </a:solidFill>
@@ -4069,7 +4160,7 @@
                 </a:lnSpc>
               </a:pPr>
               <a:r>
-                <a:rPr lang="en-US" sz="1109">
+                <a:rPr lang="en-US" sz="1109" dirty="0">
                   <a:solidFill>
                     <a:srgbClr val="000000"/>
                   </a:solidFill>
@@ -4078,19 +4169,7 @@
                   <a:cs typeface="Circe"/>
                   <a:sym typeface="Circe"/>
                 </a:rPr>
-                <a:t>Order</a:t>
-              </a:r>
-              <a:r>
-                <a:rPr lang="en-US" sz="1109">
-                  <a:solidFill>
-                    <a:srgbClr val="000000"/>
-                  </a:solidFill>
-                  <a:latin typeface="Circe"/>
-                  <a:ea typeface="Circe"/>
-                  <a:cs typeface="Circe"/>
-                  <a:sym typeface="Circe"/>
-                </a:rPr>
-                <a:t> a transfer to the railway station or airport — details at reception.</a:t>
+                <a:t>Order a transfer to the railway station or airport — details at reception.</a:t>
               </a:r>
             </a:p>
           </p:txBody>
@@ -4098,12 +4177,14 @@
       </p:grpSp>
       <p:grpSp>
         <p:nvGrpSpPr>
-          <p:cNvPr name="Group 31" id="31"/>
-          <p:cNvGrpSpPr/>
+          <p:cNvPr id="31" name="Group 31"/>
+          <p:cNvGrpSpPr>
+            <a:grpSpLocks noGrp="1" noUngrp="1" noRot="1" noMove="1" noResize="1"/>
+          </p:cNvGrpSpPr>
           <p:nvPr/>
         </p:nvGrpSpPr>
         <p:grpSpPr>
-          <a:xfrm rot="0">
+          <a:xfrm>
             <a:off x="290103" y="2885915"/>
             <a:ext cx="664370" cy="664370"/>
             <a:chOff x="0" y="0"/>
@@ -4112,12 +4193,14 @@
         </p:grpSpPr>
         <p:sp>
           <p:nvSpPr>
-            <p:cNvPr name="Freeform 32" id="32"/>
-            <p:cNvSpPr/>
+            <p:cNvPr id="32" name="Freeform 32"/>
+            <p:cNvSpPr>
+              <a:spLocks noGrp="1" noRot="1" noMove="1" noResize="1" noEditPoints="1" noAdjustHandles="1" noChangeArrowheads="1" noChangeShapeType="1"/>
+            </p:cNvSpPr>
             <p:nvPr/>
           </p:nvSpPr>
           <p:spPr>
-            <a:xfrm flipH="false" flipV="false" rot="0">
+            <a:xfrm>
               <a:off x="0" y="0"/>
               <a:ext cx="812800" cy="812800"/>
             </a:xfrm>
@@ -4126,9 +4209,9 @@
               <a:gdLst/>
               <a:ahLst/>
               <a:cxnLst/>
-              <a:rect r="r" b="b" t="t" l="l"/>
+              <a:rect l="l" t="t" r="r" b="b"/>
               <a:pathLst>
-                <a:path h="812800" w="812800">
+                <a:path w="812800" h="812800">
                   <a:moveTo>
                     <a:pt x="406400" y="0"/>
                   </a:moveTo>
@@ -4162,13 +4245,18 @@
           </p:spPr>
           <p:txBody>
             <a:bodyPr/>
-            <a:p/>
+            <a:lstStyle/>
+            <a:p>
+              <a:endParaRPr/>
+            </a:p>
           </p:txBody>
         </p:sp>
         <p:sp>
           <p:nvSpPr>
-            <p:cNvPr name="TextBox 33" id="33"/>
-            <p:cNvSpPr txBox="true"/>
+            <p:cNvPr id="33" name="TextBox 33"/>
+            <p:cNvSpPr txBox="1">
+              <a:spLocks noGrp="1" noRot="1" noMove="1" noResize="1" noEditPoints="1" noAdjustHandles="1" noChangeArrowheads="1" noChangeShapeType="1"/>
+            </p:cNvSpPr>
             <p:nvPr/>
           </p:nvSpPr>
           <p:spPr>
@@ -4181,7 +4269,7 @@
             </a:prstGeom>
           </p:spPr>
           <p:txBody>
-            <a:bodyPr anchor="ctr" rtlCol="false" tIns="50800" lIns="50800" bIns="50800" rIns="50800"/>
+            <a:bodyPr lIns="50800" tIns="50800" rIns="50800" bIns="50800" rtlCol="0" anchor="ctr"/>
             <a:lstStyle/>
             <a:p>
               <a:pPr algn="ctr">
@@ -4189,18 +4277,21 @@
                   <a:spcPts val="1664"/>
                 </a:lnSpc>
               </a:pPr>
+              <a:endParaRPr/>
             </a:p>
           </p:txBody>
         </p:sp>
       </p:grpSp>
       <p:grpSp>
         <p:nvGrpSpPr>
-          <p:cNvPr name="Group 34" id="34"/>
-          <p:cNvGrpSpPr/>
+          <p:cNvPr id="34" name="Group 34"/>
+          <p:cNvGrpSpPr>
+            <a:grpSpLocks noGrp="1" noUngrp="1" noRot="1" noMove="1" noResize="1"/>
+          </p:cNvGrpSpPr>
           <p:nvPr/>
         </p:nvGrpSpPr>
         <p:grpSpPr>
-          <a:xfrm rot="0">
+          <a:xfrm>
             <a:off x="290103" y="3796888"/>
             <a:ext cx="664370" cy="664370"/>
             <a:chOff x="0" y="0"/>
@@ -4209,12 +4300,14 @@
         </p:grpSpPr>
         <p:sp>
           <p:nvSpPr>
-            <p:cNvPr name="Freeform 35" id="35"/>
-            <p:cNvSpPr/>
+            <p:cNvPr id="35" name="Freeform 35"/>
+            <p:cNvSpPr>
+              <a:spLocks noGrp="1" noRot="1" noMove="1" noResize="1" noEditPoints="1" noAdjustHandles="1" noChangeArrowheads="1" noChangeShapeType="1"/>
+            </p:cNvSpPr>
             <p:nvPr/>
           </p:nvSpPr>
           <p:spPr>
-            <a:xfrm flipH="false" flipV="false" rot="0">
+            <a:xfrm>
               <a:off x="0" y="0"/>
               <a:ext cx="812800" cy="812800"/>
             </a:xfrm>
@@ -4223,9 +4316,9 @@
               <a:gdLst/>
               <a:ahLst/>
               <a:cxnLst/>
-              <a:rect r="r" b="b" t="t" l="l"/>
+              <a:rect l="l" t="t" r="r" b="b"/>
               <a:pathLst>
-                <a:path h="812800" w="812800">
+                <a:path w="812800" h="812800">
                   <a:moveTo>
                     <a:pt x="406400" y="0"/>
                   </a:moveTo>
@@ -4259,13 +4352,18 @@
           </p:spPr>
           <p:txBody>
             <a:bodyPr/>
-            <a:p/>
+            <a:lstStyle/>
+            <a:p>
+              <a:endParaRPr/>
+            </a:p>
           </p:txBody>
         </p:sp>
         <p:sp>
           <p:nvSpPr>
-            <p:cNvPr name="TextBox 36" id="36"/>
-            <p:cNvSpPr txBox="true"/>
+            <p:cNvPr id="36" name="TextBox 36"/>
+            <p:cNvSpPr txBox="1">
+              <a:spLocks noGrp="1" noRot="1" noMove="1" noResize="1" noEditPoints="1" noAdjustHandles="1" noChangeArrowheads="1" noChangeShapeType="1"/>
+            </p:cNvSpPr>
             <p:nvPr/>
           </p:nvSpPr>
           <p:spPr>
@@ -4278,7 +4376,7 @@
             </a:prstGeom>
           </p:spPr>
           <p:txBody>
-            <a:bodyPr anchor="ctr" rtlCol="false" tIns="50800" lIns="50800" bIns="50800" rIns="50800"/>
+            <a:bodyPr lIns="50800" tIns="50800" rIns="50800" bIns="50800" rtlCol="0" anchor="ctr"/>
             <a:lstStyle/>
             <a:p>
               <a:pPr algn="ctr">
@@ -4286,18 +4384,21 @@
                   <a:spcPts val="1664"/>
                 </a:lnSpc>
               </a:pPr>
+              <a:endParaRPr/>
             </a:p>
           </p:txBody>
         </p:sp>
       </p:grpSp>
       <p:grpSp>
         <p:nvGrpSpPr>
-          <p:cNvPr name="Group 37" id="37"/>
-          <p:cNvGrpSpPr/>
+          <p:cNvPr id="37" name="Group 37"/>
+          <p:cNvGrpSpPr>
+            <a:grpSpLocks noGrp="1" noUngrp="1" noRot="1" noMove="1" noResize="1"/>
+          </p:cNvGrpSpPr>
           <p:nvPr/>
         </p:nvGrpSpPr>
         <p:grpSpPr>
-          <a:xfrm rot="0">
+          <a:xfrm>
             <a:off x="290103" y="4762719"/>
             <a:ext cx="664370" cy="664370"/>
             <a:chOff x="0" y="0"/>
@@ -4306,12 +4407,14 @@
         </p:grpSpPr>
         <p:sp>
           <p:nvSpPr>
-            <p:cNvPr name="Freeform 38" id="38"/>
-            <p:cNvSpPr/>
+            <p:cNvPr id="38" name="Freeform 38"/>
+            <p:cNvSpPr>
+              <a:spLocks noGrp="1" noRot="1" noMove="1" noResize="1" noEditPoints="1" noAdjustHandles="1" noChangeArrowheads="1" noChangeShapeType="1"/>
+            </p:cNvSpPr>
             <p:nvPr/>
           </p:nvSpPr>
           <p:spPr>
-            <a:xfrm flipH="false" flipV="false" rot="0">
+            <a:xfrm>
               <a:off x="0" y="0"/>
               <a:ext cx="812800" cy="812800"/>
             </a:xfrm>
@@ -4320,9 +4423,9 @@
               <a:gdLst/>
               <a:ahLst/>
               <a:cxnLst/>
-              <a:rect r="r" b="b" t="t" l="l"/>
+              <a:rect l="l" t="t" r="r" b="b"/>
               <a:pathLst>
-                <a:path h="812800" w="812800">
+                <a:path w="812800" h="812800">
                   <a:moveTo>
                     <a:pt x="406400" y="0"/>
                   </a:moveTo>
@@ -4356,13 +4459,18 @@
           </p:spPr>
           <p:txBody>
             <a:bodyPr/>
-            <a:p/>
+            <a:lstStyle/>
+            <a:p>
+              <a:endParaRPr/>
+            </a:p>
           </p:txBody>
         </p:sp>
         <p:sp>
           <p:nvSpPr>
-            <p:cNvPr name="TextBox 39" id="39"/>
-            <p:cNvSpPr txBox="true"/>
+            <p:cNvPr id="39" name="TextBox 39"/>
+            <p:cNvSpPr txBox="1">
+              <a:spLocks noGrp="1" noRot="1" noMove="1" noResize="1" noEditPoints="1" noAdjustHandles="1" noChangeArrowheads="1" noChangeShapeType="1"/>
+            </p:cNvSpPr>
             <p:nvPr/>
           </p:nvSpPr>
           <p:spPr>
@@ -4375,7 +4483,7 @@
             </a:prstGeom>
           </p:spPr>
           <p:txBody>
-            <a:bodyPr anchor="ctr" rtlCol="false" tIns="50800" lIns="50800" bIns="50800" rIns="50800"/>
+            <a:bodyPr lIns="50800" tIns="50800" rIns="50800" bIns="50800" rtlCol="0" anchor="ctr"/>
             <a:lstStyle/>
             <a:p>
               <a:pPr algn="ctr">
@@ -4383,14 +4491,17 @@
                   <a:spcPts val="1664"/>
                 </a:lnSpc>
               </a:pPr>
+              <a:endParaRPr/>
             </a:p>
           </p:txBody>
         </p:sp>
       </p:grpSp>
       <p:sp>
         <p:nvSpPr>
-          <p:cNvPr name="AutoShape 40" id="40"/>
-          <p:cNvSpPr/>
+          <p:cNvPr id="40" name="AutoShape 40"/>
+          <p:cNvSpPr>
+            <a:spLocks noGrp="1" noRot="1" noMove="1" noResize="1" noEditPoints="1" noAdjustHandles="1" noChangeArrowheads="1" noChangeShapeType="1"/>
+          </p:cNvSpPr>
           <p:nvPr/>
         </p:nvSpPr>
         <p:spPr>
@@ -4401,24 +4512,29 @@
           <a:prstGeom prst="line">
             <a:avLst/>
           </a:prstGeom>
-          <a:ln cap="rnd" w="19050">
+          <a:ln w="19050" cap="rnd">
             <a:solidFill>
               <a:srgbClr val="767576"/>
             </a:solidFill>
             <a:prstDash val="solid"/>
-            <a:headEnd type="none" len="sm" w="sm"/>
-            <a:tailEnd type="none" len="sm" w="sm"/>
+            <a:headEnd type="none" w="sm" len="sm"/>
+            <a:tailEnd type="none" w="sm" len="sm"/>
           </a:ln>
         </p:spPr>
         <p:txBody>
           <a:bodyPr/>
-          <a:p/>
-        </p:txBody>
-      </p:sp>
-      <p:sp>
-        <p:nvSpPr>
-          <p:cNvPr name="AutoShape 41" id="41"/>
-          <p:cNvSpPr/>
+          <a:lstStyle/>
+          <a:p>
+            <a:endParaRPr/>
+          </a:p>
+        </p:txBody>
+      </p:sp>
+      <p:sp>
+        <p:nvSpPr>
+          <p:cNvPr id="41" name="AutoShape 41"/>
+          <p:cNvSpPr>
+            <a:spLocks noGrp="1" noRot="1" noMove="1" noResize="1" noEditPoints="1" noAdjustHandles="1" noChangeArrowheads="1" noChangeShapeType="1"/>
+          </p:cNvSpPr>
           <p:nvPr/>
         </p:nvSpPr>
         <p:spPr>
@@ -4429,112 +4545,132 @@
           <a:prstGeom prst="line">
             <a:avLst/>
           </a:prstGeom>
-          <a:ln cap="rnd" w="19050">
+          <a:ln w="19050" cap="rnd">
             <a:solidFill>
               <a:srgbClr val="767576"/>
             </a:solidFill>
             <a:prstDash val="solid"/>
-            <a:headEnd type="none" len="sm" w="sm"/>
-            <a:tailEnd type="none" len="sm" w="sm"/>
+            <a:headEnd type="none" w="sm" len="sm"/>
+            <a:tailEnd type="none" w="sm" len="sm"/>
           </a:ln>
         </p:spPr>
         <p:txBody>
           <a:bodyPr/>
-          <a:p/>
-        </p:txBody>
-      </p:sp>
-      <p:sp>
-        <p:nvSpPr>
-          <p:cNvPr name="AutoShape 42" id="42"/>
-          <p:cNvSpPr/>
+          <a:lstStyle/>
+          <a:p>
+            <a:endParaRPr/>
+          </a:p>
+        </p:txBody>
+      </p:sp>
+      <p:sp>
+        <p:nvSpPr>
+          <p:cNvPr id="42" name="AutoShape 42"/>
+          <p:cNvSpPr>
+            <a:spLocks noGrp="1" noRot="1" noMove="1" noResize="1" noEditPoints="1" noAdjustHandles="1" noChangeArrowheads="1" noChangeShapeType="1"/>
+          </p:cNvSpPr>
           <p:nvPr/>
         </p:nvSpPr>
         <p:spPr>
-          <a:xfrm flipV="true">
+          <a:xfrm flipV="1">
             <a:off x="954473" y="5541389"/>
             <a:ext cx="1417186" cy="0"/>
           </a:xfrm>
           <a:prstGeom prst="line">
             <a:avLst/>
           </a:prstGeom>
-          <a:ln cap="rnd" w="19050">
+          <a:ln w="19050" cap="rnd">
             <a:solidFill>
               <a:srgbClr val="767576"/>
             </a:solidFill>
             <a:prstDash val="solid"/>
-            <a:headEnd type="none" len="sm" w="sm"/>
-            <a:tailEnd type="none" len="sm" w="sm"/>
+            <a:headEnd type="none" w="sm" len="sm"/>
+            <a:tailEnd type="none" w="sm" len="sm"/>
           </a:ln>
         </p:spPr>
         <p:txBody>
           <a:bodyPr/>
-          <a:p/>
-        </p:txBody>
-      </p:sp>
-      <p:sp>
-        <p:nvSpPr>
-          <p:cNvPr name="AutoShape 43" id="43"/>
-          <p:cNvSpPr/>
+          <a:lstStyle/>
+          <a:p>
+            <a:endParaRPr/>
+          </a:p>
+        </p:txBody>
+      </p:sp>
+      <p:sp>
+        <p:nvSpPr>
+          <p:cNvPr id="43" name="AutoShape 43"/>
+          <p:cNvSpPr>
+            <a:spLocks noGrp="1" noRot="1" noMove="1" noResize="1" noEditPoints="1" noAdjustHandles="1" noChangeArrowheads="1" noChangeShapeType="1"/>
+          </p:cNvSpPr>
           <p:nvPr/>
         </p:nvSpPr>
         <p:spPr>
-          <a:xfrm flipV="true">
+          <a:xfrm flipV="1">
             <a:off x="954473" y="7333546"/>
             <a:ext cx="1417186" cy="0"/>
           </a:xfrm>
           <a:prstGeom prst="line">
             <a:avLst/>
           </a:prstGeom>
-          <a:ln cap="rnd" w="19050">
+          <a:ln w="19050" cap="rnd">
             <a:solidFill>
               <a:srgbClr val="767576"/>
             </a:solidFill>
             <a:prstDash val="solid"/>
-            <a:headEnd type="none" len="sm" w="sm"/>
-            <a:tailEnd type="none" len="sm" w="sm"/>
+            <a:headEnd type="none" w="sm" len="sm"/>
+            <a:tailEnd type="none" w="sm" len="sm"/>
           </a:ln>
         </p:spPr>
         <p:txBody>
           <a:bodyPr/>
-          <a:p/>
-        </p:txBody>
-      </p:sp>
-      <p:sp>
-        <p:nvSpPr>
-          <p:cNvPr name="AutoShape 44" id="44"/>
-          <p:cNvSpPr/>
+          <a:lstStyle/>
+          <a:p>
+            <a:endParaRPr/>
+          </a:p>
+        </p:txBody>
+      </p:sp>
+      <p:sp>
+        <p:nvSpPr>
+          <p:cNvPr id="44" name="AutoShape 44"/>
+          <p:cNvSpPr>
+            <a:spLocks noGrp="1" noRot="1" noMove="1" noResize="1" noEditPoints="1" noAdjustHandles="1" noChangeArrowheads="1" noChangeShapeType="1"/>
+          </p:cNvSpPr>
           <p:nvPr/>
         </p:nvSpPr>
         <p:spPr>
-          <a:xfrm flipV="true">
+          <a:xfrm flipV="1">
             <a:off x="8044254" y="3728709"/>
             <a:ext cx="1417186" cy="0"/>
           </a:xfrm>
           <a:prstGeom prst="line">
             <a:avLst/>
           </a:prstGeom>
-          <a:ln cap="rnd" w="19050">
+          <a:ln w="19050" cap="rnd">
             <a:solidFill>
               <a:srgbClr val="767576"/>
             </a:solidFill>
             <a:prstDash val="solid"/>
-            <a:headEnd type="none" len="sm" w="sm"/>
-            <a:tailEnd type="none" len="sm" w="sm"/>
+            <a:headEnd type="none" w="sm" len="sm"/>
+            <a:tailEnd type="none" w="sm" len="sm"/>
           </a:ln>
         </p:spPr>
         <p:txBody>
           <a:bodyPr/>
-          <a:p/>
+          <a:lstStyle/>
+          <a:p>
+            <a:endParaRPr/>
+          </a:p>
         </p:txBody>
       </p:sp>
       <p:grpSp>
         <p:nvGrpSpPr>
-          <p:cNvPr name="Group 45" id="45"/>
-          <p:cNvGrpSpPr/>
+          <p:cNvPr id="45" name="Group 45"/>
+          <p:cNvGrpSpPr>
+            <a:grpSpLocks noGrp="1" noUngrp="1" noRot="1" noMove="1" noResize="1"/>
+          </p:cNvGrpSpPr>
           <p:nvPr/>
         </p:nvGrpSpPr>
         <p:grpSpPr>
-          <a:xfrm rot="0">
+          <a:xfrm>
             <a:off x="7379884" y="1073235"/>
             <a:ext cx="664370" cy="664370"/>
             <a:chOff x="0" y="0"/>
@@ -4543,12 +4679,14 @@
         </p:grpSpPr>
         <p:sp>
           <p:nvSpPr>
-            <p:cNvPr name="Freeform 46" id="46"/>
-            <p:cNvSpPr/>
+            <p:cNvPr id="46" name="Freeform 46"/>
+            <p:cNvSpPr>
+              <a:spLocks noGrp="1" noRot="1" noMove="1" noResize="1" noEditPoints="1" noAdjustHandles="1" noChangeArrowheads="1" noChangeShapeType="1"/>
+            </p:cNvSpPr>
             <p:nvPr/>
           </p:nvSpPr>
           <p:spPr>
-            <a:xfrm flipH="false" flipV="false" rot="0">
+            <a:xfrm>
               <a:off x="0" y="0"/>
               <a:ext cx="812800" cy="812800"/>
             </a:xfrm>
@@ -4557,9 +4695,9 @@
               <a:gdLst/>
               <a:ahLst/>
               <a:cxnLst/>
-              <a:rect r="r" b="b" t="t" l="l"/>
+              <a:rect l="l" t="t" r="r" b="b"/>
               <a:pathLst>
-                <a:path h="812800" w="812800">
+                <a:path w="812800" h="812800">
                   <a:moveTo>
                     <a:pt x="406400" y="0"/>
                   </a:moveTo>
@@ -4593,13 +4731,18 @@
           </p:spPr>
           <p:txBody>
             <a:bodyPr/>
-            <a:p/>
+            <a:lstStyle/>
+            <a:p>
+              <a:endParaRPr/>
+            </a:p>
           </p:txBody>
         </p:sp>
         <p:sp>
           <p:nvSpPr>
-            <p:cNvPr name="TextBox 47" id="47"/>
-            <p:cNvSpPr txBox="true"/>
+            <p:cNvPr id="47" name="TextBox 47"/>
+            <p:cNvSpPr txBox="1">
+              <a:spLocks noGrp="1" noRot="1" noMove="1" noResize="1" noEditPoints="1" noAdjustHandles="1" noChangeArrowheads="1" noChangeShapeType="1"/>
+            </p:cNvSpPr>
             <p:nvPr/>
           </p:nvSpPr>
           <p:spPr>
@@ -4612,7 +4755,7 @@
             </a:prstGeom>
           </p:spPr>
           <p:txBody>
-            <a:bodyPr anchor="ctr" rtlCol="false" tIns="50800" lIns="50800" bIns="50800" rIns="50800"/>
+            <a:bodyPr lIns="50800" tIns="50800" rIns="50800" bIns="50800" rtlCol="0" anchor="ctr"/>
             <a:lstStyle/>
             <a:p>
               <a:pPr algn="ctr">
@@ -4620,18 +4763,21 @@
                   <a:spcPts val="1664"/>
                 </a:lnSpc>
               </a:pPr>
+              <a:endParaRPr/>
             </a:p>
           </p:txBody>
         </p:sp>
       </p:grpSp>
       <p:grpSp>
         <p:nvGrpSpPr>
-          <p:cNvPr name="Group 48" id="48"/>
-          <p:cNvGrpSpPr/>
+          <p:cNvPr id="48" name="Group 48"/>
+          <p:cNvGrpSpPr>
+            <a:grpSpLocks noGrp="1" noUngrp="1" noRot="1" noMove="1" noResize="1"/>
+          </p:cNvGrpSpPr>
           <p:nvPr/>
         </p:nvGrpSpPr>
         <p:grpSpPr>
-          <a:xfrm rot="0">
+          <a:xfrm>
             <a:off x="7379884" y="162198"/>
             <a:ext cx="664370" cy="664370"/>
             <a:chOff x="0" y="0"/>
@@ -4640,12 +4786,14 @@
         </p:grpSpPr>
         <p:sp>
           <p:nvSpPr>
-            <p:cNvPr name="Freeform 49" id="49"/>
-            <p:cNvSpPr/>
+            <p:cNvPr id="49" name="Freeform 49"/>
+            <p:cNvSpPr>
+              <a:spLocks noGrp="1" noRot="1" noMove="1" noResize="1" noEditPoints="1" noAdjustHandles="1" noChangeArrowheads="1" noChangeShapeType="1"/>
+            </p:cNvSpPr>
             <p:nvPr/>
           </p:nvSpPr>
           <p:spPr>
-            <a:xfrm flipH="false" flipV="false" rot="0">
+            <a:xfrm>
               <a:off x="0" y="0"/>
               <a:ext cx="812800" cy="812800"/>
             </a:xfrm>
@@ -4654,9 +4802,9 @@
               <a:gdLst/>
               <a:ahLst/>
               <a:cxnLst/>
-              <a:rect r="r" b="b" t="t" l="l"/>
+              <a:rect l="l" t="t" r="r" b="b"/>
               <a:pathLst>
-                <a:path h="812800" w="812800">
+                <a:path w="812800" h="812800">
                   <a:moveTo>
                     <a:pt x="406400" y="0"/>
                   </a:moveTo>
@@ -4690,13 +4838,18 @@
           </p:spPr>
           <p:txBody>
             <a:bodyPr/>
-            <a:p/>
+            <a:lstStyle/>
+            <a:p>
+              <a:endParaRPr/>
+            </a:p>
           </p:txBody>
         </p:sp>
         <p:sp>
           <p:nvSpPr>
-            <p:cNvPr name="TextBox 50" id="50"/>
-            <p:cNvSpPr txBox="true"/>
+            <p:cNvPr id="50" name="TextBox 50"/>
+            <p:cNvSpPr txBox="1">
+              <a:spLocks noGrp="1" noRot="1" noMove="1" noResize="1" noEditPoints="1" noAdjustHandles="1" noChangeArrowheads="1" noChangeShapeType="1"/>
+            </p:cNvSpPr>
             <p:nvPr/>
           </p:nvSpPr>
           <p:spPr>
@@ -4709,7 +4862,7 @@
             </a:prstGeom>
           </p:spPr>
           <p:txBody>
-            <a:bodyPr anchor="ctr" rtlCol="false" tIns="50800" lIns="50800" bIns="50800" rIns="50800"/>
+            <a:bodyPr lIns="50800" tIns="50800" rIns="50800" bIns="50800" rtlCol="0" anchor="ctr"/>
             <a:lstStyle/>
             <a:p>
               <a:pPr algn="ctr">
@@ -4717,18 +4870,21 @@
                   <a:spcPts val="1664"/>
                 </a:lnSpc>
               </a:pPr>
+              <a:endParaRPr/>
             </a:p>
           </p:txBody>
         </p:sp>
       </p:grpSp>
       <p:grpSp>
         <p:nvGrpSpPr>
-          <p:cNvPr name="Group 51" id="51"/>
-          <p:cNvGrpSpPr/>
+          <p:cNvPr id="51" name="Group 51"/>
+          <p:cNvGrpSpPr>
+            <a:grpSpLocks noGrp="1" noUngrp="1" noRot="1" noMove="1" noResize="1"/>
+          </p:cNvGrpSpPr>
           <p:nvPr/>
         </p:nvGrpSpPr>
         <p:grpSpPr>
-          <a:xfrm rot="0">
+          <a:xfrm>
             <a:off x="7379884" y="1984208"/>
             <a:ext cx="664370" cy="664370"/>
             <a:chOff x="0" y="0"/>
@@ -4737,12 +4893,14 @@
         </p:grpSpPr>
         <p:sp>
           <p:nvSpPr>
-            <p:cNvPr name="Freeform 52" id="52"/>
-            <p:cNvSpPr/>
+            <p:cNvPr id="52" name="Freeform 52"/>
+            <p:cNvSpPr>
+              <a:spLocks noGrp="1" noRot="1" noMove="1" noResize="1" noEditPoints="1" noAdjustHandles="1" noChangeArrowheads="1" noChangeShapeType="1"/>
+            </p:cNvSpPr>
             <p:nvPr/>
           </p:nvSpPr>
           <p:spPr>
-            <a:xfrm flipH="false" flipV="false" rot="0">
+            <a:xfrm>
               <a:off x="0" y="0"/>
               <a:ext cx="812800" cy="812800"/>
             </a:xfrm>
@@ -4751,9 +4909,9 @@
               <a:gdLst/>
               <a:ahLst/>
               <a:cxnLst/>
-              <a:rect r="r" b="b" t="t" l="l"/>
+              <a:rect l="l" t="t" r="r" b="b"/>
               <a:pathLst>
-                <a:path h="812800" w="812800">
+                <a:path w="812800" h="812800">
                   <a:moveTo>
                     <a:pt x="406400" y="0"/>
                   </a:moveTo>
@@ -4787,13 +4945,18 @@
           </p:spPr>
           <p:txBody>
             <a:bodyPr/>
-            <a:p/>
+            <a:lstStyle/>
+            <a:p>
+              <a:endParaRPr/>
+            </a:p>
           </p:txBody>
         </p:sp>
         <p:sp>
           <p:nvSpPr>
-            <p:cNvPr name="TextBox 53" id="53"/>
-            <p:cNvSpPr txBox="true"/>
+            <p:cNvPr id="53" name="TextBox 53"/>
+            <p:cNvSpPr txBox="1">
+              <a:spLocks noGrp="1" noRot="1" noMove="1" noResize="1" noEditPoints="1" noAdjustHandles="1" noChangeArrowheads="1" noChangeShapeType="1"/>
+            </p:cNvSpPr>
             <p:nvPr/>
           </p:nvSpPr>
           <p:spPr>
@@ -4806,7 +4969,7 @@
             </a:prstGeom>
           </p:spPr>
           <p:txBody>
-            <a:bodyPr anchor="ctr" rtlCol="false" tIns="50800" lIns="50800" bIns="50800" rIns="50800"/>
+            <a:bodyPr lIns="50800" tIns="50800" rIns="50800" bIns="50800" rtlCol="0" anchor="ctr"/>
             <a:lstStyle/>
             <a:p>
               <a:pPr algn="ctr">
@@ -4814,18 +4977,21 @@
                   <a:spcPts val="1664"/>
                 </a:lnSpc>
               </a:pPr>
+              <a:endParaRPr/>
             </a:p>
           </p:txBody>
         </p:sp>
       </p:grpSp>
       <p:grpSp>
         <p:nvGrpSpPr>
-          <p:cNvPr name="Group 54" id="54"/>
-          <p:cNvGrpSpPr/>
+          <p:cNvPr id="54" name="Group 54"/>
+          <p:cNvGrpSpPr>
+            <a:grpSpLocks noGrp="1" noUngrp="1" noRot="1" noMove="1" noResize="1"/>
+          </p:cNvGrpSpPr>
           <p:nvPr/>
         </p:nvGrpSpPr>
         <p:grpSpPr>
-          <a:xfrm rot="0">
+          <a:xfrm>
             <a:off x="7379884" y="2875467"/>
             <a:ext cx="664370" cy="664370"/>
             <a:chOff x="0" y="0"/>
@@ -4834,12 +5000,14 @@
         </p:grpSpPr>
         <p:sp>
           <p:nvSpPr>
-            <p:cNvPr name="Freeform 55" id="55"/>
-            <p:cNvSpPr/>
+            <p:cNvPr id="55" name="Freeform 55"/>
+            <p:cNvSpPr>
+              <a:spLocks noGrp="1" noRot="1" noMove="1" noResize="1" noEditPoints="1" noAdjustHandles="1" noChangeArrowheads="1" noChangeShapeType="1"/>
+            </p:cNvSpPr>
             <p:nvPr/>
           </p:nvSpPr>
           <p:spPr>
-            <a:xfrm flipH="false" flipV="false" rot="0">
+            <a:xfrm>
               <a:off x="0" y="0"/>
               <a:ext cx="812800" cy="812800"/>
             </a:xfrm>
@@ -4848,9 +5016,9 @@
               <a:gdLst/>
               <a:ahLst/>
               <a:cxnLst/>
-              <a:rect r="r" b="b" t="t" l="l"/>
+              <a:rect l="l" t="t" r="r" b="b"/>
               <a:pathLst>
-                <a:path h="812800" w="812800">
+                <a:path w="812800" h="812800">
                   <a:moveTo>
                     <a:pt x="406400" y="0"/>
                   </a:moveTo>
@@ -4884,13 +5052,18 @@
           </p:spPr>
           <p:txBody>
             <a:bodyPr/>
-            <a:p/>
+            <a:lstStyle/>
+            <a:p>
+              <a:endParaRPr/>
+            </a:p>
           </p:txBody>
         </p:sp>
         <p:sp>
           <p:nvSpPr>
-            <p:cNvPr name="TextBox 56" id="56"/>
-            <p:cNvSpPr txBox="true"/>
+            <p:cNvPr id="56" name="TextBox 56"/>
+            <p:cNvSpPr txBox="1">
+              <a:spLocks noGrp="1" noRot="1" noMove="1" noResize="1" noEditPoints="1" noAdjustHandles="1" noChangeArrowheads="1" noChangeShapeType="1"/>
+            </p:cNvSpPr>
             <p:nvPr/>
           </p:nvSpPr>
           <p:spPr>
@@ -4903,7 +5076,7 @@
             </a:prstGeom>
           </p:spPr>
           <p:txBody>
-            <a:bodyPr anchor="ctr" rtlCol="false" tIns="50800" lIns="50800" bIns="50800" rIns="50800"/>
+            <a:bodyPr lIns="50800" tIns="50800" rIns="50800" bIns="50800" rtlCol="0" anchor="ctr"/>
             <a:lstStyle/>
             <a:p>
               <a:pPr algn="ctr">
@@ -4911,14 +5084,17 @@
                   <a:spcPts val="1664"/>
                 </a:lnSpc>
               </a:pPr>
+              <a:endParaRPr/>
             </a:p>
           </p:txBody>
         </p:sp>
       </p:grpSp>
       <p:sp>
         <p:nvSpPr>
-          <p:cNvPr name="AutoShape 57" id="57"/>
-          <p:cNvSpPr/>
+          <p:cNvPr id="57" name="AutoShape 57"/>
+          <p:cNvSpPr>
+            <a:spLocks noGrp="1" noRot="1" noMove="1" noResize="1" noEditPoints="1" noAdjustHandles="1" noChangeArrowheads="1" noChangeShapeType="1"/>
+          </p:cNvSpPr>
           <p:nvPr/>
         </p:nvSpPr>
         <p:spPr>
@@ -4929,24 +5105,29 @@
           <a:prstGeom prst="line">
             <a:avLst/>
           </a:prstGeom>
-          <a:ln cap="rnd" w="19050">
+          <a:ln w="19050" cap="rnd">
             <a:solidFill>
               <a:srgbClr val="767576"/>
             </a:solidFill>
             <a:prstDash val="solid"/>
-            <a:headEnd type="none" len="sm" w="sm"/>
-            <a:tailEnd type="none" len="sm" w="sm"/>
+            <a:headEnd type="none" w="sm" len="sm"/>
+            <a:tailEnd type="none" w="sm" len="sm"/>
           </a:ln>
         </p:spPr>
         <p:txBody>
           <a:bodyPr/>
-          <a:p/>
-        </p:txBody>
-      </p:sp>
-      <p:sp>
-        <p:nvSpPr>
-          <p:cNvPr name="AutoShape 58" id="58"/>
-          <p:cNvSpPr/>
+          <a:lstStyle/>
+          <a:p>
+            <a:endParaRPr/>
+          </a:p>
+        </p:txBody>
+      </p:sp>
+      <p:sp>
+        <p:nvSpPr>
+          <p:cNvPr id="58" name="AutoShape 58"/>
+          <p:cNvSpPr>
+            <a:spLocks noGrp="1" noRot="1" noMove="1" noResize="1" noEditPoints="1" noAdjustHandles="1" noChangeArrowheads="1" noChangeShapeType="1"/>
+          </p:cNvSpPr>
           <p:nvPr/>
         </p:nvSpPr>
         <p:spPr>
@@ -4957,24 +5138,29 @@
           <a:prstGeom prst="line">
             <a:avLst/>
           </a:prstGeom>
-          <a:ln cap="rnd" w="19050">
+          <a:ln w="19050" cap="rnd">
             <a:solidFill>
               <a:srgbClr val="767576"/>
             </a:solidFill>
             <a:prstDash val="solid"/>
-            <a:headEnd type="none" len="sm" w="sm"/>
-            <a:tailEnd type="none" len="sm" w="sm"/>
+            <a:headEnd type="none" w="sm" len="sm"/>
+            <a:tailEnd type="none" w="sm" len="sm"/>
           </a:ln>
         </p:spPr>
         <p:txBody>
           <a:bodyPr/>
-          <a:p/>
-        </p:txBody>
-      </p:sp>
-      <p:sp>
-        <p:nvSpPr>
-          <p:cNvPr name="AutoShape 59" id="59"/>
-          <p:cNvSpPr/>
+          <a:lstStyle/>
+          <a:p>
+            <a:endParaRPr/>
+          </a:p>
+        </p:txBody>
+      </p:sp>
+      <p:sp>
+        <p:nvSpPr>
+          <p:cNvPr id="59" name="AutoShape 59"/>
+          <p:cNvSpPr>
+            <a:spLocks noGrp="1" noRot="1" noMove="1" noResize="1" noEditPoints="1" noAdjustHandles="1" noChangeArrowheads="1" noChangeShapeType="1"/>
+          </p:cNvSpPr>
           <p:nvPr/>
         </p:nvSpPr>
         <p:spPr>
@@ -4985,28 +5171,33 @@
           <a:prstGeom prst="line">
             <a:avLst/>
           </a:prstGeom>
-          <a:ln cap="rnd" w="19050">
+          <a:ln w="19050" cap="rnd">
             <a:solidFill>
               <a:srgbClr val="767576"/>
             </a:solidFill>
             <a:prstDash val="solid"/>
-            <a:headEnd type="none" len="sm" w="sm"/>
-            <a:tailEnd type="none" len="sm" w="sm"/>
+            <a:headEnd type="none" w="sm" len="sm"/>
+            <a:tailEnd type="none" w="sm" len="sm"/>
           </a:ln>
         </p:spPr>
         <p:txBody>
           <a:bodyPr/>
-          <a:p/>
-        </p:txBody>
-      </p:sp>
-      <p:sp>
-        <p:nvSpPr>
-          <p:cNvPr name="Freeform 60" id="60"/>
-          <p:cNvSpPr/>
+          <a:lstStyle/>
+          <a:p>
+            <a:endParaRPr/>
+          </a:p>
+        </p:txBody>
+      </p:sp>
+      <p:sp>
+        <p:nvSpPr>
+          <p:cNvPr id="60" name="Freeform 60"/>
+          <p:cNvSpPr>
+            <a:spLocks noGrp="1" noRot="1" noMove="1" noResize="1" noEditPoints="1" noAdjustHandles="1" noChangeArrowheads="1" noChangeShapeType="1"/>
+          </p:cNvSpPr>
           <p:nvPr/>
         </p:nvSpPr>
         <p:spPr>
-          <a:xfrm flipH="false" flipV="false" rot="0">
+          <a:xfrm>
             <a:off x="8514305" y="6046087"/>
             <a:ext cx="1050231" cy="1050231"/>
           </a:xfrm>
@@ -5015,9 +5206,9 @@
             <a:gdLst/>
             <a:ahLst/>
             <a:cxnLst/>
-            <a:rect r="r" b="b" t="t" l="l"/>
+            <a:rect l="l" t="t" r="r" b="b"/>
             <a:pathLst>
-              <a:path h="1050231" w="1050231">
+              <a:path w="1050231" h="1050231">
                 <a:moveTo>
                   <a:pt x="0" y="0"/>
                 </a:moveTo>
@@ -5040,23 +5231,28 @@
           <a:blipFill>
             <a:blip r:embed="rId2"/>
             <a:stretch>
-              <a:fillRect l="0" t="0" r="0" b="0"/>
+              <a:fillRect/>
             </a:stretch>
           </a:blipFill>
         </p:spPr>
         <p:txBody>
           <a:bodyPr/>
-          <a:p/>
-        </p:txBody>
-      </p:sp>
-      <p:sp>
-        <p:nvSpPr>
-          <p:cNvPr name="Freeform 61" id="61"/>
-          <p:cNvSpPr/>
+          <a:lstStyle/>
+          <a:p>
+            <a:endParaRPr/>
+          </a:p>
+        </p:txBody>
+      </p:sp>
+      <p:sp>
+        <p:nvSpPr>
+          <p:cNvPr id="61" name="Freeform 61"/>
+          <p:cNvSpPr>
+            <a:spLocks noGrp="1" noRot="1" noMove="1" noResize="1" noEditPoints="1" noAdjustHandles="1" noChangeArrowheads="1" noChangeShapeType="1"/>
+          </p:cNvSpPr>
           <p:nvPr/>
         </p:nvSpPr>
         <p:spPr>
-          <a:xfrm flipH="false" flipV="false" rot="0">
+          <a:xfrm>
             <a:off x="4116102" y="1091912"/>
             <a:ext cx="2459797" cy="3428288"/>
           </a:xfrm>
@@ -5065,9 +5261,9 @@
             <a:gdLst/>
             <a:ahLst/>
             <a:cxnLst/>
-            <a:rect r="r" b="b" t="t" l="l"/>
+            <a:rect l="l" t="t" r="r" b="b"/>
             <a:pathLst>
-              <a:path h="3428288" w="2459797">
+              <a:path w="2459797" h="3428288">
                 <a:moveTo>
                   <a:pt x="0" y="0"/>
                 </a:moveTo>
@@ -5090,23 +5286,28 @@
           <a:blipFill>
             <a:blip r:embed="rId3"/>
             <a:stretch>
-              <a:fillRect l="0" t="-79" r="0" b="-79"/>
+              <a:fillRect t="-79" b="-79"/>
             </a:stretch>
           </a:blipFill>
         </p:spPr>
         <p:txBody>
           <a:bodyPr/>
-          <a:p/>
-        </p:txBody>
-      </p:sp>
-      <p:sp>
-        <p:nvSpPr>
-          <p:cNvPr name="TextBox 62" id="62"/>
-          <p:cNvSpPr txBox="true"/>
+          <a:lstStyle/>
+          <a:p>
+            <a:endParaRPr/>
+          </a:p>
+        </p:txBody>
+      </p:sp>
+      <p:sp>
+        <p:nvSpPr>
+          <p:cNvPr id="62" name="TextBox 62"/>
+          <p:cNvSpPr txBox="1">
+            <a:spLocks noGrp="1" noRot="1" noMove="1" noResize="1" noEditPoints="1" noAdjustHandles="1" noChangeArrowheads="1" noChangeShapeType="1"/>
+          </p:cNvSpPr>
           <p:nvPr/>
         </p:nvSpPr>
         <p:spPr>
-          <a:xfrm rot="0">
+          <a:xfrm>
             <a:off x="622288" y="2885915"/>
             <a:ext cx="2979562" cy="863193"/>
           </a:xfrm>
@@ -5115,7 +5316,7 @@
           </a:prstGeom>
         </p:spPr>
         <p:txBody>
-          <a:bodyPr anchor="t" rtlCol="false" tIns="0" lIns="0" bIns="0" rIns="0">
+          <a:bodyPr lIns="0" tIns="0" rIns="0" bIns="0" rtlCol="0" anchor="t">
             <a:spAutoFit/>
           </a:bodyPr>
           <a:lstStyle/>
@@ -5126,7 +5327,7 @@
               </a:lnSpc>
             </a:pPr>
             <a:r>
-              <a:rPr lang="en-US" sz="1169" b="true">
+              <a:rPr lang="en-US" sz="1169" b="1">
                 <a:solidFill>
                   <a:srgbClr val="000000"/>
                 </a:solidFill>
@@ -5154,19 +5355,7 @@
                 <a:cs typeface="Circe"/>
                 <a:sym typeface="Circe"/>
               </a:rPr>
-              <a:t>Continental breakfast</a:t>
-            </a:r>
-            <a:r>
-              <a:rPr lang="en-US" sz="1169">
-                <a:solidFill>
-                  <a:srgbClr val="000000"/>
-                </a:solidFill>
-                <a:latin typeface="Circe"/>
-                <a:ea typeface="Circe"/>
-                <a:cs typeface="Circe"/>
-                <a:sym typeface="Circe"/>
-              </a:rPr>
-              <a:t> is served from 9:30 AM to 11:30 AM, starting from 850 RUB. Lunch and dinner are also available à la carte.</a:t>
+              <a:t>Continental breakfast is served from 9:30 AM to 11:30 AM, starting from 850 RUB. Lunch and dinner are also available à la carte.</a:t>
             </a:r>
           </a:p>
           <a:p>
@@ -5175,17 +5364,28 @@
                 <a:spcPts val="1357"/>
               </a:lnSpc>
             </a:pPr>
-          </a:p>
-        </p:txBody>
-      </p:sp>
-      <p:sp>
-        <p:nvSpPr>
-          <p:cNvPr name="TextBox 63" id="63"/>
-          <p:cNvSpPr txBox="true"/>
+            <a:endParaRPr lang="en-US" sz="1169">
+              <a:solidFill>
+                <a:srgbClr val="000000"/>
+              </a:solidFill>
+              <a:latin typeface="Circe"/>
+              <a:ea typeface="Circe"/>
+              <a:cs typeface="Circe"/>
+              <a:sym typeface="Circe"/>
+            </a:endParaRPr>
+          </a:p>
+        </p:txBody>
+      </p:sp>
+      <p:sp>
+        <p:nvSpPr>
+          <p:cNvPr id="63" name="TextBox 63"/>
+          <p:cNvSpPr txBox="1">
+            <a:spLocks noGrp="1" noRot="1" noMove="1" noResize="1" noEditPoints="1" noAdjustHandles="1" noChangeArrowheads="1" noChangeShapeType="1"/>
+          </p:cNvSpPr>
           <p:nvPr/>
         </p:nvSpPr>
         <p:spPr>
-          <a:xfrm rot="0">
+          <a:xfrm>
             <a:off x="622288" y="4950483"/>
             <a:ext cx="1492627" cy="348843"/>
           </a:xfrm>
@@ -5194,7 +5394,7 @@
           </a:prstGeom>
         </p:spPr>
         <p:txBody>
-          <a:bodyPr anchor="t" rtlCol="false" tIns="0" lIns="0" bIns="0" rIns="0">
+          <a:bodyPr lIns="0" tIns="0" rIns="0" bIns="0" rtlCol="0" anchor="t">
             <a:spAutoFit/>
           </a:bodyPr>
           <a:lstStyle/>
@@ -5205,7 +5405,7 @@
               </a:lnSpc>
             </a:pPr>
             <a:r>
-              <a:rPr lang="en-US" sz="1169" b="true">
+              <a:rPr lang="en-US" sz="1169" b="1">
                 <a:solidFill>
                   <a:srgbClr val="000000"/>
                 </a:solidFill>
@@ -5240,12 +5440,14 @@
       </p:sp>
       <p:sp>
         <p:nvSpPr>
-          <p:cNvPr name="TextBox 64" id="64"/>
-          <p:cNvSpPr txBox="true"/>
+          <p:cNvPr id="64" name="TextBox 64"/>
+          <p:cNvSpPr txBox="1">
+            <a:spLocks noGrp="1" noRot="1" noMove="1" noResize="1" noEditPoints="1" noAdjustHandles="1" noChangeArrowheads="1" noChangeShapeType="1"/>
+          </p:cNvSpPr>
           <p:nvPr/>
         </p:nvSpPr>
         <p:spPr>
-          <a:xfrm rot="0">
+          <a:xfrm>
             <a:off x="622288" y="3835053"/>
             <a:ext cx="3118941" cy="512602"/>
           </a:xfrm>
@@ -5254,7 +5456,7 @@
           </a:prstGeom>
         </p:spPr>
         <p:txBody>
-          <a:bodyPr anchor="t" rtlCol="false" tIns="0" lIns="0" bIns="0" rIns="0">
+          <a:bodyPr lIns="0" tIns="0" rIns="0" bIns="0" rtlCol="0" anchor="t">
             <a:spAutoFit/>
           </a:bodyPr>
           <a:lstStyle/>
@@ -5265,7 +5467,7 @@
               </a:lnSpc>
             </a:pPr>
             <a:r>
-              <a:rPr lang="en-US" sz="1109" b="true">
+              <a:rPr lang="en-US" sz="1109" b="1">
                 <a:solidFill>
                   <a:srgbClr val="000000"/>
                 </a:solidFill>
@@ -5284,7 +5486,7 @@
               </a:lnSpc>
             </a:pPr>
             <a:r>
-              <a:rPr lang="en-US" sz="1109" b="true">
+              <a:rPr lang="en-US" sz="1109" b="1">
                 <a:solidFill>
                   <a:srgbClr val="000000"/>
                 </a:solidFill>
@@ -5305,31 +5507,21 @@
                 <a:cs typeface="Circe"/>
                 <a:sym typeface="Circe"/>
               </a:rPr>
-              <a:t>laundry powder sachet</a:t>
-            </a:r>
-            <a:r>
-              <a:rPr lang="en-US" sz="1109">
-                <a:solidFill>
-                  <a:srgbClr val="000000"/>
-                </a:solidFill>
-                <a:latin typeface="Circe"/>
-                <a:ea typeface="Circe"/>
-                <a:cs typeface="Circe"/>
-                <a:sym typeface="Circe"/>
-              </a:rPr>
-              <a:t> — complimentary upon check-in. Extra capsules — 150 ₽ each.</a:t>
-            </a:r>
-          </a:p>
-        </p:txBody>
-      </p:sp>
-      <p:sp>
-        <p:nvSpPr>
-          <p:cNvPr name="TextBox 65" id="65"/>
-          <p:cNvSpPr txBox="true"/>
+              <a:t>laundry powder sachet — complimentary upon check-in. Extra capsules — 150 ₽ each.</a:t>
+            </a:r>
+          </a:p>
+        </p:txBody>
+      </p:sp>
+      <p:sp>
+        <p:nvSpPr>
+          <p:cNvPr id="65" name="TextBox 65"/>
+          <p:cNvSpPr txBox="1">
+            <a:spLocks noGrp="1" noRot="1" noMove="1" noResize="1" noEditPoints="1" noAdjustHandles="1" noChangeArrowheads="1" noChangeShapeType="1"/>
+          </p:cNvSpPr>
           <p:nvPr/>
         </p:nvSpPr>
         <p:spPr>
-          <a:xfrm rot="0">
+          <a:xfrm>
             <a:off x="7748816" y="2967981"/>
             <a:ext cx="2376153" cy="508713"/>
           </a:xfrm>
@@ -5338,7 +5530,7 @@
           </a:prstGeom>
         </p:spPr>
         <p:txBody>
-          <a:bodyPr anchor="t" rtlCol="false" tIns="0" lIns="0" bIns="0" rIns="0">
+          <a:bodyPr lIns="0" tIns="0" rIns="0" bIns="0" rtlCol="0" anchor="t">
             <a:spAutoFit/>
           </a:bodyPr>
           <a:lstStyle/>
@@ -5349,7 +5541,7 @@
               </a:lnSpc>
             </a:pPr>
             <a:r>
-              <a:rPr lang="en-US" sz="1109" b="true">
+              <a:rPr lang="en-US" sz="1109" b="1">
                 <a:solidFill>
                   <a:srgbClr val="000000"/>
                 </a:solidFill>
@@ -5384,12 +5576,14 @@
       </p:sp>
       <p:sp>
         <p:nvSpPr>
-          <p:cNvPr name="TextBox 66" id="66"/>
-          <p:cNvSpPr txBox="true"/>
+          <p:cNvPr id="66" name="TextBox 66"/>
+          <p:cNvSpPr txBox="1">
+            <a:spLocks noGrp="1" noRot="1" noMove="1" noResize="1" noEditPoints="1" noAdjustHandles="1" noChangeArrowheads="1" noChangeShapeType="1"/>
+          </p:cNvSpPr>
           <p:nvPr/>
         </p:nvSpPr>
         <p:spPr>
-          <a:xfrm rot="0">
+          <a:xfrm>
             <a:off x="7748816" y="2025006"/>
             <a:ext cx="2721744" cy="485775"/>
           </a:xfrm>
@@ -5398,7 +5592,7 @@
           </a:prstGeom>
         </p:spPr>
         <p:txBody>
-          <a:bodyPr anchor="t" rtlCol="false" tIns="0" lIns="0" bIns="0" rIns="0">
+          <a:bodyPr lIns="0" tIns="0" rIns="0" bIns="0" rtlCol="0" anchor="t">
             <a:spAutoFit/>
           </a:bodyPr>
           <a:lstStyle/>
@@ -5409,7 +5603,7 @@
               </a:lnSpc>
             </a:pPr>
             <a:r>
-              <a:rPr lang="en-US" sz="1109" b="true">
+              <a:rPr lang="en-US" sz="1109" b="1">
                 <a:solidFill>
                   <a:srgbClr val="000000"/>
                 </a:solidFill>
@@ -5463,12 +5657,14 @@
       </p:sp>
       <p:sp>
         <p:nvSpPr>
-          <p:cNvPr name="TextBox 67" id="67"/>
-          <p:cNvSpPr txBox="true"/>
+          <p:cNvPr id="67" name="TextBox 67"/>
+          <p:cNvSpPr txBox="1">
+            <a:spLocks noGrp="1" noRot="1" noMove="1" noResize="1" noEditPoints="1" noAdjustHandles="1" noChangeArrowheads="1" noChangeShapeType="1"/>
+          </p:cNvSpPr>
           <p:nvPr/>
         </p:nvSpPr>
         <p:spPr>
-          <a:xfrm rot="0">
+          <a:xfrm>
             <a:off x="7712069" y="193084"/>
             <a:ext cx="2376153" cy="508713"/>
           </a:xfrm>
@@ -5477,7 +5673,7 @@
           </a:prstGeom>
         </p:spPr>
         <p:txBody>
-          <a:bodyPr anchor="t" rtlCol="false" tIns="0" lIns="0" bIns="0" rIns="0">
+          <a:bodyPr lIns="0" tIns="0" rIns="0" bIns="0" rtlCol="0" anchor="t">
             <a:spAutoFit/>
           </a:bodyPr>
           <a:lstStyle/>
@@ -5488,7 +5684,7 @@
               </a:lnSpc>
             </a:pPr>
             <a:r>
-              <a:rPr lang="en-US" sz="1109" b="true">
+              <a:rPr lang="en-US" sz="1109" b="1">
                 <a:solidFill>
                   <a:srgbClr val="000000"/>
                 </a:solidFill>
@@ -5542,12 +5738,14 @@
       </p:sp>
       <p:sp>
         <p:nvSpPr>
-          <p:cNvPr name="TextBox 68" id="68"/>
-          <p:cNvSpPr txBox="true"/>
+          <p:cNvPr id="68" name="TextBox 68"/>
+          <p:cNvSpPr txBox="1">
+            <a:spLocks noGrp="1" noRot="1" noMove="1" noResize="1" noEditPoints="1" noAdjustHandles="1" noChangeArrowheads="1" noChangeShapeType="1"/>
+          </p:cNvSpPr>
           <p:nvPr/>
         </p:nvSpPr>
         <p:spPr>
-          <a:xfrm rot="0">
+          <a:xfrm>
             <a:off x="7712069" y="1162959"/>
             <a:ext cx="2851006" cy="507304"/>
           </a:xfrm>
@@ -5556,7 +5754,7 @@
           </a:prstGeom>
         </p:spPr>
         <p:txBody>
-          <a:bodyPr anchor="t" rtlCol="false" tIns="0" lIns="0" bIns="0" rIns="0">
+          <a:bodyPr lIns="0" tIns="0" rIns="0" bIns="0" rtlCol="0" anchor="t">
             <a:spAutoFit/>
           </a:bodyPr>
           <a:lstStyle/>
@@ -5567,7 +5765,7 @@
               </a:lnSpc>
             </a:pPr>
             <a:r>
-              <a:rPr lang="en-US" sz="1109" b="true">
+              <a:rPr lang="en-US" sz="1109" b="1">
                 <a:solidFill>
                   <a:srgbClr val="000000"/>
                 </a:solidFill>
@@ -5595,19 +5793,7 @@
                 <a:cs typeface="Circe"/>
                 <a:sym typeface="Circe"/>
               </a:rPr>
-              <a:t>Vases</a:t>
-            </a:r>
-            <a:r>
-              <a:rPr lang="en-US" sz="1109">
-                <a:solidFill>
-                  <a:srgbClr val="000000"/>
-                </a:solidFill>
-                <a:latin typeface="Circe"/>
-                <a:ea typeface="Circe"/>
-                <a:cs typeface="Circe"/>
-                <a:sym typeface="Circe"/>
-              </a:rPr>
-              <a:t>, various pillows, baby items </a:t>
+              <a:t>Vases, various pillows, baby items </a:t>
             </a:r>
           </a:p>
           <a:p>
@@ -5633,12 +5819,14 @@
       </p:sp>
       <p:sp>
         <p:nvSpPr>
-          <p:cNvPr name="TextBox 69" id="69"/>
-          <p:cNvSpPr txBox="true"/>
+          <p:cNvPr id="69" name="TextBox 69"/>
+          <p:cNvSpPr txBox="1">
+            <a:spLocks noGrp="1" noRot="1" noMove="1" noResize="1" noEditPoints="1" noAdjustHandles="1" noChangeArrowheads="1" noChangeShapeType="1"/>
+          </p:cNvSpPr>
           <p:nvPr/>
         </p:nvSpPr>
         <p:spPr>
-          <a:xfrm rot="0">
+          <a:xfrm>
             <a:off x="4253952" y="5152054"/>
             <a:ext cx="2378061" cy="240140"/>
           </a:xfrm>
@@ -5647,7 +5835,7 @@
           </a:prstGeom>
         </p:spPr>
         <p:txBody>
-          <a:bodyPr anchor="t" rtlCol="false" tIns="0" lIns="0" bIns="0" rIns="0">
+          <a:bodyPr lIns="0" tIns="0" rIns="0" bIns="0" rtlCol="0" anchor="t">
             <a:spAutoFit/>
           </a:bodyPr>
           <a:lstStyle/>
@@ -5667,31 +5855,21 @@
                 <a:cs typeface="Circe"/>
                 <a:sym typeface="Circe"/>
               </a:rPr>
-              <a:t>More</a:t>
-            </a:r>
-            <a:r>
-              <a:rPr lang="en-US" sz="2003">
-                <a:solidFill>
-                  <a:srgbClr val="000000"/>
-                </a:solidFill>
-                <a:latin typeface="Circe"/>
-                <a:ea typeface="Circe"/>
-                <a:cs typeface="Circe"/>
-                <a:sym typeface="Circe"/>
-              </a:rPr>
-              <a:t> than just a stay</a:t>
-            </a:r>
-          </a:p>
-        </p:txBody>
-      </p:sp>
-      <p:sp>
-        <p:nvSpPr>
-          <p:cNvPr name="TextBox 70" id="70"/>
-          <p:cNvSpPr txBox="true"/>
+              <a:t>More than just a stay</a:t>
+            </a:r>
+          </a:p>
+        </p:txBody>
+      </p:sp>
+      <p:sp>
+        <p:nvSpPr>
+          <p:cNvPr id="70" name="TextBox 70"/>
+          <p:cNvSpPr txBox="1">
+            <a:spLocks noGrp="1" noRot="1" noMove="1" noResize="1" noEditPoints="1" noAdjustHandles="1" noChangeArrowheads="1" noChangeShapeType="1"/>
+          </p:cNvSpPr>
           <p:nvPr/>
         </p:nvSpPr>
         <p:spPr>
-          <a:xfrm rot="0">
+          <a:xfrm>
             <a:off x="3921348" y="6359837"/>
             <a:ext cx="3043267" cy="550659"/>
           </a:xfrm>
@@ -5700,7 +5878,7 @@
           </a:prstGeom>
         </p:spPr>
         <p:txBody>
-          <a:bodyPr anchor="t" rtlCol="false" tIns="0" lIns="0" bIns="0" rIns="0">
+          <a:bodyPr lIns="0" tIns="0" rIns="0" bIns="0" rtlCol="0" anchor="t">
             <a:spAutoFit/>
           </a:bodyPr>
           <a:lstStyle/>
@@ -5720,19 +5898,7 @@
                 <a:cs typeface="Circe"/>
                 <a:sym typeface="Circe"/>
               </a:rPr>
-              <a:t>Breakfasts</a:t>
-            </a:r>
-            <a:r>
-              <a:rPr lang="en-US" sz="910">
-                <a:solidFill>
-                  <a:srgbClr val="000000"/>
-                </a:solidFill>
-                <a:latin typeface="Circe"/>
-                <a:ea typeface="Circe"/>
-                <a:cs typeface="Circe"/>
-                <a:sym typeface="Circe"/>
-              </a:rPr>
-              <a:t>, flowers, excursions  —</a:t>
+              <a:t>Breakfasts, flowers, excursions  —</a:t>
             </a:r>
           </a:p>
           <a:p>
@@ -5777,12 +5943,14 @@
       </p:sp>
       <p:sp>
         <p:nvSpPr>
-          <p:cNvPr name="TextBox 71" id="71"/>
-          <p:cNvSpPr txBox="true"/>
+          <p:cNvPr id="71" name="TextBox 71"/>
+          <p:cNvSpPr txBox="1">
+            <a:spLocks noGrp="1" noRot="1" noMove="1" noResize="1" noEditPoints="1" noAdjustHandles="1" noChangeArrowheads="1" noChangeShapeType="1"/>
+          </p:cNvSpPr>
           <p:nvPr/>
         </p:nvSpPr>
         <p:spPr>
-          <a:xfrm rot="0">
+          <a:xfrm>
             <a:off x="4217596" y="308598"/>
             <a:ext cx="2256807" cy="447402"/>
           </a:xfrm>
@@ -5791,7 +5959,7 @@
           </a:prstGeom>
         </p:spPr>
         <p:txBody>
-          <a:bodyPr anchor="t" rtlCol="false" tIns="0" lIns="0" bIns="0" rIns="0">
+          <a:bodyPr lIns="0" tIns="0" rIns="0" bIns="0" rtlCol="0" anchor="t">
             <a:spAutoFit/>
           </a:bodyPr>
           <a:lstStyle/>
@@ -5818,12 +5986,14 @@
       </p:sp>
       <p:sp>
         <p:nvSpPr>
-          <p:cNvPr name="TextBox 72" id="72"/>
-          <p:cNvSpPr txBox="true"/>
+          <p:cNvPr id="72" name="TextBox 72"/>
+          <p:cNvSpPr txBox="1">
+            <a:spLocks noGrp="1" noRot="1" noMove="1" noResize="1" noEditPoints="1" noAdjustHandles="1" noChangeArrowheads="1" noChangeShapeType="1"/>
+          </p:cNvSpPr>
           <p:nvPr/>
         </p:nvSpPr>
         <p:spPr>
-          <a:xfrm rot="0">
+          <a:xfrm>
             <a:off x="7712069" y="4412136"/>
             <a:ext cx="2654703" cy="654667"/>
           </a:xfrm>
@@ -5832,7 +6002,7 @@
           </a:prstGeom>
         </p:spPr>
         <p:txBody>
-          <a:bodyPr anchor="t" rtlCol="false" tIns="0" lIns="0" bIns="0" rIns="0">
+          <a:bodyPr lIns="0" tIns="0" rIns="0" bIns="0" rtlCol="0" anchor="t">
             <a:spAutoFit/>
           </a:bodyPr>
           <a:lstStyle/>
@@ -5878,12 +6048,14 @@
       </p:sp>
       <p:sp>
         <p:nvSpPr>
-          <p:cNvPr name="TextBox 73" id="73"/>
-          <p:cNvSpPr txBox="true"/>
+          <p:cNvPr id="73" name="TextBox 73"/>
+          <p:cNvSpPr txBox="1">
+            <a:spLocks noGrp="1" noRot="1" noMove="1" noResize="1" noEditPoints="1" noAdjustHandles="1" noChangeArrowheads="1" noChangeShapeType="1"/>
+          </p:cNvSpPr>
           <p:nvPr/>
         </p:nvSpPr>
         <p:spPr>
-          <a:xfrm rot="0">
+          <a:xfrm>
             <a:off x="7841077" y="5304928"/>
             <a:ext cx="2396687" cy="741159"/>
           </a:xfrm>
@@ -5892,7 +6064,7 @@
           </a:prstGeom>
         </p:spPr>
         <p:txBody>
-          <a:bodyPr anchor="t" rtlCol="false" tIns="0" lIns="0" bIns="0" rIns="0">
+          <a:bodyPr lIns="0" tIns="0" rIns="0" bIns="0" rtlCol="0" anchor="t">
             <a:spAutoFit/>
           </a:bodyPr>
           <a:lstStyle/>
@@ -5912,19 +6084,7 @@
                 <a:cs typeface="Circe"/>
                 <a:sym typeface="Circe"/>
               </a:rPr>
-              <a:t>Full</a:t>
-            </a:r>
-            <a:r>
-              <a:rPr lang="en-US" sz="910">
-                <a:solidFill>
-                  <a:srgbClr val="000000"/>
-                </a:solidFill>
-                <a:latin typeface="Circe"/>
-                <a:ea typeface="Circe"/>
-                <a:cs typeface="Circe"/>
-                <a:sym typeface="Circe"/>
-              </a:rPr>
-              <a:t> list of services and useful information</a:t>
+              <a:t>Full list of services and useful information</a:t>
             </a:r>
           </a:p>
           <a:p>
@@ -5971,6 +6131,15 @@
                 <a:spcPts val="1556"/>
               </a:lnSpc>
             </a:pPr>
+            <a:endParaRPr lang="en-US" sz="910">
+              <a:solidFill>
+                <a:srgbClr val="000000"/>
+              </a:solidFill>
+              <a:latin typeface="Circe"/>
+              <a:ea typeface="Circe"/>
+              <a:cs typeface="Circe"/>
+              <a:sym typeface="Circe"/>
+            </a:endParaRPr>
           </a:p>
         </p:txBody>
       </p:sp>
@@ -5983,7 +6152,7 @@
 </file>
 
 <file path=ppt/slides/slide2.xml><?xml version="1.0" encoding="utf-8"?>
-<p:sld xmlns:p="http://schemas.openxmlformats.org/presentationml/2006/main" xmlns:a="http://schemas.openxmlformats.org/drawingml/2006/main" xmlns:r="http://schemas.openxmlformats.org/officeDocument/2006/relationships">
+<p:sld xmlns:a="http://schemas.openxmlformats.org/drawingml/2006/main" xmlns:r="http://schemas.openxmlformats.org/officeDocument/2006/relationships" xmlns:p="http://schemas.openxmlformats.org/presentationml/2006/main">
   <p:cSld>
     <p:spTree>
       <p:nvGrpSpPr>
@@ -6001,12 +6170,14 @@
       </p:grpSpPr>
       <p:grpSp>
         <p:nvGrpSpPr>
-          <p:cNvPr name="Group 2" id="2"/>
-          <p:cNvGrpSpPr/>
+          <p:cNvPr id="2" name="Group 2"/>
+          <p:cNvGrpSpPr>
+            <a:grpSpLocks noGrp="1" noUngrp="1" noRot="1" noMove="1" noResize="1"/>
+          </p:cNvGrpSpPr>
           <p:nvPr/>
         </p:nvGrpSpPr>
         <p:grpSpPr>
-          <a:xfrm rot="0">
+          <a:xfrm>
             <a:off x="3545775" y="4015916"/>
             <a:ext cx="3600450" cy="735556"/>
             <a:chOff x="0" y="0"/>
@@ -6015,40 +6186,47 @@
         </p:grpSpPr>
         <p:sp>
           <p:nvSpPr>
-            <p:cNvPr name="AutoShape 3" id="3"/>
-            <p:cNvSpPr/>
+            <p:cNvPr id="3" name="AutoShape 3"/>
+            <p:cNvSpPr>
+              <a:spLocks noGrp="1" noRot="1" noMove="1" noResize="1" noEditPoints="1" noAdjustHandles="1" noChangeArrowheads="1" noChangeShapeType="1"/>
+            </p:cNvSpPr>
             <p:nvPr/>
           </p:nvSpPr>
           <p:spPr>
-            <a:xfrm flipV="true">
+            <a:xfrm flipV="1">
               <a:off x="0" y="12700"/>
               <a:ext cx="4800600" cy="0"/>
             </a:xfrm>
             <a:prstGeom prst="line">
               <a:avLst/>
             </a:prstGeom>
-            <a:ln cap="rnd" w="25400">
+            <a:ln w="25400" cap="rnd">
               <a:solidFill>
                 <a:srgbClr val="767576"/>
               </a:solidFill>
               <a:prstDash val="solid"/>
-              <a:headEnd type="none" len="sm" w="sm"/>
-              <a:tailEnd type="none" len="sm" w="sm"/>
+              <a:headEnd type="none" w="sm" len="sm"/>
+              <a:tailEnd type="none" w="sm" len="sm"/>
             </a:ln>
           </p:spPr>
           <p:txBody>
             <a:bodyPr/>
-            <a:p/>
+            <a:lstStyle/>
+            <a:p>
+              <a:endParaRPr/>
+            </a:p>
           </p:txBody>
         </p:sp>
         <p:grpSp>
           <p:nvGrpSpPr>
-            <p:cNvPr name="Group 4" id="4"/>
-            <p:cNvGrpSpPr/>
+            <p:cNvPr id="4" name="Group 4"/>
+            <p:cNvGrpSpPr>
+              <a:grpSpLocks noGrp="1" noUngrp="1" noRot="1" noMove="1" noResize="1"/>
+            </p:cNvGrpSpPr>
             <p:nvPr/>
           </p:nvGrpSpPr>
           <p:grpSpPr>
-            <a:xfrm rot="0">
+            <a:xfrm>
               <a:off x="11809" y="190500"/>
               <a:ext cx="4776982" cy="548941"/>
               <a:chOff x="0" y="0"/>
@@ -6057,12 +6235,14 @@
           </p:grpSpPr>
           <p:sp>
             <p:nvSpPr>
-              <p:cNvPr name="Freeform 5" id="5"/>
-              <p:cNvSpPr/>
+              <p:cNvPr id="5" name="Freeform 5"/>
+              <p:cNvSpPr>
+                <a:spLocks noGrp="1" noRot="1" noMove="1" noResize="1" noEditPoints="1" noAdjustHandles="1" noChangeArrowheads="1" noChangeShapeType="1"/>
+              </p:cNvSpPr>
               <p:nvPr/>
             </p:nvSpPr>
             <p:spPr>
-              <a:xfrm flipH="false" flipV="false" rot="0">
+              <a:xfrm>
                 <a:off x="0" y="0"/>
                 <a:ext cx="1283972" cy="147546"/>
               </a:xfrm>
@@ -6071,9 +6251,9 @@
                 <a:gdLst/>
                 <a:ahLst/>
                 <a:cxnLst/>
-                <a:rect r="r" b="b" t="t" l="l"/>
+                <a:rect l="l" t="t" r="r" b="b"/>
                 <a:pathLst>
-                  <a:path h="147546" w="1283972">
+                  <a:path w="1283972" h="147546">
                     <a:moveTo>
                       <a:pt x="0" y="0"/>
                     </a:moveTo>
@@ -6096,13 +6276,18 @@
             </p:spPr>
             <p:txBody>
               <a:bodyPr/>
-              <a:p/>
+              <a:lstStyle/>
+              <a:p>
+                <a:endParaRPr/>
+              </a:p>
             </p:txBody>
           </p:sp>
           <p:sp>
             <p:nvSpPr>
-              <p:cNvPr name="TextBox 6" id="6"/>
-              <p:cNvSpPr txBox="true"/>
+              <p:cNvPr id="6" name="TextBox 6"/>
+              <p:cNvSpPr txBox="1">
+                <a:spLocks noGrp="1" noRot="1" noMove="1" noResize="1" noEditPoints="1" noAdjustHandles="1" noChangeArrowheads="1" noChangeShapeType="1"/>
+              </p:cNvSpPr>
               <p:nvPr/>
             </p:nvSpPr>
             <p:spPr>
@@ -6115,7 +6300,7 @@
               </a:prstGeom>
             </p:spPr>
             <p:txBody>
-              <a:bodyPr anchor="ctr" rtlCol="false" tIns="50800" lIns="50800" bIns="50800" rIns="50800"/>
+              <a:bodyPr lIns="50800" tIns="50800" rIns="50800" bIns="50800" rtlCol="0" anchor="ctr"/>
               <a:lstStyle/>
               <a:p>
                 <a:pPr algn="ctr">
@@ -6123,47 +6308,55 @@
                     <a:spcPts val="1664"/>
                   </a:lnSpc>
                 </a:pPr>
+                <a:endParaRPr/>
               </a:p>
             </p:txBody>
           </p:sp>
         </p:grpSp>
         <p:sp>
           <p:nvSpPr>
-            <p:cNvPr name="AutoShape 7" id="7"/>
-            <p:cNvSpPr/>
+            <p:cNvPr id="7" name="AutoShape 7"/>
+            <p:cNvSpPr>
+              <a:spLocks noGrp="1" noRot="1" noMove="1" noResize="1" noEditPoints="1" noAdjustHandles="1" noChangeArrowheads="1" noChangeShapeType="1"/>
+            </p:cNvSpPr>
             <p:nvPr/>
           </p:nvSpPr>
           <p:spPr>
-            <a:xfrm flipV="true">
+            <a:xfrm flipV="1">
               <a:off x="0" y="968041"/>
               <a:ext cx="4800600" cy="0"/>
             </a:xfrm>
             <a:prstGeom prst="line">
               <a:avLst/>
             </a:prstGeom>
-            <a:ln cap="rnd" w="25400">
+            <a:ln w="25400" cap="rnd">
               <a:solidFill>
                 <a:srgbClr val="767576"/>
               </a:solidFill>
               <a:prstDash val="solid"/>
-              <a:headEnd type="none" len="sm" w="sm"/>
-              <a:tailEnd type="none" len="sm" w="sm"/>
+              <a:headEnd type="none" w="sm" len="sm"/>
+              <a:tailEnd type="none" w="sm" len="sm"/>
             </a:ln>
           </p:spPr>
           <p:txBody>
             <a:bodyPr/>
-            <a:p/>
+            <a:lstStyle/>
+            <a:p>
+              <a:endParaRPr/>
+            </a:p>
           </p:txBody>
         </p:sp>
       </p:grpSp>
       <p:grpSp>
         <p:nvGrpSpPr>
-          <p:cNvPr name="Group 8" id="8"/>
-          <p:cNvGrpSpPr/>
+          <p:cNvPr id="8" name="Group 8"/>
+          <p:cNvGrpSpPr>
+            <a:grpSpLocks noGrp="1" noUngrp="1" noRot="1" noMove="1" noResize="1"/>
+          </p:cNvGrpSpPr>
           <p:nvPr/>
         </p:nvGrpSpPr>
         <p:grpSpPr>
-          <a:xfrm rot="0">
+          <a:xfrm>
             <a:off x="7762875" y="323006"/>
             <a:ext cx="2328525" cy="2066314"/>
             <a:chOff x="0" y="0"/>
@@ -6172,12 +6365,14 @@
         </p:grpSpPr>
         <p:sp>
           <p:nvSpPr>
-            <p:cNvPr name="Freeform 9" id="9"/>
-            <p:cNvSpPr/>
+            <p:cNvPr id="9" name="Freeform 9"/>
+            <p:cNvSpPr>
+              <a:spLocks noGrp="1" noRot="1" noMove="1" noResize="1" noEditPoints="1" noAdjustHandles="1" noChangeArrowheads="1" noChangeShapeType="1"/>
+            </p:cNvSpPr>
             <p:nvPr/>
           </p:nvSpPr>
           <p:spPr>
-            <a:xfrm flipH="false" flipV="false" rot="0">
+            <a:xfrm>
               <a:off x="0" y="0"/>
               <a:ext cx="834491" cy="740520"/>
             </a:xfrm>
@@ -6186,9 +6381,9 @@
               <a:gdLst/>
               <a:ahLst/>
               <a:cxnLst/>
-              <a:rect r="r" b="b" t="t" l="l"/>
+              <a:rect l="l" t="t" r="r" b="b"/>
               <a:pathLst>
-                <a:path h="740520" w="834491">
+                <a:path w="834491" h="740520">
                   <a:moveTo>
                     <a:pt x="278314" y="721451"/>
                   </a:moveTo>
@@ -6236,13 +6431,18 @@
           </p:spPr>
           <p:txBody>
             <a:bodyPr/>
-            <a:p/>
+            <a:lstStyle/>
+            <a:p>
+              <a:endParaRPr/>
+            </a:p>
           </p:txBody>
         </p:sp>
         <p:sp>
           <p:nvSpPr>
-            <p:cNvPr name="TextBox 10" id="10"/>
-            <p:cNvSpPr txBox="true"/>
+            <p:cNvPr id="10" name="TextBox 10"/>
+            <p:cNvSpPr txBox="1">
+              <a:spLocks noGrp="1" noRot="1" noMove="1" noResize="1" noEditPoints="1" noAdjustHandles="1" noChangeArrowheads="1" noChangeShapeType="1"/>
+            </p:cNvSpPr>
             <p:nvPr/>
           </p:nvSpPr>
           <p:spPr>
@@ -6255,7 +6455,7 @@
             </a:prstGeom>
           </p:spPr>
           <p:txBody>
-            <a:bodyPr anchor="ctr" rtlCol="false" tIns="50800" lIns="50800" bIns="50800" rIns="50800"/>
+            <a:bodyPr lIns="50800" tIns="50800" rIns="50800" bIns="50800" rtlCol="0" anchor="ctr"/>
             <a:lstStyle/>
             <a:p>
               <a:pPr algn="ctr">
@@ -6263,18 +6463,21 @@
                   <a:spcPts val="1664"/>
                 </a:lnSpc>
               </a:pPr>
+              <a:endParaRPr/>
             </a:p>
           </p:txBody>
         </p:sp>
       </p:grpSp>
       <p:sp>
         <p:nvSpPr>
-          <p:cNvPr name="Freeform 11" id="11"/>
-          <p:cNvSpPr/>
+          <p:cNvPr id="11" name="Freeform 11"/>
+          <p:cNvSpPr>
+            <a:spLocks noGrp="1" noRot="1" noMove="1" noResize="1" noEditPoints="1" noAdjustHandles="1" noChangeArrowheads="1" noChangeShapeType="1"/>
+          </p:cNvSpPr>
           <p:nvPr/>
         </p:nvSpPr>
         <p:spPr>
-          <a:xfrm flipH="false" flipV="false" rot="0">
+          <a:xfrm>
             <a:off x="8006176" y="553259"/>
             <a:ext cx="1929824" cy="1157151"/>
           </a:xfrm>
@@ -6283,9 +6486,9 @@
             <a:gdLst/>
             <a:ahLst/>
             <a:cxnLst/>
-            <a:rect r="r" b="b" t="t" l="l"/>
+            <a:rect l="l" t="t" r="r" b="b"/>
             <a:pathLst>
-              <a:path h="1157151" w="1929824">
+              <a:path w="1929824" h="1157151">
                 <a:moveTo>
                   <a:pt x="0" y="0"/>
                 </a:moveTo>
@@ -6308,23 +6511,26 @@
           <a:blipFill>
             <a:blip r:embed="rId2"/>
             <a:stretch>
-              <a:fillRect l="0" t="-32" r="0" b="-32"/>
+              <a:fillRect t="-32" b="-32"/>
             </a:stretch>
           </a:blipFill>
         </p:spPr>
         <p:txBody>
           <a:bodyPr/>
-          <a:p/>
+          <a:lstStyle/>
+          <a:p>
+            <a:endParaRPr/>
+          </a:p>
         </p:txBody>
       </p:sp>
       <p:grpSp>
         <p:nvGrpSpPr>
-          <p:cNvPr name="Group 12" id="12"/>
+          <p:cNvPr id="12" name="Group 12"/>
           <p:cNvGrpSpPr/>
           <p:nvPr/>
         </p:nvGrpSpPr>
         <p:grpSpPr>
-          <a:xfrm rot="0">
+          <a:xfrm>
             <a:off x="108000" y="3572061"/>
             <a:ext cx="3437775" cy="469246"/>
             <a:chOff x="0" y="0"/>
@@ -6333,12 +6539,12 @@
         </p:grpSpPr>
         <p:sp>
           <p:nvSpPr>
-            <p:cNvPr name="Freeform 13" id="13"/>
+            <p:cNvPr id="13" name="Freeform 13"/>
             <p:cNvSpPr/>
             <p:nvPr/>
           </p:nvSpPr>
           <p:spPr>
-            <a:xfrm flipH="false" flipV="false" rot="0">
+            <a:xfrm>
               <a:off x="0" y="0"/>
               <a:ext cx="1309133" cy="178693"/>
             </a:xfrm>
@@ -6347,9 +6553,9 @@
               <a:gdLst/>
               <a:ahLst/>
               <a:cxnLst/>
-              <a:rect r="r" b="b" t="t" l="l"/>
+              <a:rect l="l" t="t" r="r" b="b"/>
               <a:pathLst>
-                <a:path h="178693" w="1309133">
+                <a:path w="1309133" h="178693">
                   <a:moveTo>
                     <a:pt x="0" y="0"/>
                   </a:moveTo>
@@ -6372,13 +6578,16 @@
           </p:spPr>
           <p:txBody>
             <a:bodyPr/>
-            <a:p/>
+            <a:lstStyle/>
+            <a:p>
+              <a:endParaRPr/>
+            </a:p>
           </p:txBody>
         </p:sp>
         <p:sp>
           <p:nvSpPr>
-            <p:cNvPr name="TextBox 14" id="14"/>
-            <p:cNvSpPr txBox="true"/>
+            <p:cNvPr id="14" name="TextBox 14"/>
+            <p:cNvSpPr txBox="1"/>
             <p:nvPr/>
           </p:nvSpPr>
           <p:spPr>
@@ -6391,7 +6600,7 @@
             </a:prstGeom>
           </p:spPr>
           <p:txBody>
-            <a:bodyPr anchor="ctr" rtlCol="false" tIns="47808" lIns="47808" bIns="47808" rIns="47808"/>
+            <a:bodyPr lIns="47808" tIns="47808" rIns="47808" bIns="47808" rtlCol="0" anchor="ctr"/>
             <a:lstStyle/>
             <a:p>
               <a:pPr algn="ctr">
@@ -6399,18 +6608,19 @@
                   <a:spcPts val="1664"/>
                 </a:lnSpc>
               </a:pPr>
+              <a:endParaRPr/>
             </a:p>
           </p:txBody>
         </p:sp>
       </p:grpSp>
       <p:grpSp>
         <p:nvGrpSpPr>
-          <p:cNvPr name="Group 15" id="15"/>
+          <p:cNvPr id="15" name="Group 15"/>
           <p:cNvGrpSpPr/>
           <p:nvPr/>
         </p:nvGrpSpPr>
         <p:grpSpPr>
-          <a:xfrm rot="0">
+          <a:xfrm>
             <a:off x="108000" y="2792756"/>
             <a:ext cx="3437775" cy="469246"/>
             <a:chOff x="0" y="0"/>
@@ -6419,12 +6629,12 @@
         </p:grpSpPr>
         <p:sp>
           <p:nvSpPr>
-            <p:cNvPr name="Freeform 16" id="16"/>
+            <p:cNvPr id="16" name="Freeform 16"/>
             <p:cNvSpPr/>
             <p:nvPr/>
           </p:nvSpPr>
           <p:spPr>
-            <a:xfrm flipH="false" flipV="false" rot="0">
+            <a:xfrm>
               <a:off x="0" y="0"/>
               <a:ext cx="1309133" cy="178693"/>
             </a:xfrm>
@@ -6433,9 +6643,9 @@
               <a:gdLst/>
               <a:ahLst/>
               <a:cxnLst/>
-              <a:rect r="r" b="b" t="t" l="l"/>
+              <a:rect l="l" t="t" r="r" b="b"/>
               <a:pathLst>
-                <a:path h="178693" w="1309133">
+                <a:path w="1309133" h="178693">
                   <a:moveTo>
                     <a:pt x="0" y="0"/>
                   </a:moveTo>
@@ -6458,13 +6668,16 @@
           </p:spPr>
           <p:txBody>
             <a:bodyPr/>
-            <a:p/>
+            <a:lstStyle/>
+            <a:p>
+              <a:endParaRPr/>
+            </a:p>
           </p:txBody>
         </p:sp>
         <p:sp>
           <p:nvSpPr>
-            <p:cNvPr name="TextBox 17" id="17"/>
-            <p:cNvSpPr txBox="true"/>
+            <p:cNvPr id="17" name="TextBox 17"/>
+            <p:cNvSpPr txBox="1"/>
             <p:nvPr/>
           </p:nvSpPr>
           <p:spPr>
@@ -6477,7 +6690,7 @@
             </a:prstGeom>
           </p:spPr>
           <p:txBody>
-            <a:bodyPr anchor="ctr" rtlCol="false" tIns="47808" lIns="47808" bIns="47808" rIns="47808"/>
+            <a:bodyPr lIns="47808" tIns="47808" rIns="47808" bIns="47808" rtlCol="0" anchor="ctr"/>
             <a:lstStyle/>
             <a:p>
               <a:pPr algn="ctr">
@@ -6485,18 +6698,19 @@
                   <a:spcPts val="1664"/>
                 </a:lnSpc>
               </a:pPr>
+              <a:endParaRPr/>
             </a:p>
           </p:txBody>
         </p:sp>
       </p:grpSp>
       <p:sp>
         <p:nvSpPr>
-          <p:cNvPr name="TextBox 18" id="18"/>
-          <p:cNvSpPr txBox="true"/>
+          <p:cNvPr id="18" name="TextBox 18"/>
+          <p:cNvSpPr txBox="1"/>
           <p:nvPr/>
         </p:nvSpPr>
         <p:spPr>
-          <a:xfrm rot="0">
+          <a:xfrm>
             <a:off x="702515" y="1922689"/>
             <a:ext cx="2213058" cy="447402"/>
           </a:xfrm>
@@ -6505,7 +6719,7 @@
           </a:prstGeom>
         </p:spPr>
         <p:txBody>
-          <a:bodyPr anchor="t" rtlCol="false" tIns="0" lIns="0" bIns="0" rIns="0">
+          <a:bodyPr lIns="0" tIns="0" rIns="0" bIns="0" rtlCol="0" anchor="t">
             <a:spAutoFit/>
           </a:bodyPr>
           <a:lstStyle/>
@@ -6532,12 +6746,12 @@
       </p:sp>
       <p:sp>
         <p:nvSpPr>
-          <p:cNvPr name="TextBox 19" id="19"/>
-          <p:cNvSpPr txBox="true"/>
+          <p:cNvPr id="19" name="TextBox 19"/>
+          <p:cNvSpPr txBox="1"/>
           <p:nvPr/>
         </p:nvSpPr>
         <p:spPr>
-          <a:xfrm rot="0">
+          <a:xfrm>
             <a:off x="488182" y="2928461"/>
             <a:ext cx="2662984" cy="207362"/>
           </a:xfrm>
@@ -6546,7 +6760,7 @@
           </a:prstGeom>
         </p:spPr>
         <p:txBody>
-          <a:bodyPr anchor="t" rtlCol="false" tIns="0" lIns="0" bIns="0" rIns="0">
+          <a:bodyPr lIns="0" tIns="0" rIns="0" bIns="0" rtlCol="0" anchor="t">
             <a:spAutoFit/>
           </a:bodyPr>
           <a:lstStyle/>
@@ -6573,13 +6787,13 @@
       </p:sp>
       <p:sp>
         <p:nvSpPr>
-          <p:cNvPr name="TextBox 20" id="20"/>
-          <p:cNvSpPr txBox="true"/>
+          <p:cNvPr id="20" name="TextBox 20"/>
+          <p:cNvSpPr txBox="1"/>
           <p:nvPr/>
         </p:nvSpPr>
         <p:spPr>
-          <a:xfrm rot="0">
-            <a:off x="673510" y="4508032"/>
+          <a:xfrm>
+            <a:off x="575886" y="4158791"/>
             <a:ext cx="2212514" cy="479882"/>
           </a:xfrm>
           <a:prstGeom prst="rect">
@@ -6587,7 +6801,7 @@
           </a:prstGeom>
         </p:spPr>
         <p:txBody>
-          <a:bodyPr anchor="t" rtlCol="false" tIns="0" lIns="0" bIns="0" rIns="0">
+          <a:bodyPr lIns="0" tIns="0" rIns="0" bIns="0" rtlCol="0" anchor="t">
             <a:spAutoFit/>
           </a:bodyPr>
           <a:lstStyle/>
@@ -6598,7 +6812,7 @@
               </a:lnSpc>
             </a:pPr>
             <a:r>
-              <a:rPr lang="en-US" sz="910">
+              <a:rPr lang="en-US" sz="910" dirty="0">
                 <a:solidFill>
                   <a:srgbClr val="000000"/>
                 </a:solidFill>
@@ -6607,19 +6821,7 @@
                 <a:cs typeface="Circe"/>
                 <a:sym typeface="Circe"/>
               </a:rPr>
-              <a:t>The code is</a:t>
-            </a:r>
-            <a:r>
-              <a:rPr lang="en-US" sz="910">
-                <a:solidFill>
-                  <a:srgbClr val="000000"/>
-                </a:solidFill>
-                <a:latin typeface="Circe"/>
-                <a:ea typeface="Circe"/>
-                <a:cs typeface="Circe"/>
-                <a:sym typeface="Circe"/>
-              </a:rPr>
-              <a:t> secure and unique </a:t>
+              <a:t>The code is secure and unique </a:t>
             </a:r>
           </a:p>
           <a:p>
@@ -6629,7 +6831,7 @@
               </a:lnSpc>
             </a:pPr>
             <a:r>
-              <a:rPr lang="en-US" sz="910">
+              <a:rPr lang="en-US" sz="910" dirty="0">
                 <a:solidFill>
                   <a:srgbClr val="000000"/>
                 </a:solidFill>
@@ -6645,12 +6847,14 @@
       </p:sp>
       <p:sp>
         <p:nvSpPr>
-          <p:cNvPr name="Freeform 21" id="21"/>
-          <p:cNvSpPr/>
+          <p:cNvPr id="21" name="Freeform 21"/>
+          <p:cNvSpPr>
+            <a:spLocks noGrp="1" noRot="1" noMove="1" noResize="1" noEditPoints="1" noAdjustHandles="1" noChangeArrowheads="1" noChangeShapeType="1"/>
+          </p:cNvSpPr>
           <p:nvPr/>
         </p:nvSpPr>
         <p:spPr>
-          <a:xfrm flipH="false" flipV="false" rot="0">
+          <a:xfrm>
             <a:off x="8391974" y="5102292"/>
             <a:ext cx="1158228" cy="1158228"/>
           </a:xfrm>
@@ -6659,9 +6863,9 @@
             <a:gdLst/>
             <a:ahLst/>
             <a:cxnLst/>
-            <a:rect r="r" b="b" t="t" l="l"/>
+            <a:rect l="l" t="t" r="r" b="b"/>
             <a:pathLst>
-              <a:path h="1158228" w="1158228">
+              <a:path w="1158228" h="1158228">
                 <a:moveTo>
                   <a:pt x="0" y="0"/>
                 </a:moveTo>
@@ -6684,23 +6888,26 @@
           <a:blipFill>
             <a:blip r:embed="rId3"/>
             <a:stretch>
-              <a:fillRect l="0" t="0" r="0" b="0"/>
+              <a:fillRect/>
             </a:stretch>
           </a:blipFill>
         </p:spPr>
         <p:txBody>
           <a:bodyPr/>
-          <a:p/>
-        </p:txBody>
-      </p:sp>
-      <p:sp>
-        <p:nvSpPr>
-          <p:cNvPr name="TextBox 22" id="22"/>
-          <p:cNvSpPr txBox="true"/>
+          <a:lstStyle/>
+          <a:p>
+            <a:endParaRPr/>
+          </a:p>
+        </p:txBody>
+      </p:sp>
+      <p:sp>
+        <p:nvSpPr>
+          <p:cNvPr id="22" name="TextBox 22"/>
+          <p:cNvSpPr txBox="1"/>
           <p:nvPr/>
         </p:nvSpPr>
         <p:spPr>
-          <a:xfrm rot="0">
+          <a:xfrm>
             <a:off x="488182" y="3707776"/>
             <a:ext cx="1964285" cy="207340"/>
           </a:xfrm>
@@ -6709,7 +6916,7 @@
           </a:prstGeom>
         </p:spPr>
         <p:txBody>
-          <a:bodyPr anchor="t" rtlCol="false" tIns="0" lIns="0" bIns="0" rIns="0">
+          <a:bodyPr lIns="0" tIns="0" rIns="0" bIns="0" rtlCol="0" anchor="t">
             <a:spAutoFit/>
           </a:bodyPr>
           <a:lstStyle/>
@@ -6736,13 +6943,13 @@
       </p:sp>
       <p:sp>
         <p:nvSpPr>
-          <p:cNvPr name="TextBox 23" id="23"/>
-          <p:cNvSpPr txBox="true"/>
+          <p:cNvPr id="23" name="TextBox 23"/>
+          <p:cNvSpPr txBox="1"/>
           <p:nvPr/>
         </p:nvSpPr>
         <p:spPr>
-          <a:xfrm rot="0">
-            <a:off x="4170785" y="1069352"/>
+          <a:xfrm>
+            <a:off x="960067" y="3545464"/>
             <a:ext cx="2350430" cy="447402"/>
           </a:xfrm>
           <a:prstGeom prst="rect">
@@ -6750,7 +6957,7 @@
           </a:prstGeom>
         </p:spPr>
         <p:txBody>
-          <a:bodyPr anchor="t" rtlCol="false" tIns="0" lIns="0" bIns="0" rIns="0">
+          <a:bodyPr lIns="0" tIns="0" rIns="0" bIns="0" rtlCol="0" anchor="t">
             <a:spAutoFit/>
           </a:bodyPr>
           <a:lstStyle/>
@@ -6761,6 +6968,7 @@
               </a:lnSpc>
             </a:pPr>
             <a:r>
+              <a:rPr dirty="0"/>
               <a:t>{{PASSWORD}}</a:t>
             </a:r>
           </a:p>
@@ -6768,12 +6976,14 @@
       </p:sp>
       <p:sp>
         <p:nvSpPr>
-          <p:cNvPr name="TextBox 24" id="24"/>
-          <p:cNvSpPr txBox="true"/>
+          <p:cNvPr id="24" name="TextBox 24"/>
+          <p:cNvSpPr txBox="1">
+            <a:spLocks noGrp="1" noRot="1" noMove="1" noResize="1" noEditPoints="1" noAdjustHandles="1" noChangeArrowheads="1" noChangeShapeType="1"/>
+          </p:cNvSpPr>
           <p:nvPr/>
         </p:nvSpPr>
         <p:spPr>
-          <a:xfrm rot="0">
+          <a:xfrm>
             <a:off x="7795873" y="3048078"/>
             <a:ext cx="2350430" cy="1498162"/>
           </a:xfrm>
@@ -6782,7 +6992,7 @@
           </a:prstGeom>
         </p:spPr>
         <p:txBody>
-          <a:bodyPr anchor="t" rtlCol="false" tIns="0" lIns="0" bIns="0" rIns="0">
+          <a:bodyPr lIns="0" tIns="0" rIns="0" bIns="0" rtlCol="0" anchor="t">
             <a:spAutoFit/>
           </a:bodyPr>
           <a:lstStyle/>
@@ -6830,6 +7040,15 @@
                 <a:spcPts val="2148"/>
               </a:lnSpc>
             </a:pPr>
+            <a:endParaRPr lang="en-US" sz="1603">
+              <a:solidFill>
+                <a:srgbClr val="000000"/>
+              </a:solidFill>
+              <a:latin typeface="Circe"/>
+              <a:ea typeface="Circe"/>
+              <a:cs typeface="Circe"/>
+              <a:sym typeface="Circe"/>
+            </a:endParaRPr>
           </a:p>
           <a:p>
             <a:pPr algn="ctr">
@@ -6847,31 +7066,21 @@
                 <a:cs typeface="Circe"/>
                 <a:sym typeface="Circe"/>
               </a:rPr>
-              <a:t>A</a:t>
-            </a:r>
-            <a:r>
-              <a:rPr lang="en-US" sz="1303">
-                <a:solidFill>
-                  <a:srgbClr val="000000"/>
-                </a:solidFill>
-                <a:latin typeface="Circe"/>
-                <a:ea typeface="Circe"/>
-                <a:cs typeface="Circe"/>
-                <a:sym typeface="Circe"/>
-              </a:rPr>
-              <a:t> unique aparthotel for living, working and leisure.</a:t>
-            </a:r>
-          </a:p>
-        </p:txBody>
-      </p:sp>
-      <p:sp>
-        <p:nvSpPr>
-          <p:cNvPr name="TextBox 25" id="25"/>
-          <p:cNvSpPr txBox="true"/>
+              <a:t>A unique aparthotel for living, working and leisure.</a:t>
+            </a:r>
+          </a:p>
+        </p:txBody>
+      </p:sp>
+      <p:sp>
+        <p:nvSpPr>
+          <p:cNvPr id="25" name="TextBox 25"/>
+          <p:cNvSpPr txBox="1">
+            <a:spLocks noGrp="1" noRot="1" noMove="1" noResize="1" noEditPoints="1" noAdjustHandles="1" noChangeArrowheads="1" noChangeShapeType="1"/>
+          </p:cNvSpPr>
           <p:nvPr/>
         </p:nvSpPr>
         <p:spPr>
-          <a:xfrm rot="0">
+          <a:xfrm>
             <a:off x="4170785" y="5566075"/>
             <a:ext cx="2350430" cy="447402"/>
           </a:xfrm>
@@ -6880,7 +7089,7 @@
           </a:prstGeom>
         </p:spPr>
         <p:txBody>
-          <a:bodyPr anchor="t" rtlCol="false" tIns="0" lIns="0" bIns="0" rIns="0">
+          <a:bodyPr lIns="0" tIns="0" rIns="0" bIns="0" rtlCol="0" anchor="t">
             <a:spAutoFit/>
           </a:bodyPr>
           <a:lstStyle/>
@@ -6907,12 +7116,14 @@
       </p:sp>
       <p:sp>
         <p:nvSpPr>
-          <p:cNvPr name="TextBox 26" id="26"/>
-          <p:cNvSpPr txBox="true"/>
+          <p:cNvPr id="26" name="TextBox 26"/>
+          <p:cNvSpPr txBox="1">
+            <a:spLocks noGrp="1" noRot="1" noMove="1" noResize="1" noEditPoints="1" noAdjustHandles="1" noChangeArrowheads="1" noChangeShapeType="1"/>
+          </p:cNvSpPr>
           <p:nvPr/>
         </p:nvSpPr>
         <p:spPr>
-          <a:xfrm rot="0">
+          <a:xfrm>
             <a:off x="3790720" y="1834983"/>
             <a:ext cx="3110559" cy="1765757"/>
           </a:xfrm>
@@ -6921,7 +7132,7 @@
           </a:prstGeom>
         </p:spPr>
         <p:txBody>
-          <a:bodyPr anchor="t" rtlCol="false" tIns="0" lIns="0" bIns="0" rIns="0">
+          <a:bodyPr lIns="0" tIns="0" rIns="0" bIns="0" rtlCol="0" anchor="t">
             <a:spAutoFit/>
           </a:bodyPr>
           <a:lstStyle/>
@@ -6941,19 +7152,7 @@
                 <a:cs typeface="Circe"/>
                 <a:sym typeface="Circe"/>
               </a:rPr>
-              <a:t>A space</a:t>
-            </a:r>
-            <a:r>
-              <a:rPr lang="en-US" sz="910">
-                <a:solidFill>
-                  <a:srgbClr val="000000"/>
-                </a:solidFill>
-                <a:latin typeface="Circe"/>
-                <a:ea typeface="Circe"/>
-                <a:cs typeface="Circe"/>
-                <a:sym typeface="Circe"/>
-              </a:rPr>
-              <a:t> where art, the city, and people meet.</a:t>
+              <a:t>A space where art, the city, and people meet.</a:t>
             </a:r>
           </a:p>
           <a:p>
@@ -6981,6 +7180,15 @@
                 <a:spcPts val="2038"/>
               </a:lnSpc>
             </a:pPr>
+            <a:endParaRPr lang="en-US" sz="910">
+              <a:solidFill>
+                <a:srgbClr val="000000"/>
+              </a:solidFill>
+              <a:latin typeface="Circe"/>
+              <a:ea typeface="Circe"/>
+              <a:cs typeface="Circe"/>
+              <a:sym typeface="Circe"/>
+            </a:endParaRPr>
           </a:p>
           <a:p>
             <a:pPr algn="ctr">
@@ -7024,12 +7232,14 @@
       </p:sp>
       <p:sp>
         <p:nvSpPr>
-          <p:cNvPr name="TextBox 27" id="27"/>
-          <p:cNvSpPr txBox="true"/>
+          <p:cNvPr id="27" name="TextBox 27"/>
+          <p:cNvSpPr txBox="1">
+            <a:spLocks noGrp="1" noRot="1" noMove="1" noResize="1" noEditPoints="1" noAdjustHandles="1" noChangeArrowheads="1" noChangeShapeType="1"/>
+          </p:cNvSpPr>
           <p:nvPr/>
         </p:nvSpPr>
         <p:spPr>
-          <a:xfrm rot="0">
+          <a:xfrm>
             <a:off x="3790720" y="6225739"/>
             <a:ext cx="3110559" cy="360159"/>
           </a:xfrm>
@@ -7038,7 +7248,7 @@
           </a:prstGeom>
         </p:spPr>
         <p:txBody>
-          <a:bodyPr anchor="t" rtlCol="false" tIns="0" lIns="0" bIns="0" rIns="0">
+          <a:bodyPr lIns="0" tIns="0" rIns="0" bIns="0" rtlCol="0" anchor="t">
             <a:spAutoFit/>
           </a:bodyPr>
           <a:lstStyle/>
@@ -7058,19 +7268,7 @@
                 <a:cs typeface="Circe"/>
                 <a:sym typeface="Circe"/>
               </a:rPr>
-              <a:t>Signature</a:t>
-            </a:r>
-            <a:r>
-              <a:rPr lang="en-US" sz="910">
-                <a:solidFill>
-                  <a:srgbClr val="000000"/>
-                </a:solidFill>
-                <a:latin typeface="Circe"/>
-                <a:ea typeface="Circe"/>
-                <a:cs typeface="Circe"/>
-                <a:sym typeface="Circe"/>
-              </a:rPr>
-              <a:t> pajamas, candles, and souvenirs —</a:t>
+              <a:t>Signature pajamas, candles, and souvenirs —</a:t>
             </a:r>
           </a:p>
           <a:p>
@@ -7096,12 +7294,12 @@
       </p:sp>
       <p:sp>
         <p:nvSpPr>
-          <p:cNvPr name="TextBox 28" id="28"/>
-          <p:cNvSpPr txBox="true"/>
+          <p:cNvPr id="28" name="TextBox 28"/>
+          <p:cNvSpPr txBox="1"/>
           <p:nvPr/>
         </p:nvSpPr>
         <p:spPr>
-          <a:xfrm rot="0">
+          <a:xfrm>
             <a:off x="7415808" y="6341564"/>
             <a:ext cx="3110559" cy="737057"/>
           </a:xfrm>
@@ -7110,7 +7308,7 @@
           </a:prstGeom>
         </p:spPr>
         <p:txBody>
-          <a:bodyPr anchor="t" rtlCol="false" tIns="0" lIns="0" bIns="0" rIns="0">
+          <a:bodyPr lIns="0" tIns="0" rIns="0" bIns="0" rtlCol="0" anchor="t">
             <a:spAutoFit/>
           </a:bodyPr>
           <a:lstStyle/>
@@ -7181,7 +7379,7 @@
         </p:nvSpPr>
         <p:spPr>
           <a:xfrm>
-            <a:off x="488182" y="4035116"/>
+            <a:off x="1021173" y="4879052"/>
             <a:ext cx="1150000" cy="1150000"/>
           </a:xfrm>
           <a:prstGeom prst="rect">
@@ -7196,6 +7394,7 @@
           <a:lstStyle/>
           <a:p>
             <a:r>
+              <a:rPr dirty="0"/>
               <a:t>{{QR_WIFI}}</a:t>
             </a:r>
           </a:p>

--- a/api/templates/brochure_en.pptx
+++ b/api/templates/brochure_en.pptx
@@ -6943,39 +6943,6 @@
       </p:sp>
       <p:sp>
         <p:nvSpPr>
-          <p:cNvPr id="23" name="TextBox 23"/>
-          <p:cNvSpPr txBox="1"/>
-          <p:nvPr/>
-        </p:nvSpPr>
-        <p:spPr>
-          <a:xfrm>
-            <a:off x="960067" y="3545464"/>
-            <a:ext cx="2350430" cy="447402"/>
-          </a:xfrm>
-          <a:prstGeom prst="rect">
-            <a:avLst/>
-          </a:prstGeom>
-        </p:spPr>
-        <p:txBody>
-          <a:bodyPr lIns="0" tIns="0" rIns="0" bIns="0" rtlCol="0" anchor="t">
-            <a:spAutoFit/>
-          </a:bodyPr>
-          <a:lstStyle/>
-          <a:p>
-            <a:pPr algn="ctr">
-              <a:lnSpc>
-                <a:spcPts val="3350"/>
-              </a:lnSpc>
-            </a:pPr>
-            <a:r>
-              <a:rPr dirty="0"/>
-              <a:t>{{PASSWORD}}</a:t>
-            </a:r>
-          </a:p>
-        </p:txBody>
-      </p:sp>
-      <p:sp>
-        <p:nvSpPr>
           <p:cNvPr id="24" name="TextBox 24"/>
           <p:cNvSpPr txBox="1">
             <a:spLocks noGrp="1" noRot="1" noMove="1" noResize="1" noEditPoints="1" noAdjustHandles="1" noChangeArrowheads="1" noChangeShapeType="1"/>
@@ -7373,14 +7340,61 @@
       </p:sp>
       <p:sp>
         <p:nvSpPr>
-          <p:cNvPr id="29" name="TextBox 28"/>
+          <p:cNvPr id="30" name="TextBox 23">
+            <a:extLst>
+              <a:ext uri="{FF2B5EF4-FFF2-40B4-BE49-F238E27FC236}">
+                <a16:creationId xmlns:a16="http://schemas.microsoft.com/office/drawing/2014/main" id="{E62FB258-4BE7-EEDD-88FE-A0566C14FCFE}"/>
+              </a:ext>
+            </a:extLst>
+          </p:cNvPr>
           <p:cNvSpPr txBox="1"/>
           <p:nvPr/>
         </p:nvSpPr>
         <p:spPr>
           <a:xfrm>
-            <a:off x="1021173" y="4879052"/>
-            <a:ext cx="1150000" cy="1150000"/>
+            <a:off x="888976" y="3565121"/>
+            <a:ext cx="2350430" cy="396262"/>
+          </a:xfrm>
+          <a:prstGeom prst="rect">
+            <a:avLst/>
+          </a:prstGeom>
+        </p:spPr>
+        <p:txBody>
+          <a:bodyPr lIns="0" tIns="0" rIns="0" bIns="0" rtlCol="0" anchor="t">
+            <a:spAutoFit/>
+          </a:bodyPr>
+          <a:lstStyle/>
+          <a:p>
+            <a:pPr algn="ctr">
+              <a:lnSpc>
+                <a:spcPts val="3350"/>
+              </a:lnSpc>
+            </a:pPr>
+            <a:r>
+              <a:rPr dirty="0">
+                <a:latin typeface="Circe" panose="020B0502020203020203" pitchFamily="34" charset="-52"/>
+              </a:rPr>
+              <a:t>{{PASSWORD}}</a:t>
+            </a:r>
+          </a:p>
+        </p:txBody>
+      </p:sp>
+      <p:sp>
+        <p:nvSpPr>
+          <p:cNvPr id="31" name="TextBox 30">
+            <a:extLst>
+              <a:ext uri="{FF2B5EF4-FFF2-40B4-BE49-F238E27FC236}">
+                <a16:creationId xmlns:a16="http://schemas.microsoft.com/office/drawing/2014/main" id="{C31A894E-A8CB-7354-6A0C-0B41AA2340CF}"/>
+              </a:ext>
+            </a:extLst>
+          </p:cNvPr>
+          <p:cNvSpPr txBox="1"/>
+          <p:nvPr/>
+        </p:nvSpPr>
+        <p:spPr>
+          <a:xfrm>
+            <a:off x="1143198" y="4904003"/>
+            <a:ext cx="1307902" cy="369332"/>
           </a:xfrm>
           <a:prstGeom prst="rect">
             <a:avLst/>
@@ -7388,7 +7402,7 @@
           <a:noFill/>
         </p:spPr>
         <p:txBody>
-          <a:bodyPr wrap="none">
+          <a:bodyPr wrap="square">
             <a:spAutoFit/>
           </a:bodyPr>
           <a:lstStyle/>

--- a/api/templates/brochure_en.pptx
+++ b/api/templates/brochure_en.pptx
@@ -5,8 +5,8 @@
     <p:sldMasterId id="2147483648" r:id="rId1"/>
   </p:sldMasterIdLst>
   <p:sldIdLst>
-    <p:sldId id="256" r:id="rId2"/>
-    <p:sldId id="257" r:id="rId3"/>
+    <p:sldId id="258" r:id="rId2"/>
+    <p:sldId id="259" r:id="rId3"/>
   </p:sldIdLst>
   <p:sldSz cx="10693400" cy="7556500"/>
   <p:notesSz cx="6858000" cy="9144000"/>
@@ -3066,218 +3066,394 @@
           <a:chExt cx="0" cy="0"/>
         </a:xfrm>
       </p:grpSpPr>
+      <p:graphicFrame>
+        <p:nvGraphicFramePr>
+          <p:cNvPr id="2" name="Таблица 1">
+            <a:extLst>
+              <a:ext uri="{FF2B5EF4-FFF2-40B4-BE49-F238E27FC236}">
+                <a16:creationId xmlns:a16="http://schemas.microsoft.com/office/drawing/2014/main" id="{50D6D9D9-4548-9227-ED4C-46D8A75E33EF}"/>
+              </a:ext>
+            </a:extLst>
+          </p:cNvPr>
+          <p:cNvGraphicFramePr>
+            <a:graphicFrameLocks noGrp="1"/>
+          </p:cNvGraphicFramePr>
+          <p:nvPr/>
+        </p:nvGraphicFramePr>
+        <p:xfrm>
+          <a:off x="0" y="0"/>
+          <a:ext cx="10693401" cy="7556500"/>
+        </p:xfrm>
+        <a:graphic>
+          <a:graphicData uri="http://schemas.openxmlformats.org/drawingml/2006/table">
+            <a:tbl>
+              <a:tblPr firstRow="1" bandRow="1">
+                <a:tableStyleId>{5C22544A-7EE6-4342-B048-85BDC9FD1C3A}</a:tableStyleId>
+              </a:tblPr>
+              <a:tblGrid>
+                <a:gridCol w="3564467">
+                  <a:extLst>
+                    <a:ext uri="{9D8B030D-6E8A-4147-A177-3AD203B41FA5}">
+                      <a16:colId xmlns:a16="http://schemas.microsoft.com/office/drawing/2014/main" val="2831110576"/>
+                    </a:ext>
+                  </a:extLst>
+                </a:gridCol>
+                <a:gridCol w="3564467">
+                  <a:extLst>
+                    <a:ext uri="{9D8B030D-6E8A-4147-A177-3AD203B41FA5}">
+                      <a16:colId xmlns:a16="http://schemas.microsoft.com/office/drawing/2014/main" val="3473239179"/>
+                    </a:ext>
+                  </a:extLst>
+                </a:gridCol>
+                <a:gridCol w="3564467">
+                  <a:extLst>
+                    <a:ext uri="{9D8B030D-6E8A-4147-A177-3AD203B41FA5}">
+                      <a16:colId xmlns:a16="http://schemas.microsoft.com/office/drawing/2014/main" val="4237337569"/>
+                    </a:ext>
+                  </a:extLst>
+                </a:gridCol>
+              </a:tblGrid>
+              <a:tr h="7556500">
+                <a:tc>
+                  <a:txBody>
+                    <a:bodyPr/>
+                    <a:lstStyle/>
+                    <a:p>
+                      <a:endParaRPr lang="ru-RU" dirty="0"/>
+                    </a:p>
+                  </a:txBody>
+                  <a:tcPr>
+                    <a:lnL w="12700" cap="flat" cmpd="sng" algn="ctr">
+                      <a:solidFill>
+                        <a:schemeClr val="tx1"/>
+                      </a:solidFill>
+                      <a:prstDash val="solid"/>
+                      <a:round/>
+                      <a:headEnd type="none" w="med" len="med"/>
+                      <a:tailEnd type="none" w="med" len="med"/>
+                    </a:lnL>
+                    <a:lnR w="12700" cap="flat" cmpd="sng" algn="ctr">
+                      <a:solidFill>
+                        <a:schemeClr val="tx1"/>
+                      </a:solidFill>
+                      <a:prstDash val="solid"/>
+                      <a:round/>
+                      <a:headEnd type="none" w="med" len="med"/>
+                      <a:tailEnd type="none" w="med" len="med"/>
+                    </a:lnR>
+                    <a:lnT w="12700" cap="flat" cmpd="sng" algn="ctr">
+                      <a:solidFill>
+                        <a:schemeClr val="tx1"/>
+                      </a:solidFill>
+                      <a:prstDash val="solid"/>
+                      <a:round/>
+                      <a:headEnd type="none" w="med" len="med"/>
+                      <a:tailEnd type="none" w="med" len="med"/>
+                    </a:lnT>
+                    <a:lnB w="12700" cap="flat" cmpd="sng" algn="ctr">
+                      <a:solidFill>
+                        <a:schemeClr val="tx1"/>
+                      </a:solidFill>
+                      <a:prstDash val="solid"/>
+                      <a:round/>
+                      <a:headEnd type="none" w="med" len="med"/>
+                      <a:tailEnd type="none" w="med" len="med"/>
+                    </a:lnB>
+                    <a:noFill/>
+                  </a:tcPr>
+                </a:tc>
+                <a:tc>
+                  <a:txBody>
+                    <a:bodyPr/>
+                    <a:lstStyle/>
+                    <a:p>
+                      <a:endParaRPr lang="ru-RU" dirty="0"/>
+                    </a:p>
+                  </a:txBody>
+                  <a:tcPr>
+                    <a:lnL w="12700" cap="flat" cmpd="sng" algn="ctr">
+                      <a:solidFill>
+                        <a:schemeClr val="tx1"/>
+                      </a:solidFill>
+                      <a:prstDash val="solid"/>
+                      <a:round/>
+                      <a:headEnd type="none" w="med" len="med"/>
+                      <a:tailEnd type="none" w="med" len="med"/>
+                    </a:lnL>
+                    <a:lnR w="12700" cap="flat" cmpd="sng" algn="ctr">
+                      <a:solidFill>
+                        <a:schemeClr val="tx1"/>
+                      </a:solidFill>
+                      <a:prstDash val="solid"/>
+                      <a:round/>
+                      <a:headEnd type="none" w="med" len="med"/>
+                      <a:tailEnd type="none" w="med" len="med"/>
+                    </a:lnR>
+                    <a:lnT w="12700" cap="flat" cmpd="sng" algn="ctr">
+                      <a:solidFill>
+                        <a:schemeClr val="tx1"/>
+                      </a:solidFill>
+                      <a:prstDash val="solid"/>
+                      <a:round/>
+                      <a:headEnd type="none" w="med" len="med"/>
+                      <a:tailEnd type="none" w="med" len="med"/>
+                    </a:lnT>
+                    <a:lnB w="12700" cap="flat" cmpd="sng" algn="ctr">
+                      <a:solidFill>
+                        <a:schemeClr val="tx1"/>
+                      </a:solidFill>
+                      <a:prstDash val="solid"/>
+                      <a:round/>
+                      <a:headEnd type="none" w="med" len="med"/>
+                      <a:tailEnd type="none" w="med" len="med"/>
+                    </a:lnB>
+                    <a:noFill/>
+                  </a:tcPr>
+                </a:tc>
+                <a:tc>
+                  <a:txBody>
+                    <a:bodyPr/>
+                    <a:lstStyle/>
+                    <a:p>
+                      <a:endParaRPr lang="ru-RU" dirty="0"/>
+                    </a:p>
+                  </a:txBody>
+                  <a:tcPr>
+                    <a:lnL w="12700" cap="flat" cmpd="sng" algn="ctr">
+                      <a:solidFill>
+                        <a:schemeClr val="tx1"/>
+                      </a:solidFill>
+                      <a:prstDash val="solid"/>
+                      <a:round/>
+                      <a:headEnd type="none" w="med" len="med"/>
+                      <a:tailEnd type="none" w="med" len="med"/>
+                    </a:lnL>
+                    <a:lnR w="12700" cap="flat" cmpd="sng" algn="ctr">
+                      <a:solidFill>
+                        <a:schemeClr val="tx1"/>
+                      </a:solidFill>
+                      <a:prstDash val="solid"/>
+                      <a:round/>
+                      <a:headEnd type="none" w="med" len="med"/>
+                      <a:tailEnd type="none" w="med" len="med"/>
+                    </a:lnR>
+                    <a:lnT w="12700" cap="flat" cmpd="sng" algn="ctr">
+                      <a:solidFill>
+                        <a:schemeClr val="tx1"/>
+                      </a:solidFill>
+                      <a:prstDash val="solid"/>
+                      <a:round/>
+                      <a:headEnd type="none" w="med" len="med"/>
+                      <a:tailEnd type="none" w="med" len="med"/>
+                    </a:lnT>
+                    <a:lnB w="12700" cap="flat" cmpd="sng" algn="ctr">
+                      <a:solidFill>
+                        <a:schemeClr val="tx1"/>
+                      </a:solidFill>
+                      <a:prstDash val="solid"/>
+                      <a:round/>
+                      <a:headEnd type="none" w="med" len="med"/>
+                      <a:tailEnd type="none" w="med" len="med"/>
+                    </a:lnB>
+                    <a:noFill/>
+                  </a:tcPr>
+                </a:tc>
+                <a:extLst>
+                  <a:ext uri="{0D108BD9-81ED-4DB2-BD59-A6C34878D82A}">
+                    <a16:rowId xmlns:a16="http://schemas.microsoft.com/office/drawing/2014/main" val="1988845691"/>
+                  </a:ext>
+                </a:extLst>
+              </a:tr>
+            </a:tbl>
+          </a:graphicData>
+        </a:graphic>
+      </p:graphicFrame>
       <p:grpSp>
         <p:nvGrpSpPr>
-          <p:cNvPr id="2" name="Group 2"/>
-          <p:cNvGrpSpPr>
-            <a:grpSpLocks noGrp="1" noUngrp="1" noRot="1" noMove="1" noResize="1"/>
-          </p:cNvGrpSpPr>
+          <p:cNvPr id="34" name="Группа 33">
+            <a:extLst>
+              <a:ext uri="{FF2B5EF4-FFF2-40B4-BE49-F238E27FC236}">
+                <a16:creationId xmlns:a16="http://schemas.microsoft.com/office/drawing/2014/main" id="{357A438C-9138-E44A-5699-BBBB132E9942}"/>
+              </a:ext>
+            </a:extLst>
+          </p:cNvPr>
+          <p:cNvGrpSpPr/>
           <p:nvPr/>
         </p:nvGrpSpPr>
         <p:grpSpPr>
           <a:xfrm>
-            <a:off x="4430221" y="-315799"/>
-            <a:ext cx="1842750" cy="4095799"/>
-            <a:chOff x="0" y="0"/>
-            <a:chExt cx="660400" cy="1467842"/>
-          </a:xfrm>
-        </p:grpSpPr>
-        <p:sp>
-          <p:nvSpPr>
-            <p:cNvPr id="3" name="Freeform 3"/>
-            <p:cNvSpPr>
-              <a:spLocks noGrp="1" noRot="1" noMove="1" noResize="1" noEditPoints="1" noAdjustHandles="1" noChangeArrowheads="1" noChangeShapeType="1"/>
-            </p:cNvSpPr>
-            <p:nvPr/>
-          </p:nvSpPr>
-          <p:spPr>
-            <a:xfrm>
-              <a:off x="0" y="0"/>
-              <a:ext cx="660400" cy="1467842"/>
-            </a:xfrm>
-            <a:custGeom>
-              <a:avLst/>
-              <a:gdLst/>
-              <a:ahLst/>
-              <a:cxnLst/>
-              <a:rect l="l" t="t" r="r" b="b"/>
-              <a:pathLst>
-                <a:path w="660400" h="1467842">
-                  <a:moveTo>
-                    <a:pt x="220252" y="1448773"/>
-                  </a:moveTo>
-                  <a:cubicBezTo>
-                    <a:pt x="254109" y="1460287"/>
-                    <a:pt x="292600" y="1467842"/>
-                    <a:pt x="330378" y="1467842"/>
-                  </a:cubicBezTo>
-                  <a:cubicBezTo>
-                    <a:pt x="368157" y="1467842"/>
-                    <a:pt x="404509" y="1461365"/>
-                    <a:pt x="438009" y="1449851"/>
-                  </a:cubicBezTo>
-                  <a:cubicBezTo>
-                    <a:pt x="438723" y="1449492"/>
-                    <a:pt x="439435" y="1449492"/>
-                    <a:pt x="440148" y="1449132"/>
-                  </a:cubicBezTo>
-                  <a:cubicBezTo>
-                    <a:pt x="565955" y="1403077"/>
-                    <a:pt x="658618" y="1281463"/>
-                    <a:pt x="660400" y="1124790"/>
-                  </a:cubicBezTo>
-                  <a:lnTo>
-                    <a:pt x="660400" y="0"/>
-                  </a:lnTo>
-                  <a:lnTo>
-                    <a:pt x="0" y="0"/>
-                  </a:lnTo>
-                  <a:lnTo>
-                    <a:pt x="0" y="1123955"/>
-                  </a:lnTo>
-                  <a:cubicBezTo>
-                    <a:pt x="1782" y="1282182"/>
-                    <a:pt x="93019" y="1403797"/>
-                    <a:pt x="220252" y="1448773"/>
-                  </a:cubicBezTo>
-                  <a:close/>
-                </a:path>
-              </a:pathLst>
-            </a:custGeom>
-            <a:solidFill>
-              <a:srgbClr val="EBE7E7"/>
-            </a:solidFill>
-          </p:spPr>
-          <p:txBody>
-            <a:bodyPr/>
-            <a:lstStyle/>
-            <a:p>
-              <a:endParaRPr/>
-            </a:p>
-          </p:txBody>
-        </p:sp>
-        <p:sp>
-          <p:nvSpPr>
-            <p:cNvPr id="4" name="TextBox 4"/>
-            <p:cNvSpPr txBox="1">
-              <a:spLocks noGrp="1" noRot="1" noMove="1" noResize="1" noEditPoints="1" noAdjustHandles="1" noChangeArrowheads="1" noChangeShapeType="1"/>
-            </p:cNvSpPr>
-            <p:nvPr/>
-          </p:nvSpPr>
-          <p:spPr>
-            <a:xfrm>
-              <a:off x="0" y="-28575"/>
-              <a:ext cx="660400" cy="1369417"/>
-            </a:xfrm>
-            <a:prstGeom prst="rect">
-              <a:avLst/>
-            </a:prstGeom>
-          </p:spPr>
-          <p:txBody>
-            <a:bodyPr lIns="50800" tIns="50800" rIns="50800" bIns="50800" rtlCol="0" anchor="ctr"/>
-            <a:lstStyle/>
-            <a:p>
-              <a:pPr algn="ctr">
-                <a:lnSpc>
-                  <a:spcPts val="1664"/>
-                </a:lnSpc>
-              </a:pPr>
-              <a:endParaRPr/>
-            </a:p>
-          </p:txBody>
-        </p:sp>
-      </p:grpSp>
-      <p:grpSp>
-        <p:nvGrpSpPr>
-          <p:cNvPr id="5" name="Group 5"/>
-          <p:cNvGrpSpPr>
-            <a:grpSpLocks noGrp="1" noUngrp="1" noRot="1" noMove="1" noResize="1"/>
-          </p:cNvGrpSpPr>
-          <p:nvPr/>
-        </p:nvGrpSpPr>
-        <p:grpSpPr>
-          <a:xfrm>
-            <a:off x="5108264" y="5875934"/>
-            <a:ext cx="669436" cy="150528"/>
-            <a:chOff x="0" y="0"/>
-            <a:chExt cx="892582" cy="200704"/>
+            <a:off x="88900" y="577850"/>
+            <a:ext cx="3451125" cy="5379191"/>
+            <a:chOff x="290103" y="520040"/>
+            <a:chExt cx="3451125" cy="5379191"/>
           </a:xfrm>
         </p:grpSpPr>
         <p:grpSp>
           <p:nvGrpSpPr>
-            <p:cNvPr id="6" name="Group 6"/>
-            <p:cNvGrpSpPr>
-              <a:grpSpLocks noGrp="1" noUngrp="1" noRot="1" noMove="1" noResize="1"/>
-            </p:cNvGrpSpPr>
+            <p:cNvPr id="3" name="Group 15">
+              <a:extLst>
+                <a:ext uri="{FF2B5EF4-FFF2-40B4-BE49-F238E27FC236}">
+                  <a16:creationId xmlns:a16="http://schemas.microsoft.com/office/drawing/2014/main" id="{B2396099-D8BB-3B2A-E490-D6DA04ED7897}"/>
+                </a:ext>
+              </a:extLst>
+            </p:cNvPr>
+            <p:cNvGrpSpPr/>
             <p:nvPr/>
           </p:nvGrpSpPr>
           <p:grpSpPr>
             <a:xfrm>
-              <a:off x="340404" y="0"/>
-              <a:ext cx="200704" cy="200704"/>
+              <a:off x="290103" y="520040"/>
+              <a:ext cx="3146443" cy="2595936"/>
               <a:chOff x="0" y="0"/>
-              <a:chExt cx="812800" cy="812800"/>
+              <a:chExt cx="4195258" cy="3461248"/>
             </a:xfrm>
           </p:grpSpPr>
+          <p:grpSp>
+            <p:nvGrpSpPr>
+              <p:cNvPr id="4" name="Group 16">
+                <a:extLst>
+                  <a:ext uri="{FF2B5EF4-FFF2-40B4-BE49-F238E27FC236}">
+                    <a16:creationId xmlns:a16="http://schemas.microsoft.com/office/drawing/2014/main" id="{3E656E09-7416-D1B8-72B9-492C9ACB4E26}"/>
+                  </a:ext>
+                </a:extLst>
+              </p:cNvPr>
+              <p:cNvGrpSpPr/>
+              <p:nvPr/>
+            </p:nvGrpSpPr>
+            <p:grpSpPr>
+              <a:xfrm>
+                <a:off x="0" y="0"/>
+                <a:ext cx="885827" cy="885827"/>
+                <a:chOff x="0" y="0"/>
+                <a:chExt cx="812800" cy="812800"/>
+              </a:xfrm>
+            </p:grpSpPr>
+            <p:sp>
+              <p:nvSpPr>
+                <p:cNvPr id="17" name="Freeform 17">
+                  <a:extLst>
+                    <a:ext uri="{FF2B5EF4-FFF2-40B4-BE49-F238E27FC236}">
+                      <a16:creationId xmlns:a16="http://schemas.microsoft.com/office/drawing/2014/main" id="{A1E9566B-16AB-ADF2-C33E-50AC6AB0C44C}"/>
+                    </a:ext>
+                  </a:extLst>
+                </p:cNvPr>
+                <p:cNvSpPr/>
+                <p:nvPr/>
+              </p:nvSpPr>
+              <p:spPr>
+                <a:xfrm>
+                  <a:off x="0" y="0"/>
+                  <a:ext cx="812800" cy="812800"/>
+                </a:xfrm>
+                <a:custGeom>
+                  <a:avLst/>
+                  <a:gdLst/>
+                  <a:ahLst/>
+                  <a:cxnLst/>
+                  <a:rect l="l" t="t" r="r" b="b"/>
+                  <a:pathLst>
+                    <a:path w="812800" h="812800">
+                      <a:moveTo>
+                        <a:pt x="406400" y="0"/>
+                      </a:moveTo>
+                      <a:cubicBezTo>
+                        <a:pt x="181951" y="0"/>
+                        <a:pt x="0" y="181951"/>
+                        <a:pt x="0" y="406400"/>
+                      </a:cubicBezTo>
+                      <a:cubicBezTo>
+                        <a:pt x="0" y="630849"/>
+                        <a:pt x="181951" y="812800"/>
+                        <a:pt x="406400" y="812800"/>
+                      </a:cubicBezTo>
+                      <a:cubicBezTo>
+                        <a:pt x="630849" y="812800"/>
+                        <a:pt x="812800" y="630849"/>
+                        <a:pt x="812800" y="406400"/>
+                      </a:cubicBezTo>
+                      <a:cubicBezTo>
+                        <a:pt x="812800" y="181951"/>
+                        <a:pt x="630849" y="0"/>
+                        <a:pt x="406400" y="0"/>
+                      </a:cubicBezTo>
+                      <a:close/>
+                    </a:path>
+                  </a:pathLst>
+                </a:custGeom>
+                <a:solidFill>
+                  <a:srgbClr val="EBE7E7"/>
+                </a:solidFill>
+              </p:spPr>
+              <p:txBody>
+                <a:bodyPr/>
+                <a:lstStyle/>
+                <a:p>
+                  <a:endParaRPr/>
+                </a:p>
+              </p:txBody>
+            </p:sp>
+            <p:sp>
+              <p:nvSpPr>
+                <p:cNvPr id="18" name="TextBox 18">
+                  <a:extLst>
+                    <a:ext uri="{FF2B5EF4-FFF2-40B4-BE49-F238E27FC236}">
+                      <a16:creationId xmlns:a16="http://schemas.microsoft.com/office/drawing/2014/main" id="{9B523A20-47BB-C358-249D-B1430BFCE1C5}"/>
+                    </a:ext>
+                  </a:extLst>
+                </p:cNvPr>
+                <p:cNvSpPr txBox="1"/>
+                <p:nvPr/>
+              </p:nvSpPr>
+              <p:spPr>
+                <a:xfrm>
+                  <a:off x="76200" y="47625"/>
+                  <a:ext cx="660400" cy="688975"/>
+                </a:xfrm>
+                <a:prstGeom prst="rect">
+                  <a:avLst/>
+                </a:prstGeom>
+              </p:spPr>
+              <p:txBody>
+                <a:bodyPr lIns="50800" tIns="50800" rIns="50800" bIns="50800" rtlCol="0" anchor="ctr"/>
+                <a:lstStyle/>
+                <a:p>
+                  <a:pPr algn="ctr">
+                    <a:lnSpc>
+                      <a:spcPts val="1664"/>
+                    </a:lnSpc>
+                  </a:pPr>
+                  <a:endParaRPr/>
+                </a:p>
+              </p:txBody>
+            </p:sp>
+          </p:grpSp>
           <p:sp>
             <p:nvSpPr>
-              <p:cNvPr id="7" name="Freeform 7"/>
-              <p:cNvSpPr>
-                <a:spLocks noGrp="1" noRot="1" noMove="1" noResize="1" noEditPoints="1" noAdjustHandles="1" noChangeArrowheads="1" noChangeShapeType="1"/>
-              </p:cNvSpPr>
+              <p:cNvPr id="5" name="AutoShape 19">
+                <a:extLst>
+                  <a:ext uri="{FF2B5EF4-FFF2-40B4-BE49-F238E27FC236}">
+                    <a16:creationId xmlns:a16="http://schemas.microsoft.com/office/drawing/2014/main" id="{E552BF0F-C790-6B4F-48C3-8495DA970452}"/>
+                  </a:ext>
+                </a:extLst>
+              </p:cNvPr>
+              <p:cNvSpPr/>
               <p:nvPr/>
             </p:nvSpPr>
             <p:spPr>
-              <a:xfrm>
-                <a:off x="0" y="0"/>
-                <a:ext cx="812800" cy="812800"/>
+              <a:xfrm flipV="1">
+                <a:off x="885827" y="998817"/>
+                <a:ext cx="1889581" cy="0"/>
               </a:xfrm>
-              <a:custGeom>
+              <a:prstGeom prst="line">
                 <a:avLst/>
-                <a:gdLst/>
-                <a:ahLst/>
-                <a:cxnLst/>
-                <a:rect l="l" t="t" r="r" b="b"/>
-                <a:pathLst>
-                  <a:path w="812800" h="812800">
-                    <a:moveTo>
-                      <a:pt x="406400" y="0"/>
-                    </a:moveTo>
-                    <a:cubicBezTo>
-                      <a:pt x="181951" y="0"/>
-                      <a:pt x="0" y="181951"/>
-                      <a:pt x="0" y="406400"/>
-                    </a:cubicBezTo>
-                    <a:cubicBezTo>
-                      <a:pt x="0" y="630849"/>
-                      <a:pt x="181951" y="812800"/>
-                      <a:pt x="406400" y="812800"/>
-                    </a:cubicBezTo>
-                    <a:cubicBezTo>
-                      <a:pt x="630849" y="812800"/>
-                      <a:pt x="812800" y="630849"/>
-                      <a:pt x="812800" y="406400"/>
-                    </a:cubicBezTo>
-                    <a:cubicBezTo>
-                      <a:pt x="812800" y="181951"/>
-                      <a:pt x="630849" y="0"/>
-                      <a:pt x="406400" y="0"/>
-                    </a:cubicBezTo>
-                    <a:close/>
-                  </a:path>
-                </a:pathLst>
-              </a:custGeom>
-              <a:solidFill>
-                <a:srgbClr val="000000">
-                  <a:alpha val="0"/>
-                </a:srgbClr>
-              </a:solidFill>
-              <a:ln w="19050" cap="sq">
+              </a:prstGeom>
+              <a:ln w="25400" cap="rnd">
                 <a:solidFill>
                   <a:srgbClr val="767576"/>
                 </a:solidFill>
                 <a:prstDash val="solid"/>
-                <a:miter/>
+                <a:headEnd type="none" w="sm" len="sm"/>
+                <a:tailEnd type="none" w="sm" len="sm"/>
               </a:ln>
             </p:spPr>
             <p:txBody>
@@ -3290,110 +3466,335 @@
           </p:sp>
           <p:sp>
             <p:nvSpPr>
-              <p:cNvPr id="8" name="TextBox 8"/>
-              <p:cNvSpPr txBox="1">
-                <a:spLocks noGrp="1" noRot="1" noMove="1" noResize="1" noEditPoints="1" noAdjustHandles="1" noChangeArrowheads="1" noChangeShapeType="1"/>
-              </p:cNvSpPr>
+              <p:cNvPr id="6" name="TextBox 20">
+                <a:extLst>
+                  <a:ext uri="{FF2B5EF4-FFF2-40B4-BE49-F238E27FC236}">
+                    <a16:creationId xmlns:a16="http://schemas.microsoft.com/office/drawing/2014/main" id="{C28673D3-3BA4-076D-544C-F86A58D51872}"/>
+                  </a:ext>
+                </a:extLst>
+              </p:cNvPr>
+              <p:cNvSpPr txBox="1"/>
               <p:nvPr/>
             </p:nvSpPr>
             <p:spPr>
               <a:xfrm>
-                <a:off x="76200" y="28575"/>
-                <a:ext cx="660400" cy="708025"/>
+                <a:off x="442913" y="152693"/>
+                <a:ext cx="3752345" cy="718232"/>
               </a:xfrm>
               <a:prstGeom prst="rect">
                 <a:avLst/>
               </a:prstGeom>
             </p:spPr>
             <p:txBody>
-              <a:bodyPr lIns="50800" tIns="50800" rIns="50800" bIns="50800" rtlCol="0" anchor="ctr"/>
+              <a:bodyPr lIns="0" tIns="0" rIns="0" bIns="0" rtlCol="0" anchor="t">
+                <a:spAutoFit/>
+              </a:bodyPr>
               <a:lstStyle/>
               <a:p>
-                <a:pPr algn="ctr">
+                <a:pPr algn="l">
                   <a:lnSpc>
-                    <a:spcPts val="1664"/>
+                    <a:spcPts val="1357"/>
                   </a:lnSpc>
                 </a:pPr>
-                <a:endParaRPr/>
+                <a:r>
+                  <a:rPr lang="en-US" sz="1169" b="1" dirty="0">
+                    <a:solidFill>
+                      <a:srgbClr val="000000"/>
+                    </a:solidFill>
+                    <a:latin typeface="Circe Bold"/>
+                    <a:ea typeface="Circe Bold"/>
+                    <a:cs typeface="Circe Bold"/>
+                    <a:sym typeface="Circe Bold"/>
+                  </a:rPr>
+                  <a:t>Flower Orders</a:t>
+                </a:r>
+              </a:p>
+              <a:p>
+                <a:pPr algn="l">
+                  <a:lnSpc>
+                    <a:spcPts val="1357"/>
+                  </a:lnSpc>
+                </a:pPr>
+                <a:r>
+                  <a:rPr lang="en-US" sz="1169" dirty="0">
+                    <a:solidFill>
+                      <a:srgbClr val="000000"/>
+                    </a:solidFill>
+                    <a:latin typeface="Circe"/>
+                    <a:ea typeface="Circe"/>
+                    <a:cs typeface="Circe"/>
+                    <a:sym typeface="Circe"/>
+                  </a:rPr>
+                  <a:t>We’ll help you choose and arrange a bouquet — just ask the receptionist.</a:t>
+                </a:r>
               </a:p>
             </p:txBody>
           </p:sp>
-        </p:grpSp>
-        <p:grpSp>
-          <p:nvGrpSpPr>
-            <p:cNvPr id="9" name="Group 9"/>
-            <p:cNvGrpSpPr>
-              <a:grpSpLocks noGrp="1" noUngrp="1" noRot="1" noMove="1" noResize="1"/>
-            </p:cNvGrpSpPr>
-            <p:nvPr/>
-          </p:nvGrpSpPr>
-          <p:grpSpPr>
-            <a:xfrm>
-              <a:off x="691878" y="0"/>
-              <a:ext cx="200704" cy="200704"/>
-              <a:chOff x="0" y="0"/>
-              <a:chExt cx="812800" cy="812800"/>
-            </a:xfrm>
-          </p:grpSpPr>
+          <p:grpSp>
+            <p:nvGrpSpPr>
+              <p:cNvPr id="7" name="Group 21">
+                <a:extLst>
+                  <a:ext uri="{FF2B5EF4-FFF2-40B4-BE49-F238E27FC236}">
+                    <a16:creationId xmlns:a16="http://schemas.microsoft.com/office/drawing/2014/main" id="{304FD048-84D7-ED85-8006-79FAC54362FD}"/>
+                  </a:ext>
+                </a:extLst>
+              </p:cNvPr>
+              <p:cNvGrpSpPr/>
+              <p:nvPr/>
+            </p:nvGrpSpPr>
+            <p:grpSpPr>
+              <a:xfrm>
+                <a:off x="0" y="1143217"/>
+                <a:ext cx="885827" cy="885827"/>
+                <a:chOff x="0" y="0"/>
+                <a:chExt cx="812800" cy="812800"/>
+              </a:xfrm>
+            </p:grpSpPr>
+            <p:sp>
+              <p:nvSpPr>
+                <p:cNvPr id="15" name="Freeform 22">
+                  <a:extLst>
+                    <a:ext uri="{FF2B5EF4-FFF2-40B4-BE49-F238E27FC236}">
+                      <a16:creationId xmlns:a16="http://schemas.microsoft.com/office/drawing/2014/main" id="{8C0A7496-E4DC-C508-3526-5B38FE20F0AF}"/>
+                    </a:ext>
+                  </a:extLst>
+                </p:cNvPr>
+                <p:cNvSpPr/>
+                <p:nvPr/>
+              </p:nvSpPr>
+              <p:spPr>
+                <a:xfrm>
+                  <a:off x="0" y="0"/>
+                  <a:ext cx="812800" cy="812800"/>
+                </a:xfrm>
+                <a:custGeom>
+                  <a:avLst/>
+                  <a:gdLst/>
+                  <a:ahLst/>
+                  <a:cxnLst/>
+                  <a:rect l="l" t="t" r="r" b="b"/>
+                  <a:pathLst>
+                    <a:path w="812800" h="812800">
+                      <a:moveTo>
+                        <a:pt x="406400" y="0"/>
+                      </a:moveTo>
+                      <a:cubicBezTo>
+                        <a:pt x="181951" y="0"/>
+                        <a:pt x="0" y="181951"/>
+                        <a:pt x="0" y="406400"/>
+                      </a:cubicBezTo>
+                      <a:cubicBezTo>
+                        <a:pt x="0" y="630849"/>
+                        <a:pt x="181951" y="812800"/>
+                        <a:pt x="406400" y="812800"/>
+                      </a:cubicBezTo>
+                      <a:cubicBezTo>
+                        <a:pt x="630849" y="812800"/>
+                        <a:pt x="812800" y="630849"/>
+                        <a:pt x="812800" y="406400"/>
+                      </a:cubicBezTo>
+                      <a:cubicBezTo>
+                        <a:pt x="812800" y="181951"/>
+                        <a:pt x="630849" y="0"/>
+                        <a:pt x="406400" y="0"/>
+                      </a:cubicBezTo>
+                      <a:close/>
+                    </a:path>
+                  </a:pathLst>
+                </a:custGeom>
+                <a:solidFill>
+                  <a:srgbClr val="EBE7E7"/>
+                </a:solidFill>
+              </p:spPr>
+              <p:txBody>
+                <a:bodyPr/>
+                <a:lstStyle/>
+                <a:p>
+                  <a:endParaRPr/>
+                </a:p>
+              </p:txBody>
+            </p:sp>
+            <p:sp>
+              <p:nvSpPr>
+                <p:cNvPr id="16" name="TextBox 23">
+                  <a:extLst>
+                    <a:ext uri="{FF2B5EF4-FFF2-40B4-BE49-F238E27FC236}">
+                      <a16:creationId xmlns:a16="http://schemas.microsoft.com/office/drawing/2014/main" id="{7032AEC3-5FAB-3848-08B4-A07B52D95258}"/>
+                    </a:ext>
+                  </a:extLst>
+                </p:cNvPr>
+                <p:cNvSpPr txBox="1"/>
+                <p:nvPr/>
+              </p:nvSpPr>
+              <p:spPr>
+                <a:xfrm>
+                  <a:off x="76200" y="47625"/>
+                  <a:ext cx="660400" cy="688975"/>
+                </a:xfrm>
+                <a:prstGeom prst="rect">
+                  <a:avLst/>
+                </a:prstGeom>
+              </p:spPr>
+              <p:txBody>
+                <a:bodyPr lIns="50800" tIns="50800" rIns="50800" bIns="50800" rtlCol="0" anchor="ctr"/>
+                <a:lstStyle/>
+                <a:p>
+                  <a:pPr algn="ctr">
+                    <a:lnSpc>
+                      <a:spcPts val="1664"/>
+                    </a:lnSpc>
+                  </a:pPr>
+                  <a:endParaRPr/>
+                </a:p>
+              </p:txBody>
+            </p:sp>
+          </p:grpSp>
+          <p:grpSp>
+            <p:nvGrpSpPr>
+              <p:cNvPr id="8" name="Group 24">
+                <a:extLst>
+                  <a:ext uri="{FF2B5EF4-FFF2-40B4-BE49-F238E27FC236}">
+                    <a16:creationId xmlns:a16="http://schemas.microsoft.com/office/drawing/2014/main" id="{7443EBBE-D92E-4147-AAAF-D4EE974C3B41}"/>
+                  </a:ext>
+                </a:extLst>
+              </p:cNvPr>
+              <p:cNvGrpSpPr/>
+              <p:nvPr/>
+            </p:nvGrpSpPr>
+            <p:grpSpPr>
+              <a:xfrm>
+                <a:off x="0" y="2403461"/>
+                <a:ext cx="885827" cy="885827"/>
+                <a:chOff x="0" y="0"/>
+                <a:chExt cx="812800" cy="812800"/>
+              </a:xfrm>
+            </p:grpSpPr>
+            <p:sp>
+              <p:nvSpPr>
+                <p:cNvPr id="13" name="Freeform 25">
+                  <a:extLst>
+                    <a:ext uri="{FF2B5EF4-FFF2-40B4-BE49-F238E27FC236}">
+                      <a16:creationId xmlns:a16="http://schemas.microsoft.com/office/drawing/2014/main" id="{250B818A-ADFE-A804-DFB4-CEF7DC4F3053}"/>
+                    </a:ext>
+                  </a:extLst>
+                </p:cNvPr>
+                <p:cNvSpPr/>
+                <p:nvPr/>
+              </p:nvSpPr>
+              <p:spPr>
+                <a:xfrm>
+                  <a:off x="0" y="0"/>
+                  <a:ext cx="812800" cy="812800"/>
+                </a:xfrm>
+                <a:custGeom>
+                  <a:avLst/>
+                  <a:gdLst/>
+                  <a:ahLst/>
+                  <a:cxnLst/>
+                  <a:rect l="l" t="t" r="r" b="b"/>
+                  <a:pathLst>
+                    <a:path w="812800" h="812800">
+                      <a:moveTo>
+                        <a:pt x="406400" y="0"/>
+                      </a:moveTo>
+                      <a:cubicBezTo>
+                        <a:pt x="181951" y="0"/>
+                        <a:pt x="0" y="181951"/>
+                        <a:pt x="0" y="406400"/>
+                      </a:cubicBezTo>
+                      <a:cubicBezTo>
+                        <a:pt x="0" y="630849"/>
+                        <a:pt x="181951" y="812800"/>
+                        <a:pt x="406400" y="812800"/>
+                      </a:cubicBezTo>
+                      <a:cubicBezTo>
+                        <a:pt x="630849" y="812800"/>
+                        <a:pt x="812800" y="630849"/>
+                        <a:pt x="812800" y="406400"/>
+                      </a:cubicBezTo>
+                      <a:cubicBezTo>
+                        <a:pt x="812800" y="181951"/>
+                        <a:pt x="630849" y="0"/>
+                        <a:pt x="406400" y="0"/>
+                      </a:cubicBezTo>
+                      <a:close/>
+                    </a:path>
+                  </a:pathLst>
+                </a:custGeom>
+                <a:solidFill>
+                  <a:srgbClr val="EBE7E7"/>
+                </a:solidFill>
+              </p:spPr>
+              <p:txBody>
+                <a:bodyPr/>
+                <a:lstStyle/>
+                <a:p>
+                  <a:endParaRPr/>
+                </a:p>
+              </p:txBody>
+            </p:sp>
+            <p:sp>
+              <p:nvSpPr>
+                <p:cNvPr id="14" name="TextBox 26">
+                  <a:extLst>
+                    <a:ext uri="{FF2B5EF4-FFF2-40B4-BE49-F238E27FC236}">
+                      <a16:creationId xmlns:a16="http://schemas.microsoft.com/office/drawing/2014/main" id="{1C49D929-8094-C7B3-50EB-6A071C9684B7}"/>
+                    </a:ext>
+                  </a:extLst>
+                </p:cNvPr>
+                <p:cNvSpPr txBox="1"/>
+                <p:nvPr/>
+              </p:nvSpPr>
+              <p:spPr>
+                <a:xfrm>
+                  <a:off x="76200" y="47625"/>
+                  <a:ext cx="660400" cy="688975"/>
+                </a:xfrm>
+                <a:prstGeom prst="rect">
+                  <a:avLst/>
+                </a:prstGeom>
+              </p:spPr>
+              <p:txBody>
+                <a:bodyPr lIns="50800" tIns="50800" rIns="50800" bIns="50800" rtlCol="0" anchor="ctr"/>
+                <a:lstStyle/>
+                <a:p>
+                  <a:pPr algn="ctr">
+                    <a:lnSpc>
+                      <a:spcPts val="1664"/>
+                    </a:lnSpc>
+                  </a:pPr>
+                  <a:endParaRPr/>
+                </a:p>
+              </p:txBody>
+            </p:sp>
+          </p:grpSp>
           <p:sp>
             <p:nvSpPr>
-              <p:cNvPr id="10" name="Freeform 10"/>
-              <p:cNvSpPr>
-                <a:spLocks noGrp="1" noRot="1" noMove="1" noResize="1" noEditPoints="1" noAdjustHandles="1" noChangeArrowheads="1" noChangeShapeType="1"/>
-              </p:cNvSpPr>
+              <p:cNvPr id="9" name="AutoShape 27">
+                <a:extLst>
+                  <a:ext uri="{FF2B5EF4-FFF2-40B4-BE49-F238E27FC236}">
+                    <a16:creationId xmlns:a16="http://schemas.microsoft.com/office/drawing/2014/main" id="{D390AEE3-9BF0-D11E-4469-E954DC228862}"/>
+                  </a:ext>
+                </a:extLst>
+              </p:cNvPr>
+              <p:cNvSpPr/>
               <p:nvPr/>
             </p:nvSpPr>
             <p:spPr>
-              <a:xfrm>
-                <a:off x="0" y="0"/>
-                <a:ext cx="812800" cy="812800"/>
+              <a:xfrm flipV="1">
+                <a:off x="885827" y="3461248"/>
+                <a:ext cx="1889581" cy="0"/>
               </a:xfrm>
-              <a:custGeom>
+              <a:prstGeom prst="line">
                 <a:avLst/>
-                <a:gdLst/>
-                <a:ahLst/>
-                <a:cxnLst/>
-                <a:rect l="l" t="t" r="r" b="b"/>
-                <a:pathLst>
-                  <a:path w="812800" h="812800">
-                    <a:moveTo>
-                      <a:pt x="406400" y="0"/>
-                    </a:moveTo>
-                    <a:cubicBezTo>
-                      <a:pt x="181951" y="0"/>
-                      <a:pt x="0" y="181951"/>
-                      <a:pt x="0" y="406400"/>
-                    </a:cubicBezTo>
-                    <a:cubicBezTo>
-                      <a:pt x="0" y="630849"/>
-                      <a:pt x="181951" y="812800"/>
-                      <a:pt x="406400" y="812800"/>
-                    </a:cubicBezTo>
-                    <a:cubicBezTo>
-                      <a:pt x="630849" y="812800"/>
-                      <a:pt x="812800" y="630849"/>
-                      <a:pt x="812800" y="406400"/>
-                    </a:cubicBezTo>
-                    <a:cubicBezTo>
-                      <a:pt x="812800" y="181951"/>
-                      <a:pt x="630849" y="0"/>
-                      <a:pt x="406400" y="0"/>
-                    </a:cubicBezTo>
-                    <a:close/>
-                  </a:path>
-                </a:pathLst>
-              </a:custGeom>
-              <a:solidFill>
-                <a:srgbClr val="000000">
-                  <a:alpha val="0"/>
-                </a:srgbClr>
-              </a:solidFill>
-              <a:ln w="19050" cap="sq">
+              </a:prstGeom>
+              <a:ln w="25400" cap="rnd">
                 <a:solidFill>
                   <a:srgbClr val="767576"/>
                 </a:solidFill>
                 <a:prstDash val="solid"/>
-                <a:miter/>
+                <a:headEnd type="none" w="sm" len="sm"/>
+                <a:tailEnd type="none" w="sm" len="sm"/>
               </a:ln>
             </p:spPr>
             <p:txBody>
@@ -3406,110 +3807,31 @@
           </p:sp>
           <p:sp>
             <p:nvSpPr>
-              <p:cNvPr id="11" name="TextBox 11"/>
-              <p:cNvSpPr txBox="1">
-                <a:spLocks noGrp="1" noRot="1" noMove="1" noResize="1" noEditPoints="1" noAdjustHandles="1" noChangeArrowheads="1" noChangeShapeType="1"/>
-              </p:cNvSpPr>
+              <p:cNvPr id="10" name="AutoShape 28">
+                <a:extLst>
+                  <a:ext uri="{FF2B5EF4-FFF2-40B4-BE49-F238E27FC236}">
+                    <a16:creationId xmlns:a16="http://schemas.microsoft.com/office/drawing/2014/main" id="{76DC279A-4AC7-B3F2-DA82-854DD73969C7}"/>
+                  </a:ext>
+                </a:extLst>
+              </p:cNvPr>
+              <p:cNvSpPr/>
               <p:nvPr/>
             </p:nvSpPr>
             <p:spPr>
-              <a:xfrm>
-                <a:off x="76200" y="28575"/>
-                <a:ext cx="660400" cy="708025"/>
+              <a:xfrm flipV="1">
+                <a:off x="885827" y="2187561"/>
+                <a:ext cx="1889581" cy="0"/>
               </a:xfrm>
-              <a:prstGeom prst="rect">
+              <a:prstGeom prst="line">
                 <a:avLst/>
               </a:prstGeom>
-            </p:spPr>
-            <p:txBody>
-              <a:bodyPr lIns="50800" tIns="50800" rIns="50800" bIns="50800" rtlCol="0" anchor="ctr"/>
-              <a:lstStyle/>
-              <a:p>
-                <a:pPr algn="ctr">
-                  <a:lnSpc>
-                    <a:spcPts val="1664"/>
-                  </a:lnSpc>
-                </a:pPr>
-                <a:endParaRPr/>
-              </a:p>
-            </p:txBody>
-          </p:sp>
-        </p:grpSp>
-        <p:grpSp>
-          <p:nvGrpSpPr>
-            <p:cNvPr id="12" name="Group 12"/>
-            <p:cNvGrpSpPr>
-              <a:grpSpLocks noGrp="1" noUngrp="1" noRot="1" noMove="1" noResize="1"/>
-            </p:cNvGrpSpPr>
-            <p:nvPr/>
-          </p:nvGrpSpPr>
-          <p:grpSpPr>
-            <a:xfrm>
-              <a:off x="0" y="0"/>
-              <a:ext cx="200704" cy="200704"/>
-              <a:chOff x="0" y="0"/>
-              <a:chExt cx="812800" cy="812800"/>
-            </a:xfrm>
-          </p:grpSpPr>
-          <p:sp>
-            <p:nvSpPr>
-              <p:cNvPr id="13" name="Freeform 13"/>
-              <p:cNvSpPr>
-                <a:spLocks noGrp="1" noRot="1" noMove="1" noResize="1" noEditPoints="1" noAdjustHandles="1" noChangeArrowheads="1" noChangeShapeType="1"/>
-              </p:cNvSpPr>
-              <p:nvPr/>
-            </p:nvSpPr>
-            <p:spPr>
-              <a:xfrm>
-                <a:off x="0" y="0"/>
-                <a:ext cx="812800" cy="812800"/>
-              </a:xfrm>
-              <a:custGeom>
-                <a:avLst/>
-                <a:gdLst/>
-                <a:ahLst/>
-                <a:cxnLst/>
-                <a:rect l="l" t="t" r="r" b="b"/>
-                <a:pathLst>
-                  <a:path w="812800" h="812800">
-                    <a:moveTo>
-                      <a:pt x="406400" y="0"/>
-                    </a:moveTo>
-                    <a:cubicBezTo>
-                      <a:pt x="181951" y="0"/>
-                      <a:pt x="0" y="181951"/>
-                      <a:pt x="0" y="406400"/>
-                    </a:cubicBezTo>
-                    <a:cubicBezTo>
-                      <a:pt x="0" y="630849"/>
-                      <a:pt x="181951" y="812800"/>
-                      <a:pt x="406400" y="812800"/>
-                    </a:cubicBezTo>
-                    <a:cubicBezTo>
-                      <a:pt x="630849" y="812800"/>
-                      <a:pt x="812800" y="630849"/>
-                      <a:pt x="812800" y="406400"/>
-                    </a:cubicBezTo>
-                    <a:cubicBezTo>
-                      <a:pt x="812800" y="181951"/>
-                      <a:pt x="630849" y="0"/>
-                      <a:pt x="406400" y="0"/>
-                    </a:cubicBezTo>
-                    <a:close/>
-                  </a:path>
-                </a:pathLst>
-              </a:custGeom>
-              <a:solidFill>
-                <a:srgbClr val="000000">
-                  <a:alpha val="0"/>
-                </a:srgbClr>
-              </a:solidFill>
-              <a:ln w="19050" cap="sq">
+              <a:ln w="25400" cap="rnd">
                 <a:solidFill>
                   <a:srgbClr val="767576"/>
                 </a:solidFill>
                 <a:prstDash val="solid"/>
-                <a:miter/>
+                <a:headEnd type="none" w="sm" len="sm"/>
+                <a:tailEnd type="none" w="sm" len="sm"/>
               </a:ln>
             </p:spPr>
             <p:txBody>
@@ -3522,74 +3844,167 @@
           </p:sp>
           <p:sp>
             <p:nvSpPr>
-              <p:cNvPr id="14" name="TextBox 14"/>
-              <p:cNvSpPr txBox="1">
-                <a:spLocks noGrp="1" noRot="1" noMove="1" noResize="1" noEditPoints="1" noAdjustHandles="1" noChangeArrowheads="1" noChangeShapeType="1"/>
-              </p:cNvSpPr>
+              <p:cNvPr id="11" name="TextBox 29">
+                <a:extLst>
+                  <a:ext uri="{FF2B5EF4-FFF2-40B4-BE49-F238E27FC236}">
+                    <a16:creationId xmlns:a16="http://schemas.microsoft.com/office/drawing/2014/main" id="{923EF2B3-D3EB-8541-EF50-1004A378DA60}"/>
+                  </a:ext>
+                </a:extLst>
+              </p:cNvPr>
+              <p:cNvSpPr txBox="1"/>
               <p:nvPr/>
             </p:nvSpPr>
             <p:spPr>
               <a:xfrm>
-                <a:off x="76200" y="28575"/>
-                <a:ext cx="660400" cy="708025"/>
+                <a:off x="442913" y="1226277"/>
+                <a:ext cx="3628993" cy="890416"/>
               </a:xfrm>
               <a:prstGeom prst="rect">
                 <a:avLst/>
               </a:prstGeom>
             </p:spPr>
             <p:txBody>
-              <a:bodyPr lIns="50800" tIns="50800" rIns="50800" bIns="50800" rtlCol="0" anchor="ctr"/>
+              <a:bodyPr lIns="0" tIns="0" rIns="0" bIns="0" rtlCol="0" anchor="t">
+                <a:spAutoFit/>
+              </a:bodyPr>
               <a:lstStyle/>
               <a:p>
-                <a:pPr algn="ctr">
+                <a:pPr algn="l">
                   <a:lnSpc>
-                    <a:spcPts val="1664"/>
+                    <a:spcPts val="1331"/>
                   </a:lnSpc>
                 </a:pPr>
-                <a:endParaRPr/>
+                <a:r>
+                  <a:rPr lang="en-US" sz="1109" b="1" dirty="0">
+                    <a:solidFill>
+                      <a:srgbClr val="000000"/>
+                    </a:solidFill>
+                    <a:latin typeface="Circe Bold"/>
+                    <a:ea typeface="Circe Bold"/>
+                    <a:cs typeface="Circe Bold"/>
+                    <a:sym typeface="Circe Bold"/>
+                  </a:rPr>
+                  <a:t>Excursions</a:t>
+                </a:r>
+              </a:p>
+              <a:p>
+                <a:pPr algn="l">
+                  <a:lnSpc>
+                    <a:spcPts val="1331"/>
+                  </a:lnSpc>
+                </a:pPr>
+                <a:r>
+                  <a:rPr lang="en-US" sz="1109" dirty="0">
+                    <a:solidFill>
+                      <a:srgbClr val="000000"/>
+                    </a:solidFill>
+                    <a:latin typeface="Circe"/>
+                    <a:ea typeface="Circe"/>
+                    <a:cs typeface="Circe"/>
+                    <a:sym typeface="Circe"/>
+                  </a:rPr>
+                  <a:t>Book excursions at reception and receive a 10% discount voucher for a City Sightseeing tour.</a:t>
+                </a:r>
+              </a:p>
+            </p:txBody>
+          </p:sp>
+          <p:sp>
+            <p:nvSpPr>
+              <p:cNvPr id="12" name="TextBox 30">
+                <a:extLst>
+                  <a:ext uri="{FF2B5EF4-FFF2-40B4-BE49-F238E27FC236}">
+                    <a16:creationId xmlns:a16="http://schemas.microsoft.com/office/drawing/2014/main" id="{FC76D6A6-D963-AD8D-0E63-B9CFBF7CA6D9}"/>
+                  </a:ext>
+                </a:extLst>
+              </p:cNvPr>
+              <p:cNvSpPr txBox="1"/>
+              <p:nvPr/>
+            </p:nvSpPr>
+            <p:spPr>
+              <a:xfrm>
+                <a:off x="393917" y="2527752"/>
+                <a:ext cx="3677989" cy="718145"/>
+              </a:xfrm>
+              <a:prstGeom prst="rect">
+                <a:avLst/>
+              </a:prstGeom>
+            </p:spPr>
+            <p:txBody>
+              <a:bodyPr lIns="0" tIns="0" rIns="0" bIns="0" rtlCol="0" anchor="t">
+                <a:spAutoFit/>
+              </a:bodyPr>
+              <a:lstStyle/>
+              <a:p>
+                <a:pPr algn="l">
+                  <a:lnSpc>
+                    <a:spcPts val="1386"/>
+                  </a:lnSpc>
+                </a:pPr>
+                <a:r>
+                  <a:rPr lang="en-US" sz="1109" b="1" dirty="0">
+                    <a:solidFill>
+                      <a:srgbClr val="000000"/>
+                    </a:solidFill>
+                    <a:latin typeface="Circe Bold"/>
+                    <a:ea typeface="Circe Bold"/>
+                    <a:cs typeface="Circe Bold"/>
+                    <a:sym typeface="Circe Bold"/>
+                  </a:rPr>
+                  <a:t>Transfers</a:t>
+                </a:r>
+              </a:p>
+              <a:p>
+                <a:pPr algn="l">
+                  <a:lnSpc>
+                    <a:spcPts val="1386"/>
+                  </a:lnSpc>
+                </a:pPr>
+                <a:r>
+                  <a:rPr lang="en-US" sz="1109" dirty="0">
+                    <a:solidFill>
+                      <a:srgbClr val="000000"/>
+                    </a:solidFill>
+                    <a:latin typeface="Circe"/>
+                    <a:ea typeface="Circe"/>
+                    <a:cs typeface="Circe"/>
+                    <a:sym typeface="Circe"/>
+                  </a:rPr>
+                  <a:t>Order a transfer to the railway station or airport — details at reception.</a:t>
+                </a:r>
               </a:p>
             </p:txBody>
           </p:sp>
         </p:grpSp>
-      </p:grpSp>
-      <p:grpSp>
-        <p:nvGrpSpPr>
-          <p:cNvPr id="15" name="Group 15"/>
-          <p:cNvGrpSpPr>
-            <a:grpSpLocks noGrp="1" noUngrp="1" noRot="1" noMove="1" noResize="1"/>
-          </p:cNvGrpSpPr>
-          <p:nvPr/>
-        </p:nvGrpSpPr>
-        <p:grpSpPr>
-          <a:xfrm>
-            <a:off x="290103" y="162198"/>
-            <a:ext cx="3146443" cy="2605461"/>
-            <a:chOff x="0" y="0"/>
-            <a:chExt cx="4195258" cy="3473948"/>
-          </a:xfrm>
-        </p:grpSpPr>
         <p:grpSp>
           <p:nvGrpSpPr>
-            <p:cNvPr id="16" name="Group 16"/>
-            <p:cNvGrpSpPr>
-              <a:grpSpLocks noGrp="1" noUngrp="1" noRot="1" noMove="1" noResize="1"/>
-            </p:cNvGrpSpPr>
+            <p:cNvPr id="19" name="Group 31">
+              <a:extLst>
+                <a:ext uri="{FF2B5EF4-FFF2-40B4-BE49-F238E27FC236}">
+                  <a16:creationId xmlns:a16="http://schemas.microsoft.com/office/drawing/2014/main" id="{55860F3C-6CE9-AB67-BD3C-94F20DC53D1E}"/>
+                </a:ext>
+              </a:extLst>
+            </p:cNvPr>
+            <p:cNvGrpSpPr/>
             <p:nvPr/>
           </p:nvGrpSpPr>
           <p:grpSpPr>
             <a:xfrm>
-              <a:off x="0" y="0"/>
-              <a:ext cx="885827" cy="885827"/>
+              <a:off x="290103" y="3243757"/>
+              <a:ext cx="664370" cy="664370"/>
               <a:chOff x="0" y="0"/>
               <a:chExt cx="812800" cy="812800"/>
             </a:xfrm>
           </p:grpSpPr>
           <p:sp>
             <p:nvSpPr>
-              <p:cNvPr id="17" name="Freeform 17"/>
-              <p:cNvSpPr>
-                <a:spLocks noGrp="1" noRot="1" noMove="1" noResize="1" noEditPoints="1" noAdjustHandles="1" noChangeArrowheads="1" noChangeShapeType="1"/>
-              </p:cNvSpPr>
+              <p:cNvPr id="20" name="Freeform 32">
+                <a:extLst>
+                  <a:ext uri="{FF2B5EF4-FFF2-40B4-BE49-F238E27FC236}">
+                    <a16:creationId xmlns:a16="http://schemas.microsoft.com/office/drawing/2014/main" id="{A1760AD8-5915-CBB6-2DEF-5CE7DBD9ACD9}"/>
+                  </a:ext>
+                </a:extLst>
+              </p:cNvPr>
+              <p:cNvSpPr/>
               <p:nvPr/>
             </p:nvSpPr>
             <p:spPr>
@@ -3646,10 +4061,14 @@
           </p:sp>
           <p:sp>
             <p:nvSpPr>
-              <p:cNvPr id="18" name="TextBox 18"/>
-              <p:cNvSpPr txBox="1">
-                <a:spLocks noGrp="1" noRot="1" noMove="1" noResize="1" noEditPoints="1" noAdjustHandles="1" noChangeArrowheads="1" noChangeShapeType="1"/>
-              </p:cNvSpPr>
+              <p:cNvPr id="21" name="TextBox 33">
+                <a:extLst>
+                  <a:ext uri="{FF2B5EF4-FFF2-40B4-BE49-F238E27FC236}">
+                    <a16:creationId xmlns:a16="http://schemas.microsoft.com/office/drawing/2014/main" id="{F3423D35-76A6-2EFA-5EA8-AD46DE54B84E}"/>
+                  </a:ext>
+                </a:extLst>
+              </p:cNvPr>
+              <p:cNvSpPr txBox="1"/>
               <p:nvPr/>
             </p:nvSpPr>
             <p:spPr>
@@ -3675,123 +4094,36 @@
             </p:txBody>
           </p:sp>
         </p:grpSp>
-        <p:sp>
-          <p:nvSpPr>
-            <p:cNvPr id="19" name="AutoShape 19"/>
-            <p:cNvSpPr>
-              <a:spLocks noGrp="1" noRot="1" noMove="1" noResize="1" noEditPoints="1" noAdjustHandles="1" noChangeArrowheads="1" noChangeShapeType="1"/>
-            </p:cNvSpPr>
-            <p:nvPr/>
-          </p:nvSpPr>
-          <p:spPr>
-            <a:xfrm flipV="1">
-              <a:off x="885827" y="998817"/>
-              <a:ext cx="1889581" cy="0"/>
-            </a:xfrm>
-            <a:prstGeom prst="line">
-              <a:avLst/>
-            </a:prstGeom>
-            <a:ln w="25400" cap="rnd">
-              <a:solidFill>
-                <a:srgbClr val="767576"/>
-              </a:solidFill>
-              <a:prstDash val="solid"/>
-              <a:headEnd type="none" w="sm" len="sm"/>
-              <a:tailEnd type="none" w="sm" len="sm"/>
-            </a:ln>
-          </p:spPr>
-          <p:txBody>
-            <a:bodyPr/>
-            <a:lstStyle/>
-            <a:p>
-              <a:endParaRPr/>
-            </a:p>
-          </p:txBody>
-        </p:sp>
-        <p:sp>
-          <p:nvSpPr>
-            <p:cNvPr id="20" name="TextBox 20"/>
-            <p:cNvSpPr txBox="1">
-              <a:spLocks noGrp="1" noRot="1" noMove="1" noResize="1" noEditPoints="1" noAdjustHandles="1" noChangeArrowheads="1" noChangeShapeType="1"/>
-            </p:cNvSpPr>
-            <p:nvPr/>
-          </p:nvSpPr>
-          <p:spPr>
-            <a:xfrm>
-              <a:off x="442914" y="152693"/>
-              <a:ext cx="3752344" cy="693724"/>
-            </a:xfrm>
-            <a:prstGeom prst="rect">
-              <a:avLst/>
-            </a:prstGeom>
-          </p:spPr>
-          <p:txBody>
-            <a:bodyPr lIns="0" tIns="0" rIns="0" bIns="0" rtlCol="0" anchor="t">
-              <a:spAutoFit/>
-            </a:bodyPr>
-            <a:lstStyle/>
-            <a:p>
-              <a:pPr algn="l">
-                <a:lnSpc>
-                  <a:spcPts val="1357"/>
-                </a:lnSpc>
-              </a:pPr>
-              <a:r>
-                <a:rPr lang="en-US" sz="1169" b="1" dirty="0">
-                  <a:solidFill>
-                    <a:srgbClr val="000000"/>
-                  </a:solidFill>
-                  <a:latin typeface="Circe Bold"/>
-                  <a:ea typeface="Circe Bold"/>
-                  <a:cs typeface="Circe Bold"/>
-                  <a:sym typeface="Circe Bold"/>
-                </a:rPr>
-                <a:t>Flower Orders</a:t>
-              </a:r>
-            </a:p>
-            <a:p>
-              <a:pPr algn="l">
-                <a:lnSpc>
-                  <a:spcPts val="1357"/>
-                </a:lnSpc>
-              </a:pPr>
-              <a:r>
-                <a:rPr lang="en-US" sz="1169" dirty="0">
-                  <a:solidFill>
-                    <a:srgbClr val="000000"/>
-                  </a:solidFill>
-                  <a:latin typeface="Circe"/>
-                  <a:ea typeface="Circe"/>
-                  <a:cs typeface="Circe"/>
-                  <a:sym typeface="Circe"/>
-                </a:rPr>
-                <a:t>We’ll help you choose and arrange a bouquet — just ask the receptionist.</a:t>
-              </a:r>
-            </a:p>
-          </p:txBody>
-        </p:sp>
         <p:grpSp>
           <p:nvGrpSpPr>
-            <p:cNvPr id="21" name="Group 21"/>
-            <p:cNvGrpSpPr>
-              <a:grpSpLocks noGrp="1" noUngrp="1" noRot="1" noMove="1" noResize="1"/>
-            </p:cNvGrpSpPr>
+            <p:cNvPr id="22" name="Group 34">
+              <a:extLst>
+                <a:ext uri="{FF2B5EF4-FFF2-40B4-BE49-F238E27FC236}">
+                  <a16:creationId xmlns:a16="http://schemas.microsoft.com/office/drawing/2014/main" id="{B2E02752-1037-A6EF-516D-308A90F146F0}"/>
+                </a:ext>
+              </a:extLst>
+            </p:cNvPr>
+            <p:cNvGrpSpPr/>
             <p:nvPr/>
           </p:nvGrpSpPr>
           <p:grpSpPr>
             <a:xfrm>
-              <a:off x="0" y="1143217"/>
-              <a:ext cx="885827" cy="885827"/>
+              <a:off x="290103" y="4154729"/>
+              <a:ext cx="664370" cy="664370"/>
               <a:chOff x="0" y="0"/>
               <a:chExt cx="812800" cy="812800"/>
             </a:xfrm>
           </p:grpSpPr>
           <p:sp>
             <p:nvSpPr>
-              <p:cNvPr id="22" name="Freeform 22"/>
-              <p:cNvSpPr>
-                <a:spLocks noGrp="1" noRot="1" noMove="1" noResize="1" noEditPoints="1" noAdjustHandles="1" noChangeArrowheads="1" noChangeShapeType="1"/>
-              </p:cNvSpPr>
+              <p:cNvPr id="23" name="Freeform 35">
+                <a:extLst>
+                  <a:ext uri="{FF2B5EF4-FFF2-40B4-BE49-F238E27FC236}">
+                    <a16:creationId xmlns:a16="http://schemas.microsoft.com/office/drawing/2014/main" id="{A8AD0920-D3DA-B277-2F75-53C60A7EAEA2}"/>
+                  </a:ext>
+                </a:extLst>
+              </p:cNvPr>
+              <p:cNvSpPr/>
               <p:nvPr/>
             </p:nvSpPr>
             <p:spPr>
@@ -3848,10 +4180,14 @@
           </p:sp>
           <p:sp>
             <p:nvSpPr>
-              <p:cNvPr id="23" name="TextBox 23"/>
-              <p:cNvSpPr txBox="1">
-                <a:spLocks noGrp="1" noRot="1" noMove="1" noResize="1" noEditPoints="1" noAdjustHandles="1" noChangeArrowheads="1" noChangeShapeType="1"/>
-              </p:cNvSpPr>
+              <p:cNvPr id="24" name="TextBox 36">
+                <a:extLst>
+                  <a:ext uri="{FF2B5EF4-FFF2-40B4-BE49-F238E27FC236}">
+                    <a16:creationId xmlns:a16="http://schemas.microsoft.com/office/drawing/2014/main" id="{521F1C86-FF25-41E3-EDBA-EA3C7FCE5CE5}"/>
+                  </a:ext>
+                </a:extLst>
+              </p:cNvPr>
+              <p:cNvSpPr txBox="1"/>
               <p:nvPr/>
             </p:nvSpPr>
             <p:spPr>
@@ -3879,26 +4215,34 @@
         </p:grpSp>
         <p:grpSp>
           <p:nvGrpSpPr>
-            <p:cNvPr id="24" name="Group 24"/>
-            <p:cNvGrpSpPr>
-              <a:grpSpLocks noGrp="1" noUngrp="1" noRot="1" noMove="1" noResize="1"/>
-            </p:cNvGrpSpPr>
+            <p:cNvPr id="25" name="Group 37">
+              <a:extLst>
+                <a:ext uri="{FF2B5EF4-FFF2-40B4-BE49-F238E27FC236}">
+                  <a16:creationId xmlns:a16="http://schemas.microsoft.com/office/drawing/2014/main" id="{24DED601-1B1C-1AB1-67F5-A03EF5261027}"/>
+                </a:ext>
+              </a:extLst>
+            </p:cNvPr>
+            <p:cNvGrpSpPr/>
             <p:nvPr/>
           </p:nvGrpSpPr>
           <p:grpSpPr>
             <a:xfrm>
-              <a:off x="0" y="2403461"/>
-              <a:ext cx="885827" cy="885827"/>
+              <a:off x="290103" y="5120561"/>
+              <a:ext cx="664370" cy="664370"/>
               <a:chOff x="0" y="0"/>
               <a:chExt cx="812800" cy="812800"/>
             </a:xfrm>
           </p:grpSpPr>
           <p:sp>
             <p:nvSpPr>
-              <p:cNvPr id="25" name="Freeform 25"/>
-              <p:cNvSpPr>
-                <a:spLocks noGrp="1" noRot="1" noMove="1" noResize="1" noEditPoints="1" noAdjustHandles="1" noChangeArrowheads="1" noChangeShapeType="1"/>
-              </p:cNvSpPr>
+              <p:cNvPr id="26" name="Freeform 38">
+                <a:extLst>
+                  <a:ext uri="{FF2B5EF4-FFF2-40B4-BE49-F238E27FC236}">
+                    <a16:creationId xmlns:a16="http://schemas.microsoft.com/office/drawing/2014/main" id="{15FD9DE1-C85B-9E22-14DE-A8026F6BCB77}"/>
+                  </a:ext>
+                </a:extLst>
+              </p:cNvPr>
+              <p:cNvSpPr/>
               <p:nvPr/>
             </p:nvSpPr>
             <p:spPr>
@@ -3955,10 +4299,14 @@
           </p:sp>
           <p:sp>
             <p:nvSpPr>
-              <p:cNvPr id="26" name="TextBox 26"/>
-              <p:cNvSpPr txBox="1">
-                <a:spLocks noGrp="1" noRot="1" noMove="1" noResize="1" noEditPoints="1" noAdjustHandles="1" noChangeArrowheads="1" noChangeShapeType="1"/>
-              </p:cNvSpPr>
+              <p:cNvPr id="27" name="TextBox 39">
+                <a:extLst>
+                  <a:ext uri="{FF2B5EF4-FFF2-40B4-BE49-F238E27FC236}">
+                    <a16:creationId xmlns:a16="http://schemas.microsoft.com/office/drawing/2014/main" id="{C79035A4-07A7-9EF0-A560-C395F9971C84}"/>
+                  </a:ext>
+                </a:extLst>
+              </p:cNvPr>
+              <p:cNvSpPr txBox="1"/>
               <p:nvPr/>
             </p:nvSpPr>
             <p:spPr>
@@ -3986,16 +4334,20 @@
         </p:grpSp>
         <p:sp>
           <p:nvSpPr>
-            <p:cNvPr id="27" name="AutoShape 27"/>
-            <p:cNvSpPr>
-              <a:spLocks noGrp="1" noRot="1" noMove="1" noResize="1" noEditPoints="1" noAdjustHandles="1" noChangeArrowheads="1" noChangeShapeType="1"/>
-            </p:cNvSpPr>
+            <p:cNvPr id="28" name="AutoShape 40">
+              <a:extLst>
+                <a:ext uri="{FF2B5EF4-FFF2-40B4-BE49-F238E27FC236}">
+                  <a16:creationId xmlns:a16="http://schemas.microsoft.com/office/drawing/2014/main" id="{8979BA40-12B6-FAAA-A23B-A5FCAA0A4115}"/>
+                </a:ext>
+              </a:extLst>
+            </p:cNvPr>
+            <p:cNvSpPr/>
             <p:nvPr/>
           </p:nvSpPr>
           <p:spPr>
             <a:xfrm flipV="1">
-              <a:off x="885827" y="3461248"/>
-              <a:ext cx="1889581" cy="0"/>
+              <a:off x="954473" y="4091357"/>
+              <a:ext cx="1417186" cy="12316"/>
             </a:xfrm>
             <a:prstGeom prst="line">
               <a:avLst/>
@@ -4019,16 +4371,20 @@
         </p:sp>
         <p:sp>
           <p:nvSpPr>
-            <p:cNvPr id="28" name="AutoShape 28"/>
-            <p:cNvSpPr>
-              <a:spLocks noGrp="1" noRot="1" noMove="1" noResize="1" noEditPoints="1" noAdjustHandles="1" noChangeArrowheads="1" noChangeShapeType="1"/>
-            </p:cNvSpPr>
+            <p:cNvPr id="29" name="AutoShape 41">
+              <a:extLst>
+                <a:ext uri="{FF2B5EF4-FFF2-40B4-BE49-F238E27FC236}">
+                  <a16:creationId xmlns:a16="http://schemas.microsoft.com/office/drawing/2014/main" id="{3D0B45F9-73EB-41FC-25C1-7884FED5ABBB}"/>
+                </a:ext>
+              </a:extLst>
+            </p:cNvPr>
+            <p:cNvSpPr/>
             <p:nvPr/>
           </p:nvSpPr>
           <p:spPr>
-            <a:xfrm flipV="1">
-              <a:off x="885827" y="2187561"/>
-              <a:ext cx="1889581" cy="0"/>
+            <a:xfrm>
+              <a:off x="954473" y="4822187"/>
+              <a:ext cx="1417186" cy="0"/>
             </a:xfrm>
             <a:prstGeom prst="line">
               <a:avLst/>
@@ -4052,16 +4408,1733 @@
         </p:sp>
         <p:sp>
           <p:nvSpPr>
-            <p:cNvPr id="29" name="TextBox 29"/>
-            <p:cNvSpPr txBox="1">
-              <a:spLocks noGrp="1" noRot="1" noMove="1" noResize="1" noEditPoints="1" noAdjustHandles="1" noChangeArrowheads="1" noChangeShapeType="1"/>
-            </p:cNvSpPr>
+            <p:cNvPr id="30" name="AutoShape 42">
+              <a:extLst>
+                <a:ext uri="{FF2B5EF4-FFF2-40B4-BE49-F238E27FC236}">
+                  <a16:creationId xmlns:a16="http://schemas.microsoft.com/office/drawing/2014/main" id="{12887816-1F0B-F7ED-2607-77C3548D9614}"/>
+                </a:ext>
+              </a:extLst>
+            </p:cNvPr>
+            <p:cNvSpPr/>
+            <p:nvPr/>
+          </p:nvSpPr>
+          <p:spPr>
+            <a:xfrm flipV="1">
+              <a:off x="954473" y="5899231"/>
+              <a:ext cx="1417186" cy="0"/>
+            </a:xfrm>
+            <a:prstGeom prst="line">
+              <a:avLst/>
+            </a:prstGeom>
+            <a:ln w="25400" cap="rnd">
+              <a:solidFill>
+                <a:srgbClr val="767576"/>
+              </a:solidFill>
+              <a:prstDash val="solid"/>
+              <a:headEnd type="none" w="sm" len="sm"/>
+              <a:tailEnd type="none" w="sm" len="sm"/>
+            </a:ln>
+          </p:spPr>
+          <p:txBody>
+            <a:bodyPr/>
+            <a:lstStyle/>
+            <a:p>
+              <a:endParaRPr/>
+            </a:p>
+          </p:txBody>
+        </p:sp>
+        <p:sp>
+          <p:nvSpPr>
+            <p:cNvPr id="31" name="TextBox 43">
+              <a:extLst>
+                <a:ext uri="{FF2B5EF4-FFF2-40B4-BE49-F238E27FC236}">
+                  <a16:creationId xmlns:a16="http://schemas.microsoft.com/office/drawing/2014/main" id="{94524806-73BF-9A12-F8C4-691DB04941E7}"/>
+                </a:ext>
+              </a:extLst>
+            </p:cNvPr>
+            <p:cNvSpPr txBox="1"/>
             <p:nvPr/>
           </p:nvSpPr>
           <p:spPr>
             <a:xfrm>
-              <a:off x="442914" y="1226277"/>
-              <a:ext cx="3628992" cy="863600"/>
+              <a:off x="632229" y="3328537"/>
+              <a:ext cx="2979562" cy="718210"/>
+            </a:xfrm>
+            <a:prstGeom prst="rect">
+              <a:avLst/>
+            </a:prstGeom>
+          </p:spPr>
+          <p:txBody>
+            <a:bodyPr lIns="0" tIns="0" rIns="0" bIns="0" rtlCol="0" anchor="t">
+              <a:spAutoFit/>
+            </a:bodyPr>
+            <a:lstStyle/>
+            <a:p>
+              <a:pPr algn="l">
+                <a:lnSpc>
+                  <a:spcPts val="1357"/>
+                </a:lnSpc>
+              </a:pPr>
+              <a:r>
+                <a:rPr lang="en-US" sz="1169" b="1" dirty="0">
+                  <a:solidFill>
+                    <a:srgbClr val="000000"/>
+                  </a:solidFill>
+                  <a:latin typeface="Circe Bold"/>
+                  <a:ea typeface="Circe Bold"/>
+                  <a:cs typeface="Circe Bold"/>
+                  <a:sym typeface="Circe Bold"/>
+                </a:rPr>
+                <a:t>Restaurant </a:t>
+              </a:r>
+              <a:r>
+                <a:rPr lang="en-US" sz="1169" b="1" dirty="0" err="1">
+                  <a:solidFill>
+                    <a:srgbClr val="000000"/>
+                  </a:solidFill>
+                  <a:latin typeface="Circe Bold"/>
+                  <a:ea typeface="Circe Bold"/>
+                  <a:cs typeface="Circe Bold"/>
+                  <a:sym typeface="Circe Bold"/>
+                </a:rPr>
+                <a:t>MemET</a:t>
+              </a:r>
+              <a:r>
+                <a:rPr lang="en-US" sz="1169" b="1" dirty="0">
+                  <a:solidFill>
+                    <a:srgbClr val="000000"/>
+                  </a:solidFill>
+                  <a:latin typeface="Circe Bold"/>
+                  <a:ea typeface="Circe Bold"/>
+                  <a:cs typeface="Circe Bold"/>
+                  <a:sym typeface="Circe Bold"/>
+                </a:rPr>
+                <a:t> &amp; Pir</a:t>
+              </a:r>
+            </a:p>
+            <a:p>
+              <a:pPr algn="l">
+                <a:lnSpc>
+                  <a:spcPts val="1357"/>
+                </a:lnSpc>
+              </a:pPr>
+              <a:r>
+                <a:rPr lang="en-US" sz="1169" dirty="0">
+                  <a:solidFill>
+                    <a:srgbClr val="000000"/>
+                  </a:solidFill>
+                  <a:latin typeface="Circe"/>
+                  <a:ea typeface="Circe"/>
+                  <a:cs typeface="Circe"/>
+                  <a:sym typeface="Circe"/>
+                </a:rPr>
+                <a:t>Continental breakfast is served from 9:30 AM to 11:30 AM, starting from 850 RUB. Lunch and dinner are also available à la carte.</a:t>
+              </a:r>
+            </a:p>
+          </p:txBody>
+        </p:sp>
+        <p:sp>
+          <p:nvSpPr>
+            <p:cNvPr id="32" name="TextBox 44">
+              <a:extLst>
+                <a:ext uri="{FF2B5EF4-FFF2-40B4-BE49-F238E27FC236}">
+                  <a16:creationId xmlns:a16="http://schemas.microsoft.com/office/drawing/2014/main" id="{FD0A4AA3-B6E9-AA45-5A84-57A35C91418E}"/>
+                </a:ext>
+              </a:extLst>
+            </p:cNvPr>
+            <p:cNvSpPr txBox="1"/>
+            <p:nvPr/>
+          </p:nvSpPr>
+          <p:spPr>
+            <a:xfrm>
+              <a:off x="622287" y="5254428"/>
+              <a:ext cx="3118941" cy="359073"/>
+            </a:xfrm>
+            <a:prstGeom prst="rect">
+              <a:avLst/>
+            </a:prstGeom>
+          </p:spPr>
+          <p:txBody>
+            <a:bodyPr lIns="0" tIns="0" rIns="0" bIns="0" rtlCol="0" anchor="t">
+              <a:spAutoFit/>
+            </a:bodyPr>
+            <a:lstStyle/>
+            <a:p>
+              <a:pPr algn="l">
+                <a:lnSpc>
+                  <a:spcPts val="1357"/>
+                </a:lnSpc>
+              </a:pPr>
+              <a:r>
+                <a:rPr lang="en-US" sz="1100" b="1" dirty="0">
+                  <a:solidFill>
+                    <a:srgbClr val="000000"/>
+                  </a:solidFill>
+                  <a:latin typeface="Circe Bold"/>
+                  <a:ea typeface="Circe Bold"/>
+                  <a:cs typeface="Circe Bold"/>
+                  <a:sym typeface="Circe Bold"/>
+                </a:rPr>
+                <a:t>DIP SPA ROOM </a:t>
+              </a:r>
+            </a:p>
+            <a:p>
+              <a:pPr algn="l">
+                <a:lnSpc>
+                  <a:spcPts val="1357"/>
+                </a:lnSpc>
+              </a:pPr>
+              <a:r>
+                <a:rPr lang="en-US" sz="1100" dirty="0">
+                  <a:solidFill>
+                    <a:srgbClr val="000000"/>
+                  </a:solidFill>
+                  <a:latin typeface="Circe"/>
+                  <a:ea typeface="Circe"/>
+                  <a:cs typeface="Circe"/>
+                  <a:sym typeface="Circe"/>
+                </a:rPr>
+                <a:t>Bookings at reception.</a:t>
+              </a:r>
+            </a:p>
+          </p:txBody>
+        </p:sp>
+        <p:sp>
+          <p:nvSpPr>
+            <p:cNvPr id="33" name="TextBox 45">
+              <a:extLst>
+                <a:ext uri="{FF2B5EF4-FFF2-40B4-BE49-F238E27FC236}">
+                  <a16:creationId xmlns:a16="http://schemas.microsoft.com/office/drawing/2014/main" id="{C6FF1AF0-8C81-3460-C591-9E988E196D89}"/>
+                </a:ext>
+              </a:extLst>
+            </p:cNvPr>
+            <p:cNvSpPr txBox="1"/>
+            <p:nvPr/>
+          </p:nvSpPr>
+          <p:spPr>
+            <a:xfrm>
+              <a:off x="622287" y="4261148"/>
+              <a:ext cx="3118941" cy="538609"/>
+            </a:xfrm>
+            <a:prstGeom prst="rect">
+              <a:avLst/>
+            </a:prstGeom>
+          </p:spPr>
+          <p:txBody>
+            <a:bodyPr lIns="0" tIns="0" rIns="0" bIns="0" rtlCol="0" anchor="t">
+              <a:spAutoFit/>
+            </a:bodyPr>
+            <a:lstStyle/>
+            <a:p>
+              <a:pPr algn="l">
+                <a:lnSpc>
+                  <a:spcPts val="1420"/>
+                </a:lnSpc>
+              </a:pPr>
+              <a:r>
+                <a:rPr lang="en-US" sz="1109" b="1" dirty="0">
+                  <a:solidFill>
+                    <a:srgbClr val="000000"/>
+                  </a:solidFill>
+                  <a:latin typeface="Circe Bold"/>
+                  <a:ea typeface="Circe Bold"/>
+                  <a:cs typeface="Circe Bold"/>
+                  <a:sym typeface="Circe Bold"/>
+                </a:rPr>
+                <a:t>Laundry &amp; Amenities</a:t>
+              </a:r>
+            </a:p>
+            <a:p>
+              <a:pPr algn="l">
+                <a:lnSpc>
+                  <a:spcPts val="1420"/>
+                </a:lnSpc>
+              </a:pPr>
+              <a:r>
+                <a:rPr lang="en-US" sz="1109" b="1" dirty="0">
+                  <a:solidFill>
+                    <a:srgbClr val="000000"/>
+                  </a:solidFill>
+                  <a:latin typeface="Circe Bold"/>
+                  <a:ea typeface="Circe Bold"/>
+                  <a:cs typeface="Circe Bold"/>
+                  <a:sym typeface="Circe Bold"/>
+                </a:rPr>
+                <a:t>1 </a:t>
+              </a:r>
+              <a:r>
+                <a:rPr lang="en-US" sz="1109" dirty="0">
+                  <a:solidFill>
+                    <a:srgbClr val="000000"/>
+                  </a:solidFill>
+                  <a:latin typeface="Circe"/>
+                  <a:ea typeface="Circe"/>
+                  <a:cs typeface="Circe"/>
+                  <a:sym typeface="Circe"/>
+                </a:rPr>
+                <a:t>laundry powder sachet — 150 ₽ each.</a:t>
+              </a:r>
+            </a:p>
+            <a:p>
+              <a:pPr algn="l">
+                <a:lnSpc>
+                  <a:spcPts val="1420"/>
+                </a:lnSpc>
+              </a:pPr>
+              <a:r>
+                <a:rPr lang="en-US" sz="1109" dirty="0">
+                  <a:solidFill>
+                    <a:srgbClr val="000000"/>
+                  </a:solidFill>
+                  <a:latin typeface="Circe"/>
+                  <a:ea typeface="Circe"/>
+                  <a:cs typeface="Circe"/>
+                  <a:sym typeface="Circe"/>
+                </a:rPr>
+                <a:t>.</a:t>
+              </a:r>
+            </a:p>
+          </p:txBody>
+        </p:sp>
+      </p:grpSp>
+      <p:grpSp>
+        <p:nvGrpSpPr>
+          <p:cNvPr id="51" name="Группа 50">
+            <a:extLst>
+              <a:ext uri="{FF2B5EF4-FFF2-40B4-BE49-F238E27FC236}">
+                <a16:creationId xmlns:a16="http://schemas.microsoft.com/office/drawing/2014/main" id="{51722E5E-3F23-0466-4766-217E1DCA2303}"/>
+              </a:ext>
+            </a:extLst>
+          </p:cNvPr>
+          <p:cNvGrpSpPr/>
+          <p:nvPr/>
+        </p:nvGrpSpPr>
+        <p:grpSpPr>
+          <a:xfrm>
+            <a:off x="4126829" y="-315799"/>
+            <a:ext cx="2468828" cy="6342261"/>
+            <a:chOff x="4126829" y="-315799"/>
+            <a:chExt cx="2468828" cy="6342261"/>
+          </a:xfrm>
+        </p:grpSpPr>
+        <p:grpSp>
+          <p:nvGrpSpPr>
+            <p:cNvPr id="35" name="Group 2">
+              <a:extLst>
+                <a:ext uri="{FF2B5EF4-FFF2-40B4-BE49-F238E27FC236}">
+                  <a16:creationId xmlns:a16="http://schemas.microsoft.com/office/drawing/2014/main" id="{C932652A-8395-2C1D-AC20-6503286FAE94}"/>
+                </a:ext>
+              </a:extLst>
+            </p:cNvPr>
+            <p:cNvGrpSpPr/>
+            <p:nvPr/>
+          </p:nvGrpSpPr>
+          <p:grpSpPr>
+            <a:xfrm>
+              <a:off x="4430221" y="-315799"/>
+              <a:ext cx="1842750" cy="4095799"/>
+              <a:chOff x="0" y="0"/>
+              <a:chExt cx="660400" cy="1467842"/>
+            </a:xfrm>
+          </p:grpSpPr>
+          <p:sp>
+            <p:nvSpPr>
+              <p:cNvPr id="36" name="Freeform 3">
+                <a:extLst>
+                  <a:ext uri="{FF2B5EF4-FFF2-40B4-BE49-F238E27FC236}">
+                    <a16:creationId xmlns:a16="http://schemas.microsoft.com/office/drawing/2014/main" id="{1A8E6E7E-AF35-5BF5-6C76-7C08D7EA93CC}"/>
+                  </a:ext>
+                </a:extLst>
+              </p:cNvPr>
+              <p:cNvSpPr/>
+              <p:nvPr/>
+            </p:nvSpPr>
+            <p:spPr>
+              <a:xfrm>
+                <a:off x="0" y="0"/>
+                <a:ext cx="660400" cy="1467842"/>
+              </a:xfrm>
+              <a:custGeom>
+                <a:avLst/>
+                <a:gdLst/>
+                <a:ahLst/>
+                <a:cxnLst/>
+                <a:rect l="l" t="t" r="r" b="b"/>
+                <a:pathLst>
+                  <a:path w="660400" h="1467842">
+                    <a:moveTo>
+                      <a:pt x="220252" y="1448773"/>
+                    </a:moveTo>
+                    <a:cubicBezTo>
+                      <a:pt x="254109" y="1460287"/>
+                      <a:pt x="292600" y="1467842"/>
+                      <a:pt x="330378" y="1467842"/>
+                    </a:cubicBezTo>
+                    <a:cubicBezTo>
+                      <a:pt x="368157" y="1467842"/>
+                      <a:pt x="404509" y="1461365"/>
+                      <a:pt x="438009" y="1449851"/>
+                    </a:cubicBezTo>
+                    <a:cubicBezTo>
+                      <a:pt x="438723" y="1449492"/>
+                      <a:pt x="439435" y="1449492"/>
+                      <a:pt x="440148" y="1449132"/>
+                    </a:cubicBezTo>
+                    <a:cubicBezTo>
+                      <a:pt x="565955" y="1403077"/>
+                      <a:pt x="658618" y="1281463"/>
+                      <a:pt x="660400" y="1124790"/>
+                    </a:cubicBezTo>
+                    <a:lnTo>
+                      <a:pt x="660400" y="0"/>
+                    </a:lnTo>
+                    <a:lnTo>
+                      <a:pt x="0" y="0"/>
+                    </a:lnTo>
+                    <a:lnTo>
+                      <a:pt x="0" y="1123955"/>
+                    </a:lnTo>
+                    <a:cubicBezTo>
+                      <a:pt x="1782" y="1282182"/>
+                      <a:pt x="93019" y="1403797"/>
+                      <a:pt x="220252" y="1448773"/>
+                    </a:cubicBezTo>
+                    <a:close/>
+                  </a:path>
+                </a:pathLst>
+              </a:custGeom>
+              <a:solidFill>
+                <a:srgbClr val="EBE7E7"/>
+              </a:solidFill>
+            </p:spPr>
+            <p:txBody>
+              <a:bodyPr/>
+              <a:lstStyle/>
+              <a:p>
+                <a:endParaRPr/>
+              </a:p>
+            </p:txBody>
+          </p:sp>
+          <p:sp>
+            <p:nvSpPr>
+              <p:cNvPr id="37" name="TextBox 4">
+                <a:extLst>
+                  <a:ext uri="{FF2B5EF4-FFF2-40B4-BE49-F238E27FC236}">
+                    <a16:creationId xmlns:a16="http://schemas.microsoft.com/office/drawing/2014/main" id="{23B68609-793E-5FC6-3715-031ACC834824}"/>
+                  </a:ext>
+                </a:extLst>
+              </p:cNvPr>
+              <p:cNvSpPr txBox="1"/>
+              <p:nvPr/>
+            </p:nvSpPr>
+            <p:spPr>
+              <a:xfrm>
+                <a:off x="0" y="-28575"/>
+                <a:ext cx="660400" cy="1369417"/>
+              </a:xfrm>
+              <a:prstGeom prst="rect">
+                <a:avLst/>
+              </a:prstGeom>
+            </p:spPr>
+            <p:txBody>
+              <a:bodyPr lIns="50800" tIns="50800" rIns="50800" bIns="50800" rtlCol="0" anchor="ctr"/>
+              <a:lstStyle/>
+              <a:p>
+                <a:pPr algn="ctr">
+                  <a:lnSpc>
+                    <a:spcPts val="1664"/>
+                  </a:lnSpc>
+                </a:pPr>
+                <a:endParaRPr/>
+              </a:p>
+            </p:txBody>
+          </p:sp>
+        </p:grpSp>
+        <p:grpSp>
+          <p:nvGrpSpPr>
+            <p:cNvPr id="38" name="Group 5">
+              <a:extLst>
+                <a:ext uri="{FF2B5EF4-FFF2-40B4-BE49-F238E27FC236}">
+                  <a16:creationId xmlns:a16="http://schemas.microsoft.com/office/drawing/2014/main" id="{F29F1B5A-FD87-FFA1-2467-15E496CB6B39}"/>
+                </a:ext>
+              </a:extLst>
+            </p:cNvPr>
+            <p:cNvGrpSpPr/>
+            <p:nvPr/>
+          </p:nvGrpSpPr>
+          <p:grpSpPr>
+            <a:xfrm>
+              <a:off x="5011282" y="5875934"/>
+              <a:ext cx="669436" cy="150528"/>
+              <a:chOff x="0" y="0"/>
+              <a:chExt cx="892582" cy="200704"/>
+            </a:xfrm>
+          </p:grpSpPr>
+          <p:grpSp>
+            <p:nvGrpSpPr>
+              <p:cNvPr id="39" name="Group 6">
+                <a:extLst>
+                  <a:ext uri="{FF2B5EF4-FFF2-40B4-BE49-F238E27FC236}">
+                    <a16:creationId xmlns:a16="http://schemas.microsoft.com/office/drawing/2014/main" id="{5EFD69EF-5996-05CE-847A-FEBC0002039D}"/>
+                  </a:ext>
+                </a:extLst>
+              </p:cNvPr>
+              <p:cNvGrpSpPr/>
+              <p:nvPr/>
+            </p:nvGrpSpPr>
+            <p:grpSpPr>
+              <a:xfrm>
+                <a:off x="340404" y="0"/>
+                <a:ext cx="200704" cy="200704"/>
+                <a:chOff x="0" y="0"/>
+                <a:chExt cx="812800" cy="812800"/>
+              </a:xfrm>
+            </p:grpSpPr>
+            <p:sp>
+              <p:nvSpPr>
+                <p:cNvPr id="46" name="Freeform 7">
+                  <a:extLst>
+                    <a:ext uri="{FF2B5EF4-FFF2-40B4-BE49-F238E27FC236}">
+                      <a16:creationId xmlns:a16="http://schemas.microsoft.com/office/drawing/2014/main" id="{24BABB85-D64C-8CA9-B992-AEEFBD586985}"/>
+                    </a:ext>
+                  </a:extLst>
+                </p:cNvPr>
+                <p:cNvSpPr/>
+                <p:nvPr/>
+              </p:nvSpPr>
+              <p:spPr>
+                <a:xfrm>
+                  <a:off x="0" y="0"/>
+                  <a:ext cx="812800" cy="812800"/>
+                </a:xfrm>
+                <a:custGeom>
+                  <a:avLst/>
+                  <a:gdLst/>
+                  <a:ahLst/>
+                  <a:cxnLst/>
+                  <a:rect l="l" t="t" r="r" b="b"/>
+                  <a:pathLst>
+                    <a:path w="812800" h="812800">
+                      <a:moveTo>
+                        <a:pt x="406400" y="0"/>
+                      </a:moveTo>
+                      <a:cubicBezTo>
+                        <a:pt x="181951" y="0"/>
+                        <a:pt x="0" y="181951"/>
+                        <a:pt x="0" y="406400"/>
+                      </a:cubicBezTo>
+                      <a:cubicBezTo>
+                        <a:pt x="0" y="630849"/>
+                        <a:pt x="181951" y="812800"/>
+                        <a:pt x="406400" y="812800"/>
+                      </a:cubicBezTo>
+                      <a:cubicBezTo>
+                        <a:pt x="630849" y="812800"/>
+                        <a:pt x="812800" y="630849"/>
+                        <a:pt x="812800" y="406400"/>
+                      </a:cubicBezTo>
+                      <a:cubicBezTo>
+                        <a:pt x="812800" y="181951"/>
+                        <a:pt x="630849" y="0"/>
+                        <a:pt x="406400" y="0"/>
+                      </a:cubicBezTo>
+                      <a:close/>
+                    </a:path>
+                  </a:pathLst>
+                </a:custGeom>
+                <a:solidFill>
+                  <a:srgbClr val="000000">
+                    <a:alpha val="0"/>
+                  </a:srgbClr>
+                </a:solidFill>
+                <a:ln w="19050" cap="sq">
+                  <a:solidFill>
+                    <a:srgbClr val="767576"/>
+                  </a:solidFill>
+                  <a:prstDash val="solid"/>
+                  <a:miter/>
+                </a:ln>
+              </p:spPr>
+              <p:txBody>
+                <a:bodyPr/>
+                <a:lstStyle/>
+                <a:p>
+                  <a:endParaRPr/>
+                </a:p>
+              </p:txBody>
+            </p:sp>
+            <p:sp>
+              <p:nvSpPr>
+                <p:cNvPr id="47" name="TextBox 8">
+                  <a:extLst>
+                    <a:ext uri="{FF2B5EF4-FFF2-40B4-BE49-F238E27FC236}">
+                      <a16:creationId xmlns:a16="http://schemas.microsoft.com/office/drawing/2014/main" id="{2EFC22F0-53C3-922E-0110-EFCE96F0FD22}"/>
+                    </a:ext>
+                  </a:extLst>
+                </p:cNvPr>
+                <p:cNvSpPr txBox="1"/>
+                <p:nvPr/>
+              </p:nvSpPr>
+              <p:spPr>
+                <a:xfrm>
+                  <a:off x="76200" y="28575"/>
+                  <a:ext cx="660400" cy="708025"/>
+                </a:xfrm>
+                <a:prstGeom prst="rect">
+                  <a:avLst/>
+                </a:prstGeom>
+              </p:spPr>
+              <p:txBody>
+                <a:bodyPr lIns="50800" tIns="50800" rIns="50800" bIns="50800" rtlCol="0" anchor="ctr"/>
+                <a:lstStyle/>
+                <a:p>
+                  <a:pPr algn="ctr">
+                    <a:lnSpc>
+                      <a:spcPts val="1664"/>
+                    </a:lnSpc>
+                  </a:pPr>
+                  <a:endParaRPr/>
+                </a:p>
+              </p:txBody>
+            </p:sp>
+          </p:grpSp>
+          <p:grpSp>
+            <p:nvGrpSpPr>
+              <p:cNvPr id="40" name="Group 9">
+                <a:extLst>
+                  <a:ext uri="{FF2B5EF4-FFF2-40B4-BE49-F238E27FC236}">
+                    <a16:creationId xmlns:a16="http://schemas.microsoft.com/office/drawing/2014/main" id="{3D2826C8-522D-5168-975E-9E4251570036}"/>
+                  </a:ext>
+                </a:extLst>
+              </p:cNvPr>
+              <p:cNvGrpSpPr/>
+              <p:nvPr/>
+            </p:nvGrpSpPr>
+            <p:grpSpPr>
+              <a:xfrm>
+                <a:off x="691878" y="0"/>
+                <a:ext cx="200704" cy="200704"/>
+                <a:chOff x="0" y="0"/>
+                <a:chExt cx="812800" cy="812800"/>
+              </a:xfrm>
+            </p:grpSpPr>
+            <p:sp>
+              <p:nvSpPr>
+                <p:cNvPr id="44" name="Freeform 10">
+                  <a:extLst>
+                    <a:ext uri="{FF2B5EF4-FFF2-40B4-BE49-F238E27FC236}">
+                      <a16:creationId xmlns:a16="http://schemas.microsoft.com/office/drawing/2014/main" id="{54EFC456-4C60-592C-3C35-E54B280B802E}"/>
+                    </a:ext>
+                  </a:extLst>
+                </p:cNvPr>
+                <p:cNvSpPr/>
+                <p:nvPr/>
+              </p:nvSpPr>
+              <p:spPr>
+                <a:xfrm>
+                  <a:off x="0" y="0"/>
+                  <a:ext cx="812800" cy="812800"/>
+                </a:xfrm>
+                <a:custGeom>
+                  <a:avLst/>
+                  <a:gdLst/>
+                  <a:ahLst/>
+                  <a:cxnLst/>
+                  <a:rect l="l" t="t" r="r" b="b"/>
+                  <a:pathLst>
+                    <a:path w="812800" h="812800">
+                      <a:moveTo>
+                        <a:pt x="406400" y="0"/>
+                      </a:moveTo>
+                      <a:cubicBezTo>
+                        <a:pt x="181951" y="0"/>
+                        <a:pt x="0" y="181951"/>
+                        <a:pt x="0" y="406400"/>
+                      </a:cubicBezTo>
+                      <a:cubicBezTo>
+                        <a:pt x="0" y="630849"/>
+                        <a:pt x="181951" y="812800"/>
+                        <a:pt x="406400" y="812800"/>
+                      </a:cubicBezTo>
+                      <a:cubicBezTo>
+                        <a:pt x="630849" y="812800"/>
+                        <a:pt x="812800" y="630849"/>
+                        <a:pt x="812800" y="406400"/>
+                      </a:cubicBezTo>
+                      <a:cubicBezTo>
+                        <a:pt x="812800" y="181951"/>
+                        <a:pt x="630849" y="0"/>
+                        <a:pt x="406400" y="0"/>
+                      </a:cubicBezTo>
+                      <a:close/>
+                    </a:path>
+                  </a:pathLst>
+                </a:custGeom>
+                <a:solidFill>
+                  <a:srgbClr val="000000">
+                    <a:alpha val="0"/>
+                  </a:srgbClr>
+                </a:solidFill>
+                <a:ln w="19050" cap="sq">
+                  <a:solidFill>
+                    <a:srgbClr val="767576"/>
+                  </a:solidFill>
+                  <a:prstDash val="solid"/>
+                  <a:miter/>
+                </a:ln>
+              </p:spPr>
+              <p:txBody>
+                <a:bodyPr/>
+                <a:lstStyle/>
+                <a:p>
+                  <a:endParaRPr/>
+                </a:p>
+              </p:txBody>
+            </p:sp>
+            <p:sp>
+              <p:nvSpPr>
+                <p:cNvPr id="45" name="TextBox 11">
+                  <a:extLst>
+                    <a:ext uri="{FF2B5EF4-FFF2-40B4-BE49-F238E27FC236}">
+                      <a16:creationId xmlns:a16="http://schemas.microsoft.com/office/drawing/2014/main" id="{5EC84F02-00B3-1D8D-D69D-AF885BAAA190}"/>
+                    </a:ext>
+                  </a:extLst>
+                </p:cNvPr>
+                <p:cNvSpPr txBox="1"/>
+                <p:nvPr/>
+              </p:nvSpPr>
+              <p:spPr>
+                <a:xfrm>
+                  <a:off x="76200" y="28575"/>
+                  <a:ext cx="660400" cy="708025"/>
+                </a:xfrm>
+                <a:prstGeom prst="rect">
+                  <a:avLst/>
+                </a:prstGeom>
+              </p:spPr>
+              <p:txBody>
+                <a:bodyPr lIns="50800" tIns="50800" rIns="50800" bIns="50800" rtlCol="0" anchor="ctr"/>
+                <a:lstStyle/>
+                <a:p>
+                  <a:pPr algn="ctr">
+                    <a:lnSpc>
+                      <a:spcPts val="1664"/>
+                    </a:lnSpc>
+                  </a:pPr>
+                  <a:endParaRPr/>
+                </a:p>
+              </p:txBody>
+            </p:sp>
+          </p:grpSp>
+          <p:grpSp>
+            <p:nvGrpSpPr>
+              <p:cNvPr id="41" name="Group 12">
+                <a:extLst>
+                  <a:ext uri="{FF2B5EF4-FFF2-40B4-BE49-F238E27FC236}">
+                    <a16:creationId xmlns:a16="http://schemas.microsoft.com/office/drawing/2014/main" id="{9FB361CB-BF7C-4379-A262-DA12809D1A91}"/>
+                  </a:ext>
+                </a:extLst>
+              </p:cNvPr>
+              <p:cNvGrpSpPr/>
+              <p:nvPr/>
+            </p:nvGrpSpPr>
+            <p:grpSpPr>
+              <a:xfrm>
+                <a:off x="0" y="0"/>
+                <a:ext cx="200704" cy="200704"/>
+                <a:chOff x="0" y="0"/>
+                <a:chExt cx="812800" cy="812800"/>
+              </a:xfrm>
+            </p:grpSpPr>
+            <p:sp>
+              <p:nvSpPr>
+                <p:cNvPr id="42" name="Freeform 13">
+                  <a:extLst>
+                    <a:ext uri="{FF2B5EF4-FFF2-40B4-BE49-F238E27FC236}">
+                      <a16:creationId xmlns:a16="http://schemas.microsoft.com/office/drawing/2014/main" id="{6AF5D009-7DD0-C237-4E3B-4FB5A361C5B4}"/>
+                    </a:ext>
+                  </a:extLst>
+                </p:cNvPr>
+                <p:cNvSpPr/>
+                <p:nvPr/>
+              </p:nvSpPr>
+              <p:spPr>
+                <a:xfrm>
+                  <a:off x="0" y="0"/>
+                  <a:ext cx="812800" cy="812800"/>
+                </a:xfrm>
+                <a:custGeom>
+                  <a:avLst/>
+                  <a:gdLst/>
+                  <a:ahLst/>
+                  <a:cxnLst/>
+                  <a:rect l="l" t="t" r="r" b="b"/>
+                  <a:pathLst>
+                    <a:path w="812800" h="812800">
+                      <a:moveTo>
+                        <a:pt x="406400" y="0"/>
+                      </a:moveTo>
+                      <a:cubicBezTo>
+                        <a:pt x="181951" y="0"/>
+                        <a:pt x="0" y="181951"/>
+                        <a:pt x="0" y="406400"/>
+                      </a:cubicBezTo>
+                      <a:cubicBezTo>
+                        <a:pt x="0" y="630849"/>
+                        <a:pt x="181951" y="812800"/>
+                        <a:pt x="406400" y="812800"/>
+                      </a:cubicBezTo>
+                      <a:cubicBezTo>
+                        <a:pt x="630849" y="812800"/>
+                        <a:pt x="812800" y="630849"/>
+                        <a:pt x="812800" y="406400"/>
+                      </a:cubicBezTo>
+                      <a:cubicBezTo>
+                        <a:pt x="812800" y="181951"/>
+                        <a:pt x="630849" y="0"/>
+                        <a:pt x="406400" y="0"/>
+                      </a:cubicBezTo>
+                      <a:close/>
+                    </a:path>
+                  </a:pathLst>
+                </a:custGeom>
+                <a:solidFill>
+                  <a:srgbClr val="000000">
+                    <a:alpha val="0"/>
+                  </a:srgbClr>
+                </a:solidFill>
+                <a:ln w="19050" cap="sq">
+                  <a:solidFill>
+                    <a:srgbClr val="767576"/>
+                  </a:solidFill>
+                  <a:prstDash val="solid"/>
+                  <a:miter/>
+                </a:ln>
+              </p:spPr>
+              <p:txBody>
+                <a:bodyPr/>
+                <a:lstStyle/>
+                <a:p>
+                  <a:endParaRPr/>
+                </a:p>
+              </p:txBody>
+            </p:sp>
+            <p:sp>
+              <p:nvSpPr>
+                <p:cNvPr id="43" name="TextBox 14">
+                  <a:extLst>
+                    <a:ext uri="{FF2B5EF4-FFF2-40B4-BE49-F238E27FC236}">
+                      <a16:creationId xmlns:a16="http://schemas.microsoft.com/office/drawing/2014/main" id="{132DED7F-B98D-FD3F-65B4-9C5AB9C300FE}"/>
+                    </a:ext>
+                  </a:extLst>
+                </p:cNvPr>
+                <p:cNvSpPr txBox="1"/>
+                <p:nvPr/>
+              </p:nvSpPr>
+              <p:spPr>
+                <a:xfrm>
+                  <a:off x="76200" y="28575"/>
+                  <a:ext cx="660400" cy="708025"/>
+                </a:xfrm>
+                <a:prstGeom prst="rect">
+                  <a:avLst/>
+                </a:prstGeom>
+              </p:spPr>
+              <p:txBody>
+                <a:bodyPr lIns="50800" tIns="50800" rIns="50800" bIns="50800" rtlCol="0" anchor="ctr"/>
+                <a:lstStyle/>
+                <a:p>
+                  <a:pPr algn="ctr">
+                    <a:lnSpc>
+                      <a:spcPts val="1664"/>
+                    </a:lnSpc>
+                  </a:pPr>
+                  <a:endParaRPr/>
+                </a:p>
+              </p:txBody>
+            </p:sp>
+          </p:grpSp>
+        </p:grpSp>
+        <p:sp>
+          <p:nvSpPr>
+            <p:cNvPr id="48" name="Freeform 62">
+              <a:extLst>
+                <a:ext uri="{FF2B5EF4-FFF2-40B4-BE49-F238E27FC236}">
+                  <a16:creationId xmlns:a16="http://schemas.microsoft.com/office/drawing/2014/main" id="{2A8D7EC6-B6F7-8A18-443F-C6EECFF6957C}"/>
+                </a:ext>
+              </a:extLst>
+            </p:cNvPr>
+            <p:cNvSpPr/>
+            <p:nvPr/>
+          </p:nvSpPr>
+          <p:spPr>
+            <a:xfrm>
+              <a:off x="4135860" y="1127395"/>
+              <a:ext cx="2459797" cy="3428288"/>
+            </a:xfrm>
+            <a:custGeom>
+              <a:avLst/>
+              <a:gdLst/>
+              <a:ahLst/>
+              <a:cxnLst/>
+              <a:rect l="l" t="t" r="r" b="b"/>
+              <a:pathLst>
+                <a:path w="2459797" h="3428288">
+                  <a:moveTo>
+                    <a:pt x="0" y="0"/>
+                  </a:moveTo>
+                  <a:lnTo>
+                    <a:pt x="2459797" y="0"/>
+                  </a:lnTo>
+                  <a:lnTo>
+                    <a:pt x="2459797" y="3428288"/>
+                  </a:lnTo>
+                  <a:lnTo>
+                    <a:pt x="0" y="3428288"/>
+                  </a:lnTo>
+                  <a:lnTo>
+                    <a:pt x="0" y="0"/>
+                  </a:lnTo>
+                  <a:close/>
+                </a:path>
+              </a:pathLst>
+            </a:custGeom>
+            <a:blipFill>
+              <a:blip r:embed="rId2"/>
+              <a:stretch>
+                <a:fillRect t="-79" b="-79"/>
+              </a:stretch>
+            </a:blipFill>
+          </p:spPr>
+          <p:txBody>
+            <a:bodyPr/>
+            <a:lstStyle/>
+            <a:p>
+              <a:endParaRPr/>
+            </a:p>
+          </p:txBody>
+        </p:sp>
+        <p:sp>
+          <p:nvSpPr>
+            <p:cNvPr id="49" name="TextBox 68">
+              <a:extLst>
+                <a:ext uri="{FF2B5EF4-FFF2-40B4-BE49-F238E27FC236}">
+                  <a16:creationId xmlns:a16="http://schemas.microsoft.com/office/drawing/2014/main" id="{F327399A-32DD-6126-779B-BF9BF69E5CEA}"/>
+                </a:ext>
+              </a:extLst>
+            </p:cNvPr>
+            <p:cNvSpPr txBox="1"/>
+            <p:nvPr/>
+          </p:nvSpPr>
+          <p:spPr>
+            <a:xfrm>
+              <a:off x="4126829" y="4955913"/>
+              <a:ext cx="2430040" cy="259751"/>
+            </a:xfrm>
+            <a:prstGeom prst="rect">
+              <a:avLst/>
+            </a:prstGeom>
+          </p:spPr>
+          <p:txBody>
+            <a:bodyPr wrap="square" lIns="0" tIns="0" rIns="0" bIns="0" rtlCol="0" anchor="t">
+              <a:spAutoFit/>
+            </a:bodyPr>
+            <a:lstStyle/>
+            <a:p>
+              <a:pPr algn="ctr">
+                <a:lnSpc>
+                  <a:spcPts val="1862"/>
+                </a:lnSpc>
+              </a:pPr>
+              <a:r>
+                <a:rPr lang="en-US" sz="2003" dirty="0">
+                  <a:solidFill>
+                    <a:srgbClr val="000000"/>
+                  </a:solidFill>
+                  <a:latin typeface="Circe"/>
+                  <a:ea typeface="Circe"/>
+                  <a:cs typeface="Circe"/>
+                  <a:sym typeface="Circe"/>
+                </a:rPr>
+                <a:t>More than just a stay</a:t>
+              </a:r>
+            </a:p>
+          </p:txBody>
+        </p:sp>
+        <p:sp>
+          <p:nvSpPr>
+            <p:cNvPr id="50" name="TextBox 70">
+              <a:extLst>
+                <a:ext uri="{FF2B5EF4-FFF2-40B4-BE49-F238E27FC236}">
+                  <a16:creationId xmlns:a16="http://schemas.microsoft.com/office/drawing/2014/main" id="{BE0BA7A4-8FE7-1DB8-697B-68BB0757C435}"/>
+                </a:ext>
+              </a:extLst>
+            </p:cNvPr>
+            <p:cNvSpPr txBox="1"/>
+            <p:nvPr/>
+          </p:nvSpPr>
+          <p:spPr>
+            <a:xfrm>
+              <a:off x="4217596" y="308598"/>
+              <a:ext cx="2256807" cy="465577"/>
+            </a:xfrm>
+            <a:prstGeom prst="rect">
+              <a:avLst/>
+            </a:prstGeom>
+          </p:spPr>
+          <p:txBody>
+            <a:bodyPr lIns="0" tIns="0" rIns="0" bIns="0" rtlCol="0" anchor="t">
+              <a:spAutoFit/>
+            </a:bodyPr>
+            <a:lstStyle/>
+            <a:p>
+              <a:pPr algn="ctr">
+                <a:lnSpc>
+                  <a:spcPts val="3350"/>
+                </a:lnSpc>
+              </a:pPr>
+              <a:r>
+                <a:rPr lang="en-US" sz="3603" dirty="0">
+                  <a:solidFill>
+                    <a:srgbClr val="000000"/>
+                  </a:solidFill>
+                  <a:latin typeface="Circe"/>
+                  <a:ea typeface="Circe"/>
+                  <a:cs typeface="Circe"/>
+                  <a:sym typeface="Circe"/>
+                </a:rPr>
+                <a:t>services</a:t>
+              </a:r>
+            </a:p>
+          </p:txBody>
+        </p:sp>
+      </p:grpSp>
+      <p:grpSp>
+        <p:nvGrpSpPr>
+          <p:cNvPr id="98" name="Группа 97">
+            <a:extLst>
+              <a:ext uri="{FF2B5EF4-FFF2-40B4-BE49-F238E27FC236}">
+                <a16:creationId xmlns:a16="http://schemas.microsoft.com/office/drawing/2014/main" id="{F007F748-A734-BE3D-E769-E77D83BE1AD9}"/>
+              </a:ext>
+            </a:extLst>
+          </p:cNvPr>
+          <p:cNvGrpSpPr/>
+          <p:nvPr/>
+        </p:nvGrpSpPr>
+        <p:grpSpPr>
+          <a:xfrm>
+            <a:off x="7276451" y="577850"/>
+            <a:ext cx="3183191" cy="5333655"/>
+            <a:chOff x="7379884" y="570540"/>
+            <a:chExt cx="3183191" cy="5333655"/>
+          </a:xfrm>
+        </p:grpSpPr>
+        <p:sp>
+          <p:nvSpPr>
+            <p:cNvPr id="75" name="AutoShape 46">
+              <a:extLst>
+                <a:ext uri="{FF2B5EF4-FFF2-40B4-BE49-F238E27FC236}">
+                  <a16:creationId xmlns:a16="http://schemas.microsoft.com/office/drawing/2014/main" id="{E74734CA-D745-6AAC-12E8-A9EC6ACC1CD6}"/>
+                </a:ext>
+              </a:extLst>
+            </p:cNvPr>
+            <p:cNvSpPr/>
+            <p:nvPr/>
+          </p:nvSpPr>
+          <p:spPr>
+            <a:xfrm flipV="1">
+              <a:off x="8044254" y="4137051"/>
+              <a:ext cx="1417186" cy="0"/>
+            </a:xfrm>
+            <a:prstGeom prst="line">
+              <a:avLst/>
+            </a:prstGeom>
+            <a:ln w="19050" cap="rnd">
+              <a:solidFill>
+                <a:srgbClr val="767576"/>
+              </a:solidFill>
+              <a:prstDash val="solid"/>
+              <a:headEnd type="none" w="sm" len="sm"/>
+              <a:tailEnd type="none" w="sm" len="sm"/>
+            </a:ln>
+          </p:spPr>
+          <p:txBody>
+            <a:bodyPr/>
+            <a:lstStyle/>
+            <a:p>
+              <a:endParaRPr/>
+            </a:p>
+          </p:txBody>
+        </p:sp>
+        <p:grpSp>
+          <p:nvGrpSpPr>
+            <p:cNvPr id="76" name="Group 47">
+              <a:extLst>
+                <a:ext uri="{FF2B5EF4-FFF2-40B4-BE49-F238E27FC236}">
+                  <a16:creationId xmlns:a16="http://schemas.microsoft.com/office/drawing/2014/main" id="{D2709D1E-A3A9-AE01-B4EB-1E7BDE893AB0}"/>
+                </a:ext>
+              </a:extLst>
+            </p:cNvPr>
+            <p:cNvGrpSpPr/>
+            <p:nvPr/>
+          </p:nvGrpSpPr>
+          <p:grpSpPr>
+            <a:xfrm>
+              <a:off x="7379884" y="1481577"/>
+              <a:ext cx="664370" cy="664370"/>
+              <a:chOff x="0" y="0"/>
+              <a:chExt cx="812800" cy="812800"/>
+            </a:xfrm>
+          </p:grpSpPr>
+          <p:sp>
+            <p:nvSpPr>
+              <p:cNvPr id="77" name="Freeform 48">
+                <a:extLst>
+                  <a:ext uri="{FF2B5EF4-FFF2-40B4-BE49-F238E27FC236}">
+                    <a16:creationId xmlns:a16="http://schemas.microsoft.com/office/drawing/2014/main" id="{C8D9FD35-B7E4-569D-EE87-0EB7C1F45115}"/>
+                  </a:ext>
+                </a:extLst>
+              </p:cNvPr>
+              <p:cNvSpPr/>
+              <p:nvPr/>
+            </p:nvSpPr>
+            <p:spPr>
+              <a:xfrm>
+                <a:off x="0" y="0"/>
+                <a:ext cx="812800" cy="812800"/>
+              </a:xfrm>
+              <a:custGeom>
+                <a:avLst/>
+                <a:gdLst/>
+                <a:ahLst/>
+                <a:cxnLst/>
+                <a:rect l="l" t="t" r="r" b="b"/>
+                <a:pathLst>
+                  <a:path w="812800" h="812800">
+                    <a:moveTo>
+                      <a:pt x="406400" y="0"/>
+                    </a:moveTo>
+                    <a:cubicBezTo>
+                      <a:pt x="181951" y="0"/>
+                      <a:pt x="0" y="181951"/>
+                      <a:pt x="0" y="406400"/>
+                    </a:cubicBezTo>
+                    <a:cubicBezTo>
+                      <a:pt x="0" y="630849"/>
+                      <a:pt x="181951" y="812800"/>
+                      <a:pt x="406400" y="812800"/>
+                    </a:cubicBezTo>
+                    <a:cubicBezTo>
+                      <a:pt x="630849" y="812800"/>
+                      <a:pt x="812800" y="630849"/>
+                      <a:pt x="812800" y="406400"/>
+                    </a:cubicBezTo>
+                    <a:cubicBezTo>
+                      <a:pt x="812800" y="181951"/>
+                      <a:pt x="630849" y="0"/>
+                      <a:pt x="406400" y="0"/>
+                    </a:cubicBezTo>
+                    <a:close/>
+                  </a:path>
+                </a:pathLst>
+              </a:custGeom>
+              <a:solidFill>
+                <a:srgbClr val="EBE7E7"/>
+              </a:solidFill>
+            </p:spPr>
+            <p:txBody>
+              <a:bodyPr/>
+              <a:lstStyle/>
+              <a:p>
+                <a:endParaRPr/>
+              </a:p>
+            </p:txBody>
+          </p:sp>
+          <p:sp>
+            <p:nvSpPr>
+              <p:cNvPr id="78" name="TextBox 49">
+                <a:extLst>
+                  <a:ext uri="{FF2B5EF4-FFF2-40B4-BE49-F238E27FC236}">
+                    <a16:creationId xmlns:a16="http://schemas.microsoft.com/office/drawing/2014/main" id="{C443DE2F-B6B5-40D8-EC04-ACD103CE8EB2}"/>
+                  </a:ext>
+                </a:extLst>
+              </p:cNvPr>
+              <p:cNvSpPr txBox="1"/>
+              <p:nvPr/>
+            </p:nvSpPr>
+            <p:spPr>
+              <a:xfrm>
+                <a:off x="76200" y="47625"/>
+                <a:ext cx="660400" cy="688975"/>
+              </a:xfrm>
+              <a:prstGeom prst="rect">
+                <a:avLst/>
+              </a:prstGeom>
+            </p:spPr>
+            <p:txBody>
+              <a:bodyPr lIns="50800" tIns="50800" rIns="50800" bIns="50800" rtlCol="0" anchor="ctr"/>
+              <a:lstStyle/>
+              <a:p>
+                <a:pPr algn="ctr">
+                  <a:lnSpc>
+                    <a:spcPts val="1664"/>
+                  </a:lnSpc>
+                </a:pPr>
+                <a:endParaRPr/>
+              </a:p>
+            </p:txBody>
+          </p:sp>
+        </p:grpSp>
+        <p:grpSp>
+          <p:nvGrpSpPr>
+            <p:cNvPr id="79" name="Group 50">
+              <a:extLst>
+                <a:ext uri="{FF2B5EF4-FFF2-40B4-BE49-F238E27FC236}">
+                  <a16:creationId xmlns:a16="http://schemas.microsoft.com/office/drawing/2014/main" id="{2FBCD99F-9E66-ED87-D641-FDA17E20B04D}"/>
+                </a:ext>
+              </a:extLst>
+            </p:cNvPr>
+            <p:cNvGrpSpPr/>
+            <p:nvPr/>
+          </p:nvGrpSpPr>
+          <p:grpSpPr>
+            <a:xfrm>
+              <a:off x="7379884" y="570540"/>
+              <a:ext cx="664370" cy="664370"/>
+              <a:chOff x="0" y="0"/>
+              <a:chExt cx="812800" cy="812800"/>
+            </a:xfrm>
+          </p:grpSpPr>
+          <p:sp>
+            <p:nvSpPr>
+              <p:cNvPr id="80" name="Freeform 51">
+                <a:extLst>
+                  <a:ext uri="{FF2B5EF4-FFF2-40B4-BE49-F238E27FC236}">
+                    <a16:creationId xmlns:a16="http://schemas.microsoft.com/office/drawing/2014/main" id="{2E5CF0F2-9074-8B4E-7377-24767E3E82E2}"/>
+                  </a:ext>
+                </a:extLst>
+              </p:cNvPr>
+              <p:cNvSpPr/>
+              <p:nvPr/>
+            </p:nvSpPr>
+            <p:spPr>
+              <a:xfrm>
+                <a:off x="0" y="0"/>
+                <a:ext cx="812800" cy="812800"/>
+              </a:xfrm>
+              <a:custGeom>
+                <a:avLst/>
+                <a:gdLst/>
+                <a:ahLst/>
+                <a:cxnLst/>
+                <a:rect l="l" t="t" r="r" b="b"/>
+                <a:pathLst>
+                  <a:path w="812800" h="812800">
+                    <a:moveTo>
+                      <a:pt x="406400" y="0"/>
+                    </a:moveTo>
+                    <a:cubicBezTo>
+                      <a:pt x="181951" y="0"/>
+                      <a:pt x="0" y="181951"/>
+                      <a:pt x="0" y="406400"/>
+                    </a:cubicBezTo>
+                    <a:cubicBezTo>
+                      <a:pt x="0" y="630849"/>
+                      <a:pt x="181951" y="812800"/>
+                      <a:pt x="406400" y="812800"/>
+                    </a:cubicBezTo>
+                    <a:cubicBezTo>
+                      <a:pt x="630849" y="812800"/>
+                      <a:pt x="812800" y="630849"/>
+                      <a:pt x="812800" y="406400"/>
+                    </a:cubicBezTo>
+                    <a:cubicBezTo>
+                      <a:pt x="812800" y="181951"/>
+                      <a:pt x="630849" y="0"/>
+                      <a:pt x="406400" y="0"/>
+                    </a:cubicBezTo>
+                    <a:close/>
+                  </a:path>
+                </a:pathLst>
+              </a:custGeom>
+              <a:solidFill>
+                <a:srgbClr val="EBE7E7"/>
+              </a:solidFill>
+            </p:spPr>
+            <p:txBody>
+              <a:bodyPr/>
+              <a:lstStyle/>
+              <a:p>
+                <a:endParaRPr/>
+              </a:p>
+            </p:txBody>
+          </p:sp>
+          <p:sp>
+            <p:nvSpPr>
+              <p:cNvPr id="81" name="TextBox 52">
+                <a:extLst>
+                  <a:ext uri="{FF2B5EF4-FFF2-40B4-BE49-F238E27FC236}">
+                    <a16:creationId xmlns:a16="http://schemas.microsoft.com/office/drawing/2014/main" id="{D8D52FF4-B4B3-7D44-E1A8-B492E29CBC15}"/>
+                  </a:ext>
+                </a:extLst>
+              </p:cNvPr>
+              <p:cNvSpPr txBox="1"/>
+              <p:nvPr/>
+            </p:nvSpPr>
+            <p:spPr>
+              <a:xfrm>
+                <a:off x="76200" y="47625"/>
+                <a:ext cx="660400" cy="688975"/>
+              </a:xfrm>
+              <a:prstGeom prst="rect">
+                <a:avLst/>
+              </a:prstGeom>
+            </p:spPr>
+            <p:txBody>
+              <a:bodyPr lIns="50800" tIns="50800" rIns="50800" bIns="50800" rtlCol="0" anchor="ctr"/>
+              <a:lstStyle/>
+              <a:p>
+                <a:pPr algn="ctr">
+                  <a:lnSpc>
+                    <a:spcPts val="1664"/>
+                  </a:lnSpc>
+                </a:pPr>
+                <a:endParaRPr/>
+              </a:p>
+            </p:txBody>
+          </p:sp>
+        </p:grpSp>
+        <p:grpSp>
+          <p:nvGrpSpPr>
+            <p:cNvPr id="82" name="Group 53">
+              <a:extLst>
+                <a:ext uri="{FF2B5EF4-FFF2-40B4-BE49-F238E27FC236}">
+                  <a16:creationId xmlns:a16="http://schemas.microsoft.com/office/drawing/2014/main" id="{FE7D7820-4E10-16D6-AC64-5946CB04CC2E}"/>
+                </a:ext>
+              </a:extLst>
+            </p:cNvPr>
+            <p:cNvGrpSpPr/>
+            <p:nvPr/>
+          </p:nvGrpSpPr>
+          <p:grpSpPr>
+            <a:xfrm>
+              <a:off x="7379884" y="2392549"/>
+              <a:ext cx="664370" cy="664370"/>
+              <a:chOff x="0" y="0"/>
+              <a:chExt cx="812800" cy="812800"/>
+            </a:xfrm>
+          </p:grpSpPr>
+          <p:sp>
+            <p:nvSpPr>
+              <p:cNvPr id="83" name="Freeform 54">
+                <a:extLst>
+                  <a:ext uri="{FF2B5EF4-FFF2-40B4-BE49-F238E27FC236}">
+                    <a16:creationId xmlns:a16="http://schemas.microsoft.com/office/drawing/2014/main" id="{CBB3B1D6-EDF0-7F39-60CA-6B85823E5B34}"/>
+                  </a:ext>
+                </a:extLst>
+              </p:cNvPr>
+              <p:cNvSpPr/>
+              <p:nvPr/>
+            </p:nvSpPr>
+            <p:spPr>
+              <a:xfrm>
+                <a:off x="0" y="0"/>
+                <a:ext cx="812800" cy="812800"/>
+              </a:xfrm>
+              <a:custGeom>
+                <a:avLst/>
+                <a:gdLst/>
+                <a:ahLst/>
+                <a:cxnLst/>
+                <a:rect l="l" t="t" r="r" b="b"/>
+                <a:pathLst>
+                  <a:path w="812800" h="812800">
+                    <a:moveTo>
+                      <a:pt x="406400" y="0"/>
+                    </a:moveTo>
+                    <a:cubicBezTo>
+                      <a:pt x="181951" y="0"/>
+                      <a:pt x="0" y="181951"/>
+                      <a:pt x="0" y="406400"/>
+                    </a:cubicBezTo>
+                    <a:cubicBezTo>
+                      <a:pt x="0" y="630849"/>
+                      <a:pt x="181951" y="812800"/>
+                      <a:pt x="406400" y="812800"/>
+                    </a:cubicBezTo>
+                    <a:cubicBezTo>
+                      <a:pt x="630849" y="812800"/>
+                      <a:pt x="812800" y="630849"/>
+                      <a:pt x="812800" y="406400"/>
+                    </a:cubicBezTo>
+                    <a:cubicBezTo>
+                      <a:pt x="812800" y="181951"/>
+                      <a:pt x="630849" y="0"/>
+                      <a:pt x="406400" y="0"/>
+                    </a:cubicBezTo>
+                    <a:close/>
+                  </a:path>
+                </a:pathLst>
+              </a:custGeom>
+              <a:solidFill>
+                <a:srgbClr val="EBE7E7"/>
+              </a:solidFill>
+            </p:spPr>
+            <p:txBody>
+              <a:bodyPr/>
+              <a:lstStyle/>
+              <a:p>
+                <a:endParaRPr/>
+              </a:p>
+            </p:txBody>
+          </p:sp>
+          <p:sp>
+            <p:nvSpPr>
+              <p:cNvPr id="84" name="TextBox 55">
+                <a:extLst>
+                  <a:ext uri="{FF2B5EF4-FFF2-40B4-BE49-F238E27FC236}">
+                    <a16:creationId xmlns:a16="http://schemas.microsoft.com/office/drawing/2014/main" id="{47E26DA9-DE98-AA80-E923-5863BA0A3E2A}"/>
+                  </a:ext>
+                </a:extLst>
+              </p:cNvPr>
+              <p:cNvSpPr txBox="1"/>
+              <p:nvPr/>
+            </p:nvSpPr>
+            <p:spPr>
+              <a:xfrm>
+                <a:off x="76200" y="47625"/>
+                <a:ext cx="660400" cy="688975"/>
+              </a:xfrm>
+              <a:prstGeom prst="rect">
+                <a:avLst/>
+              </a:prstGeom>
+            </p:spPr>
+            <p:txBody>
+              <a:bodyPr lIns="50800" tIns="50800" rIns="50800" bIns="50800" rtlCol="0" anchor="ctr"/>
+              <a:lstStyle/>
+              <a:p>
+                <a:pPr algn="ctr">
+                  <a:lnSpc>
+                    <a:spcPts val="1664"/>
+                  </a:lnSpc>
+                </a:pPr>
+                <a:endParaRPr/>
+              </a:p>
+            </p:txBody>
+          </p:sp>
+        </p:grpSp>
+        <p:grpSp>
+          <p:nvGrpSpPr>
+            <p:cNvPr id="85" name="Group 56">
+              <a:extLst>
+                <a:ext uri="{FF2B5EF4-FFF2-40B4-BE49-F238E27FC236}">
+                  <a16:creationId xmlns:a16="http://schemas.microsoft.com/office/drawing/2014/main" id="{F2BAA899-693C-119F-4D63-78060918D96B}"/>
+                </a:ext>
+              </a:extLst>
+            </p:cNvPr>
+            <p:cNvGrpSpPr/>
+            <p:nvPr/>
+          </p:nvGrpSpPr>
+          <p:grpSpPr>
+            <a:xfrm>
+              <a:off x="7379884" y="3283809"/>
+              <a:ext cx="664370" cy="664370"/>
+              <a:chOff x="0" y="0"/>
+              <a:chExt cx="812800" cy="812800"/>
+            </a:xfrm>
+          </p:grpSpPr>
+          <p:sp>
+            <p:nvSpPr>
+              <p:cNvPr id="86" name="Freeform 57">
+                <a:extLst>
+                  <a:ext uri="{FF2B5EF4-FFF2-40B4-BE49-F238E27FC236}">
+                    <a16:creationId xmlns:a16="http://schemas.microsoft.com/office/drawing/2014/main" id="{8B04B0BB-AFC0-BC12-BE3B-5195B0746432}"/>
+                  </a:ext>
+                </a:extLst>
+              </p:cNvPr>
+              <p:cNvSpPr/>
+              <p:nvPr/>
+            </p:nvSpPr>
+            <p:spPr>
+              <a:xfrm>
+                <a:off x="0" y="0"/>
+                <a:ext cx="812800" cy="812800"/>
+              </a:xfrm>
+              <a:custGeom>
+                <a:avLst/>
+                <a:gdLst/>
+                <a:ahLst/>
+                <a:cxnLst/>
+                <a:rect l="l" t="t" r="r" b="b"/>
+                <a:pathLst>
+                  <a:path w="812800" h="812800">
+                    <a:moveTo>
+                      <a:pt x="406400" y="0"/>
+                    </a:moveTo>
+                    <a:cubicBezTo>
+                      <a:pt x="181951" y="0"/>
+                      <a:pt x="0" y="181951"/>
+                      <a:pt x="0" y="406400"/>
+                    </a:cubicBezTo>
+                    <a:cubicBezTo>
+                      <a:pt x="0" y="630849"/>
+                      <a:pt x="181951" y="812800"/>
+                      <a:pt x="406400" y="812800"/>
+                    </a:cubicBezTo>
+                    <a:cubicBezTo>
+                      <a:pt x="630849" y="812800"/>
+                      <a:pt x="812800" y="630849"/>
+                      <a:pt x="812800" y="406400"/>
+                    </a:cubicBezTo>
+                    <a:cubicBezTo>
+                      <a:pt x="812800" y="181951"/>
+                      <a:pt x="630849" y="0"/>
+                      <a:pt x="406400" y="0"/>
+                    </a:cubicBezTo>
+                    <a:close/>
+                  </a:path>
+                </a:pathLst>
+              </a:custGeom>
+              <a:solidFill>
+                <a:srgbClr val="EBE7E7"/>
+              </a:solidFill>
+            </p:spPr>
+            <p:txBody>
+              <a:bodyPr/>
+              <a:lstStyle/>
+              <a:p>
+                <a:endParaRPr/>
+              </a:p>
+            </p:txBody>
+          </p:sp>
+          <p:sp>
+            <p:nvSpPr>
+              <p:cNvPr id="87" name="TextBox 58">
+                <a:extLst>
+                  <a:ext uri="{FF2B5EF4-FFF2-40B4-BE49-F238E27FC236}">
+                    <a16:creationId xmlns:a16="http://schemas.microsoft.com/office/drawing/2014/main" id="{380A6C6A-EDD5-FD6B-AECD-FF537557468D}"/>
+                  </a:ext>
+                </a:extLst>
+              </p:cNvPr>
+              <p:cNvSpPr txBox="1"/>
+              <p:nvPr/>
+            </p:nvSpPr>
+            <p:spPr>
+              <a:xfrm>
+                <a:off x="76200" y="47625"/>
+                <a:ext cx="660400" cy="688975"/>
+              </a:xfrm>
+              <a:prstGeom prst="rect">
+                <a:avLst/>
+              </a:prstGeom>
+            </p:spPr>
+            <p:txBody>
+              <a:bodyPr lIns="50800" tIns="50800" rIns="50800" bIns="50800" rtlCol="0" anchor="ctr"/>
+              <a:lstStyle/>
+              <a:p>
+                <a:pPr algn="ctr">
+                  <a:lnSpc>
+                    <a:spcPts val="1664"/>
+                  </a:lnSpc>
+                </a:pPr>
+                <a:endParaRPr/>
+              </a:p>
+            </p:txBody>
+          </p:sp>
+        </p:grpSp>
+        <p:sp>
+          <p:nvSpPr>
+            <p:cNvPr id="88" name="AutoShape 59">
+              <a:extLst>
+                <a:ext uri="{FF2B5EF4-FFF2-40B4-BE49-F238E27FC236}">
+                  <a16:creationId xmlns:a16="http://schemas.microsoft.com/office/drawing/2014/main" id="{2F399C55-20B5-D30F-81EE-BC125782DFD7}"/>
+                </a:ext>
+              </a:extLst>
+            </p:cNvPr>
+            <p:cNvSpPr/>
+            <p:nvPr/>
+          </p:nvSpPr>
+          <p:spPr>
+            <a:xfrm>
+              <a:off x="8044254" y="2230690"/>
+              <a:ext cx="1417186" cy="0"/>
+            </a:xfrm>
+            <a:prstGeom prst="line">
+              <a:avLst/>
+            </a:prstGeom>
+            <a:ln w="19050" cap="rnd">
+              <a:solidFill>
+                <a:srgbClr val="767576"/>
+              </a:solidFill>
+              <a:prstDash val="solid"/>
+              <a:headEnd type="none" w="sm" len="sm"/>
+              <a:tailEnd type="none" w="sm" len="sm"/>
+            </a:ln>
+          </p:spPr>
+          <p:txBody>
+            <a:bodyPr/>
+            <a:lstStyle/>
+            <a:p>
+              <a:endParaRPr/>
+            </a:p>
+          </p:txBody>
+        </p:sp>
+        <p:sp>
+          <p:nvSpPr>
+            <p:cNvPr id="89" name="AutoShape 60">
+              <a:extLst>
+                <a:ext uri="{FF2B5EF4-FFF2-40B4-BE49-F238E27FC236}">
+                  <a16:creationId xmlns:a16="http://schemas.microsoft.com/office/drawing/2014/main" id="{A3D9BF46-7A49-F797-4D36-43BD855308BD}"/>
+                </a:ext>
+              </a:extLst>
+            </p:cNvPr>
+            <p:cNvSpPr/>
+            <p:nvPr/>
+          </p:nvSpPr>
+          <p:spPr>
+            <a:xfrm>
+              <a:off x="8044254" y="1319652"/>
+              <a:ext cx="1417186" cy="0"/>
+            </a:xfrm>
+            <a:prstGeom prst="line">
+              <a:avLst/>
+            </a:prstGeom>
+            <a:ln w="19050" cap="rnd">
+              <a:solidFill>
+                <a:srgbClr val="767576"/>
+              </a:solidFill>
+              <a:prstDash val="solid"/>
+              <a:headEnd type="none" w="sm" len="sm"/>
+              <a:tailEnd type="none" w="sm" len="sm"/>
+            </a:ln>
+          </p:spPr>
+          <p:txBody>
+            <a:bodyPr/>
+            <a:lstStyle/>
+            <a:p>
+              <a:endParaRPr/>
+            </a:p>
+          </p:txBody>
+        </p:sp>
+        <p:sp>
+          <p:nvSpPr>
+            <p:cNvPr id="90" name="AutoShape 61">
+              <a:extLst>
+                <a:ext uri="{FF2B5EF4-FFF2-40B4-BE49-F238E27FC236}">
+                  <a16:creationId xmlns:a16="http://schemas.microsoft.com/office/drawing/2014/main" id="{65C4C685-3B2F-36E8-3567-9E08A6BA0F83}"/>
+                </a:ext>
+              </a:extLst>
+            </p:cNvPr>
+            <p:cNvSpPr/>
+            <p:nvPr/>
+          </p:nvSpPr>
+          <p:spPr>
+            <a:xfrm>
+              <a:off x="8044254" y="3214398"/>
+              <a:ext cx="1417186" cy="0"/>
+            </a:xfrm>
+            <a:prstGeom prst="line">
+              <a:avLst/>
+            </a:prstGeom>
+            <a:ln w="19050" cap="rnd">
+              <a:solidFill>
+                <a:srgbClr val="767576"/>
+              </a:solidFill>
+              <a:prstDash val="solid"/>
+              <a:headEnd type="none" w="sm" len="sm"/>
+              <a:tailEnd type="none" w="sm" len="sm"/>
+            </a:ln>
+          </p:spPr>
+          <p:txBody>
+            <a:bodyPr/>
+            <a:lstStyle/>
+            <a:p>
+              <a:endParaRPr/>
+            </a:p>
+          </p:txBody>
+        </p:sp>
+        <p:sp>
+          <p:nvSpPr>
+            <p:cNvPr id="92" name="TextBox 64">
+              <a:extLst>
+                <a:ext uri="{FF2B5EF4-FFF2-40B4-BE49-F238E27FC236}">
+                  <a16:creationId xmlns:a16="http://schemas.microsoft.com/office/drawing/2014/main" id="{DBB34263-1106-BF65-81E3-5EB2CEE4C983}"/>
+                </a:ext>
+              </a:extLst>
+            </p:cNvPr>
+            <p:cNvSpPr txBox="1"/>
+            <p:nvPr/>
+          </p:nvSpPr>
+          <p:spPr>
+            <a:xfrm>
+              <a:off x="7748816" y="3376323"/>
+              <a:ext cx="2376153" cy="538609"/>
+            </a:xfrm>
+            <a:prstGeom prst="rect">
+              <a:avLst/>
+            </a:prstGeom>
+          </p:spPr>
+          <p:txBody>
+            <a:bodyPr lIns="0" tIns="0" rIns="0" bIns="0" rtlCol="0" anchor="t">
+              <a:spAutoFit/>
+            </a:bodyPr>
+            <a:lstStyle/>
+            <a:p>
+              <a:pPr algn="l">
+                <a:lnSpc>
+                  <a:spcPts val="1375"/>
+                </a:lnSpc>
+              </a:pPr>
+              <a:r>
+                <a:rPr lang="en-US" sz="1109" b="1" dirty="0">
+                  <a:solidFill>
+                    <a:srgbClr val="000000"/>
+                  </a:solidFill>
+                  <a:latin typeface="Circe Bold"/>
+                  <a:ea typeface="Circe Bold"/>
+                  <a:cs typeface="Circe Bold"/>
+                  <a:sym typeface="Circe Bold"/>
+                </a:rPr>
+                <a:t>Luggage Storage</a:t>
+              </a:r>
+            </a:p>
+            <a:p>
+              <a:pPr algn="l">
+                <a:lnSpc>
+                  <a:spcPts val="1375"/>
+                </a:lnSpc>
+              </a:pPr>
+              <a:r>
+                <a:rPr lang="en-US" sz="1109" dirty="0">
+                  <a:solidFill>
+                    <a:srgbClr val="000000"/>
+                  </a:solidFill>
+                  <a:latin typeface="Circe"/>
+                  <a:ea typeface="Circe"/>
+                  <a:cs typeface="Circe"/>
+                  <a:sym typeface="Circe"/>
+                </a:rPr>
+                <a:t>You can store your luggage for 24 hours on the 1st floor.</a:t>
+              </a:r>
+            </a:p>
+          </p:txBody>
+        </p:sp>
+        <p:sp>
+          <p:nvSpPr>
+            <p:cNvPr id="93" name="TextBox 65">
+              <a:extLst>
+                <a:ext uri="{FF2B5EF4-FFF2-40B4-BE49-F238E27FC236}">
+                  <a16:creationId xmlns:a16="http://schemas.microsoft.com/office/drawing/2014/main" id="{D14D7145-64A5-1DC1-1E19-EF07719A5EA5}"/>
+                </a:ext>
+              </a:extLst>
+            </p:cNvPr>
+            <p:cNvSpPr txBox="1"/>
+            <p:nvPr/>
+          </p:nvSpPr>
+          <p:spPr>
+            <a:xfrm>
+              <a:off x="7748816" y="2433348"/>
+              <a:ext cx="2721744" cy="501099"/>
             </a:xfrm>
             <a:prstGeom prst="rect">
               <a:avLst/>
@@ -4088,7 +6161,7 @@
                   <a:cs typeface="Circe Bold"/>
                   <a:sym typeface="Circe Bold"/>
                 </a:rPr>
-                <a:t>Excursions</a:t>
+                <a:t>Courier Deliveries</a:t>
               </a:r>
             </a:p>
             <a:p>
@@ -4107,23 +6180,131 @@
                   <a:cs typeface="Circe"/>
                   <a:sym typeface="Circe"/>
                 </a:rPr>
-                <a:t>Book excursions at reception and receive a 10% discount voucher for a City Sightseeing tour.</a:t>
+                <a:t>Couriers are not allowed on guest floors.</a:t>
+              </a:r>
+            </a:p>
+            <a:p>
+              <a:pPr algn="l">
+                <a:lnSpc>
+                  <a:spcPts val="1331"/>
+                </a:lnSpc>
+              </a:pPr>
+              <a:r>
+                <a:rPr lang="en-US" sz="1109" dirty="0">
+                  <a:solidFill>
+                    <a:srgbClr val="000000"/>
+                  </a:solidFill>
+                  <a:latin typeface="Circe"/>
+                  <a:ea typeface="Circe"/>
+                  <a:cs typeface="Circe"/>
+                  <a:sym typeface="Circe"/>
+                </a:rPr>
+                <a:t>Orders can be collected in the lobby.</a:t>
               </a:r>
             </a:p>
           </p:txBody>
         </p:sp>
         <p:sp>
           <p:nvSpPr>
-            <p:cNvPr id="30" name="TextBox 30"/>
-            <p:cNvSpPr txBox="1">
-              <a:spLocks noGrp="1" noRot="1" noMove="1" noResize="1" noEditPoints="1" noAdjustHandles="1" noChangeArrowheads="1" noChangeShapeType="1"/>
-            </p:cNvSpPr>
+            <p:cNvPr id="94" name="TextBox 66">
+              <a:extLst>
+                <a:ext uri="{FF2B5EF4-FFF2-40B4-BE49-F238E27FC236}">
+                  <a16:creationId xmlns:a16="http://schemas.microsoft.com/office/drawing/2014/main" id="{2EADED7D-2F1F-BFC7-BA81-EEFD53C9CA4C}"/>
+                </a:ext>
+              </a:extLst>
+            </p:cNvPr>
+            <p:cNvSpPr txBox="1"/>
             <p:nvPr/>
           </p:nvSpPr>
           <p:spPr>
             <a:xfrm>
-              <a:off x="393917" y="2527752"/>
-              <a:ext cx="3677989" cy="676406"/>
+              <a:off x="7712069" y="601426"/>
+              <a:ext cx="2376153" cy="538609"/>
+            </a:xfrm>
+            <a:prstGeom prst="rect">
+              <a:avLst/>
+            </a:prstGeom>
+          </p:spPr>
+          <p:txBody>
+            <a:bodyPr lIns="0" tIns="0" rIns="0" bIns="0" rtlCol="0" anchor="t">
+              <a:spAutoFit/>
+            </a:bodyPr>
+            <a:lstStyle/>
+            <a:p>
+              <a:pPr algn="l">
+                <a:lnSpc>
+                  <a:spcPts val="1375"/>
+                </a:lnSpc>
+              </a:pPr>
+              <a:r>
+                <a:rPr lang="en-US" sz="1109" b="1" dirty="0">
+                  <a:solidFill>
+                    <a:srgbClr val="000000"/>
+                  </a:solidFill>
+                  <a:latin typeface="Circe Bold"/>
+                  <a:ea typeface="Circe Bold"/>
+                  <a:cs typeface="Circe Bold"/>
+                  <a:sym typeface="Circe Bold"/>
+                </a:rPr>
+                <a:t>Housekeeping</a:t>
+              </a:r>
+            </a:p>
+            <a:p>
+              <a:pPr algn="l">
+                <a:lnSpc>
+                  <a:spcPts val="1375"/>
+                </a:lnSpc>
+              </a:pPr>
+              <a:r>
+                <a:rPr lang="en-US" sz="1109" dirty="0">
+                  <a:solidFill>
+                    <a:srgbClr val="000000"/>
+                  </a:solidFill>
+                  <a:latin typeface="Circe"/>
+                  <a:ea typeface="Circe"/>
+                  <a:cs typeface="Circe"/>
+                  <a:sym typeface="Circe"/>
+                </a:rPr>
+                <a:t>Daily before 18:00.</a:t>
+              </a:r>
+            </a:p>
+            <a:p>
+              <a:pPr algn="l">
+                <a:lnSpc>
+                  <a:spcPts val="1375"/>
+                </a:lnSpc>
+              </a:pPr>
+              <a:r>
+                <a:rPr lang="en-US" sz="1109" dirty="0">
+                  <a:solidFill>
+                    <a:srgbClr val="000000"/>
+                  </a:solidFill>
+                  <a:latin typeface="Circe"/>
+                  <a:ea typeface="Circe"/>
+                  <a:cs typeface="Circe"/>
+                  <a:sym typeface="Circe"/>
+                </a:rPr>
+                <a:t>Linen change — on the 3th day.</a:t>
+              </a:r>
+            </a:p>
+          </p:txBody>
+        </p:sp>
+        <p:sp>
+          <p:nvSpPr>
+            <p:cNvPr id="95" name="TextBox 67">
+              <a:extLst>
+                <a:ext uri="{FF2B5EF4-FFF2-40B4-BE49-F238E27FC236}">
+                  <a16:creationId xmlns:a16="http://schemas.microsoft.com/office/drawing/2014/main" id="{D3172924-4B50-CC1E-164F-15A34AC48C6B}"/>
+                </a:ext>
+              </a:extLst>
+            </p:cNvPr>
+            <p:cNvSpPr txBox="1"/>
+            <p:nvPr/>
+          </p:nvSpPr>
+          <p:spPr>
+            <a:xfrm>
+              <a:off x="7712069" y="1571301"/>
+              <a:ext cx="2851006" cy="538609"/>
             </a:xfrm>
             <a:prstGeom prst="rect">
               <a:avLst/>
@@ -4150,7 +6331,7 @@
                   <a:cs typeface="Circe Bold"/>
                   <a:sym typeface="Circe Bold"/>
                 </a:rPr>
-                <a:t>Transfers</a:t>
+                <a:t>Item Rental</a:t>
               </a:r>
             </a:p>
             <a:p>
@@ -4169,1036 +6350,282 @@
                   <a:cs typeface="Circe"/>
                   <a:sym typeface="Circe"/>
                 </a:rPr>
-                <a:t>Order a transfer to the railway station or airport — details at reception.</a:t>
+                <a:t>Vases, various pillows, baby items </a:t>
               </a:r>
             </a:p>
-          </p:txBody>
-        </p:sp>
-      </p:grpSp>
-      <p:grpSp>
-        <p:nvGrpSpPr>
-          <p:cNvPr id="31" name="Group 31"/>
-          <p:cNvGrpSpPr>
-            <a:grpSpLocks noGrp="1" noUngrp="1" noRot="1" noMove="1" noResize="1"/>
-          </p:cNvGrpSpPr>
-          <p:nvPr/>
-        </p:nvGrpSpPr>
-        <p:grpSpPr>
-          <a:xfrm>
-            <a:off x="290103" y="2885915"/>
-            <a:ext cx="664370" cy="664370"/>
-            <a:chOff x="0" y="0"/>
-            <a:chExt cx="812800" cy="812800"/>
-          </a:xfrm>
-        </p:grpSpPr>
-        <p:sp>
-          <p:nvSpPr>
-            <p:cNvPr id="32" name="Freeform 32"/>
-            <p:cNvSpPr>
-              <a:spLocks noGrp="1" noRot="1" noMove="1" noResize="1" noEditPoints="1" noAdjustHandles="1" noChangeArrowheads="1" noChangeShapeType="1"/>
-            </p:cNvSpPr>
-            <p:nvPr/>
-          </p:nvSpPr>
-          <p:spPr>
-            <a:xfrm>
-              <a:off x="0" y="0"/>
-              <a:ext cx="812800" cy="812800"/>
-            </a:xfrm>
-            <a:custGeom>
-              <a:avLst/>
-              <a:gdLst/>
-              <a:ahLst/>
-              <a:cxnLst/>
-              <a:rect l="l" t="t" r="r" b="b"/>
-              <a:pathLst>
-                <a:path w="812800" h="812800">
-                  <a:moveTo>
-                    <a:pt x="406400" y="0"/>
-                  </a:moveTo>
-                  <a:cubicBezTo>
-                    <a:pt x="181951" y="0"/>
-                    <a:pt x="0" y="181951"/>
-                    <a:pt x="0" y="406400"/>
-                  </a:cubicBezTo>
-                  <a:cubicBezTo>
-                    <a:pt x="0" y="630849"/>
-                    <a:pt x="181951" y="812800"/>
-                    <a:pt x="406400" y="812800"/>
-                  </a:cubicBezTo>
-                  <a:cubicBezTo>
-                    <a:pt x="630849" y="812800"/>
-                    <a:pt x="812800" y="630849"/>
-                    <a:pt x="812800" y="406400"/>
-                  </a:cubicBezTo>
-                  <a:cubicBezTo>
-                    <a:pt x="812800" y="181951"/>
-                    <a:pt x="630849" y="0"/>
-                    <a:pt x="406400" y="0"/>
-                  </a:cubicBezTo>
-                  <a:close/>
-                </a:path>
-              </a:pathLst>
-            </a:custGeom>
-            <a:solidFill>
-              <a:srgbClr val="EBE7E7"/>
-            </a:solidFill>
-          </p:spPr>
-          <p:txBody>
-            <a:bodyPr/>
-            <a:lstStyle/>
             <a:p>
-              <a:endParaRPr/>
+              <a:pPr algn="l">
+                <a:lnSpc>
+                  <a:spcPts val="1386"/>
+                </a:lnSpc>
+              </a:pPr>
+              <a:r>
+                <a:rPr lang="en-US" sz="1109" dirty="0">
+                  <a:solidFill>
+                    <a:srgbClr val="000000"/>
+                  </a:solidFill>
+                  <a:latin typeface="Circe"/>
+                  <a:ea typeface="Circe"/>
+                  <a:cs typeface="Circe"/>
+                  <a:sym typeface="Circe"/>
+                </a:rPr>
+                <a:t>— available on request at reception.</a:t>
+              </a:r>
             </a:p>
           </p:txBody>
         </p:sp>
         <p:sp>
           <p:nvSpPr>
-            <p:cNvPr id="33" name="TextBox 33"/>
-            <p:cNvSpPr txBox="1">
-              <a:spLocks noGrp="1" noRot="1" noMove="1" noResize="1" noEditPoints="1" noAdjustHandles="1" noChangeArrowheads="1" noChangeShapeType="1"/>
-            </p:cNvSpPr>
+            <p:cNvPr id="96" name="TextBox 71">
+              <a:extLst>
+                <a:ext uri="{FF2B5EF4-FFF2-40B4-BE49-F238E27FC236}">
+                  <a16:creationId xmlns:a16="http://schemas.microsoft.com/office/drawing/2014/main" id="{E2A3546F-DB04-AB51-A7DA-FEB1570F1F2E}"/>
+                </a:ext>
+              </a:extLst>
+            </p:cNvPr>
+            <p:cNvSpPr txBox="1"/>
             <p:nvPr/>
           </p:nvSpPr>
           <p:spPr>
             <a:xfrm>
-              <a:off x="76200" y="47625"/>
-              <a:ext cx="660400" cy="688975"/>
+              <a:off x="7779318" y="4424139"/>
+              <a:ext cx="2654703" cy="664990"/>
             </a:xfrm>
             <a:prstGeom prst="rect">
               <a:avLst/>
             </a:prstGeom>
           </p:spPr>
           <p:txBody>
-            <a:bodyPr lIns="50800" tIns="50800" rIns="50800" bIns="50800" rtlCol="0" anchor="ctr"/>
+            <a:bodyPr lIns="0" tIns="0" rIns="0" bIns="0" rtlCol="0" anchor="t">
+              <a:spAutoFit/>
+            </a:bodyPr>
             <a:lstStyle/>
             <a:p>
               <a:pPr algn="ctr">
                 <a:lnSpc>
-                  <a:spcPts val="1664"/>
+                  <a:spcPts val="2513"/>
                 </a:lnSpc>
               </a:pPr>
-              <a:endParaRPr/>
+              <a:r>
+                <a:rPr lang="en-US" sz="2703" dirty="0">
+                  <a:solidFill>
+                    <a:srgbClr val="000000"/>
+                  </a:solidFill>
+                  <a:latin typeface="Circe"/>
+                  <a:ea typeface="Circe"/>
+                  <a:cs typeface="Circe"/>
+                  <a:sym typeface="Circe"/>
+                </a:rPr>
+                <a:t>Electronic </a:t>
+              </a:r>
             </a:p>
-          </p:txBody>
-        </p:sp>
-      </p:grpSp>
-      <p:grpSp>
-        <p:nvGrpSpPr>
-          <p:cNvPr id="34" name="Group 34"/>
-          <p:cNvGrpSpPr>
-            <a:grpSpLocks noGrp="1" noUngrp="1" noRot="1" noMove="1" noResize="1"/>
-          </p:cNvGrpSpPr>
-          <p:nvPr/>
-        </p:nvGrpSpPr>
-        <p:grpSpPr>
-          <a:xfrm>
-            <a:off x="290103" y="3796888"/>
-            <a:ext cx="664370" cy="664370"/>
-            <a:chOff x="0" y="0"/>
-            <a:chExt cx="812800" cy="812800"/>
-          </a:xfrm>
-        </p:grpSpPr>
-        <p:sp>
-          <p:nvSpPr>
-            <p:cNvPr id="35" name="Freeform 35"/>
-            <p:cNvSpPr>
-              <a:spLocks noGrp="1" noRot="1" noMove="1" noResize="1" noEditPoints="1" noAdjustHandles="1" noChangeArrowheads="1" noChangeShapeType="1"/>
-            </p:cNvSpPr>
-            <p:nvPr/>
-          </p:nvSpPr>
-          <p:spPr>
-            <a:xfrm>
-              <a:off x="0" y="0"/>
-              <a:ext cx="812800" cy="812800"/>
-            </a:xfrm>
-            <a:custGeom>
-              <a:avLst/>
-              <a:gdLst/>
-              <a:ahLst/>
-              <a:cxnLst/>
-              <a:rect l="l" t="t" r="r" b="b"/>
-              <a:pathLst>
-                <a:path w="812800" h="812800">
-                  <a:moveTo>
-                    <a:pt x="406400" y="0"/>
-                  </a:moveTo>
-                  <a:cubicBezTo>
-                    <a:pt x="181951" y="0"/>
-                    <a:pt x="0" y="181951"/>
-                    <a:pt x="0" y="406400"/>
-                  </a:cubicBezTo>
-                  <a:cubicBezTo>
-                    <a:pt x="0" y="630849"/>
-                    <a:pt x="181951" y="812800"/>
-                    <a:pt x="406400" y="812800"/>
-                  </a:cubicBezTo>
-                  <a:cubicBezTo>
-                    <a:pt x="630849" y="812800"/>
-                    <a:pt x="812800" y="630849"/>
-                    <a:pt x="812800" y="406400"/>
-                  </a:cubicBezTo>
-                  <a:cubicBezTo>
-                    <a:pt x="812800" y="181951"/>
-                    <a:pt x="630849" y="0"/>
-                    <a:pt x="406400" y="0"/>
-                  </a:cubicBezTo>
-                  <a:close/>
-                </a:path>
-              </a:pathLst>
-            </a:custGeom>
-            <a:solidFill>
-              <a:srgbClr val="EBE7E7"/>
-            </a:solidFill>
-          </p:spPr>
-          <p:txBody>
-            <a:bodyPr/>
-            <a:lstStyle/>
             <a:p>
-              <a:endParaRPr/>
+              <a:pPr algn="ctr">
+                <a:lnSpc>
+                  <a:spcPts val="2513"/>
+                </a:lnSpc>
+              </a:pPr>
+              <a:r>
+                <a:rPr lang="en-US" sz="2703" dirty="0">
+                  <a:solidFill>
+                    <a:srgbClr val="000000"/>
+                  </a:solidFill>
+                  <a:latin typeface="Circe"/>
+                  <a:ea typeface="Circe"/>
+                  <a:cs typeface="Circe"/>
+                  <a:sym typeface="Circe"/>
+                </a:rPr>
+                <a:t>Guest Book</a:t>
+              </a:r>
             </a:p>
           </p:txBody>
         </p:sp>
         <p:sp>
           <p:nvSpPr>
-            <p:cNvPr id="36" name="TextBox 36"/>
-            <p:cNvSpPr txBox="1">
-              <a:spLocks noGrp="1" noRot="1" noMove="1" noResize="1" noEditPoints="1" noAdjustHandles="1" noChangeArrowheads="1" noChangeShapeType="1"/>
-            </p:cNvSpPr>
+            <p:cNvPr id="97" name="TextBox 72">
+              <a:extLst>
+                <a:ext uri="{FF2B5EF4-FFF2-40B4-BE49-F238E27FC236}">
+                  <a16:creationId xmlns:a16="http://schemas.microsoft.com/office/drawing/2014/main" id="{17D19119-F4CB-FFA3-FA4D-1D346DF8A703}"/>
+                </a:ext>
+              </a:extLst>
+            </p:cNvPr>
+            <p:cNvSpPr txBox="1"/>
             <p:nvPr/>
           </p:nvSpPr>
           <p:spPr>
             <a:xfrm>
-              <a:off x="76200" y="47625"/>
-              <a:ext cx="660400" cy="688975"/>
+              <a:off x="7841076" y="5304928"/>
+              <a:ext cx="2396687" cy="599267"/>
             </a:xfrm>
             <a:prstGeom prst="rect">
               <a:avLst/>
             </a:prstGeom>
           </p:spPr>
           <p:txBody>
-            <a:bodyPr lIns="50800" tIns="50800" rIns="50800" bIns="50800" rtlCol="0" anchor="ctr"/>
+            <a:bodyPr lIns="0" tIns="0" rIns="0" bIns="0" rtlCol="0" anchor="t">
+              <a:spAutoFit/>
+            </a:bodyPr>
             <a:lstStyle/>
             <a:p>
               <a:pPr algn="ctr">
                 <a:lnSpc>
-                  <a:spcPts val="1664"/>
+                  <a:spcPts val="1556"/>
                 </a:lnSpc>
               </a:pPr>
-              <a:endParaRPr/>
+              <a:r>
+                <a:rPr lang="en-US" sz="910" dirty="0">
+                  <a:solidFill>
+                    <a:srgbClr val="000000"/>
+                  </a:solidFill>
+                  <a:latin typeface="Circe"/>
+                  <a:ea typeface="Circe"/>
+                  <a:cs typeface="Circe"/>
+                  <a:sym typeface="Circe"/>
+                </a:rPr>
+                <a:t>Full list of services and useful information</a:t>
+              </a:r>
             </a:p>
-          </p:txBody>
-        </p:sp>
-      </p:grpSp>
-      <p:grpSp>
-        <p:nvGrpSpPr>
-          <p:cNvPr id="37" name="Group 37"/>
-          <p:cNvGrpSpPr>
-            <a:grpSpLocks noGrp="1" noUngrp="1" noRot="1" noMove="1" noResize="1"/>
-          </p:cNvGrpSpPr>
-          <p:nvPr/>
-        </p:nvGrpSpPr>
-        <p:grpSpPr>
-          <a:xfrm>
-            <a:off x="290103" y="4762719"/>
-            <a:ext cx="664370" cy="664370"/>
-            <a:chOff x="0" y="0"/>
-            <a:chExt cx="812800" cy="812800"/>
-          </a:xfrm>
-        </p:grpSpPr>
-        <p:sp>
-          <p:nvSpPr>
-            <p:cNvPr id="38" name="Freeform 38"/>
-            <p:cNvSpPr>
-              <a:spLocks noGrp="1" noRot="1" noMove="1" noResize="1" noEditPoints="1" noAdjustHandles="1" noChangeArrowheads="1" noChangeShapeType="1"/>
-            </p:cNvSpPr>
-            <p:nvPr/>
-          </p:nvSpPr>
-          <p:spPr>
-            <a:xfrm>
-              <a:off x="0" y="0"/>
-              <a:ext cx="812800" cy="812800"/>
-            </a:xfrm>
-            <a:custGeom>
-              <a:avLst/>
-              <a:gdLst/>
-              <a:ahLst/>
-              <a:cxnLst/>
-              <a:rect l="l" t="t" r="r" b="b"/>
-              <a:pathLst>
-                <a:path w="812800" h="812800">
-                  <a:moveTo>
-                    <a:pt x="406400" y="0"/>
-                  </a:moveTo>
-                  <a:cubicBezTo>
-                    <a:pt x="181951" y="0"/>
-                    <a:pt x="0" y="181951"/>
-                    <a:pt x="0" y="406400"/>
-                  </a:cubicBezTo>
-                  <a:cubicBezTo>
-                    <a:pt x="0" y="630849"/>
-                    <a:pt x="181951" y="812800"/>
-                    <a:pt x="406400" y="812800"/>
-                  </a:cubicBezTo>
-                  <a:cubicBezTo>
-                    <a:pt x="630849" y="812800"/>
-                    <a:pt x="812800" y="630849"/>
-                    <a:pt x="812800" y="406400"/>
-                  </a:cubicBezTo>
-                  <a:cubicBezTo>
-                    <a:pt x="812800" y="181951"/>
-                    <a:pt x="630849" y="0"/>
-                    <a:pt x="406400" y="0"/>
-                  </a:cubicBezTo>
-                  <a:close/>
-                </a:path>
-              </a:pathLst>
-            </a:custGeom>
-            <a:solidFill>
-              <a:srgbClr val="EBE7E7"/>
-            </a:solidFill>
-          </p:spPr>
-          <p:txBody>
-            <a:bodyPr/>
-            <a:lstStyle/>
-            <a:p>
-              <a:endParaRPr/>
-            </a:p>
-          </p:txBody>
-        </p:sp>
-        <p:sp>
-          <p:nvSpPr>
-            <p:cNvPr id="39" name="TextBox 39"/>
-            <p:cNvSpPr txBox="1">
-              <a:spLocks noGrp="1" noRot="1" noMove="1" noResize="1" noEditPoints="1" noAdjustHandles="1" noChangeArrowheads="1" noChangeShapeType="1"/>
-            </p:cNvSpPr>
-            <p:nvPr/>
-          </p:nvSpPr>
-          <p:spPr>
-            <a:xfrm>
-              <a:off x="76200" y="47625"/>
-              <a:ext cx="660400" cy="688975"/>
-            </a:xfrm>
-            <a:prstGeom prst="rect">
-              <a:avLst/>
-            </a:prstGeom>
-          </p:spPr>
-          <p:txBody>
-            <a:bodyPr lIns="50800" tIns="50800" rIns="50800" bIns="50800" rtlCol="0" anchor="ctr"/>
-            <a:lstStyle/>
             <a:p>
               <a:pPr algn="ctr">
                 <a:lnSpc>
-                  <a:spcPts val="1664"/>
+                  <a:spcPts val="1556"/>
                 </a:lnSpc>
               </a:pPr>
-              <a:endParaRPr/>
+              <a:r>
+                <a:rPr lang="en-US" sz="910" dirty="0">
+                  <a:solidFill>
+                    <a:srgbClr val="000000"/>
+                  </a:solidFill>
+                  <a:latin typeface="Circe"/>
+                  <a:ea typeface="Circe"/>
+                  <a:cs typeface="Circe"/>
+                  <a:sym typeface="Circe"/>
+                </a:rPr>
+                <a:t>— in the electronic guest book</a:t>
+              </a:r>
+            </a:p>
+            <a:p>
+              <a:pPr algn="ctr">
+                <a:lnSpc>
+                  <a:spcPts val="1556"/>
+                </a:lnSpc>
+              </a:pPr>
+              <a:r>
+                <a:rPr lang="en-US" sz="910" dirty="0">
+                  <a:solidFill>
+                    <a:srgbClr val="000000"/>
+                  </a:solidFill>
+                  <a:latin typeface="Circe"/>
+                  <a:ea typeface="Circe"/>
+                  <a:cs typeface="Circe"/>
+                  <a:sym typeface="Circe"/>
+                </a:rPr>
+                <a:t>(scan the QR code below)</a:t>
+              </a:r>
             </a:p>
           </p:txBody>
         </p:sp>
       </p:grpSp>
       <p:sp>
         <p:nvSpPr>
-          <p:cNvPr id="40" name="AutoShape 40"/>
-          <p:cNvSpPr>
-            <a:spLocks noGrp="1" noRot="1" noMove="1" noResize="1" noEditPoints="1" noAdjustHandles="1" noChangeArrowheads="1" noChangeShapeType="1"/>
-          </p:cNvSpPr>
+          <p:cNvPr id="63" name="TextBox 70">
+            <a:extLst>
+              <a:ext uri="{FF2B5EF4-FFF2-40B4-BE49-F238E27FC236}">
+                <a16:creationId xmlns:a16="http://schemas.microsoft.com/office/drawing/2014/main" id="{335DF811-F18E-35CC-C1D1-AD055EE80637}"/>
+              </a:ext>
+            </a:extLst>
+          </p:cNvPr>
+          <p:cNvSpPr txBox="1"/>
           <p:nvPr/>
         </p:nvSpPr>
         <p:spPr>
           <a:xfrm>
-            <a:off x="954473" y="3635028"/>
-            <a:ext cx="1417186" cy="0"/>
+            <a:off x="3921348" y="6359837"/>
+            <a:ext cx="3043267" cy="550659"/>
           </a:xfrm>
-          <a:prstGeom prst="line">
+          <a:prstGeom prst="rect">
             <a:avLst/>
           </a:prstGeom>
-          <a:ln w="19050" cap="rnd">
-            <a:solidFill>
-              <a:srgbClr val="767576"/>
-            </a:solidFill>
-            <a:prstDash val="solid"/>
-            <a:headEnd type="none" w="sm" len="sm"/>
-            <a:tailEnd type="none" w="sm" len="sm"/>
-          </a:ln>
         </p:spPr>
         <p:txBody>
-          <a:bodyPr/>
+          <a:bodyPr lIns="0" tIns="0" rIns="0" bIns="0" rtlCol="0" anchor="t">
+            <a:spAutoFit/>
+          </a:bodyPr>
           <a:lstStyle/>
           <a:p>
-            <a:endParaRPr/>
+            <a:pPr algn="ctr">
+              <a:lnSpc>
+                <a:spcPts val="1556"/>
+              </a:lnSpc>
+            </a:pPr>
+            <a:r>
+              <a:rPr lang="en-US" sz="910">
+                <a:solidFill>
+                  <a:srgbClr val="000000"/>
+                </a:solidFill>
+                <a:latin typeface="Circe"/>
+                <a:ea typeface="Circe"/>
+                <a:cs typeface="Circe"/>
+                <a:sym typeface="Circe"/>
+              </a:rPr>
+              <a:t>Breakfasts, flowers, excursions  —</a:t>
+            </a:r>
+          </a:p>
+          <a:p>
+            <a:pPr algn="ctr">
+              <a:lnSpc>
+                <a:spcPts val="1556"/>
+              </a:lnSpc>
+            </a:pPr>
+            <a:r>
+              <a:rPr lang="en-US" sz="910">
+                <a:solidFill>
+                  <a:srgbClr val="000000"/>
+                </a:solidFill>
+                <a:latin typeface="Circe"/>
+                <a:ea typeface="Circe"/>
+                <a:cs typeface="Circe"/>
+                <a:sym typeface="Circe"/>
+              </a:rPr>
+              <a:t>live like at home, relax like in a hotel.</a:t>
+            </a:r>
+          </a:p>
+          <a:p>
+            <a:pPr algn="ctr">
+              <a:lnSpc>
+                <a:spcPts val="1556"/>
+              </a:lnSpc>
+            </a:pPr>
+            <a:r>
+              <a:rPr lang="en-US" sz="910">
+                <a:solidFill>
+                  <a:srgbClr val="000000"/>
+                </a:solidFill>
+                <a:latin typeface="Circe"/>
+                <a:ea typeface="Circe"/>
+                <a:cs typeface="Circe"/>
+                <a:sym typeface="Circe"/>
+              </a:rPr>
+              <a:t>All services — within reach. Just ask at reception!</a:t>
+            </a:r>
           </a:p>
         </p:txBody>
       </p:sp>
       <p:sp>
         <p:nvSpPr>
-          <p:cNvPr id="41" name="AutoShape 41"/>
-          <p:cNvSpPr>
-            <a:spLocks noGrp="1" noRot="1" noMove="1" noResize="1" noEditPoints="1" noAdjustHandles="1" noChangeArrowheads="1" noChangeShapeType="1"/>
-          </p:cNvSpPr>
+          <p:cNvPr id="64" name="Freeform 60">
+            <a:extLst>
+              <a:ext uri="{FF2B5EF4-FFF2-40B4-BE49-F238E27FC236}">
+                <a16:creationId xmlns:a16="http://schemas.microsoft.com/office/drawing/2014/main" id="{DF65C48D-5BD7-C0F5-BBE7-8D0FA6989CC9}"/>
+              </a:ext>
+            </a:extLst>
+          </p:cNvPr>
+          <p:cNvSpPr/>
           <p:nvPr/>
         </p:nvSpPr>
         <p:spPr>
           <a:xfrm>
-            <a:off x="954473" y="4654736"/>
-            <a:ext cx="1417186" cy="0"/>
-          </a:xfrm>
-          <a:prstGeom prst="line">
-            <a:avLst/>
-          </a:prstGeom>
-          <a:ln w="19050" cap="rnd">
-            <a:solidFill>
-              <a:srgbClr val="767576"/>
-            </a:solidFill>
-            <a:prstDash val="solid"/>
-            <a:headEnd type="none" w="sm" len="sm"/>
-            <a:tailEnd type="none" w="sm" len="sm"/>
-          </a:ln>
-        </p:spPr>
-        <p:txBody>
-          <a:bodyPr/>
-          <a:lstStyle/>
-          <a:p>
-            <a:endParaRPr/>
-          </a:p>
-        </p:txBody>
-      </p:sp>
-      <p:sp>
-        <p:nvSpPr>
-          <p:cNvPr id="42" name="AutoShape 42"/>
-          <p:cNvSpPr>
-            <a:spLocks noGrp="1" noRot="1" noMove="1" noResize="1" noEditPoints="1" noAdjustHandles="1" noChangeArrowheads="1" noChangeShapeType="1"/>
-          </p:cNvSpPr>
-          <p:nvPr/>
-        </p:nvSpPr>
-        <p:spPr>
-          <a:xfrm flipV="1">
-            <a:off x="954473" y="5541389"/>
-            <a:ext cx="1417186" cy="0"/>
-          </a:xfrm>
-          <a:prstGeom prst="line">
-            <a:avLst/>
-          </a:prstGeom>
-          <a:ln w="19050" cap="rnd">
-            <a:solidFill>
-              <a:srgbClr val="767576"/>
-            </a:solidFill>
-            <a:prstDash val="solid"/>
-            <a:headEnd type="none" w="sm" len="sm"/>
-            <a:tailEnd type="none" w="sm" len="sm"/>
-          </a:ln>
-        </p:spPr>
-        <p:txBody>
-          <a:bodyPr/>
-          <a:lstStyle/>
-          <a:p>
-            <a:endParaRPr/>
-          </a:p>
-        </p:txBody>
-      </p:sp>
-      <p:sp>
-        <p:nvSpPr>
-          <p:cNvPr id="43" name="AutoShape 43"/>
-          <p:cNvSpPr>
-            <a:spLocks noGrp="1" noRot="1" noMove="1" noResize="1" noEditPoints="1" noAdjustHandles="1" noChangeArrowheads="1" noChangeShapeType="1"/>
-          </p:cNvSpPr>
-          <p:nvPr/>
-        </p:nvSpPr>
-        <p:spPr>
-          <a:xfrm flipV="1">
-            <a:off x="954473" y="7333546"/>
-            <a:ext cx="1417186" cy="0"/>
-          </a:xfrm>
-          <a:prstGeom prst="line">
-            <a:avLst/>
-          </a:prstGeom>
-          <a:ln w="19050" cap="rnd">
-            <a:solidFill>
-              <a:srgbClr val="767576"/>
-            </a:solidFill>
-            <a:prstDash val="solid"/>
-            <a:headEnd type="none" w="sm" len="sm"/>
-            <a:tailEnd type="none" w="sm" len="sm"/>
-          </a:ln>
-        </p:spPr>
-        <p:txBody>
-          <a:bodyPr/>
-          <a:lstStyle/>
-          <a:p>
-            <a:endParaRPr/>
-          </a:p>
-        </p:txBody>
-      </p:sp>
-      <p:sp>
-        <p:nvSpPr>
-          <p:cNvPr id="44" name="AutoShape 44"/>
-          <p:cNvSpPr>
-            <a:spLocks noGrp="1" noRot="1" noMove="1" noResize="1" noEditPoints="1" noAdjustHandles="1" noChangeArrowheads="1" noChangeShapeType="1"/>
-          </p:cNvSpPr>
-          <p:nvPr/>
-        </p:nvSpPr>
-        <p:spPr>
-          <a:xfrm flipV="1">
-            <a:off x="8044254" y="3728709"/>
-            <a:ext cx="1417186" cy="0"/>
-          </a:xfrm>
-          <a:prstGeom prst="line">
-            <a:avLst/>
-          </a:prstGeom>
-          <a:ln w="19050" cap="rnd">
-            <a:solidFill>
-              <a:srgbClr val="767576"/>
-            </a:solidFill>
-            <a:prstDash val="solid"/>
-            <a:headEnd type="none" w="sm" len="sm"/>
-            <a:tailEnd type="none" w="sm" len="sm"/>
-          </a:ln>
-        </p:spPr>
-        <p:txBody>
-          <a:bodyPr/>
-          <a:lstStyle/>
-          <a:p>
-            <a:endParaRPr/>
-          </a:p>
-        </p:txBody>
-      </p:sp>
-      <p:grpSp>
-        <p:nvGrpSpPr>
-          <p:cNvPr id="45" name="Group 45"/>
-          <p:cNvGrpSpPr>
-            <a:grpSpLocks noGrp="1" noUngrp="1" noRot="1" noMove="1" noResize="1"/>
-          </p:cNvGrpSpPr>
-          <p:nvPr/>
-        </p:nvGrpSpPr>
-        <p:grpSpPr>
-          <a:xfrm>
-            <a:off x="7379884" y="1073235"/>
-            <a:ext cx="664370" cy="664370"/>
-            <a:chOff x="0" y="0"/>
-            <a:chExt cx="812800" cy="812800"/>
-          </a:xfrm>
-        </p:grpSpPr>
-        <p:sp>
-          <p:nvSpPr>
-            <p:cNvPr id="46" name="Freeform 46"/>
-            <p:cNvSpPr>
-              <a:spLocks noGrp="1" noRot="1" noMove="1" noResize="1" noEditPoints="1" noAdjustHandles="1" noChangeArrowheads="1" noChangeShapeType="1"/>
-            </p:cNvSpPr>
-            <p:nvPr/>
-          </p:nvSpPr>
-          <p:spPr>
-            <a:xfrm>
-              <a:off x="0" y="0"/>
-              <a:ext cx="812800" cy="812800"/>
-            </a:xfrm>
-            <a:custGeom>
-              <a:avLst/>
-              <a:gdLst/>
-              <a:ahLst/>
-              <a:cxnLst/>
-              <a:rect l="l" t="t" r="r" b="b"/>
-              <a:pathLst>
-                <a:path w="812800" h="812800">
-                  <a:moveTo>
-                    <a:pt x="406400" y="0"/>
-                  </a:moveTo>
-                  <a:cubicBezTo>
-                    <a:pt x="181951" y="0"/>
-                    <a:pt x="0" y="181951"/>
-                    <a:pt x="0" y="406400"/>
-                  </a:cubicBezTo>
-                  <a:cubicBezTo>
-                    <a:pt x="0" y="630849"/>
-                    <a:pt x="181951" y="812800"/>
-                    <a:pt x="406400" y="812800"/>
-                  </a:cubicBezTo>
-                  <a:cubicBezTo>
-                    <a:pt x="630849" y="812800"/>
-                    <a:pt x="812800" y="630849"/>
-                    <a:pt x="812800" y="406400"/>
-                  </a:cubicBezTo>
-                  <a:cubicBezTo>
-                    <a:pt x="812800" y="181951"/>
-                    <a:pt x="630849" y="0"/>
-                    <a:pt x="406400" y="0"/>
-                  </a:cubicBezTo>
-                  <a:close/>
-                </a:path>
-              </a:pathLst>
-            </a:custGeom>
-            <a:solidFill>
-              <a:srgbClr val="EBE7E7"/>
-            </a:solidFill>
-          </p:spPr>
-          <p:txBody>
-            <a:bodyPr/>
-            <a:lstStyle/>
-            <a:p>
-              <a:endParaRPr/>
-            </a:p>
-          </p:txBody>
-        </p:sp>
-        <p:sp>
-          <p:nvSpPr>
-            <p:cNvPr id="47" name="TextBox 47"/>
-            <p:cNvSpPr txBox="1">
-              <a:spLocks noGrp="1" noRot="1" noMove="1" noResize="1" noEditPoints="1" noAdjustHandles="1" noChangeArrowheads="1" noChangeShapeType="1"/>
-            </p:cNvSpPr>
-            <p:nvPr/>
-          </p:nvSpPr>
-          <p:spPr>
-            <a:xfrm>
-              <a:off x="76200" y="47625"/>
-              <a:ext cx="660400" cy="688975"/>
-            </a:xfrm>
-            <a:prstGeom prst="rect">
-              <a:avLst/>
-            </a:prstGeom>
-          </p:spPr>
-          <p:txBody>
-            <a:bodyPr lIns="50800" tIns="50800" rIns="50800" bIns="50800" rtlCol="0" anchor="ctr"/>
-            <a:lstStyle/>
-            <a:p>
-              <a:pPr algn="ctr">
-                <a:lnSpc>
-                  <a:spcPts val="1664"/>
-                </a:lnSpc>
-              </a:pPr>
-              <a:endParaRPr/>
-            </a:p>
-          </p:txBody>
-        </p:sp>
-      </p:grpSp>
-      <p:grpSp>
-        <p:nvGrpSpPr>
-          <p:cNvPr id="48" name="Group 48"/>
-          <p:cNvGrpSpPr>
-            <a:grpSpLocks noGrp="1" noUngrp="1" noRot="1" noMove="1" noResize="1"/>
-          </p:cNvGrpSpPr>
-          <p:nvPr/>
-        </p:nvGrpSpPr>
-        <p:grpSpPr>
-          <a:xfrm>
-            <a:off x="7379884" y="162198"/>
-            <a:ext cx="664370" cy="664370"/>
-            <a:chOff x="0" y="0"/>
-            <a:chExt cx="812800" cy="812800"/>
-          </a:xfrm>
-        </p:grpSpPr>
-        <p:sp>
-          <p:nvSpPr>
-            <p:cNvPr id="49" name="Freeform 49"/>
-            <p:cNvSpPr>
-              <a:spLocks noGrp="1" noRot="1" noMove="1" noResize="1" noEditPoints="1" noAdjustHandles="1" noChangeArrowheads="1" noChangeShapeType="1"/>
-            </p:cNvSpPr>
-            <p:nvPr/>
-          </p:nvSpPr>
-          <p:spPr>
-            <a:xfrm>
-              <a:off x="0" y="0"/>
-              <a:ext cx="812800" cy="812800"/>
-            </a:xfrm>
-            <a:custGeom>
-              <a:avLst/>
-              <a:gdLst/>
-              <a:ahLst/>
-              <a:cxnLst/>
-              <a:rect l="l" t="t" r="r" b="b"/>
-              <a:pathLst>
-                <a:path w="812800" h="812800">
-                  <a:moveTo>
-                    <a:pt x="406400" y="0"/>
-                  </a:moveTo>
-                  <a:cubicBezTo>
-                    <a:pt x="181951" y="0"/>
-                    <a:pt x="0" y="181951"/>
-                    <a:pt x="0" y="406400"/>
-                  </a:cubicBezTo>
-                  <a:cubicBezTo>
-                    <a:pt x="0" y="630849"/>
-                    <a:pt x="181951" y="812800"/>
-                    <a:pt x="406400" y="812800"/>
-                  </a:cubicBezTo>
-                  <a:cubicBezTo>
-                    <a:pt x="630849" y="812800"/>
-                    <a:pt x="812800" y="630849"/>
-                    <a:pt x="812800" y="406400"/>
-                  </a:cubicBezTo>
-                  <a:cubicBezTo>
-                    <a:pt x="812800" y="181951"/>
-                    <a:pt x="630849" y="0"/>
-                    <a:pt x="406400" y="0"/>
-                  </a:cubicBezTo>
-                  <a:close/>
-                </a:path>
-              </a:pathLst>
-            </a:custGeom>
-            <a:solidFill>
-              <a:srgbClr val="EBE7E7"/>
-            </a:solidFill>
-          </p:spPr>
-          <p:txBody>
-            <a:bodyPr/>
-            <a:lstStyle/>
-            <a:p>
-              <a:endParaRPr/>
-            </a:p>
-          </p:txBody>
-        </p:sp>
-        <p:sp>
-          <p:nvSpPr>
-            <p:cNvPr id="50" name="TextBox 50"/>
-            <p:cNvSpPr txBox="1">
-              <a:spLocks noGrp="1" noRot="1" noMove="1" noResize="1" noEditPoints="1" noAdjustHandles="1" noChangeArrowheads="1" noChangeShapeType="1"/>
-            </p:cNvSpPr>
-            <p:nvPr/>
-          </p:nvSpPr>
-          <p:spPr>
-            <a:xfrm>
-              <a:off x="76200" y="47625"/>
-              <a:ext cx="660400" cy="688975"/>
-            </a:xfrm>
-            <a:prstGeom prst="rect">
-              <a:avLst/>
-            </a:prstGeom>
-          </p:spPr>
-          <p:txBody>
-            <a:bodyPr lIns="50800" tIns="50800" rIns="50800" bIns="50800" rtlCol="0" anchor="ctr"/>
-            <a:lstStyle/>
-            <a:p>
-              <a:pPr algn="ctr">
-                <a:lnSpc>
-                  <a:spcPts val="1664"/>
-                </a:lnSpc>
-              </a:pPr>
-              <a:endParaRPr/>
-            </a:p>
-          </p:txBody>
-        </p:sp>
-      </p:grpSp>
-      <p:grpSp>
-        <p:nvGrpSpPr>
-          <p:cNvPr id="51" name="Group 51"/>
-          <p:cNvGrpSpPr>
-            <a:grpSpLocks noGrp="1" noUngrp="1" noRot="1" noMove="1" noResize="1"/>
-          </p:cNvGrpSpPr>
-          <p:nvPr/>
-        </p:nvGrpSpPr>
-        <p:grpSpPr>
-          <a:xfrm>
-            <a:off x="7379884" y="1984208"/>
-            <a:ext cx="664370" cy="664370"/>
-            <a:chOff x="0" y="0"/>
-            <a:chExt cx="812800" cy="812800"/>
-          </a:xfrm>
-        </p:grpSpPr>
-        <p:sp>
-          <p:nvSpPr>
-            <p:cNvPr id="52" name="Freeform 52"/>
-            <p:cNvSpPr>
-              <a:spLocks noGrp="1" noRot="1" noMove="1" noResize="1" noEditPoints="1" noAdjustHandles="1" noChangeArrowheads="1" noChangeShapeType="1"/>
-            </p:cNvSpPr>
-            <p:nvPr/>
-          </p:nvSpPr>
-          <p:spPr>
-            <a:xfrm>
-              <a:off x="0" y="0"/>
-              <a:ext cx="812800" cy="812800"/>
-            </a:xfrm>
-            <a:custGeom>
-              <a:avLst/>
-              <a:gdLst/>
-              <a:ahLst/>
-              <a:cxnLst/>
-              <a:rect l="l" t="t" r="r" b="b"/>
-              <a:pathLst>
-                <a:path w="812800" h="812800">
-                  <a:moveTo>
-                    <a:pt x="406400" y="0"/>
-                  </a:moveTo>
-                  <a:cubicBezTo>
-                    <a:pt x="181951" y="0"/>
-                    <a:pt x="0" y="181951"/>
-                    <a:pt x="0" y="406400"/>
-                  </a:cubicBezTo>
-                  <a:cubicBezTo>
-                    <a:pt x="0" y="630849"/>
-                    <a:pt x="181951" y="812800"/>
-                    <a:pt x="406400" y="812800"/>
-                  </a:cubicBezTo>
-                  <a:cubicBezTo>
-                    <a:pt x="630849" y="812800"/>
-                    <a:pt x="812800" y="630849"/>
-                    <a:pt x="812800" y="406400"/>
-                  </a:cubicBezTo>
-                  <a:cubicBezTo>
-                    <a:pt x="812800" y="181951"/>
-                    <a:pt x="630849" y="0"/>
-                    <a:pt x="406400" y="0"/>
-                  </a:cubicBezTo>
-                  <a:close/>
-                </a:path>
-              </a:pathLst>
-            </a:custGeom>
-            <a:solidFill>
-              <a:srgbClr val="EBE7E7"/>
-            </a:solidFill>
-          </p:spPr>
-          <p:txBody>
-            <a:bodyPr/>
-            <a:lstStyle/>
-            <a:p>
-              <a:endParaRPr/>
-            </a:p>
-          </p:txBody>
-        </p:sp>
-        <p:sp>
-          <p:nvSpPr>
-            <p:cNvPr id="53" name="TextBox 53"/>
-            <p:cNvSpPr txBox="1">
-              <a:spLocks noGrp="1" noRot="1" noMove="1" noResize="1" noEditPoints="1" noAdjustHandles="1" noChangeArrowheads="1" noChangeShapeType="1"/>
-            </p:cNvSpPr>
-            <p:nvPr/>
-          </p:nvSpPr>
-          <p:spPr>
-            <a:xfrm>
-              <a:off x="76200" y="47625"/>
-              <a:ext cx="660400" cy="688975"/>
-            </a:xfrm>
-            <a:prstGeom prst="rect">
-              <a:avLst/>
-            </a:prstGeom>
-          </p:spPr>
-          <p:txBody>
-            <a:bodyPr lIns="50800" tIns="50800" rIns="50800" bIns="50800" rtlCol="0" anchor="ctr"/>
-            <a:lstStyle/>
-            <a:p>
-              <a:pPr algn="ctr">
-                <a:lnSpc>
-                  <a:spcPts val="1664"/>
-                </a:lnSpc>
-              </a:pPr>
-              <a:endParaRPr/>
-            </a:p>
-          </p:txBody>
-        </p:sp>
-      </p:grpSp>
-      <p:grpSp>
-        <p:nvGrpSpPr>
-          <p:cNvPr id="54" name="Group 54"/>
-          <p:cNvGrpSpPr>
-            <a:grpSpLocks noGrp="1" noUngrp="1" noRot="1" noMove="1" noResize="1"/>
-          </p:cNvGrpSpPr>
-          <p:nvPr/>
-        </p:nvGrpSpPr>
-        <p:grpSpPr>
-          <a:xfrm>
-            <a:off x="7379884" y="2875467"/>
-            <a:ext cx="664370" cy="664370"/>
-            <a:chOff x="0" y="0"/>
-            <a:chExt cx="812800" cy="812800"/>
-          </a:xfrm>
-        </p:grpSpPr>
-        <p:sp>
-          <p:nvSpPr>
-            <p:cNvPr id="55" name="Freeform 55"/>
-            <p:cNvSpPr>
-              <a:spLocks noGrp="1" noRot="1" noMove="1" noResize="1" noEditPoints="1" noAdjustHandles="1" noChangeArrowheads="1" noChangeShapeType="1"/>
-            </p:cNvSpPr>
-            <p:nvPr/>
-          </p:nvSpPr>
-          <p:spPr>
-            <a:xfrm>
-              <a:off x="0" y="0"/>
-              <a:ext cx="812800" cy="812800"/>
-            </a:xfrm>
-            <a:custGeom>
-              <a:avLst/>
-              <a:gdLst/>
-              <a:ahLst/>
-              <a:cxnLst/>
-              <a:rect l="l" t="t" r="r" b="b"/>
-              <a:pathLst>
-                <a:path w="812800" h="812800">
-                  <a:moveTo>
-                    <a:pt x="406400" y="0"/>
-                  </a:moveTo>
-                  <a:cubicBezTo>
-                    <a:pt x="181951" y="0"/>
-                    <a:pt x="0" y="181951"/>
-                    <a:pt x="0" y="406400"/>
-                  </a:cubicBezTo>
-                  <a:cubicBezTo>
-                    <a:pt x="0" y="630849"/>
-                    <a:pt x="181951" y="812800"/>
-                    <a:pt x="406400" y="812800"/>
-                  </a:cubicBezTo>
-                  <a:cubicBezTo>
-                    <a:pt x="630849" y="812800"/>
-                    <a:pt x="812800" y="630849"/>
-                    <a:pt x="812800" y="406400"/>
-                  </a:cubicBezTo>
-                  <a:cubicBezTo>
-                    <a:pt x="812800" y="181951"/>
-                    <a:pt x="630849" y="0"/>
-                    <a:pt x="406400" y="0"/>
-                  </a:cubicBezTo>
-                  <a:close/>
-                </a:path>
-              </a:pathLst>
-            </a:custGeom>
-            <a:solidFill>
-              <a:srgbClr val="EBE7E7"/>
-            </a:solidFill>
-          </p:spPr>
-          <p:txBody>
-            <a:bodyPr/>
-            <a:lstStyle/>
-            <a:p>
-              <a:endParaRPr/>
-            </a:p>
-          </p:txBody>
-        </p:sp>
-        <p:sp>
-          <p:nvSpPr>
-            <p:cNvPr id="56" name="TextBox 56"/>
-            <p:cNvSpPr txBox="1">
-              <a:spLocks noGrp="1" noRot="1" noMove="1" noResize="1" noEditPoints="1" noAdjustHandles="1" noChangeArrowheads="1" noChangeShapeType="1"/>
-            </p:cNvSpPr>
-            <p:nvPr/>
-          </p:nvSpPr>
-          <p:spPr>
-            <a:xfrm>
-              <a:off x="76200" y="47625"/>
-              <a:ext cx="660400" cy="688975"/>
-            </a:xfrm>
-            <a:prstGeom prst="rect">
-              <a:avLst/>
-            </a:prstGeom>
-          </p:spPr>
-          <p:txBody>
-            <a:bodyPr lIns="50800" tIns="50800" rIns="50800" bIns="50800" rtlCol="0" anchor="ctr"/>
-            <a:lstStyle/>
-            <a:p>
-              <a:pPr algn="ctr">
-                <a:lnSpc>
-                  <a:spcPts val="1664"/>
-                </a:lnSpc>
-              </a:pPr>
-              <a:endParaRPr/>
-            </a:p>
-          </p:txBody>
-        </p:sp>
-      </p:grpSp>
-      <p:sp>
-        <p:nvSpPr>
-          <p:cNvPr id="57" name="AutoShape 57"/>
-          <p:cNvSpPr>
-            <a:spLocks noGrp="1" noRot="1" noMove="1" noResize="1" noEditPoints="1" noAdjustHandles="1" noChangeArrowheads="1" noChangeShapeType="1"/>
-          </p:cNvSpPr>
-          <p:nvPr/>
-        </p:nvSpPr>
-        <p:spPr>
-          <a:xfrm>
-            <a:off x="8044254" y="1822348"/>
-            <a:ext cx="1417186" cy="0"/>
-          </a:xfrm>
-          <a:prstGeom prst="line">
-            <a:avLst/>
-          </a:prstGeom>
-          <a:ln w="19050" cap="rnd">
-            <a:solidFill>
-              <a:srgbClr val="767576"/>
-            </a:solidFill>
-            <a:prstDash val="solid"/>
-            <a:headEnd type="none" w="sm" len="sm"/>
-            <a:tailEnd type="none" w="sm" len="sm"/>
-          </a:ln>
-        </p:spPr>
-        <p:txBody>
-          <a:bodyPr/>
-          <a:lstStyle/>
-          <a:p>
-            <a:endParaRPr/>
-          </a:p>
-        </p:txBody>
-      </p:sp>
-      <p:sp>
-        <p:nvSpPr>
-          <p:cNvPr id="58" name="AutoShape 58"/>
-          <p:cNvSpPr>
-            <a:spLocks noGrp="1" noRot="1" noMove="1" noResize="1" noEditPoints="1" noAdjustHandles="1" noChangeArrowheads="1" noChangeShapeType="1"/>
-          </p:cNvSpPr>
-          <p:nvPr/>
-        </p:nvSpPr>
-        <p:spPr>
-          <a:xfrm>
-            <a:off x="8044254" y="911310"/>
-            <a:ext cx="1417186" cy="0"/>
-          </a:xfrm>
-          <a:prstGeom prst="line">
-            <a:avLst/>
-          </a:prstGeom>
-          <a:ln w="19050" cap="rnd">
-            <a:solidFill>
-              <a:srgbClr val="767576"/>
-            </a:solidFill>
-            <a:prstDash val="solid"/>
-            <a:headEnd type="none" w="sm" len="sm"/>
-            <a:tailEnd type="none" w="sm" len="sm"/>
-          </a:ln>
-        </p:spPr>
-        <p:txBody>
-          <a:bodyPr/>
-          <a:lstStyle/>
-          <a:p>
-            <a:endParaRPr/>
-          </a:p>
-        </p:txBody>
-      </p:sp>
-      <p:sp>
-        <p:nvSpPr>
-          <p:cNvPr id="59" name="AutoShape 59"/>
-          <p:cNvSpPr>
-            <a:spLocks noGrp="1" noRot="1" noMove="1" noResize="1" noEditPoints="1" noAdjustHandles="1" noChangeArrowheads="1" noChangeShapeType="1"/>
-          </p:cNvSpPr>
-          <p:nvPr/>
-        </p:nvSpPr>
-        <p:spPr>
-          <a:xfrm>
-            <a:off x="8044254" y="2806056"/>
-            <a:ext cx="1417186" cy="0"/>
-          </a:xfrm>
-          <a:prstGeom prst="line">
-            <a:avLst/>
-          </a:prstGeom>
-          <a:ln w="19050" cap="rnd">
-            <a:solidFill>
-              <a:srgbClr val="767576"/>
-            </a:solidFill>
-            <a:prstDash val="solid"/>
-            <a:headEnd type="none" w="sm" len="sm"/>
-            <a:tailEnd type="none" w="sm" len="sm"/>
-          </a:ln>
-        </p:spPr>
-        <p:txBody>
-          <a:bodyPr/>
-          <a:lstStyle/>
-          <a:p>
-            <a:endParaRPr/>
-          </a:p>
-        </p:txBody>
-      </p:sp>
-      <p:sp>
-        <p:nvSpPr>
-          <p:cNvPr id="60" name="Freeform 60"/>
-          <p:cNvSpPr>
-            <a:spLocks noGrp="1" noRot="1" noMove="1" noResize="1" noEditPoints="1" noAdjustHandles="1" noChangeArrowheads="1" noChangeShapeType="1"/>
-          </p:cNvSpPr>
-          <p:nvPr/>
-        </p:nvSpPr>
-        <p:spPr>
-          <a:xfrm>
-            <a:off x="8514305" y="6046087"/>
+            <a:off x="8481139" y="6037009"/>
             <a:ext cx="1050231" cy="1050231"/>
           </a:xfrm>
           <a:custGeom>
@@ -5229,7 +6656,7 @@
             </a:pathLst>
           </a:custGeom>
           <a:blipFill>
-            <a:blip r:embed="rId2"/>
+            <a:blip r:embed="rId3"/>
             <a:stretch>
               <a:fillRect/>
             </a:stretch>
@@ -5243,907 +6670,12 @@
           </a:p>
         </p:txBody>
       </p:sp>
-      <p:sp>
-        <p:nvSpPr>
-          <p:cNvPr id="61" name="Freeform 61"/>
-          <p:cNvSpPr>
-            <a:spLocks noGrp="1" noRot="1" noMove="1" noResize="1" noEditPoints="1" noAdjustHandles="1" noChangeArrowheads="1" noChangeShapeType="1"/>
-          </p:cNvSpPr>
-          <p:nvPr/>
-        </p:nvSpPr>
-        <p:spPr>
-          <a:xfrm>
-            <a:off x="4116102" y="1091912"/>
-            <a:ext cx="2459797" cy="3428288"/>
-          </a:xfrm>
-          <a:custGeom>
-            <a:avLst/>
-            <a:gdLst/>
-            <a:ahLst/>
-            <a:cxnLst/>
-            <a:rect l="l" t="t" r="r" b="b"/>
-            <a:pathLst>
-              <a:path w="2459797" h="3428288">
-                <a:moveTo>
-                  <a:pt x="0" y="0"/>
-                </a:moveTo>
-                <a:lnTo>
-                  <a:pt x="2459796" y="0"/>
-                </a:lnTo>
-                <a:lnTo>
-                  <a:pt x="2459796" y="3428288"/>
-                </a:lnTo>
-                <a:lnTo>
-                  <a:pt x="0" y="3428288"/>
-                </a:lnTo>
-                <a:lnTo>
-                  <a:pt x="0" y="0"/>
-                </a:lnTo>
-                <a:close/>
-              </a:path>
-            </a:pathLst>
-          </a:custGeom>
-          <a:blipFill>
-            <a:blip r:embed="rId3"/>
-            <a:stretch>
-              <a:fillRect t="-79" b="-79"/>
-            </a:stretch>
-          </a:blipFill>
-        </p:spPr>
-        <p:txBody>
-          <a:bodyPr/>
-          <a:lstStyle/>
-          <a:p>
-            <a:endParaRPr/>
-          </a:p>
-        </p:txBody>
-      </p:sp>
-      <p:sp>
-        <p:nvSpPr>
-          <p:cNvPr id="62" name="TextBox 62"/>
-          <p:cNvSpPr txBox="1">
-            <a:spLocks noGrp="1" noRot="1" noMove="1" noResize="1" noEditPoints="1" noAdjustHandles="1" noChangeArrowheads="1" noChangeShapeType="1"/>
-          </p:cNvSpPr>
-          <p:nvPr/>
-        </p:nvSpPr>
-        <p:spPr>
-          <a:xfrm>
-            <a:off x="622288" y="2885915"/>
-            <a:ext cx="2979562" cy="863193"/>
-          </a:xfrm>
-          <a:prstGeom prst="rect">
-            <a:avLst/>
-          </a:prstGeom>
-        </p:spPr>
-        <p:txBody>
-          <a:bodyPr lIns="0" tIns="0" rIns="0" bIns="0" rtlCol="0" anchor="t">
-            <a:spAutoFit/>
-          </a:bodyPr>
-          <a:lstStyle/>
-          <a:p>
-            <a:pPr algn="l">
-              <a:lnSpc>
-                <a:spcPts val="1357"/>
-              </a:lnSpc>
-            </a:pPr>
-            <a:r>
-              <a:rPr lang="en-US" sz="1169" b="1">
-                <a:solidFill>
-                  <a:srgbClr val="000000"/>
-                </a:solidFill>
-                <a:latin typeface="Circe Bold"/>
-                <a:ea typeface="Circe Bold"/>
-                <a:cs typeface="Circe Bold"/>
-                <a:sym typeface="Circe Bold"/>
-              </a:rPr>
-              <a:t>Restaurant MemET &amp; Pir</a:t>
-            </a:r>
-          </a:p>
-          <a:p>
-            <a:pPr algn="l">
-              <a:lnSpc>
-                <a:spcPts val="1357"/>
-              </a:lnSpc>
-            </a:pPr>
-            <a:r>
-              <a:rPr lang="en-US" sz="1169">
-                <a:solidFill>
-                  <a:srgbClr val="000000"/>
-                </a:solidFill>
-                <a:latin typeface="Circe"/>
-                <a:ea typeface="Circe"/>
-                <a:cs typeface="Circe"/>
-                <a:sym typeface="Circe"/>
-              </a:rPr>
-              <a:t>Continental breakfast is served from 9:30 AM to 11:30 AM, starting from 850 RUB. Lunch and dinner are also available à la carte.</a:t>
-            </a:r>
-          </a:p>
-          <a:p>
-            <a:pPr algn="l">
-              <a:lnSpc>
-                <a:spcPts val="1357"/>
-              </a:lnSpc>
-            </a:pPr>
-            <a:endParaRPr lang="en-US" sz="1169">
-              <a:solidFill>
-                <a:srgbClr val="000000"/>
-              </a:solidFill>
-              <a:latin typeface="Circe"/>
-              <a:ea typeface="Circe"/>
-              <a:cs typeface="Circe"/>
-              <a:sym typeface="Circe"/>
-            </a:endParaRPr>
-          </a:p>
-        </p:txBody>
-      </p:sp>
-      <p:sp>
-        <p:nvSpPr>
-          <p:cNvPr id="63" name="TextBox 63"/>
-          <p:cNvSpPr txBox="1">
-            <a:spLocks noGrp="1" noRot="1" noMove="1" noResize="1" noEditPoints="1" noAdjustHandles="1" noChangeArrowheads="1" noChangeShapeType="1"/>
-          </p:cNvSpPr>
-          <p:nvPr/>
-        </p:nvSpPr>
-        <p:spPr>
-          <a:xfrm>
-            <a:off x="622288" y="4950483"/>
-            <a:ext cx="1492627" cy="348843"/>
-          </a:xfrm>
-          <a:prstGeom prst="rect">
-            <a:avLst/>
-          </a:prstGeom>
-        </p:spPr>
-        <p:txBody>
-          <a:bodyPr lIns="0" tIns="0" rIns="0" bIns="0" rtlCol="0" anchor="t">
-            <a:spAutoFit/>
-          </a:bodyPr>
-          <a:lstStyle/>
-          <a:p>
-            <a:pPr algn="l">
-              <a:lnSpc>
-                <a:spcPts val="1357"/>
-              </a:lnSpc>
-            </a:pPr>
-            <a:r>
-              <a:rPr lang="en-US" sz="1169" b="1">
-                <a:solidFill>
-                  <a:srgbClr val="000000"/>
-                </a:solidFill>
-                <a:latin typeface="Circe Bold"/>
-                <a:ea typeface="Circe Bold"/>
-                <a:cs typeface="Circe Bold"/>
-                <a:sym typeface="Circe Bold"/>
-              </a:rPr>
-              <a:t>DIP SPA ROOM </a:t>
-            </a:r>
-          </a:p>
-          <a:p>
-            <a:pPr algn="l">
-              <a:lnSpc>
-                <a:spcPts val="1357"/>
-              </a:lnSpc>
-            </a:pPr>
-            <a:r>
-              <a:rPr lang="en-US" sz="1169">
-                <a:solidFill>
-                  <a:srgbClr val="000000"/>
-                </a:solidFill>
-                <a:latin typeface="Circe"/>
-                <a:ea typeface="Circe"/>
-                <a:cs typeface="Circe"/>
-                <a:sym typeface="Circe"/>
-              </a:rPr>
-              <a:t>Bookings at reception.</a:t>
-            </a:r>
-          </a:p>
-        </p:txBody>
-      </p:sp>
-      <p:sp>
-        <p:nvSpPr>
-          <p:cNvPr id="64" name="TextBox 64"/>
-          <p:cNvSpPr txBox="1">
-            <a:spLocks noGrp="1" noRot="1" noMove="1" noResize="1" noEditPoints="1" noAdjustHandles="1" noChangeArrowheads="1" noChangeShapeType="1"/>
-          </p:cNvSpPr>
-          <p:nvPr/>
-        </p:nvSpPr>
-        <p:spPr>
-          <a:xfrm>
-            <a:off x="622288" y="3835053"/>
-            <a:ext cx="3118941" cy="512602"/>
-          </a:xfrm>
-          <a:prstGeom prst="rect">
-            <a:avLst/>
-          </a:prstGeom>
-        </p:spPr>
-        <p:txBody>
-          <a:bodyPr lIns="0" tIns="0" rIns="0" bIns="0" rtlCol="0" anchor="t">
-            <a:spAutoFit/>
-          </a:bodyPr>
-          <a:lstStyle/>
-          <a:p>
-            <a:pPr algn="l">
-              <a:lnSpc>
-                <a:spcPts val="1420"/>
-              </a:lnSpc>
-            </a:pPr>
-            <a:r>
-              <a:rPr lang="en-US" sz="1109" b="1">
-                <a:solidFill>
-                  <a:srgbClr val="000000"/>
-                </a:solidFill>
-                <a:latin typeface="Circe Bold"/>
-                <a:ea typeface="Circe Bold"/>
-                <a:cs typeface="Circe Bold"/>
-                <a:sym typeface="Circe Bold"/>
-              </a:rPr>
-              <a:t>Laundry &amp; Amenities</a:t>
-            </a:r>
-          </a:p>
-          <a:p>
-            <a:pPr algn="l">
-              <a:lnSpc>
-                <a:spcPts val="1420"/>
-              </a:lnSpc>
-            </a:pPr>
-            <a:r>
-              <a:rPr lang="en-US" sz="1109" b="1">
-                <a:solidFill>
-                  <a:srgbClr val="000000"/>
-                </a:solidFill>
-                <a:latin typeface="Circe Bold"/>
-                <a:ea typeface="Circe Bold"/>
-                <a:cs typeface="Circe Bold"/>
-                <a:sym typeface="Circe Bold"/>
-              </a:rPr>
-              <a:t>1 </a:t>
-            </a:r>
-            <a:r>
-              <a:rPr lang="en-US" sz="1109">
-                <a:solidFill>
-                  <a:srgbClr val="000000"/>
-                </a:solidFill>
-                <a:latin typeface="Circe"/>
-                <a:ea typeface="Circe"/>
-                <a:cs typeface="Circe"/>
-                <a:sym typeface="Circe"/>
-              </a:rPr>
-              <a:t>laundry powder sachet — complimentary upon check-in. Extra capsules — 150 ₽ each.</a:t>
-            </a:r>
-          </a:p>
-        </p:txBody>
-      </p:sp>
-      <p:sp>
-        <p:nvSpPr>
-          <p:cNvPr id="65" name="TextBox 65"/>
-          <p:cNvSpPr txBox="1">
-            <a:spLocks noGrp="1" noRot="1" noMove="1" noResize="1" noEditPoints="1" noAdjustHandles="1" noChangeArrowheads="1" noChangeShapeType="1"/>
-          </p:cNvSpPr>
-          <p:nvPr/>
-        </p:nvSpPr>
-        <p:spPr>
-          <a:xfrm>
-            <a:off x="7748816" y="2967981"/>
-            <a:ext cx="2376153" cy="508713"/>
-          </a:xfrm>
-          <a:prstGeom prst="rect">
-            <a:avLst/>
-          </a:prstGeom>
-        </p:spPr>
-        <p:txBody>
-          <a:bodyPr lIns="0" tIns="0" rIns="0" bIns="0" rtlCol="0" anchor="t">
-            <a:spAutoFit/>
-          </a:bodyPr>
-          <a:lstStyle/>
-          <a:p>
-            <a:pPr algn="l">
-              <a:lnSpc>
-                <a:spcPts val="1375"/>
-              </a:lnSpc>
-            </a:pPr>
-            <a:r>
-              <a:rPr lang="en-US" sz="1109" b="1">
-                <a:solidFill>
-                  <a:srgbClr val="000000"/>
-                </a:solidFill>
-                <a:latin typeface="Circe Bold"/>
-                <a:ea typeface="Circe Bold"/>
-                <a:cs typeface="Circe Bold"/>
-                <a:sym typeface="Circe Bold"/>
-              </a:rPr>
-              <a:t>Luggage Storage</a:t>
-            </a:r>
-          </a:p>
-          <a:p>
-            <a:pPr algn="l">
-              <a:lnSpc>
-                <a:spcPts val="1375"/>
-              </a:lnSpc>
-            </a:pPr>
-            <a:r>
-              <a:rPr lang="en-US" sz="1109">
-                <a:solidFill>
-                  <a:srgbClr val="000000"/>
-                </a:solidFill>
-                <a:latin typeface="Circe"/>
-                <a:ea typeface="Circe"/>
-                <a:cs typeface="Circe"/>
-                <a:sym typeface="Circe"/>
-              </a:rPr>
-              <a:t>You can store your luggage for 24 hours on the 1st floor.</a:t>
-            </a:r>
-          </a:p>
-        </p:txBody>
-      </p:sp>
-      <p:sp>
-        <p:nvSpPr>
-          <p:cNvPr id="66" name="TextBox 66"/>
-          <p:cNvSpPr txBox="1">
-            <a:spLocks noGrp="1" noRot="1" noMove="1" noResize="1" noEditPoints="1" noAdjustHandles="1" noChangeArrowheads="1" noChangeShapeType="1"/>
-          </p:cNvSpPr>
-          <p:nvPr/>
-        </p:nvSpPr>
-        <p:spPr>
-          <a:xfrm>
-            <a:off x="7748816" y="2025006"/>
-            <a:ext cx="2721744" cy="485775"/>
-          </a:xfrm>
-          <a:prstGeom prst="rect">
-            <a:avLst/>
-          </a:prstGeom>
-        </p:spPr>
-        <p:txBody>
-          <a:bodyPr lIns="0" tIns="0" rIns="0" bIns="0" rtlCol="0" anchor="t">
-            <a:spAutoFit/>
-          </a:bodyPr>
-          <a:lstStyle/>
-          <a:p>
-            <a:pPr algn="l">
-              <a:lnSpc>
-                <a:spcPts val="1331"/>
-              </a:lnSpc>
-            </a:pPr>
-            <a:r>
-              <a:rPr lang="en-US" sz="1109" b="1">
-                <a:solidFill>
-                  <a:srgbClr val="000000"/>
-                </a:solidFill>
-                <a:latin typeface="Circe Bold"/>
-                <a:ea typeface="Circe Bold"/>
-                <a:cs typeface="Circe Bold"/>
-                <a:sym typeface="Circe Bold"/>
-              </a:rPr>
-              <a:t>Courier Deliveries</a:t>
-            </a:r>
-          </a:p>
-          <a:p>
-            <a:pPr algn="l">
-              <a:lnSpc>
-                <a:spcPts val="1331"/>
-              </a:lnSpc>
-            </a:pPr>
-            <a:r>
-              <a:rPr lang="en-US" sz="1109">
-                <a:solidFill>
-                  <a:srgbClr val="000000"/>
-                </a:solidFill>
-                <a:latin typeface="Circe"/>
-                <a:ea typeface="Circe"/>
-                <a:cs typeface="Circe"/>
-                <a:sym typeface="Circe"/>
-              </a:rPr>
-              <a:t>Couriers are not allowed on guest floors.</a:t>
-            </a:r>
-          </a:p>
-          <a:p>
-            <a:pPr algn="l">
-              <a:lnSpc>
-                <a:spcPts val="1331"/>
-              </a:lnSpc>
-            </a:pPr>
-            <a:r>
-              <a:rPr lang="en-US" sz="1109">
-                <a:solidFill>
-                  <a:srgbClr val="000000"/>
-                </a:solidFill>
-                <a:latin typeface="Circe"/>
-                <a:ea typeface="Circe"/>
-                <a:cs typeface="Circe"/>
-                <a:sym typeface="Circe"/>
-              </a:rPr>
-              <a:t>Orders can be collected in the lobby.</a:t>
-            </a:r>
-          </a:p>
-        </p:txBody>
-      </p:sp>
-      <p:sp>
-        <p:nvSpPr>
-          <p:cNvPr id="67" name="TextBox 67"/>
-          <p:cNvSpPr txBox="1">
-            <a:spLocks noGrp="1" noRot="1" noMove="1" noResize="1" noEditPoints="1" noAdjustHandles="1" noChangeArrowheads="1" noChangeShapeType="1"/>
-          </p:cNvSpPr>
-          <p:nvPr/>
-        </p:nvSpPr>
-        <p:spPr>
-          <a:xfrm>
-            <a:off x="7712069" y="193084"/>
-            <a:ext cx="2376153" cy="508713"/>
-          </a:xfrm>
-          <a:prstGeom prst="rect">
-            <a:avLst/>
-          </a:prstGeom>
-        </p:spPr>
-        <p:txBody>
-          <a:bodyPr lIns="0" tIns="0" rIns="0" bIns="0" rtlCol="0" anchor="t">
-            <a:spAutoFit/>
-          </a:bodyPr>
-          <a:lstStyle/>
-          <a:p>
-            <a:pPr algn="l">
-              <a:lnSpc>
-                <a:spcPts val="1375"/>
-              </a:lnSpc>
-            </a:pPr>
-            <a:r>
-              <a:rPr lang="en-US" sz="1109" b="1">
-                <a:solidFill>
-                  <a:srgbClr val="000000"/>
-                </a:solidFill>
-                <a:latin typeface="Circe Bold"/>
-                <a:ea typeface="Circe Bold"/>
-                <a:cs typeface="Circe Bold"/>
-                <a:sym typeface="Circe Bold"/>
-              </a:rPr>
-              <a:t>Housekeeping</a:t>
-            </a:r>
-          </a:p>
-          <a:p>
-            <a:pPr algn="l">
-              <a:lnSpc>
-                <a:spcPts val="1375"/>
-              </a:lnSpc>
-            </a:pPr>
-            <a:r>
-              <a:rPr lang="en-US" sz="1109">
-                <a:solidFill>
-                  <a:srgbClr val="000000"/>
-                </a:solidFill>
-                <a:latin typeface="Circe"/>
-                <a:ea typeface="Circe"/>
-                <a:cs typeface="Circe"/>
-                <a:sym typeface="Circe"/>
-              </a:rPr>
-              <a:t>Daily before 18:00.</a:t>
-            </a:r>
-          </a:p>
-          <a:p>
-            <a:pPr algn="l">
-              <a:lnSpc>
-                <a:spcPts val="1375"/>
-              </a:lnSpc>
-            </a:pPr>
-            <a:r>
-              <a:rPr lang="en-US" sz="1109">
-                <a:solidFill>
-                  <a:srgbClr val="000000"/>
-                </a:solidFill>
-                <a:latin typeface="Circe"/>
-                <a:ea typeface="Circe"/>
-                <a:cs typeface="Circe"/>
-                <a:sym typeface="Circe"/>
-              </a:rPr>
-              <a:t>Linen change — on the 3th day.</a:t>
-            </a:r>
-          </a:p>
-        </p:txBody>
-      </p:sp>
-      <p:sp>
-        <p:nvSpPr>
-          <p:cNvPr id="68" name="TextBox 68"/>
-          <p:cNvSpPr txBox="1">
-            <a:spLocks noGrp="1" noRot="1" noMove="1" noResize="1" noEditPoints="1" noAdjustHandles="1" noChangeArrowheads="1" noChangeShapeType="1"/>
-          </p:cNvSpPr>
-          <p:nvPr/>
-        </p:nvSpPr>
-        <p:spPr>
-          <a:xfrm>
-            <a:off x="7712069" y="1162959"/>
-            <a:ext cx="2851006" cy="507304"/>
-          </a:xfrm>
-          <a:prstGeom prst="rect">
-            <a:avLst/>
-          </a:prstGeom>
-        </p:spPr>
-        <p:txBody>
-          <a:bodyPr lIns="0" tIns="0" rIns="0" bIns="0" rtlCol="0" anchor="t">
-            <a:spAutoFit/>
-          </a:bodyPr>
-          <a:lstStyle/>
-          <a:p>
-            <a:pPr algn="l">
-              <a:lnSpc>
-                <a:spcPts val="1386"/>
-              </a:lnSpc>
-            </a:pPr>
-            <a:r>
-              <a:rPr lang="en-US" sz="1109" b="1">
-                <a:solidFill>
-                  <a:srgbClr val="000000"/>
-                </a:solidFill>
-                <a:latin typeface="Circe Bold"/>
-                <a:ea typeface="Circe Bold"/>
-                <a:cs typeface="Circe Bold"/>
-                <a:sym typeface="Circe Bold"/>
-              </a:rPr>
-              <a:t>Item Rental</a:t>
-            </a:r>
-          </a:p>
-          <a:p>
-            <a:pPr algn="l">
-              <a:lnSpc>
-                <a:spcPts val="1386"/>
-              </a:lnSpc>
-            </a:pPr>
-            <a:r>
-              <a:rPr lang="en-US" sz="1109">
-                <a:solidFill>
-                  <a:srgbClr val="000000"/>
-                </a:solidFill>
-                <a:latin typeface="Circe"/>
-                <a:ea typeface="Circe"/>
-                <a:cs typeface="Circe"/>
-                <a:sym typeface="Circe"/>
-              </a:rPr>
-              <a:t>Vases, various pillows, baby items </a:t>
-            </a:r>
-          </a:p>
-          <a:p>
-            <a:pPr algn="l">
-              <a:lnSpc>
-                <a:spcPts val="1386"/>
-              </a:lnSpc>
-            </a:pPr>
-            <a:r>
-              <a:rPr lang="en-US" sz="1109">
-                <a:solidFill>
-                  <a:srgbClr val="000000"/>
-                </a:solidFill>
-                <a:latin typeface="Circe"/>
-                <a:ea typeface="Circe"/>
-                <a:cs typeface="Circe"/>
-                <a:sym typeface="Circe"/>
-              </a:rPr>
-              <a:t>— available on request at reception.</a:t>
-            </a:r>
-          </a:p>
-        </p:txBody>
-      </p:sp>
-      <p:sp>
-        <p:nvSpPr>
-          <p:cNvPr id="69" name="TextBox 69"/>
-          <p:cNvSpPr txBox="1">
-            <a:spLocks noGrp="1" noRot="1" noMove="1" noResize="1" noEditPoints="1" noAdjustHandles="1" noChangeArrowheads="1" noChangeShapeType="1"/>
-          </p:cNvSpPr>
-          <p:nvPr/>
-        </p:nvSpPr>
-        <p:spPr>
-          <a:xfrm>
-            <a:off x="4253952" y="5152054"/>
-            <a:ext cx="2378061" cy="240140"/>
-          </a:xfrm>
-          <a:prstGeom prst="rect">
-            <a:avLst/>
-          </a:prstGeom>
-        </p:spPr>
-        <p:txBody>
-          <a:bodyPr lIns="0" tIns="0" rIns="0" bIns="0" rtlCol="0" anchor="t">
-            <a:spAutoFit/>
-          </a:bodyPr>
-          <a:lstStyle/>
-          <a:p>
-            <a:pPr algn="ctr">
-              <a:lnSpc>
-                <a:spcPts val="1862"/>
-              </a:lnSpc>
-            </a:pPr>
-            <a:r>
-              <a:rPr lang="en-US" sz="2003">
-                <a:solidFill>
-                  <a:srgbClr val="000000"/>
-                </a:solidFill>
-                <a:latin typeface="Circe"/>
-                <a:ea typeface="Circe"/>
-                <a:cs typeface="Circe"/>
-                <a:sym typeface="Circe"/>
-              </a:rPr>
-              <a:t>More than just a stay</a:t>
-            </a:r>
-          </a:p>
-        </p:txBody>
-      </p:sp>
-      <p:sp>
-        <p:nvSpPr>
-          <p:cNvPr id="70" name="TextBox 70"/>
-          <p:cNvSpPr txBox="1">
-            <a:spLocks noGrp="1" noRot="1" noMove="1" noResize="1" noEditPoints="1" noAdjustHandles="1" noChangeArrowheads="1" noChangeShapeType="1"/>
-          </p:cNvSpPr>
-          <p:nvPr/>
-        </p:nvSpPr>
-        <p:spPr>
-          <a:xfrm>
-            <a:off x="3921348" y="6359837"/>
-            <a:ext cx="3043267" cy="550659"/>
-          </a:xfrm>
-          <a:prstGeom prst="rect">
-            <a:avLst/>
-          </a:prstGeom>
-        </p:spPr>
-        <p:txBody>
-          <a:bodyPr lIns="0" tIns="0" rIns="0" bIns="0" rtlCol="0" anchor="t">
-            <a:spAutoFit/>
-          </a:bodyPr>
-          <a:lstStyle/>
-          <a:p>
-            <a:pPr algn="ctr">
-              <a:lnSpc>
-                <a:spcPts val="1556"/>
-              </a:lnSpc>
-            </a:pPr>
-            <a:r>
-              <a:rPr lang="en-US" sz="910">
-                <a:solidFill>
-                  <a:srgbClr val="000000"/>
-                </a:solidFill>
-                <a:latin typeface="Circe"/>
-                <a:ea typeface="Circe"/>
-                <a:cs typeface="Circe"/>
-                <a:sym typeface="Circe"/>
-              </a:rPr>
-              <a:t>Breakfasts, flowers, excursions  —</a:t>
-            </a:r>
-          </a:p>
-          <a:p>
-            <a:pPr algn="ctr">
-              <a:lnSpc>
-                <a:spcPts val="1556"/>
-              </a:lnSpc>
-            </a:pPr>
-            <a:r>
-              <a:rPr lang="en-US" sz="910">
-                <a:solidFill>
-                  <a:srgbClr val="000000"/>
-                </a:solidFill>
-                <a:latin typeface="Circe"/>
-                <a:ea typeface="Circe"/>
-                <a:cs typeface="Circe"/>
-                <a:sym typeface="Circe"/>
-              </a:rPr>
-              <a:t>live like at home, relax like in a hotel.</a:t>
-            </a:r>
-          </a:p>
-          <a:p>
-            <a:pPr algn="ctr">
-              <a:lnSpc>
-                <a:spcPts val="1556"/>
-              </a:lnSpc>
-            </a:pPr>
-            <a:r>
-              <a:rPr lang="en-US" sz="910">
-                <a:solidFill>
-                  <a:srgbClr val="000000"/>
-                </a:solidFill>
-                <a:latin typeface="Circe"/>
-                <a:ea typeface="Circe"/>
-                <a:cs typeface="Circe"/>
-                <a:sym typeface="Circe"/>
-              </a:rPr>
-              <a:t>All services — within reach. Just ask at reception!</a:t>
-            </a:r>
-          </a:p>
-        </p:txBody>
-      </p:sp>
-      <p:sp>
-        <p:nvSpPr>
-          <p:cNvPr id="71" name="TextBox 71"/>
-          <p:cNvSpPr txBox="1">
-            <a:spLocks noGrp="1" noRot="1" noMove="1" noResize="1" noEditPoints="1" noAdjustHandles="1" noChangeArrowheads="1" noChangeShapeType="1"/>
-          </p:cNvSpPr>
-          <p:nvPr/>
-        </p:nvSpPr>
-        <p:spPr>
-          <a:xfrm>
-            <a:off x="4217596" y="308598"/>
-            <a:ext cx="2256807" cy="447402"/>
-          </a:xfrm>
-          <a:prstGeom prst="rect">
-            <a:avLst/>
-          </a:prstGeom>
-        </p:spPr>
-        <p:txBody>
-          <a:bodyPr lIns="0" tIns="0" rIns="0" bIns="0" rtlCol="0" anchor="t">
-            <a:spAutoFit/>
-          </a:bodyPr>
-          <a:lstStyle/>
-          <a:p>
-            <a:pPr algn="ctr">
-              <a:lnSpc>
-                <a:spcPts val="3350"/>
-              </a:lnSpc>
-            </a:pPr>
-            <a:r>
-              <a:rPr lang="en-US" sz="3603">
-                <a:solidFill>
-                  <a:srgbClr val="000000"/>
-                </a:solidFill>
-                <a:latin typeface="Circe"/>
-                <a:ea typeface="Circe"/>
-                <a:cs typeface="Circe"/>
-                <a:sym typeface="Circe"/>
-              </a:rPr>
-              <a:t>services</a:t>
-            </a:r>
-          </a:p>
-        </p:txBody>
-      </p:sp>
-      <p:sp>
-        <p:nvSpPr>
-          <p:cNvPr id="72" name="TextBox 72"/>
-          <p:cNvSpPr txBox="1">
-            <a:spLocks noGrp="1" noRot="1" noMove="1" noResize="1" noEditPoints="1" noAdjustHandles="1" noChangeArrowheads="1" noChangeShapeType="1"/>
-          </p:cNvSpPr>
-          <p:nvPr/>
-        </p:nvSpPr>
-        <p:spPr>
-          <a:xfrm>
-            <a:off x="7712069" y="4412136"/>
-            <a:ext cx="2654703" cy="654667"/>
-          </a:xfrm>
-          <a:prstGeom prst="rect">
-            <a:avLst/>
-          </a:prstGeom>
-        </p:spPr>
-        <p:txBody>
-          <a:bodyPr lIns="0" tIns="0" rIns="0" bIns="0" rtlCol="0" anchor="t">
-            <a:spAutoFit/>
-          </a:bodyPr>
-          <a:lstStyle/>
-          <a:p>
-            <a:pPr algn="ctr">
-              <a:lnSpc>
-                <a:spcPts val="2513"/>
-              </a:lnSpc>
-            </a:pPr>
-            <a:r>
-              <a:rPr lang="en-US" sz="2703">
-                <a:solidFill>
-                  <a:srgbClr val="000000"/>
-                </a:solidFill>
-                <a:latin typeface="Circe"/>
-                <a:ea typeface="Circe"/>
-                <a:cs typeface="Circe"/>
-                <a:sym typeface="Circe"/>
-              </a:rPr>
-              <a:t>Electronic </a:t>
-            </a:r>
-          </a:p>
-          <a:p>
-            <a:pPr algn="ctr">
-              <a:lnSpc>
-                <a:spcPts val="2513"/>
-              </a:lnSpc>
-            </a:pPr>
-            <a:r>
-              <a:rPr lang="en-US" sz="2703">
-                <a:solidFill>
-                  <a:srgbClr val="000000"/>
-                </a:solidFill>
-                <a:latin typeface="Circe"/>
-                <a:ea typeface="Circe"/>
-                <a:cs typeface="Circe"/>
-                <a:sym typeface="Circe"/>
-              </a:rPr>
-              <a:t>Guest Book</a:t>
-            </a:r>
-          </a:p>
-        </p:txBody>
-      </p:sp>
-      <p:sp>
-        <p:nvSpPr>
-          <p:cNvPr id="73" name="TextBox 73"/>
-          <p:cNvSpPr txBox="1">
-            <a:spLocks noGrp="1" noRot="1" noMove="1" noResize="1" noEditPoints="1" noAdjustHandles="1" noChangeArrowheads="1" noChangeShapeType="1"/>
-          </p:cNvSpPr>
-          <p:nvPr/>
-        </p:nvSpPr>
-        <p:spPr>
-          <a:xfrm>
-            <a:off x="7841077" y="5304928"/>
-            <a:ext cx="2396687" cy="741159"/>
-          </a:xfrm>
-          <a:prstGeom prst="rect">
-            <a:avLst/>
-          </a:prstGeom>
-        </p:spPr>
-        <p:txBody>
-          <a:bodyPr lIns="0" tIns="0" rIns="0" bIns="0" rtlCol="0" anchor="t">
-            <a:spAutoFit/>
-          </a:bodyPr>
-          <a:lstStyle/>
-          <a:p>
-            <a:pPr algn="ctr">
-              <a:lnSpc>
-                <a:spcPts val="1556"/>
-              </a:lnSpc>
-            </a:pPr>
-            <a:r>
-              <a:rPr lang="en-US" sz="910">
-                <a:solidFill>
-                  <a:srgbClr val="000000"/>
-                </a:solidFill>
-                <a:latin typeface="Circe"/>
-                <a:ea typeface="Circe"/>
-                <a:cs typeface="Circe"/>
-                <a:sym typeface="Circe"/>
-              </a:rPr>
-              <a:t>Full list of services and useful information</a:t>
-            </a:r>
-          </a:p>
-          <a:p>
-            <a:pPr algn="ctr">
-              <a:lnSpc>
-                <a:spcPts val="1556"/>
-              </a:lnSpc>
-            </a:pPr>
-            <a:r>
-              <a:rPr lang="en-US" sz="910">
-                <a:solidFill>
-                  <a:srgbClr val="000000"/>
-                </a:solidFill>
-                <a:latin typeface="Circe"/>
-                <a:ea typeface="Circe"/>
-                <a:cs typeface="Circe"/>
-                <a:sym typeface="Circe"/>
-              </a:rPr>
-              <a:t>— in the electronic guest book</a:t>
-            </a:r>
-          </a:p>
-          <a:p>
-            <a:pPr algn="ctr">
-              <a:lnSpc>
-                <a:spcPts val="1556"/>
-              </a:lnSpc>
-            </a:pPr>
-            <a:r>
-              <a:rPr lang="en-US" sz="910">
-                <a:solidFill>
-                  <a:srgbClr val="000000"/>
-                </a:solidFill>
-                <a:latin typeface="Circe"/>
-                <a:ea typeface="Circe"/>
-                <a:cs typeface="Circe"/>
-                <a:sym typeface="Circe"/>
-              </a:rPr>
-              <a:t>(scan the QR code below)</a:t>
-            </a:r>
-          </a:p>
-          <a:p>
-            <a:pPr algn="ctr">
-              <a:lnSpc>
-                <a:spcPts val="1556"/>
-              </a:lnSpc>
-            </a:pPr>
-            <a:endParaRPr lang="en-US" sz="910">
-              <a:solidFill>
-                <a:srgbClr val="000000"/>
-              </a:solidFill>
-              <a:latin typeface="Circe"/>
-              <a:ea typeface="Circe"/>
-              <a:cs typeface="Circe"/>
-              <a:sym typeface="Circe"/>
-            </a:endParaRPr>
-          </a:p>
-        </p:txBody>
-      </p:sp>
     </p:spTree>
+    <p:extLst>
+      <p:ext uri="{BB962C8B-B14F-4D97-AF65-F5344CB8AC3E}">
+        <p14:creationId xmlns:p14="http://schemas.microsoft.com/office/powerpoint/2010/main" val="2648984620"/>
+      </p:ext>
+    </p:extLst>
   </p:cSld>
   <p:clrMapOvr>
     <a:masterClrMapping/>
@@ -6168,83 +6700,1290 @@
           <a:chExt cx="0" cy="0"/>
         </a:xfrm>
       </p:grpSpPr>
+      <p:graphicFrame>
+        <p:nvGraphicFramePr>
+          <p:cNvPr id="2" name="Таблица 1">
+            <a:extLst>
+              <a:ext uri="{FF2B5EF4-FFF2-40B4-BE49-F238E27FC236}">
+                <a16:creationId xmlns:a16="http://schemas.microsoft.com/office/drawing/2014/main" id="{8E815524-1041-A780-42D7-94D8AC15580F}"/>
+              </a:ext>
+            </a:extLst>
+          </p:cNvPr>
+          <p:cNvGraphicFramePr>
+            <a:graphicFrameLocks noGrp="1"/>
+          </p:cNvGraphicFramePr>
+          <p:nvPr/>
+        </p:nvGraphicFramePr>
+        <p:xfrm>
+          <a:off x="0" y="-1441"/>
+          <a:ext cx="10693401" cy="7556500"/>
+        </p:xfrm>
+        <a:graphic>
+          <a:graphicData uri="http://schemas.openxmlformats.org/drawingml/2006/table">
+            <a:tbl>
+              <a:tblPr firstRow="1" bandRow="1">
+                <a:tableStyleId>{5C22544A-7EE6-4342-B048-85BDC9FD1C3A}</a:tableStyleId>
+              </a:tblPr>
+              <a:tblGrid>
+                <a:gridCol w="3564467">
+                  <a:extLst>
+                    <a:ext uri="{9D8B030D-6E8A-4147-A177-3AD203B41FA5}">
+                      <a16:colId xmlns:a16="http://schemas.microsoft.com/office/drawing/2014/main" val="2831110576"/>
+                    </a:ext>
+                  </a:extLst>
+                </a:gridCol>
+                <a:gridCol w="3564467">
+                  <a:extLst>
+                    <a:ext uri="{9D8B030D-6E8A-4147-A177-3AD203B41FA5}">
+                      <a16:colId xmlns:a16="http://schemas.microsoft.com/office/drawing/2014/main" val="3473239179"/>
+                    </a:ext>
+                  </a:extLst>
+                </a:gridCol>
+                <a:gridCol w="3564467">
+                  <a:extLst>
+                    <a:ext uri="{9D8B030D-6E8A-4147-A177-3AD203B41FA5}">
+                      <a16:colId xmlns:a16="http://schemas.microsoft.com/office/drawing/2014/main" val="4237337569"/>
+                    </a:ext>
+                  </a:extLst>
+                </a:gridCol>
+              </a:tblGrid>
+              <a:tr h="7556500">
+                <a:tc>
+                  <a:txBody>
+                    <a:bodyPr/>
+                    <a:lstStyle/>
+                    <a:p>
+                      <a:endParaRPr lang="ru-RU" dirty="0"/>
+                    </a:p>
+                  </a:txBody>
+                  <a:tcPr>
+                    <a:lnL w="12700" cap="flat" cmpd="sng" algn="ctr">
+                      <a:solidFill>
+                        <a:schemeClr val="tx1"/>
+                      </a:solidFill>
+                      <a:prstDash val="solid"/>
+                      <a:round/>
+                      <a:headEnd type="none" w="med" len="med"/>
+                      <a:tailEnd type="none" w="med" len="med"/>
+                    </a:lnL>
+                    <a:lnR w="12700" cap="flat" cmpd="sng" algn="ctr">
+                      <a:solidFill>
+                        <a:schemeClr val="tx1"/>
+                      </a:solidFill>
+                      <a:prstDash val="solid"/>
+                      <a:round/>
+                      <a:headEnd type="none" w="med" len="med"/>
+                      <a:tailEnd type="none" w="med" len="med"/>
+                    </a:lnR>
+                    <a:lnT w="12700" cap="flat" cmpd="sng" algn="ctr">
+                      <a:solidFill>
+                        <a:schemeClr val="tx1"/>
+                      </a:solidFill>
+                      <a:prstDash val="solid"/>
+                      <a:round/>
+                      <a:headEnd type="none" w="med" len="med"/>
+                      <a:tailEnd type="none" w="med" len="med"/>
+                    </a:lnT>
+                    <a:lnB w="12700" cap="flat" cmpd="sng" algn="ctr">
+                      <a:solidFill>
+                        <a:schemeClr val="tx1"/>
+                      </a:solidFill>
+                      <a:prstDash val="solid"/>
+                      <a:round/>
+                      <a:headEnd type="none" w="med" len="med"/>
+                      <a:tailEnd type="none" w="med" len="med"/>
+                    </a:lnB>
+                    <a:noFill/>
+                  </a:tcPr>
+                </a:tc>
+                <a:tc>
+                  <a:txBody>
+                    <a:bodyPr/>
+                    <a:lstStyle/>
+                    <a:p>
+                      <a:endParaRPr lang="ru-RU" dirty="0"/>
+                    </a:p>
+                  </a:txBody>
+                  <a:tcPr>
+                    <a:lnL w="12700" cap="flat" cmpd="sng" algn="ctr">
+                      <a:solidFill>
+                        <a:schemeClr val="tx1"/>
+                      </a:solidFill>
+                      <a:prstDash val="solid"/>
+                      <a:round/>
+                      <a:headEnd type="none" w="med" len="med"/>
+                      <a:tailEnd type="none" w="med" len="med"/>
+                    </a:lnL>
+                    <a:lnR w="12700" cap="flat" cmpd="sng" algn="ctr">
+                      <a:solidFill>
+                        <a:schemeClr val="tx1"/>
+                      </a:solidFill>
+                      <a:prstDash val="solid"/>
+                      <a:round/>
+                      <a:headEnd type="none" w="med" len="med"/>
+                      <a:tailEnd type="none" w="med" len="med"/>
+                    </a:lnR>
+                    <a:lnT w="12700" cap="flat" cmpd="sng" algn="ctr">
+                      <a:solidFill>
+                        <a:schemeClr val="tx1"/>
+                      </a:solidFill>
+                      <a:prstDash val="solid"/>
+                      <a:round/>
+                      <a:headEnd type="none" w="med" len="med"/>
+                      <a:tailEnd type="none" w="med" len="med"/>
+                    </a:lnT>
+                    <a:lnB w="12700" cap="flat" cmpd="sng" algn="ctr">
+                      <a:solidFill>
+                        <a:schemeClr val="tx1"/>
+                      </a:solidFill>
+                      <a:prstDash val="solid"/>
+                      <a:round/>
+                      <a:headEnd type="none" w="med" len="med"/>
+                      <a:tailEnd type="none" w="med" len="med"/>
+                    </a:lnB>
+                    <a:noFill/>
+                  </a:tcPr>
+                </a:tc>
+                <a:tc>
+                  <a:txBody>
+                    <a:bodyPr/>
+                    <a:lstStyle/>
+                    <a:p>
+                      <a:endParaRPr lang="ru-RU" dirty="0"/>
+                    </a:p>
+                  </a:txBody>
+                  <a:tcPr>
+                    <a:lnL w="12700" cap="flat" cmpd="sng" algn="ctr">
+                      <a:solidFill>
+                        <a:schemeClr val="tx1"/>
+                      </a:solidFill>
+                      <a:prstDash val="solid"/>
+                      <a:round/>
+                      <a:headEnd type="none" w="med" len="med"/>
+                      <a:tailEnd type="none" w="med" len="med"/>
+                    </a:lnL>
+                    <a:lnR w="12700" cap="flat" cmpd="sng" algn="ctr">
+                      <a:solidFill>
+                        <a:schemeClr val="tx1"/>
+                      </a:solidFill>
+                      <a:prstDash val="solid"/>
+                      <a:round/>
+                      <a:headEnd type="none" w="med" len="med"/>
+                      <a:tailEnd type="none" w="med" len="med"/>
+                    </a:lnR>
+                    <a:lnT w="12700" cap="flat" cmpd="sng" algn="ctr">
+                      <a:solidFill>
+                        <a:schemeClr val="tx1"/>
+                      </a:solidFill>
+                      <a:prstDash val="solid"/>
+                      <a:round/>
+                      <a:headEnd type="none" w="med" len="med"/>
+                      <a:tailEnd type="none" w="med" len="med"/>
+                    </a:lnT>
+                    <a:lnB w="12700" cap="flat" cmpd="sng" algn="ctr">
+                      <a:solidFill>
+                        <a:schemeClr val="tx1"/>
+                      </a:solidFill>
+                      <a:prstDash val="solid"/>
+                      <a:round/>
+                      <a:headEnd type="none" w="med" len="med"/>
+                      <a:tailEnd type="none" w="med" len="med"/>
+                    </a:lnB>
+                    <a:noFill/>
+                  </a:tcPr>
+                </a:tc>
+                <a:extLst>
+                  <a:ext uri="{0D108BD9-81ED-4DB2-BD59-A6C34878D82A}">
+                    <a16:rowId xmlns:a16="http://schemas.microsoft.com/office/drawing/2014/main" val="1988845691"/>
+                  </a:ext>
+                </a:extLst>
+              </a:tr>
+            </a:tbl>
+          </a:graphicData>
+        </a:graphic>
+      </p:graphicFrame>
       <p:grpSp>
         <p:nvGrpSpPr>
-          <p:cNvPr id="2" name="Group 2"/>
-          <p:cNvGrpSpPr>
-            <a:grpSpLocks noGrp="1" noUngrp="1" noRot="1" noMove="1" noResize="1"/>
-          </p:cNvGrpSpPr>
+          <p:cNvPr id="16" name="Группа 15">
+            <a:extLst>
+              <a:ext uri="{FF2B5EF4-FFF2-40B4-BE49-F238E27FC236}">
+                <a16:creationId xmlns:a16="http://schemas.microsoft.com/office/drawing/2014/main" id="{C682FFE1-D131-B4C4-79D0-A703AB8F6157}"/>
+              </a:ext>
+            </a:extLst>
+          </p:cNvPr>
+          <p:cNvGrpSpPr/>
           <p:nvPr/>
         </p:nvGrpSpPr>
         <p:grpSpPr>
           <a:xfrm>
-            <a:off x="3545775" y="4015916"/>
-            <a:ext cx="3600450" cy="735556"/>
-            <a:chOff x="0" y="0"/>
-            <a:chExt cx="4800600" cy="980741"/>
+            <a:off x="88900" y="2025650"/>
+            <a:ext cx="3437775" cy="2735778"/>
+            <a:chOff x="108000" y="1898877"/>
+            <a:chExt cx="3437775" cy="2735778"/>
           </a:xfrm>
         </p:grpSpPr>
-        <p:sp>
-          <p:nvSpPr>
-            <p:cNvPr id="3" name="AutoShape 3"/>
-            <p:cNvSpPr>
-              <a:spLocks noGrp="1" noRot="1" noMove="1" noResize="1" noEditPoints="1" noAdjustHandles="1" noChangeArrowheads="1" noChangeShapeType="1"/>
-            </p:cNvSpPr>
-            <p:nvPr/>
-          </p:nvSpPr>
-          <p:spPr>
-            <a:xfrm flipV="1">
-              <a:off x="0" y="12700"/>
-              <a:ext cx="4800600" cy="0"/>
-            </a:xfrm>
-            <a:prstGeom prst="line">
-              <a:avLst/>
-            </a:prstGeom>
-            <a:ln w="25400" cap="rnd">
-              <a:solidFill>
-                <a:srgbClr val="767576"/>
-              </a:solidFill>
-              <a:prstDash val="solid"/>
-              <a:headEnd type="none" w="sm" len="sm"/>
-              <a:tailEnd type="none" w="sm" len="sm"/>
-            </a:ln>
-          </p:spPr>
-          <p:txBody>
-            <a:bodyPr/>
-            <a:lstStyle/>
-            <a:p>
-              <a:endParaRPr/>
-            </a:p>
-          </p:txBody>
-        </p:sp>
         <p:grpSp>
           <p:nvGrpSpPr>
-            <p:cNvPr id="4" name="Group 4"/>
-            <p:cNvGrpSpPr>
-              <a:grpSpLocks noGrp="1" noUngrp="1" noRot="1" noMove="1" noResize="1"/>
-            </p:cNvGrpSpPr>
+            <p:cNvPr id="3" name="Group 11">
+              <a:extLst>
+                <a:ext uri="{FF2B5EF4-FFF2-40B4-BE49-F238E27FC236}">
+                  <a16:creationId xmlns:a16="http://schemas.microsoft.com/office/drawing/2014/main" id="{6582FEF0-A87E-3FD0-AC60-4B97D0A12076}"/>
+                </a:ext>
+              </a:extLst>
+            </p:cNvPr>
+            <p:cNvGrpSpPr/>
             <p:nvPr/>
           </p:nvGrpSpPr>
           <p:grpSpPr>
             <a:xfrm>
-              <a:off x="11809" y="190500"/>
-              <a:ext cx="4776982" cy="548941"/>
-              <a:chOff x="0" y="0"/>
-              <a:chExt cx="1283972" cy="147546"/>
+              <a:off x="108000" y="1898877"/>
+              <a:ext cx="3437775" cy="2142431"/>
+              <a:chOff x="0" y="95250"/>
+              <a:chExt cx="4583700" cy="2856574"/>
+            </a:xfrm>
+          </p:grpSpPr>
+          <p:grpSp>
+            <p:nvGrpSpPr>
+              <p:cNvPr id="4" name="Group 12">
+                <a:extLst>
+                  <a:ext uri="{FF2B5EF4-FFF2-40B4-BE49-F238E27FC236}">
+                    <a16:creationId xmlns:a16="http://schemas.microsoft.com/office/drawing/2014/main" id="{E722D089-FF19-05F3-C8BB-8D007E4D6D5A}"/>
+                  </a:ext>
+                </a:extLst>
+              </p:cNvPr>
+              <p:cNvGrpSpPr/>
+              <p:nvPr/>
+            </p:nvGrpSpPr>
+            <p:grpSpPr>
+              <a:xfrm>
+                <a:off x="0" y="2226112"/>
+                <a:ext cx="4583700" cy="725712"/>
+                <a:chOff x="0" y="-28575"/>
+                <a:chExt cx="1309133" cy="207268"/>
+              </a:xfrm>
+            </p:grpSpPr>
+            <p:sp>
+              <p:nvSpPr>
+                <p:cNvPr id="10" name="Freeform 13">
+                  <a:extLst>
+                    <a:ext uri="{FF2B5EF4-FFF2-40B4-BE49-F238E27FC236}">
+                      <a16:creationId xmlns:a16="http://schemas.microsoft.com/office/drawing/2014/main" id="{21FC1713-DF76-390C-8C8C-12C5D0F43C2A}"/>
+                    </a:ext>
+                  </a:extLst>
+                </p:cNvPr>
+                <p:cNvSpPr/>
+                <p:nvPr/>
+              </p:nvSpPr>
+              <p:spPr>
+                <a:xfrm>
+                  <a:off x="58035" y="0"/>
+                  <a:ext cx="1160704" cy="178693"/>
+                </a:xfrm>
+                <a:custGeom>
+                  <a:avLst/>
+                  <a:gdLst/>
+                  <a:ahLst/>
+                  <a:cxnLst/>
+                  <a:rect l="l" t="t" r="r" b="b"/>
+                  <a:pathLst>
+                    <a:path w="1309133" h="178693">
+                      <a:moveTo>
+                        <a:pt x="0" y="0"/>
+                      </a:moveTo>
+                      <a:lnTo>
+                        <a:pt x="1309133" y="0"/>
+                      </a:lnTo>
+                      <a:lnTo>
+                        <a:pt x="1309133" y="178693"/>
+                      </a:lnTo>
+                      <a:lnTo>
+                        <a:pt x="0" y="178693"/>
+                      </a:lnTo>
+                      <a:close/>
+                    </a:path>
+                  </a:pathLst>
+                </a:custGeom>
+                <a:solidFill>
+                  <a:srgbClr val="EBE7E7"/>
+                </a:solidFill>
+              </p:spPr>
+              <p:txBody>
+                <a:bodyPr/>
+                <a:lstStyle/>
+                <a:p>
+                  <a:endParaRPr/>
+                </a:p>
+              </p:txBody>
+            </p:sp>
+            <p:sp>
+              <p:nvSpPr>
+                <p:cNvPr id="11" name="TextBox 14">
+                  <a:extLst>
+                    <a:ext uri="{FF2B5EF4-FFF2-40B4-BE49-F238E27FC236}">
+                      <a16:creationId xmlns:a16="http://schemas.microsoft.com/office/drawing/2014/main" id="{5B6420EB-E6FE-2DCC-F028-87ABBF936403}"/>
+                    </a:ext>
+                  </a:extLst>
+                </p:cNvPr>
+                <p:cNvSpPr txBox="1"/>
+                <p:nvPr/>
+              </p:nvSpPr>
+              <p:spPr>
+                <a:xfrm>
+                  <a:off x="0" y="-28575"/>
+                  <a:ext cx="1309133" cy="207268"/>
+                </a:xfrm>
+                <a:prstGeom prst="rect">
+                  <a:avLst/>
+                </a:prstGeom>
+              </p:spPr>
+              <p:txBody>
+                <a:bodyPr lIns="47808" tIns="47808" rIns="47808" bIns="47808" rtlCol="0" anchor="ctr"/>
+                <a:lstStyle/>
+                <a:p>
+                  <a:pPr algn="ctr">
+                    <a:lnSpc>
+                      <a:spcPts val="1664"/>
+                    </a:lnSpc>
+                  </a:pPr>
+                  <a:endParaRPr/>
+                </a:p>
+              </p:txBody>
+            </p:sp>
+          </p:grpSp>
+          <p:grpSp>
+            <p:nvGrpSpPr>
+              <p:cNvPr id="5" name="Group 15">
+                <a:extLst>
+                  <a:ext uri="{FF2B5EF4-FFF2-40B4-BE49-F238E27FC236}">
+                    <a16:creationId xmlns:a16="http://schemas.microsoft.com/office/drawing/2014/main" id="{B2087990-6C73-CEE5-F7F2-E1CC8AA14CBD}"/>
+                  </a:ext>
+                </a:extLst>
+              </p:cNvPr>
+              <p:cNvGrpSpPr/>
+              <p:nvPr/>
+            </p:nvGrpSpPr>
+            <p:grpSpPr>
+              <a:xfrm>
+                <a:off x="0" y="1187039"/>
+                <a:ext cx="4583700" cy="725712"/>
+                <a:chOff x="0" y="-28575"/>
+                <a:chExt cx="1309133" cy="207268"/>
+              </a:xfrm>
+            </p:grpSpPr>
+            <p:sp>
+              <p:nvSpPr>
+                <p:cNvPr id="8" name="Freeform 16">
+                  <a:extLst>
+                    <a:ext uri="{FF2B5EF4-FFF2-40B4-BE49-F238E27FC236}">
+                      <a16:creationId xmlns:a16="http://schemas.microsoft.com/office/drawing/2014/main" id="{76BA1EA6-ACE4-723E-EBEA-4A4F72F6AE8E}"/>
+                    </a:ext>
+                  </a:extLst>
+                </p:cNvPr>
+                <p:cNvSpPr/>
+                <p:nvPr/>
+              </p:nvSpPr>
+              <p:spPr>
+                <a:xfrm>
+                  <a:off x="58035" y="0"/>
+                  <a:ext cx="1160704" cy="178693"/>
+                </a:xfrm>
+                <a:custGeom>
+                  <a:avLst/>
+                  <a:gdLst/>
+                  <a:ahLst/>
+                  <a:cxnLst/>
+                  <a:rect l="l" t="t" r="r" b="b"/>
+                  <a:pathLst>
+                    <a:path w="1309133" h="178693">
+                      <a:moveTo>
+                        <a:pt x="0" y="0"/>
+                      </a:moveTo>
+                      <a:lnTo>
+                        <a:pt x="1309133" y="0"/>
+                      </a:lnTo>
+                      <a:lnTo>
+                        <a:pt x="1309133" y="178693"/>
+                      </a:lnTo>
+                      <a:lnTo>
+                        <a:pt x="0" y="178693"/>
+                      </a:lnTo>
+                      <a:close/>
+                    </a:path>
+                  </a:pathLst>
+                </a:custGeom>
+                <a:solidFill>
+                  <a:srgbClr val="EBE7E7"/>
+                </a:solidFill>
+              </p:spPr>
+              <p:txBody>
+                <a:bodyPr/>
+                <a:lstStyle/>
+                <a:p>
+                  <a:endParaRPr/>
+                </a:p>
+              </p:txBody>
+            </p:sp>
+            <p:sp>
+              <p:nvSpPr>
+                <p:cNvPr id="9" name="TextBox 17">
+                  <a:extLst>
+                    <a:ext uri="{FF2B5EF4-FFF2-40B4-BE49-F238E27FC236}">
+                      <a16:creationId xmlns:a16="http://schemas.microsoft.com/office/drawing/2014/main" id="{F5CB7D5F-50EE-00A3-9EDF-A8DD61E909D4}"/>
+                    </a:ext>
+                  </a:extLst>
+                </p:cNvPr>
+                <p:cNvSpPr txBox="1"/>
+                <p:nvPr/>
+              </p:nvSpPr>
+              <p:spPr>
+                <a:xfrm>
+                  <a:off x="0" y="-28575"/>
+                  <a:ext cx="1309133" cy="207268"/>
+                </a:xfrm>
+                <a:prstGeom prst="rect">
+                  <a:avLst/>
+                </a:prstGeom>
+              </p:spPr>
+              <p:txBody>
+                <a:bodyPr lIns="47808" tIns="47808" rIns="47808" bIns="47808" rtlCol="0" anchor="ctr"/>
+                <a:lstStyle/>
+                <a:p>
+                  <a:pPr algn="ctr">
+                    <a:lnSpc>
+                      <a:spcPts val="1664"/>
+                    </a:lnSpc>
+                  </a:pPr>
+                  <a:endParaRPr/>
+                </a:p>
+              </p:txBody>
+            </p:sp>
+          </p:grpSp>
+          <p:sp>
+            <p:nvSpPr>
+              <p:cNvPr id="6" name="TextBox 18">
+                <a:extLst>
+                  <a:ext uri="{FF2B5EF4-FFF2-40B4-BE49-F238E27FC236}">
+                    <a16:creationId xmlns:a16="http://schemas.microsoft.com/office/drawing/2014/main" id="{C3B6AA32-DFE2-ADFE-6C0E-59933BF62FA0}"/>
+                  </a:ext>
+                </a:extLst>
+              </p:cNvPr>
+              <p:cNvSpPr txBox="1"/>
+              <p:nvPr/>
+            </p:nvSpPr>
+            <p:spPr>
+              <a:xfrm>
+                <a:off x="792687" y="95250"/>
+                <a:ext cx="2950744" cy="628286"/>
+              </a:xfrm>
+              <a:prstGeom prst="rect">
+                <a:avLst/>
+              </a:prstGeom>
+            </p:spPr>
+            <p:txBody>
+              <a:bodyPr lIns="0" tIns="0" rIns="0" bIns="0" rtlCol="0" anchor="t">
+                <a:spAutoFit/>
+              </a:bodyPr>
+              <a:lstStyle/>
+              <a:p>
+                <a:pPr algn="ctr">
+                  <a:lnSpc>
+                    <a:spcPts val="3350"/>
+                  </a:lnSpc>
+                </a:pPr>
+                <a:r>
+                  <a:rPr lang="en-US" sz="3603" dirty="0">
+                    <a:solidFill>
+                      <a:srgbClr val="000000"/>
+                    </a:solidFill>
+                    <a:latin typeface="Circe"/>
+                    <a:ea typeface="Circe"/>
+                    <a:cs typeface="Circe"/>
+                    <a:sym typeface="Circe"/>
+                  </a:rPr>
+                  <a:t>wi-fi</a:t>
+                </a:r>
+              </a:p>
+            </p:txBody>
+          </p:sp>
+          <p:sp>
+            <p:nvSpPr>
+              <p:cNvPr id="7" name="TextBox 19">
+                <a:extLst>
+                  <a:ext uri="{FF2B5EF4-FFF2-40B4-BE49-F238E27FC236}">
+                    <a16:creationId xmlns:a16="http://schemas.microsoft.com/office/drawing/2014/main" id="{C4677AA2-A896-DD88-C1EE-CC60EC2881E1}"/>
+                  </a:ext>
+                </a:extLst>
+              </p:cNvPr>
+              <p:cNvSpPr txBox="1"/>
+              <p:nvPr/>
+            </p:nvSpPr>
+            <p:spPr>
+              <a:xfrm>
+                <a:off x="616879" y="1464854"/>
+                <a:ext cx="3447121" cy="292045"/>
+              </a:xfrm>
+              <a:prstGeom prst="rect">
+                <a:avLst/>
+              </a:prstGeom>
+            </p:spPr>
+            <p:txBody>
+              <a:bodyPr wrap="square" lIns="0" tIns="0" rIns="0" bIns="0" rtlCol="0" anchor="t">
+                <a:spAutoFit/>
+              </a:bodyPr>
+              <a:lstStyle/>
+              <a:p>
+                <a:pPr algn="l">
+                  <a:lnSpc>
+                    <a:spcPts val="1675"/>
+                  </a:lnSpc>
+                </a:pPr>
+                <a:r>
+                  <a:rPr lang="en-US" sz="1444" dirty="0">
+                    <a:solidFill>
+                      <a:srgbClr val="000000"/>
+                    </a:solidFill>
+                    <a:latin typeface="Circe"/>
+                    <a:ea typeface="Circe"/>
+                    <a:cs typeface="Circe"/>
+                    <a:sym typeface="Circe"/>
+                  </a:rPr>
+                  <a:t>network : ARTSTUDIO NEVSKY</a:t>
+                </a:r>
+              </a:p>
+            </p:txBody>
+          </p:sp>
+        </p:grpSp>
+        <p:sp>
+          <p:nvSpPr>
+            <p:cNvPr id="12" name="TextBox 23">
+              <a:extLst>
+                <a:ext uri="{FF2B5EF4-FFF2-40B4-BE49-F238E27FC236}">
+                  <a16:creationId xmlns:a16="http://schemas.microsoft.com/office/drawing/2014/main" id="{B648583E-10F9-5EDB-4AA6-0B597ABBD321}"/>
+                </a:ext>
+              </a:extLst>
+            </p:cNvPr>
+            <p:cNvSpPr txBox="1"/>
+            <p:nvPr/>
+          </p:nvSpPr>
+          <p:spPr>
+            <a:xfrm>
+              <a:off x="570660" y="3707776"/>
+              <a:ext cx="2585340" cy="218842"/>
+            </a:xfrm>
+            <a:prstGeom prst="rect">
+              <a:avLst/>
+            </a:prstGeom>
+          </p:spPr>
+          <p:txBody>
+            <a:bodyPr wrap="square" lIns="0" tIns="0" rIns="0" bIns="0" rtlCol="0" anchor="t">
+              <a:spAutoFit/>
+            </a:bodyPr>
+            <a:lstStyle/>
+            <a:p>
+              <a:pPr algn="l">
+                <a:lnSpc>
+                  <a:spcPts val="1670"/>
+                </a:lnSpc>
+              </a:pPr>
+              <a:r>
+                <a:rPr lang="en-US" sz="1439" dirty="0">
+                  <a:solidFill>
+                    <a:srgbClr val="000000"/>
+                  </a:solidFill>
+                  <a:latin typeface="Circe"/>
+                  <a:ea typeface="Circe"/>
+                  <a:cs typeface="Circe"/>
+                  <a:sym typeface="Circe"/>
+                </a:rPr>
+                <a:t>password: </a:t>
+              </a:r>
+            </a:p>
+          </p:txBody>
+        </p:sp>
+        <p:sp>
+          <p:nvSpPr>
+            <p:cNvPr id="13" name="TextBox 20">
+              <a:extLst>
+                <a:ext uri="{FF2B5EF4-FFF2-40B4-BE49-F238E27FC236}">
+                  <a16:creationId xmlns:a16="http://schemas.microsoft.com/office/drawing/2014/main" id="{D05BFC3D-9BF6-EF0A-76A5-5BF7FFB5C7BB}"/>
+                </a:ext>
+              </a:extLst>
+            </p:cNvPr>
+            <p:cNvSpPr txBox="1"/>
+            <p:nvPr/>
+          </p:nvSpPr>
+          <p:spPr>
+            <a:xfrm>
+              <a:off x="618768" y="4150805"/>
+              <a:ext cx="2212514" cy="483850"/>
+            </a:xfrm>
+            <a:prstGeom prst="rect">
+              <a:avLst/>
+            </a:prstGeom>
+          </p:spPr>
+          <p:txBody>
+            <a:bodyPr lIns="0" tIns="0" rIns="0" bIns="0" rtlCol="0" anchor="t">
+              <a:spAutoFit/>
+            </a:bodyPr>
+            <a:lstStyle/>
+            <a:p>
+              <a:pPr algn="ctr">
+                <a:lnSpc>
+                  <a:spcPts val="2038"/>
+                </a:lnSpc>
+              </a:pPr>
+              <a:r>
+                <a:rPr lang="en-US" sz="910" dirty="0">
+                  <a:solidFill>
+                    <a:srgbClr val="000000"/>
+                  </a:solidFill>
+                  <a:latin typeface="Circe"/>
+                  <a:ea typeface="Circe"/>
+                  <a:cs typeface="Circe"/>
+                  <a:sym typeface="Circe"/>
+                </a:rPr>
+                <a:t>The code is secure and unique </a:t>
+              </a:r>
+            </a:p>
+            <a:p>
+              <a:pPr algn="ctr">
+                <a:lnSpc>
+                  <a:spcPts val="2038"/>
+                </a:lnSpc>
+              </a:pPr>
+              <a:r>
+                <a:rPr lang="en-US" sz="910" dirty="0">
+                  <a:solidFill>
+                    <a:srgbClr val="000000"/>
+                  </a:solidFill>
+                  <a:latin typeface="Circe"/>
+                  <a:ea typeface="Circe"/>
+                  <a:cs typeface="Circe"/>
+                  <a:sym typeface="Circe"/>
+                </a:rPr>
+                <a:t>— valid only for your room.</a:t>
+              </a:r>
+            </a:p>
+          </p:txBody>
+        </p:sp>
+      </p:grpSp>
+      <p:sp>
+        <p:nvSpPr>
+          <p:cNvPr id="17" name="TextBox 23">
+            <a:extLst>
+              <a:ext uri="{FF2B5EF4-FFF2-40B4-BE49-F238E27FC236}">
+                <a16:creationId xmlns:a16="http://schemas.microsoft.com/office/drawing/2014/main" id="{722296F3-31AA-BC93-A776-2E34867D1754}"/>
+              </a:ext>
+            </a:extLst>
+          </p:cNvPr>
+          <p:cNvSpPr txBox="1"/>
+          <p:nvPr/>
+        </p:nvSpPr>
+        <p:spPr>
+          <a:xfrm>
+            <a:off x="980939" y="3676960"/>
+            <a:ext cx="2350430" cy="396262"/>
+          </a:xfrm>
+          <a:prstGeom prst="rect">
+            <a:avLst/>
+          </a:prstGeom>
+        </p:spPr>
+        <p:txBody>
+          <a:bodyPr lIns="0" tIns="0" rIns="0" bIns="0" rtlCol="0" anchor="t">
+            <a:spAutoFit/>
+          </a:bodyPr>
+          <a:lstStyle/>
+          <a:p>
+            <a:pPr algn="ctr">
+              <a:lnSpc>
+                <a:spcPts val="3350"/>
+              </a:lnSpc>
+            </a:pPr>
+            <a:r>
+              <a:rPr dirty="0">
+                <a:latin typeface="Circe" panose="020B0502020203020203" pitchFamily="34" charset="-52"/>
+              </a:rPr>
+              <a:t>{{PASSWORD}}</a:t>
+            </a:r>
+          </a:p>
+        </p:txBody>
+      </p:sp>
+      <p:sp>
+        <p:nvSpPr>
+          <p:cNvPr id="18" name="TextBox 17">
+            <a:extLst>
+              <a:ext uri="{FF2B5EF4-FFF2-40B4-BE49-F238E27FC236}">
+                <a16:creationId xmlns:a16="http://schemas.microsoft.com/office/drawing/2014/main" id="{A5D63DDB-024D-E54C-F4F5-21B48D781854}"/>
+              </a:ext>
+            </a:extLst>
+          </p:cNvPr>
+          <p:cNvSpPr txBox="1"/>
+          <p:nvPr/>
+        </p:nvSpPr>
+        <p:spPr>
+          <a:xfrm>
+            <a:off x="1051974" y="5113311"/>
+            <a:ext cx="1307902" cy="1306800"/>
+          </a:xfrm>
+          <a:prstGeom prst="rect">
+            <a:avLst/>
+          </a:prstGeom>
+          <a:noFill/>
+        </p:spPr>
+        <p:txBody>
+          <a:bodyPr wrap="square">
+            <a:spAutoFit/>
+          </a:bodyPr>
+          <a:lstStyle/>
+          <a:p>
+            <a:r>
+              <a:rPr dirty="0"/>
+              <a:t>{{QR_WIFI}}</a:t>
+            </a:r>
+          </a:p>
+        </p:txBody>
+      </p:sp>
+      <p:grpSp>
+        <p:nvGrpSpPr>
+          <p:cNvPr id="29" name="Группа 28">
+            <a:extLst>
+              <a:ext uri="{FF2B5EF4-FFF2-40B4-BE49-F238E27FC236}">
+                <a16:creationId xmlns:a16="http://schemas.microsoft.com/office/drawing/2014/main" id="{931BAEC2-DD69-3EB3-1628-C02EB991514D}"/>
+              </a:ext>
+            </a:extLst>
+          </p:cNvPr>
+          <p:cNvGrpSpPr/>
+          <p:nvPr/>
+        </p:nvGrpSpPr>
+        <p:grpSpPr>
+          <a:xfrm>
+            <a:off x="3554632" y="1257973"/>
+            <a:ext cx="3582737" cy="4413839"/>
+            <a:chOff x="3554632" y="1257973"/>
+            <a:chExt cx="3582737" cy="4413839"/>
+          </a:xfrm>
+        </p:grpSpPr>
+        <p:grpSp>
+          <p:nvGrpSpPr>
+            <p:cNvPr id="19" name="Group 2">
+              <a:extLst>
+                <a:ext uri="{FF2B5EF4-FFF2-40B4-BE49-F238E27FC236}">
+                  <a16:creationId xmlns:a16="http://schemas.microsoft.com/office/drawing/2014/main" id="{3FD1D5E6-19BB-FEA7-7CE8-527A8C912757}"/>
+                </a:ext>
+              </a:extLst>
+            </p:cNvPr>
+            <p:cNvGrpSpPr/>
+            <p:nvPr/>
+          </p:nvGrpSpPr>
+          <p:grpSpPr>
+            <a:xfrm>
+              <a:off x="3554632" y="3476840"/>
+              <a:ext cx="3582737" cy="516647"/>
+              <a:chOff x="11809" y="50579"/>
+              <a:chExt cx="4776982" cy="688862"/>
             </a:xfrm>
           </p:grpSpPr>
           <p:sp>
             <p:nvSpPr>
-              <p:cNvPr id="5" name="Freeform 5"/>
-              <p:cNvSpPr>
-                <a:spLocks noGrp="1" noRot="1" noMove="1" noResize="1" noEditPoints="1" noAdjustHandles="1" noChangeArrowheads="1" noChangeShapeType="1"/>
-              </p:cNvSpPr>
+              <p:cNvPr id="20" name="AutoShape 3">
+                <a:extLst>
+                  <a:ext uri="{FF2B5EF4-FFF2-40B4-BE49-F238E27FC236}">
+                    <a16:creationId xmlns:a16="http://schemas.microsoft.com/office/drawing/2014/main" id="{F6C4E464-4D38-26F4-123B-4F421C11995C}"/>
+                  </a:ext>
+                </a:extLst>
+              </p:cNvPr>
+              <p:cNvSpPr/>
+              <p:nvPr/>
+            </p:nvSpPr>
+            <p:spPr>
+              <a:xfrm>
+                <a:off x="64432" y="50579"/>
+                <a:ext cx="4673601" cy="23"/>
+              </a:xfrm>
+              <a:prstGeom prst="line">
+                <a:avLst/>
+              </a:prstGeom>
+              <a:ln>
+                <a:solidFill>
+                  <a:srgbClr val="767576"/>
+                </a:solidFill>
+                <a:headEnd type="none" w="sm" len="sm"/>
+                <a:tailEnd type="none" w="sm" len="sm"/>
+              </a:ln>
+              <a:effectLst/>
+            </p:spPr>
+            <p:style>
+              <a:lnRef idx="2">
+                <a:schemeClr val="dk1"/>
+              </a:lnRef>
+              <a:fillRef idx="0">
+                <a:schemeClr val="dk1"/>
+              </a:fillRef>
+              <a:effectRef idx="1">
+                <a:schemeClr val="dk1"/>
+              </a:effectRef>
+              <a:fontRef idx="minor">
+                <a:schemeClr val="tx1"/>
+              </a:fontRef>
+            </p:style>
+            <p:txBody>
+              <a:bodyPr/>
+              <a:lstStyle/>
+              <a:p>
+                <a:endParaRPr/>
+              </a:p>
+            </p:txBody>
+          </p:sp>
+          <p:grpSp>
+            <p:nvGrpSpPr>
+              <p:cNvPr id="21" name="Group 4">
+                <a:extLst>
+                  <a:ext uri="{FF2B5EF4-FFF2-40B4-BE49-F238E27FC236}">
+                    <a16:creationId xmlns:a16="http://schemas.microsoft.com/office/drawing/2014/main" id="{EFB8CD70-6E59-651B-A6AC-DCE8158FD3C9}"/>
+                  </a:ext>
+                </a:extLst>
+              </p:cNvPr>
+              <p:cNvGrpSpPr/>
+              <p:nvPr/>
+            </p:nvGrpSpPr>
+            <p:grpSpPr>
+              <a:xfrm>
+                <a:off x="11809" y="84187"/>
+                <a:ext cx="4776982" cy="655254"/>
+                <a:chOff x="0" y="-28575"/>
+                <a:chExt cx="1283972" cy="176121"/>
+              </a:xfrm>
+            </p:grpSpPr>
+            <p:sp>
+              <p:nvSpPr>
+                <p:cNvPr id="23" name="Freeform 5">
+                  <a:extLst>
+                    <a:ext uri="{FF2B5EF4-FFF2-40B4-BE49-F238E27FC236}">
+                      <a16:creationId xmlns:a16="http://schemas.microsoft.com/office/drawing/2014/main" id="{FEFA54D7-4DD4-3E0F-6946-B533476A049C}"/>
+                    </a:ext>
+                  </a:extLst>
+                </p:cNvPr>
+                <p:cNvSpPr/>
+                <p:nvPr/>
+              </p:nvSpPr>
+              <p:spPr>
+                <a:xfrm>
+                  <a:off x="14144" y="0"/>
+                  <a:ext cx="1256185" cy="147546"/>
+                </a:xfrm>
+                <a:custGeom>
+                  <a:avLst/>
+                  <a:gdLst/>
+                  <a:ahLst/>
+                  <a:cxnLst/>
+                  <a:rect l="l" t="t" r="r" b="b"/>
+                  <a:pathLst>
+                    <a:path w="1283972" h="147546">
+                      <a:moveTo>
+                        <a:pt x="0" y="0"/>
+                      </a:moveTo>
+                      <a:lnTo>
+                        <a:pt x="1283972" y="0"/>
+                      </a:lnTo>
+                      <a:lnTo>
+                        <a:pt x="1283972" y="147546"/>
+                      </a:lnTo>
+                      <a:lnTo>
+                        <a:pt x="0" y="147546"/>
+                      </a:lnTo>
+                      <a:close/>
+                    </a:path>
+                  </a:pathLst>
+                </a:custGeom>
+                <a:solidFill>
+                  <a:srgbClr val="767576"/>
+                </a:solidFill>
+              </p:spPr>
+              <p:txBody>
+                <a:bodyPr/>
+                <a:lstStyle/>
+                <a:p>
+                  <a:endParaRPr/>
+                </a:p>
+              </p:txBody>
+            </p:sp>
+            <p:sp>
+              <p:nvSpPr>
+                <p:cNvPr id="24" name="TextBox 6">
+                  <a:extLst>
+                    <a:ext uri="{FF2B5EF4-FFF2-40B4-BE49-F238E27FC236}">
+                      <a16:creationId xmlns:a16="http://schemas.microsoft.com/office/drawing/2014/main" id="{9D43BC0F-FA61-102B-3819-088AC6722743}"/>
+                    </a:ext>
+                  </a:extLst>
+                </p:cNvPr>
+                <p:cNvSpPr txBox="1"/>
+                <p:nvPr/>
+              </p:nvSpPr>
+              <p:spPr>
+                <a:xfrm>
+                  <a:off x="0" y="-28575"/>
+                  <a:ext cx="1283972" cy="176121"/>
+                </a:xfrm>
+                <a:prstGeom prst="rect">
+                  <a:avLst/>
+                </a:prstGeom>
+              </p:spPr>
+              <p:txBody>
+                <a:bodyPr lIns="50800" tIns="50800" rIns="50800" bIns="50800" rtlCol="0" anchor="ctr"/>
+                <a:lstStyle/>
+                <a:p>
+                  <a:pPr algn="ctr">
+                    <a:lnSpc>
+                      <a:spcPts val="1664"/>
+                    </a:lnSpc>
+                  </a:pPr>
+                  <a:endParaRPr/>
+                </a:p>
+              </p:txBody>
+            </p:sp>
+          </p:grpSp>
+        </p:grpSp>
+        <p:sp>
+          <p:nvSpPr>
+            <p:cNvPr id="26" name="TextBox 26">
+              <a:extLst>
+                <a:ext uri="{FF2B5EF4-FFF2-40B4-BE49-F238E27FC236}">
+                  <a16:creationId xmlns:a16="http://schemas.microsoft.com/office/drawing/2014/main" id="{D95093AC-1D7F-FCDC-FADB-288C2C96476A}"/>
+                </a:ext>
+              </a:extLst>
+            </p:cNvPr>
+            <p:cNvSpPr txBox="1"/>
+            <p:nvPr/>
+          </p:nvSpPr>
+          <p:spPr>
+            <a:xfrm>
+              <a:off x="4170785" y="4618066"/>
+              <a:ext cx="2350430" cy="465577"/>
+            </a:xfrm>
+            <a:prstGeom prst="rect">
+              <a:avLst/>
+            </a:prstGeom>
+          </p:spPr>
+          <p:txBody>
+            <a:bodyPr lIns="0" tIns="0" rIns="0" bIns="0" rtlCol="0" anchor="t">
+              <a:spAutoFit/>
+            </a:bodyPr>
+            <a:lstStyle/>
+            <a:p>
+              <a:pPr algn="ctr">
+                <a:lnSpc>
+                  <a:spcPts val="3350"/>
+                </a:lnSpc>
+              </a:pPr>
+              <a:r>
+                <a:rPr lang="en-US" sz="3603" dirty="0">
+                  <a:solidFill>
+                    <a:srgbClr val="000000"/>
+                  </a:solidFill>
+                  <a:latin typeface="Circe"/>
+                  <a:ea typeface="Circe"/>
+                  <a:cs typeface="Circe"/>
+                  <a:sym typeface="Circe"/>
+                </a:rPr>
+                <a:t>merch</a:t>
+              </a:r>
+            </a:p>
+          </p:txBody>
+        </p:sp>
+        <p:sp>
+          <p:nvSpPr>
+            <p:cNvPr id="27" name="TextBox 27">
+              <a:extLst>
+                <a:ext uri="{FF2B5EF4-FFF2-40B4-BE49-F238E27FC236}">
+                  <a16:creationId xmlns:a16="http://schemas.microsoft.com/office/drawing/2014/main" id="{13AD8E4C-8BCA-A6B8-9885-58688927915D}"/>
+                </a:ext>
+              </a:extLst>
+            </p:cNvPr>
+            <p:cNvSpPr txBox="1"/>
+            <p:nvPr/>
+          </p:nvSpPr>
+          <p:spPr>
+            <a:xfrm>
+              <a:off x="3790720" y="1257973"/>
+              <a:ext cx="3110559" cy="1765757"/>
+            </a:xfrm>
+            <a:prstGeom prst="rect">
+              <a:avLst/>
+            </a:prstGeom>
+          </p:spPr>
+          <p:txBody>
+            <a:bodyPr lIns="0" tIns="0" rIns="0" bIns="0" rtlCol="0" anchor="t">
+              <a:spAutoFit/>
+            </a:bodyPr>
+            <a:lstStyle/>
+            <a:p>
+              <a:pPr algn="ctr">
+                <a:lnSpc>
+                  <a:spcPts val="2038"/>
+                </a:lnSpc>
+              </a:pPr>
+              <a:r>
+                <a:rPr lang="en-US" sz="910" dirty="0">
+                  <a:solidFill>
+                    <a:srgbClr val="000000"/>
+                  </a:solidFill>
+                  <a:latin typeface="Circe"/>
+                  <a:ea typeface="Circe"/>
+                  <a:cs typeface="Circe"/>
+                  <a:sym typeface="Circe"/>
+                </a:rPr>
+                <a:t>A space where art, the city, and people meet.</a:t>
+              </a:r>
+            </a:p>
+            <a:p>
+              <a:pPr algn="ctr">
+                <a:lnSpc>
+                  <a:spcPts val="2038"/>
+                </a:lnSpc>
+              </a:pPr>
+              <a:r>
+                <a:rPr lang="en-US" sz="910" dirty="0">
+                  <a:solidFill>
+                    <a:srgbClr val="000000"/>
+                  </a:solidFill>
+                  <a:latin typeface="Circe"/>
+                  <a:ea typeface="Circe"/>
+                  <a:cs typeface="Circe"/>
+                  <a:sym typeface="Circe"/>
+                </a:rPr>
+                <a:t>You are not just guests of the aparthotel — you are co-creators of the atmosphere, witnesses to cultural events, and part of the visual story of ARTSTUDIO.</a:t>
+              </a:r>
+            </a:p>
+            <a:p>
+              <a:pPr algn="ctr">
+                <a:lnSpc>
+                  <a:spcPts val="2038"/>
+                </a:lnSpc>
+              </a:pPr>
+              <a:endParaRPr lang="en-US" sz="910" dirty="0">
+                <a:solidFill>
+                  <a:srgbClr val="000000"/>
+                </a:solidFill>
+                <a:latin typeface="Circe"/>
+                <a:ea typeface="Circe"/>
+                <a:cs typeface="Circe"/>
+                <a:sym typeface="Circe"/>
+              </a:endParaRPr>
+            </a:p>
+            <a:p>
+              <a:pPr algn="ctr">
+                <a:lnSpc>
+                  <a:spcPts val="2038"/>
+                </a:lnSpc>
+              </a:pPr>
+              <a:r>
+                <a:rPr lang="en-US" sz="910" dirty="0">
+                  <a:solidFill>
+                    <a:srgbClr val="000000"/>
+                  </a:solidFill>
+                  <a:latin typeface="Circe"/>
+                  <a:ea typeface="Circe"/>
+                  <a:cs typeface="Circe"/>
+                  <a:sym typeface="Circe"/>
+                </a:rPr>
+                <a:t>We truly appreciate it when you share your photos </a:t>
+              </a:r>
+            </a:p>
+            <a:p>
+              <a:pPr algn="ctr">
+                <a:lnSpc>
+                  <a:spcPts val="2038"/>
+                </a:lnSpc>
+              </a:pPr>
+              <a:r>
+                <a:rPr lang="en-US" sz="910" dirty="0">
+                  <a:solidFill>
+                    <a:srgbClr val="000000"/>
+                  </a:solidFill>
+                  <a:latin typeface="Circe"/>
+                  <a:ea typeface="Circe"/>
+                  <a:cs typeface="Circe"/>
+                  <a:sym typeface="Circe"/>
+                </a:rPr>
+                <a:t>and tag us on social media!</a:t>
+              </a:r>
+            </a:p>
+          </p:txBody>
+        </p:sp>
+        <p:sp>
+          <p:nvSpPr>
+            <p:cNvPr id="28" name="TextBox 28">
+              <a:extLst>
+                <a:ext uri="{FF2B5EF4-FFF2-40B4-BE49-F238E27FC236}">
+                  <a16:creationId xmlns:a16="http://schemas.microsoft.com/office/drawing/2014/main" id="{4559BC32-A4CD-D5BD-2679-DB2560225136}"/>
+                </a:ext>
+              </a:extLst>
+            </p:cNvPr>
+            <p:cNvSpPr txBox="1"/>
+            <p:nvPr/>
+          </p:nvSpPr>
+          <p:spPr>
+            <a:xfrm>
+              <a:off x="3790720" y="5277730"/>
+              <a:ext cx="3110559" cy="394082"/>
+            </a:xfrm>
+            <a:prstGeom prst="rect">
+              <a:avLst/>
+            </a:prstGeom>
+          </p:spPr>
+          <p:txBody>
+            <a:bodyPr lIns="0" tIns="0" rIns="0" bIns="0" rtlCol="0" anchor="t">
+              <a:spAutoFit/>
+            </a:bodyPr>
+            <a:lstStyle/>
+            <a:p>
+              <a:pPr algn="ctr">
+                <a:lnSpc>
+                  <a:spcPts val="1556"/>
+                </a:lnSpc>
+              </a:pPr>
+              <a:r>
+                <a:rPr lang="en-US" sz="910" dirty="0">
+                  <a:solidFill>
+                    <a:srgbClr val="000000"/>
+                  </a:solidFill>
+                  <a:latin typeface="Circe"/>
+                  <a:ea typeface="Circe"/>
+                  <a:cs typeface="Circe"/>
+                  <a:sym typeface="Circe"/>
+                </a:rPr>
+                <a:t>Signature pajamas, candles, and souvenirs —</a:t>
+              </a:r>
+            </a:p>
+            <a:p>
+              <a:pPr algn="ctr">
+                <a:lnSpc>
+                  <a:spcPts val="1556"/>
+                </a:lnSpc>
+              </a:pPr>
+              <a:r>
+                <a:rPr lang="en-US" sz="910" dirty="0">
+                  <a:solidFill>
+                    <a:srgbClr val="000000"/>
+                  </a:solidFill>
+                  <a:latin typeface="Circe"/>
+                  <a:ea typeface="Circe"/>
+                  <a:cs typeface="Circe"/>
+                  <a:sym typeface="Circe"/>
+                </a:rPr>
+                <a:t>all available at reception.</a:t>
+              </a:r>
+            </a:p>
+          </p:txBody>
+        </p:sp>
+      </p:grpSp>
+      <p:sp>
+        <p:nvSpPr>
+          <p:cNvPr id="31" name="AutoShape 3">
+            <a:extLst>
+              <a:ext uri="{FF2B5EF4-FFF2-40B4-BE49-F238E27FC236}">
+                <a16:creationId xmlns:a16="http://schemas.microsoft.com/office/drawing/2014/main" id="{2FE056CF-6B28-E0B3-8B8A-0F1C9F334BD4}"/>
+              </a:ext>
+            </a:extLst>
+          </p:cNvPr>
+          <p:cNvSpPr/>
+          <p:nvPr/>
+        </p:nvSpPr>
+        <p:spPr>
+          <a:xfrm>
+            <a:off x="3593398" y="4073222"/>
+            <a:ext cx="3505201" cy="17"/>
+          </a:xfrm>
+          <a:prstGeom prst="line">
+            <a:avLst/>
+          </a:prstGeom>
+          <a:ln>
+            <a:solidFill>
+              <a:srgbClr val="767576"/>
+            </a:solidFill>
+            <a:headEnd type="none" w="sm" len="sm"/>
+            <a:tailEnd type="none" w="sm" len="sm"/>
+          </a:ln>
+          <a:effectLst/>
+        </p:spPr>
+        <p:style>
+          <a:lnRef idx="2">
+            <a:schemeClr val="dk1"/>
+          </a:lnRef>
+          <a:fillRef idx="0">
+            <a:schemeClr val="dk1"/>
+          </a:fillRef>
+          <a:effectRef idx="1">
+            <a:schemeClr val="dk1"/>
+          </a:effectRef>
+          <a:fontRef idx="minor">
+            <a:schemeClr val="tx1"/>
+          </a:fontRef>
+        </p:style>
+        <p:txBody>
+          <a:bodyPr/>
+          <a:lstStyle/>
+          <a:p>
+            <a:endParaRPr/>
+          </a:p>
+        </p:txBody>
+      </p:sp>
+      <p:grpSp>
+        <p:nvGrpSpPr>
+          <p:cNvPr id="39" name="Группа 38">
+            <a:extLst>
+              <a:ext uri="{FF2B5EF4-FFF2-40B4-BE49-F238E27FC236}">
+                <a16:creationId xmlns:a16="http://schemas.microsoft.com/office/drawing/2014/main" id="{74938EAC-8025-8A44-D7A3-509B8FC1AB44}"/>
+              </a:ext>
+            </a:extLst>
+          </p:cNvPr>
+          <p:cNvGrpSpPr/>
+          <p:nvPr/>
+        </p:nvGrpSpPr>
+        <p:grpSpPr>
+          <a:xfrm>
+            <a:off x="7411346" y="350058"/>
+            <a:ext cx="3110559" cy="6670104"/>
+            <a:chOff x="7415808" y="323006"/>
+            <a:chExt cx="3110559" cy="6670104"/>
+          </a:xfrm>
+        </p:grpSpPr>
+        <p:grpSp>
+          <p:nvGrpSpPr>
+            <p:cNvPr id="32" name="Group 8">
+              <a:extLst>
+                <a:ext uri="{FF2B5EF4-FFF2-40B4-BE49-F238E27FC236}">
+                  <a16:creationId xmlns:a16="http://schemas.microsoft.com/office/drawing/2014/main" id="{D4CFEBC2-5DA0-4139-FFEC-E1E0231CF663}"/>
+                </a:ext>
+              </a:extLst>
+            </p:cNvPr>
+            <p:cNvGrpSpPr/>
+            <p:nvPr/>
+          </p:nvGrpSpPr>
+          <p:grpSpPr>
+            <a:xfrm>
+              <a:off x="7762875" y="323006"/>
+              <a:ext cx="2328525" cy="2066314"/>
+              <a:chOff x="0" y="0"/>
+              <a:chExt cx="834491" cy="740520"/>
+            </a:xfrm>
+          </p:grpSpPr>
+          <p:sp>
+            <p:nvSpPr>
+              <p:cNvPr id="33" name="Freeform 9">
+                <a:extLst>
+                  <a:ext uri="{FF2B5EF4-FFF2-40B4-BE49-F238E27FC236}">
+                    <a16:creationId xmlns:a16="http://schemas.microsoft.com/office/drawing/2014/main" id="{9878EB62-1394-0990-D065-DCA024201358}"/>
+                  </a:ext>
+                </a:extLst>
+              </p:cNvPr>
+              <p:cNvSpPr/>
               <p:nvPr/>
             </p:nvSpPr>
             <p:spPr>
               <a:xfrm>
                 <a:off x="0" y="0"/>
-                <a:ext cx="1283972" cy="147546"/>
+                <a:ext cx="834491" cy="740520"/>
               </a:xfrm>
               <a:custGeom>
                 <a:avLst/>
@@ -6253,25 +7992,50 @@
                 <a:cxnLst/>
                 <a:rect l="l" t="t" r="r" b="b"/>
                 <a:pathLst>
-                  <a:path w="1283972" h="147546">
+                  <a:path w="834491" h="740520">
                     <a:moveTo>
-                      <a:pt x="0" y="0"/>
+                      <a:pt x="278314" y="721451"/>
                     </a:moveTo>
+                    <a:cubicBezTo>
+                      <a:pt x="321096" y="732965"/>
+                      <a:pt x="369734" y="740520"/>
+                      <a:pt x="417470" y="740520"/>
+                    </a:cubicBezTo>
+                    <a:cubicBezTo>
+                      <a:pt x="465208" y="740520"/>
+                      <a:pt x="511143" y="734043"/>
+                      <a:pt x="553474" y="722529"/>
+                    </a:cubicBezTo>
+                    <a:cubicBezTo>
+                      <a:pt x="554376" y="722170"/>
+                      <a:pt x="555277" y="722170"/>
+                      <a:pt x="556177" y="721811"/>
+                    </a:cubicBezTo>
+                    <a:cubicBezTo>
+                      <a:pt x="715149" y="675755"/>
+                      <a:pt x="832239" y="554141"/>
+                      <a:pt x="834491" y="413624"/>
+                    </a:cubicBezTo>
                     <a:lnTo>
-                      <a:pt x="1283972" y="0"/>
+                      <a:pt x="834491" y="0"/>
                     </a:lnTo>
                     <a:lnTo>
-                      <a:pt x="1283972" y="147546"/>
+                      <a:pt x="0" y="0"/>
                     </a:lnTo>
                     <a:lnTo>
-                      <a:pt x="0" y="147546"/>
+                      <a:pt x="0" y="413317"/>
                     </a:lnTo>
+                    <a:cubicBezTo>
+                      <a:pt x="2252" y="554860"/>
+                      <a:pt x="117540" y="676475"/>
+                      <a:pt x="278314" y="721451"/>
+                    </a:cubicBezTo>
                     <a:close/>
                   </a:path>
                 </a:pathLst>
               </a:custGeom>
               <a:solidFill>
-                <a:srgbClr val="767576"/>
+                <a:srgbClr val="EBE7E7"/>
               </a:solidFill>
             </p:spPr>
             <p:txBody>
@@ -6284,16 +8048,20 @@
           </p:sp>
           <p:sp>
             <p:nvSpPr>
-              <p:cNvPr id="6" name="TextBox 6"/>
-              <p:cNvSpPr txBox="1">
-                <a:spLocks noGrp="1" noRot="1" noMove="1" noResize="1" noEditPoints="1" noAdjustHandles="1" noChangeArrowheads="1" noChangeShapeType="1"/>
-              </p:cNvSpPr>
+              <p:cNvPr id="34" name="TextBox 10">
+                <a:extLst>
+                  <a:ext uri="{FF2B5EF4-FFF2-40B4-BE49-F238E27FC236}">
+                    <a16:creationId xmlns:a16="http://schemas.microsoft.com/office/drawing/2014/main" id="{AA1CF82A-CAD3-8265-AE81-BE9C3459B017}"/>
+                  </a:ext>
+                </a:extLst>
+              </p:cNvPr>
+              <p:cNvSpPr txBox="1"/>
               <p:nvPr/>
             </p:nvSpPr>
             <p:spPr>
               <a:xfrm>
                 <a:off x="0" y="-28575"/>
-                <a:ext cx="1283972" cy="176121"/>
+                <a:ext cx="834491" cy="642095"/>
               </a:xfrm>
               <a:prstGeom prst="rect">
                 <a:avLst/>
@@ -6315,28 +8083,264 @@
         </p:grpSp>
         <p:sp>
           <p:nvSpPr>
-            <p:cNvPr id="7" name="AutoShape 7"/>
-            <p:cNvSpPr>
-              <a:spLocks noGrp="1" noRot="1" noMove="1" noResize="1" noEditPoints="1" noAdjustHandles="1" noChangeArrowheads="1" noChangeShapeType="1"/>
-            </p:cNvSpPr>
+            <p:cNvPr id="36" name="TextBox 25">
+              <a:extLst>
+                <a:ext uri="{FF2B5EF4-FFF2-40B4-BE49-F238E27FC236}">
+                  <a16:creationId xmlns:a16="http://schemas.microsoft.com/office/drawing/2014/main" id="{16FFFB7B-99C6-BFCA-3D5C-604B0D45E9AF}"/>
+                </a:ext>
+              </a:extLst>
+            </p:cNvPr>
+            <p:cNvSpPr txBox="1"/>
             <p:nvPr/>
           </p:nvSpPr>
           <p:spPr>
-            <a:xfrm flipV="1">
-              <a:off x="0" y="968041"/>
-              <a:ext cx="4800600" cy="0"/>
+            <a:xfrm>
+              <a:off x="7795873" y="2939645"/>
+              <a:ext cx="2350430" cy="1513235"/>
             </a:xfrm>
-            <a:prstGeom prst="line">
+            <a:prstGeom prst="rect">
               <a:avLst/>
             </a:prstGeom>
-            <a:ln w="25400" cap="rnd">
-              <a:solidFill>
-                <a:srgbClr val="767576"/>
-              </a:solidFill>
-              <a:prstDash val="solid"/>
-              <a:headEnd type="none" w="sm" len="sm"/>
-              <a:tailEnd type="none" w="sm" len="sm"/>
-            </a:ln>
+          </p:spPr>
+          <p:txBody>
+            <a:bodyPr lIns="0" tIns="0" rIns="0" bIns="0" rtlCol="0" anchor="t">
+              <a:spAutoFit/>
+            </a:bodyPr>
+            <a:lstStyle/>
+            <a:p>
+              <a:pPr algn="ctr">
+                <a:lnSpc>
+                  <a:spcPts val="2148"/>
+                </a:lnSpc>
+              </a:pPr>
+              <a:r>
+                <a:rPr lang="en-US" sz="1603" dirty="0">
+                  <a:solidFill>
+                    <a:srgbClr val="000000"/>
+                  </a:solidFill>
+                  <a:latin typeface="Circe"/>
+                  <a:ea typeface="Circe"/>
+                  <a:cs typeface="Circe"/>
+                  <a:sym typeface="Circe"/>
+                </a:rPr>
+                <a:t>ARTSTUDIO </a:t>
+              </a:r>
+              <a:r>
+                <a:rPr lang="en-US" sz="1603" dirty="0" err="1">
+                  <a:solidFill>
+                    <a:srgbClr val="000000"/>
+                  </a:solidFill>
+                  <a:latin typeface="Circe"/>
+                  <a:ea typeface="Circe"/>
+                  <a:cs typeface="Circe"/>
+                  <a:sym typeface="Circe"/>
+                </a:rPr>
+                <a:t>Nevsky</a:t>
+              </a:r>
+              <a:r>
+                <a:rPr lang="en-US" sz="1603" dirty="0">
+                  <a:solidFill>
+                    <a:srgbClr val="000000"/>
+                  </a:solidFill>
+                  <a:latin typeface="Circe"/>
+                  <a:ea typeface="Circe"/>
+                  <a:cs typeface="Circe"/>
+                  <a:sym typeface="Circe"/>
+                </a:rPr>
+                <a:t> </a:t>
+              </a:r>
+            </a:p>
+            <a:p>
+              <a:pPr algn="ctr">
+                <a:lnSpc>
+                  <a:spcPts val="2148"/>
+                </a:lnSpc>
+              </a:pPr>
+              <a:r>
+                <a:rPr lang="en-US" sz="1603" dirty="0">
+                  <a:solidFill>
+                    <a:srgbClr val="000000"/>
+                  </a:solidFill>
+                  <a:latin typeface="Circe"/>
+                  <a:ea typeface="Circe"/>
+                  <a:cs typeface="Circe"/>
+                  <a:sym typeface="Circe"/>
+                </a:rPr>
+                <a:t>— a space of comfort and inspiration.</a:t>
+              </a:r>
+            </a:p>
+            <a:p>
+              <a:pPr algn="ctr">
+                <a:lnSpc>
+                  <a:spcPts val="2148"/>
+                </a:lnSpc>
+              </a:pPr>
+              <a:endParaRPr lang="en-US" sz="1603" dirty="0">
+                <a:solidFill>
+                  <a:srgbClr val="000000"/>
+                </a:solidFill>
+                <a:latin typeface="Circe"/>
+                <a:ea typeface="Circe"/>
+                <a:cs typeface="Circe"/>
+                <a:sym typeface="Circe"/>
+              </a:endParaRPr>
+            </a:p>
+            <a:p>
+              <a:pPr algn="ctr">
+                <a:lnSpc>
+                  <a:spcPts val="1746"/>
+                </a:lnSpc>
+              </a:pPr>
+              <a:r>
+                <a:rPr lang="en-US" sz="1303" dirty="0">
+                  <a:solidFill>
+                    <a:srgbClr val="000000"/>
+                  </a:solidFill>
+                  <a:latin typeface="Circe"/>
+                  <a:ea typeface="Circe"/>
+                  <a:cs typeface="Circe"/>
+                  <a:sym typeface="Circe"/>
+                </a:rPr>
+                <a:t>A unique aparthotel for living, working and leisure.</a:t>
+              </a:r>
+            </a:p>
+          </p:txBody>
+        </p:sp>
+        <p:sp>
+          <p:nvSpPr>
+            <p:cNvPr id="37" name="TextBox 29">
+              <a:extLst>
+                <a:ext uri="{FF2B5EF4-FFF2-40B4-BE49-F238E27FC236}">
+                  <a16:creationId xmlns:a16="http://schemas.microsoft.com/office/drawing/2014/main" id="{884A4A87-583F-FEE9-E0C4-0DF9EB9FA040}"/>
+                </a:ext>
+              </a:extLst>
+            </p:cNvPr>
+            <p:cNvSpPr txBox="1"/>
+            <p:nvPr/>
+          </p:nvSpPr>
+          <p:spPr>
+            <a:xfrm>
+              <a:off x="7415808" y="6252779"/>
+              <a:ext cx="3110559" cy="740331"/>
+            </a:xfrm>
+            <a:prstGeom prst="rect">
+              <a:avLst/>
+            </a:prstGeom>
+          </p:spPr>
+          <p:txBody>
+            <a:bodyPr lIns="0" tIns="0" rIns="0" bIns="0" rtlCol="0" anchor="t">
+              <a:spAutoFit/>
+            </a:bodyPr>
+            <a:lstStyle/>
+            <a:p>
+              <a:pPr algn="ctr">
+                <a:lnSpc>
+                  <a:spcPts val="2038"/>
+                </a:lnSpc>
+              </a:pPr>
+              <a:r>
+                <a:rPr lang="en-US" sz="910" dirty="0">
+                  <a:solidFill>
+                    <a:srgbClr val="000000"/>
+                  </a:solidFill>
+                  <a:latin typeface="Circe"/>
+                  <a:ea typeface="Circe"/>
+                  <a:cs typeface="Circe"/>
+                  <a:sym typeface="Circe"/>
+                </a:rPr>
+                <a:t>Stay connected with ARTSTUDIO</a:t>
+              </a:r>
+            </a:p>
+            <a:p>
+              <a:pPr algn="ctr">
+                <a:lnSpc>
+                  <a:spcPts val="2038"/>
+                </a:lnSpc>
+              </a:pPr>
+              <a:r>
+                <a:rPr lang="en-US" sz="910" dirty="0">
+                  <a:solidFill>
+                    <a:srgbClr val="000000"/>
+                  </a:solidFill>
+                  <a:latin typeface="Circe"/>
+                  <a:ea typeface="Circe"/>
+                  <a:cs typeface="Circe"/>
+                  <a:sym typeface="Circe"/>
+                </a:rPr>
+                <a:t>Contacts, social media, and assistance </a:t>
+              </a:r>
+            </a:p>
+            <a:p>
+              <a:pPr algn="ctr">
+                <a:lnSpc>
+                  <a:spcPts val="2038"/>
+                </a:lnSpc>
+              </a:pPr>
+              <a:r>
+                <a:rPr lang="en-US" sz="910" dirty="0">
+                  <a:solidFill>
+                    <a:srgbClr val="000000"/>
+                  </a:solidFill>
+                  <a:latin typeface="Circe"/>
+                  <a:ea typeface="Circe"/>
+                  <a:cs typeface="Circe"/>
+                  <a:sym typeface="Circe"/>
+                </a:rPr>
+                <a:t>— all available via QR</a:t>
+              </a:r>
+            </a:p>
+          </p:txBody>
+        </p:sp>
+        <p:sp>
+          <p:nvSpPr>
+            <p:cNvPr id="38" name="Freeform 30">
+              <a:extLst>
+                <a:ext uri="{FF2B5EF4-FFF2-40B4-BE49-F238E27FC236}">
+                  <a16:creationId xmlns:a16="http://schemas.microsoft.com/office/drawing/2014/main" id="{817B7FA4-A8E8-BA25-C251-FBBA8A04A597}"/>
+                </a:ext>
+              </a:extLst>
+            </p:cNvPr>
+            <p:cNvSpPr/>
+            <p:nvPr/>
+          </p:nvSpPr>
+          <p:spPr>
+            <a:xfrm>
+              <a:off x="8006176" y="553259"/>
+              <a:ext cx="1929824" cy="1157151"/>
+            </a:xfrm>
+            <a:custGeom>
+              <a:avLst/>
+              <a:gdLst/>
+              <a:ahLst/>
+              <a:cxnLst/>
+              <a:rect l="l" t="t" r="r" b="b"/>
+              <a:pathLst>
+                <a:path w="1929824" h="1157151">
+                  <a:moveTo>
+                    <a:pt x="0" y="0"/>
+                  </a:moveTo>
+                  <a:lnTo>
+                    <a:pt x="1929824" y="0"/>
+                  </a:lnTo>
+                  <a:lnTo>
+                    <a:pt x="1929824" y="1157152"/>
+                  </a:lnTo>
+                  <a:lnTo>
+                    <a:pt x="0" y="1157152"/>
+                  </a:lnTo>
+                  <a:lnTo>
+                    <a:pt x="0" y="0"/>
+                  </a:lnTo>
+                  <a:close/>
+                </a:path>
+              </a:pathLst>
+            </a:custGeom>
+            <a:blipFill>
+              <a:blip r:embed="rId2"/>
+              <a:stretch>
+                <a:fillRect t="-32" b="-32"/>
+              </a:stretch>
+            </a:blipFill>
           </p:spPr>
           <p:txBody>
             <a:bodyPr/>
@@ -6347,509 +8351,17 @@
           </p:txBody>
         </p:sp>
       </p:grpSp>
-      <p:grpSp>
-        <p:nvGrpSpPr>
-          <p:cNvPr id="8" name="Group 8"/>
-          <p:cNvGrpSpPr>
-            <a:grpSpLocks noGrp="1" noUngrp="1" noRot="1" noMove="1" noResize="1"/>
-          </p:cNvGrpSpPr>
-          <p:nvPr/>
-        </p:nvGrpSpPr>
-        <p:grpSpPr>
-          <a:xfrm>
-            <a:off x="7762875" y="323006"/>
-            <a:ext cx="2328525" cy="2066314"/>
-            <a:chOff x="0" y="0"/>
-            <a:chExt cx="834491" cy="740520"/>
-          </a:xfrm>
-        </p:grpSpPr>
-        <p:sp>
-          <p:nvSpPr>
-            <p:cNvPr id="9" name="Freeform 9"/>
-            <p:cNvSpPr>
-              <a:spLocks noGrp="1" noRot="1" noMove="1" noResize="1" noEditPoints="1" noAdjustHandles="1" noChangeArrowheads="1" noChangeShapeType="1"/>
-            </p:cNvSpPr>
-            <p:nvPr/>
-          </p:nvSpPr>
-          <p:spPr>
-            <a:xfrm>
-              <a:off x="0" y="0"/>
-              <a:ext cx="834491" cy="740520"/>
-            </a:xfrm>
-            <a:custGeom>
-              <a:avLst/>
-              <a:gdLst/>
-              <a:ahLst/>
-              <a:cxnLst/>
-              <a:rect l="l" t="t" r="r" b="b"/>
-              <a:pathLst>
-                <a:path w="834491" h="740520">
-                  <a:moveTo>
-                    <a:pt x="278314" y="721451"/>
-                  </a:moveTo>
-                  <a:cubicBezTo>
-                    <a:pt x="321096" y="732965"/>
-                    <a:pt x="369734" y="740520"/>
-                    <a:pt x="417470" y="740520"/>
-                  </a:cubicBezTo>
-                  <a:cubicBezTo>
-                    <a:pt x="465208" y="740520"/>
-                    <a:pt x="511143" y="734043"/>
-                    <a:pt x="553474" y="722529"/>
-                  </a:cubicBezTo>
-                  <a:cubicBezTo>
-                    <a:pt x="554376" y="722170"/>
-                    <a:pt x="555277" y="722170"/>
-                    <a:pt x="556177" y="721811"/>
-                  </a:cubicBezTo>
-                  <a:cubicBezTo>
-                    <a:pt x="715149" y="675755"/>
-                    <a:pt x="832239" y="554141"/>
-                    <a:pt x="834491" y="413624"/>
-                  </a:cubicBezTo>
-                  <a:lnTo>
-                    <a:pt x="834491" y="0"/>
-                  </a:lnTo>
-                  <a:lnTo>
-                    <a:pt x="0" y="0"/>
-                  </a:lnTo>
-                  <a:lnTo>
-                    <a:pt x="0" y="413317"/>
-                  </a:lnTo>
-                  <a:cubicBezTo>
-                    <a:pt x="2252" y="554860"/>
-                    <a:pt x="117540" y="676475"/>
-                    <a:pt x="278314" y="721451"/>
-                  </a:cubicBezTo>
-                  <a:close/>
-                </a:path>
-              </a:pathLst>
-            </a:custGeom>
-            <a:solidFill>
-              <a:srgbClr val="EBE7E7"/>
-            </a:solidFill>
-          </p:spPr>
-          <p:txBody>
-            <a:bodyPr/>
-            <a:lstStyle/>
-            <a:p>
-              <a:endParaRPr/>
-            </a:p>
-          </p:txBody>
-        </p:sp>
-        <p:sp>
-          <p:nvSpPr>
-            <p:cNvPr id="10" name="TextBox 10"/>
-            <p:cNvSpPr txBox="1">
-              <a:spLocks noGrp="1" noRot="1" noMove="1" noResize="1" noEditPoints="1" noAdjustHandles="1" noChangeArrowheads="1" noChangeShapeType="1"/>
-            </p:cNvSpPr>
-            <p:nvPr/>
-          </p:nvSpPr>
-          <p:spPr>
-            <a:xfrm>
-              <a:off x="0" y="-28575"/>
-              <a:ext cx="834491" cy="642095"/>
-            </a:xfrm>
-            <a:prstGeom prst="rect">
-              <a:avLst/>
-            </a:prstGeom>
-          </p:spPr>
-          <p:txBody>
-            <a:bodyPr lIns="50800" tIns="50800" rIns="50800" bIns="50800" rtlCol="0" anchor="ctr"/>
-            <a:lstStyle/>
-            <a:p>
-              <a:pPr algn="ctr">
-                <a:lnSpc>
-                  <a:spcPts val="1664"/>
-                </a:lnSpc>
-              </a:pPr>
-              <a:endParaRPr/>
-            </a:p>
-          </p:txBody>
-        </p:sp>
-      </p:grpSp>
       <p:sp>
         <p:nvSpPr>
-          <p:cNvPr id="11" name="Freeform 11"/>
+          <p:cNvPr id="14" name="Freeform 21">
+            <a:extLst>
+              <a:ext uri="{FF2B5EF4-FFF2-40B4-BE49-F238E27FC236}">
+                <a16:creationId xmlns:a16="http://schemas.microsoft.com/office/drawing/2014/main" id="{FC9BB0DE-AF7D-84F0-4AD4-02E75841E51B}"/>
+              </a:ext>
+            </a:extLst>
+          </p:cNvPr>
           <p:cNvSpPr>
-            <a:spLocks noGrp="1" noRot="1" noMove="1" noResize="1" noEditPoints="1" noAdjustHandles="1" noChangeArrowheads="1" noChangeShapeType="1"/>
-          </p:cNvSpPr>
-          <p:nvPr/>
-        </p:nvSpPr>
-        <p:spPr>
-          <a:xfrm>
-            <a:off x="8006176" y="553259"/>
-            <a:ext cx="1929824" cy="1157151"/>
-          </a:xfrm>
-          <a:custGeom>
-            <a:avLst/>
-            <a:gdLst/>
-            <a:ahLst/>
-            <a:cxnLst/>
-            <a:rect l="l" t="t" r="r" b="b"/>
-            <a:pathLst>
-              <a:path w="1929824" h="1157151">
-                <a:moveTo>
-                  <a:pt x="0" y="0"/>
-                </a:moveTo>
-                <a:lnTo>
-                  <a:pt x="1929824" y="0"/>
-                </a:lnTo>
-                <a:lnTo>
-                  <a:pt x="1929824" y="1157152"/>
-                </a:lnTo>
-                <a:lnTo>
-                  <a:pt x="0" y="1157152"/>
-                </a:lnTo>
-                <a:lnTo>
-                  <a:pt x="0" y="0"/>
-                </a:lnTo>
-                <a:close/>
-              </a:path>
-            </a:pathLst>
-          </a:custGeom>
-          <a:blipFill>
-            <a:blip r:embed="rId2"/>
-            <a:stretch>
-              <a:fillRect t="-32" b="-32"/>
-            </a:stretch>
-          </a:blipFill>
-        </p:spPr>
-        <p:txBody>
-          <a:bodyPr/>
-          <a:lstStyle/>
-          <a:p>
-            <a:endParaRPr/>
-          </a:p>
-        </p:txBody>
-      </p:sp>
-      <p:grpSp>
-        <p:nvGrpSpPr>
-          <p:cNvPr id="12" name="Group 12"/>
-          <p:cNvGrpSpPr/>
-          <p:nvPr/>
-        </p:nvGrpSpPr>
-        <p:grpSpPr>
-          <a:xfrm>
-            <a:off x="108000" y="3572061"/>
-            <a:ext cx="3437775" cy="469246"/>
-            <a:chOff x="0" y="0"/>
-            <a:chExt cx="1309133" cy="178693"/>
-          </a:xfrm>
-        </p:grpSpPr>
-        <p:sp>
-          <p:nvSpPr>
-            <p:cNvPr id="13" name="Freeform 13"/>
-            <p:cNvSpPr/>
-            <p:nvPr/>
-          </p:nvSpPr>
-          <p:spPr>
-            <a:xfrm>
-              <a:off x="0" y="0"/>
-              <a:ext cx="1309133" cy="178693"/>
-            </a:xfrm>
-            <a:custGeom>
-              <a:avLst/>
-              <a:gdLst/>
-              <a:ahLst/>
-              <a:cxnLst/>
-              <a:rect l="l" t="t" r="r" b="b"/>
-              <a:pathLst>
-                <a:path w="1309133" h="178693">
-                  <a:moveTo>
-                    <a:pt x="0" y="0"/>
-                  </a:moveTo>
-                  <a:lnTo>
-                    <a:pt x="1309133" y="0"/>
-                  </a:lnTo>
-                  <a:lnTo>
-                    <a:pt x="1309133" y="178693"/>
-                  </a:lnTo>
-                  <a:lnTo>
-                    <a:pt x="0" y="178693"/>
-                  </a:lnTo>
-                  <a:close/>
-                </a:path>
-              </a:pathLst>
-            </a:custGeom>
-            <a:solidFill>
-              <a:srgbClr val="EBE7E7"/>
-            </a:solidFill>
-          </p:spPr>
-          <p:txBody>
-            <a:bodyPr/>
-            <a:lstStyle/>
-            <a:p>
-              <a:endParaRPr/>
-            </a:p>
-          </p:txBody>
-        </p:sp>
-        <p:sp>
-          <p:nvSpPr>
-            <p:cNvPr id="14" name="TextBox 14"/>
-            <p:cNvSpPr txBox="1"/>
-            <p:nvPr/>
-          </p:nvSpPr>
-          <p:spPr>
-            <a:xfrm>
-              <a:off x="0" y="-28575"/>
-              <a:ext cx="1309133" cy="207268"/>
-            </a:xfrm>
-            <a:prstGeom prst="rect">
-              <a:avLst/>
-            </a:prstGeom>
-          </p:spPr>
-          <p:txBody>
-            <a:bodyPr lIns="47808" tIns="47808" rIns="47808" bIns="47808" rtlCol="0" anchor="ctr"/>
-            <a:lstStyle/>
-            <a:p>
-              <a:pPr algn="ctr">
-                <a:lnSpc>
-                  <a:spcPts val="1664"/>
-                </a:lnSpc>
-              </a:pPr>
-              <a:endParaRPr/>
-            </a:p>
-          </p:txBody>
-        </p:sp>
-      </p:grpSp>
-      <p:grpSp>
-        <p:nvGrpSpPr>
-          <p:cNvPr id="15" name="Group 15"/>
-          <p:cNvGrpSpPr/>
-          <p:nvPr/>
-        </p:nvGrpSpPr>
-        <p:grpSpPr>
-          <a:xfrm>
-            <a:off x="108000" y="2792756"/>
-            <a:ext cx="3437775" cy="469246"/>
-            <a:chOff x="0" y="0"/>
-            <a:chExt cx="1309133" cy="178693"/>
-          </a:xfrm>
-        </p:grpSpPr>
-        <p:sp>
-          <p:nvSpPr>
-            <p:cNvPr id="16" name="Freeform 16"/>
-            <p:cNvSpPr/>
-            <p:nvPr/>
-          </p:nvSpPr>
-          <p:spPr>
-            <a:xfrm>
-              <a:off x="0" y="0"/>
-              <a:ext cx="1309133" cy="178693"/>
-            </a:xfrm>
-            <a:custGeom>
-              <a:avLst/>
-              <a:gdLst/>
-              <a:ahLst/>
-              <a:cxnLst/>
-              <a:rect l="l" t="t" r="r" b="b"/>
-              <a:pathLst>
-                <a:path w="1309133" h="178693">
-                  <a:moveTo>
-                    <a:pt x="0" y="0"/>
-                  </a:moveTo>
-                  <a:lnTo>
-                    <a:pt x="1309133" y="0"/>
-                  </a:lnTo>
-                  <a:lnTo>
-                    <a:pt x="1309133" y="178693"/>
-                  </a:lnTo>
-                  <a:lnTo>
-                    <a:pt x="0" y="178693"/>
-                  </a:lnTo>
-                  <a:close/>
-                </a:path>
-              </a:pathLst>
-            </a:custGeom>
-            <a:solidFill>
-              <a:srgbClr val="EBE7E7"/>
-            </a:solidFill>
-          </p:spPr>
-          <p:txBody>
-            <a:bodyPr/>
-            <a:lstStyle/>
-            <a:p>
-              <a:endParaRPr/>
-            </a:p>
-          </p:txBody>
-        </p:sp>
-        <p:sp>
-          <p:nvSpPr>
-            <p:cNvPr id="17" name="TextBox 17"/>
-            <p:cNvSpPr txBox="1"/>
-            <p:nvPr/>
-          </p:nvSpPr>
-          <p:spPr>
-            <a:xfrm>
-              <a:off x="0" y="-28575"/>
-              <a:ext cx="1309133" cy="207268"/>
-            </a:xfrm>
-            <a:prstGeom prst="rect">
-              <a:avLst/>
-            </a:prstGeom>
-          </p:spPr>
-          <p:txBody>
-            <a:bodyPr lIns="47808" tIns="47808" rIns="47808" bIns="47808" rtlCol="0" anchor="ctr"/>
-            <a:lstStyle/>
-            <a:p>
-              <a:pPr algn="ctr">
-                <a:lnSpc>
-                  <a:spcPts val="1664"/>
-                </a:lnSpc>
-              </a:pPr>
-              <a:endParaRPr/>
-            </a:p>
-          </p:txBody>
-        </p:sp>
-      </p:grpSp>
-      <p:sp>
-        <p:nvSpPr>
-          <p:cNvPr id="18" name="TextBox 18"/>
-          <p:cNvSpPr txBox="1"/>
-          <p:nvPr/>
-        </p:nvSpPr>
-        <p:spPr>
-          <a:xfrm>
-            <a:off x="702515" y="1922689"/>
-            <a:ext cx="2213058" cy="447402"/>
-          </a:xfrm>
-          <a:prstGeom prst="rect">
-            <a:avLst/>
-          </a:prstGeom>
-        </p:spPr>
-        <p:txBody>
-          <a:bodyPr lIns="0" tIns="0" rIns="0" bIns="0" rtlCol="0" anchor="t">
-            <a:spAutoFit/>
-          </a:bodyPr>
-          <a:lstStyle/>
-          <a:p>
-            <a:pPr algn="ctr">
-              <a:lnSpc>
-                <a:spcPts val="3350"/>
-              </a:lnSpc>
-            </a:pPr>
-            <a:r>
-              <a:rPr lang="en-US" sz="3603">
-                <a:solidFill>
-                  <a:srgbClr val="000000"/>
-                </a:solidFill>
-                <a:latin typeface="Circe"/>
-                <a:ea typeface="Circe"/>
-                <a:cs typeface="Circe"/>
-                <a:sym typeface="Circe"/>
-              </a:rPr>
-              <a:t>wi-fi</a:t>
-            </a:r>
-          </a:p>
-        </p:txBody>
-      </p:sp>
-      <p:sp>
-        <p:nvSpPr>
-          <p:cNvPr id="19" name="TextBox 19"/>
-          <p:cNvSpPr txBox="1"/>
-          <p:nvPr/>
-        </p:nvSpPr>
-        <p:spPr>
-          <a:xfrm>
-            <a:off x="488182" y="2928461"/>
-            <a:ext cx="2662984" cy="207362"/>
-          </a:xfrm>
-          <a:prstGeom prst="rect">
-            <a:avLst/>
-          </a:prstGeom>
-        </p:spPr>
-        <p:txBody>
-          <a:bodyPr lIns="0" tIns="0" rIns="0" bIns="0" rtlCol="0" anchor="t">
-            <a:spAutoFit/>
-          </a:bodyPr>
-          <a:lstStyle/>
-          <a:p>
-            <a:pPr algn="l">
-              <a:lnSpc>
-                <a:spcPts val="1675"/>
-              </a:lnSpc>
-            </a:pPr>
-            <a:r>
-              <a:rPr lang="en-US" sz="1444">
-                <a:solidFill>
-                  <a:srgbClr val="000000"/>
-                </a:solidFill>
-                <a:latin typeface="Circe"/>
-                <a:ea typeface="Circe"/>
-                <a:cs typeface="Circe"/>
-                <a:sym typeface="Circe"/>
-              </a:rPr>
-              <a:t>network: ARTSTUDIO NEVSKY</a:t>
-            </a:r>
-          </a:p>
-        </p:txBody>
-      </p:sp>
-      <p:sp>
-        <p:nvSpPr>
-          <p:cNvPr id="20" name="TextBox 20"/>
-          <p:cNvSpPr txBox="1"/>
-          <p:nvPr/>
-        </p:nvSpPr>
-        <p:spPr>
-          <a:xfrm>
-            <a:off x="575886" y="4158791"/>
-            <a:ext cx="2212514" cy="479882"/>
-          </a:xfrm>
-          <a:prstGeom prst="rect">
-            <a:avLst/>
-          </a:prstGeom>
-        </p:spPr>
-        <p:txBody>
-          <a:bodyPr lIns="0" tIns="0" rIns="0" bIns="0" rtlCol="0" anchor="t">
-            <a:spAutoFit/>
-          </a:bodyPr>
-          <a:lstStyle/>
-          <a:p>
-            <a:pPr algn="ctr">
-              <a:lnSpc>
-                <a:spcPts val="2038"/>
-              </a:lnSpc>
-            </a:pPr>
-            <a:r>
-              <a:rPr lang="en-US" sz="910" dirty="0">
-                <a:solidFill>
-                  <a:srgbClr val="000000"/>
-                </a:solidFill>
-                <a:latin typeface="Circe"/>
-                <a:ea typeface="Circe"/>
-                <a:cs typeface="Circe"/>
-                <a:sym typeface="Circe"/>
-              </a:rPr>
-              <a:t>The code is secure and unique </a:t>
-            </a:r>
-          </a:p>
-          <a:p>
-            <a:pPr algn="ctr">
-              <a:lnSpc>
-                <a:spcPts val="2038"/>
-              </a:lnSpc>
-            </a:pPr>
-            <a:r>
-              <a:rPr lang="en-US" sz="910" dirty="0">
-                <a:solidFill>
-                  <a:srgbClr val="000000"/>
-                </a:solidFill>
-                <a:latin typeface="Circe"/>
-                <a:ea typeface="Circe"/>
-                <a:cs typeface="Circe"/>
-                <a:sym typeface="Circe"/>
-              </a:rPr>
-              <a:t>— valid only for your room.</a:t>
-            </a:r>
-          </a:p>
-        </p:txBody>
-      </p:sp>
-      <p:sp>
-        <p:nvSpPr>
-          <p:cNvPr id="21" name="Freeform 21"/>
-          <p:cNvSpPr>
-            <a:spLocks noGrp="1" noRot="1" noMove="1" noResize="1" noEditPoints="1" noAdjustHandles="1" noChangeArrowheads="1" noChangeShapeType="1"/>
+            <a:spLocks/>
           </p:cNvSpPr>
           <p:nvPr/>
         </p:nvSpPr>
@@ -6900,521 +8412,12 @@
           </a:p>
         </p:txBody>
       </p:sp>
-      <p:sp>
-        <p:nvSpPr>
-          <p:cNvPr id="22" name="TextBox 22"/>
-          <p:cNvSpPr txBox="1"/>
-          <p:nvPr/>
-        </p:nvSpPr>
-        <p:spPr>
-          <a:xfrm>
-            <a:off x="488182" y="3707776"/>
-            <a:ext cx="1964285" cy="207340"/>
-          </a:xfrm>
-          <a:prstGeom prst="rect">
-            <a:avLst/>
-          </a:prstGeom>
-        </p:spPr>
-        <p:txBody>
-          <a:bodyPr lIns="0" tIns="0" rIns="0" bIns="0" rtlCol="0" anchor="t">
-            <a:spAutoFit/>
-          </a:bodyPr>
-          <a:lstStyle/>
-          <a:p>
-            <a:pPr algn="l">
-              <a:lnSpc>
-                <a:spcPts val="1670"/>
-              </a:lnSpc>
-            </a:pPr>
-            <a:r>
-              <a:rPr lang="en-US" sz="1439">
-                <a:solidFill>
-                  <a:srgbClr val="000000"/>
-                </a:solidFill>
-                <a:latin typeface="Circe"/>
-                <a:ea typeface="Circe"/>
-                <a:cs typeface="Circe"/>
-                <a:sym typeface="Circe"/>
-              </a:rPr>
-              <a:t>password:</a:t>
-            </a:r>
-          </a:p>
-        </p:txBody>
-      </p:sp>
-      <p:sp>
-        <p:nvSpPr>
-          <p:cNvPr id="24" name="TextBox 24"/>
-          <p:cNvSpPr txBox="1">
-            <a:spLocks noGrp="1" noRot="1" noMove="1" noResize="1" noEditPoints="1" noAdjustHandles="1" noChangeArrowheads="1" noChangeShapeType="1"/>
-          </p:cNvSpPr>
-          <p:nvPr/>
-        </p:nvSpPr>
-        <p:spPr>
-          <a:xfrm>
-            <a:off x="7795873" y="3048078"/>
-            <a:ext cx="2350430" cy="1498162"/>
-          </a:xfrm>
-          <a:prstGeom prst="rect">
-            <a:avLst/>
-          </a:prstGeom>
-        </p:spPr>
-        <p:txBody>
-          <a:bodyPr lIns="0" tIns="0" rIns="0" bIns="0" rtlCol="0" anchor="t">
-            <a:spAutoFit/>
-          </a:bodyPr>
-          <a:lstStyle/>
-          <a:p>
-            <a:pPr algn="ctr">
-              <a:lnSpc>
-                <a:spcPts val="2148"/>
-              </a:lnSpc>
-            </a:pPr>
-            <a:r>
-              <a:rPr lang="en-US" sz="1603">
-                <a:solidFill>
-                  <a:srgbClr val="000000"/>
-                </a:solidFill>
-                <a:latin typeface="Circe"/>
-                <a:ea typeface="Circe"/>
-                <a:cs typeface="Circe"/>
-                <a:sym typeface="Circe"/>
-              </a:rPr>
-              <a:t>ARTSTUDIO Nevsky </a:t>
-            </a:r>
-          </a:p>
-          <a:p>
-            <a:pPr algn="ctr">
-              <a:lnSpc>
-                <a:spcPts val="2148"/>
-              </a:lnSpc>
-            </a:pPr>
-            <a:r>
-              <a:rPr lang="en-US" sz="1603">
-                <a:solidFill>
-                  <a:srgbClr val="000000"/>
-                </a:solidFill>
-                <a:latin typeface="Circe"/>
-                <a:ea typeface="Circe"/>
-                <a:cs typeface="Circe"/>
-                <a:sym typeface="Circe"/>
-              </a:rPr>
-              <a:t>— a space of comfort and inspiration.</a:t>
-            </a:r>
-          </a:p>
-          <a:p>
-            <a:pPr algn="ctr">
-              <a:lnSpc>
-                <a:spcPts val="2148"/>
-              </a:lnSpc>
-            </a:pPr>
-            <a:endParaRPr lang="en-US" sz="1603">
-              <a:solidFill>
-                <a:srgbClr val="000000"/>
-              </a:solidFill>
-              <a:latin typeface="Circe"/>
-              <a:ea typeface="Circe"/>
-              <a:cs typeface="Circe"/>
-              <a:sym typeface="Circe"/>
-            </a:endParaRPr>
-          </a:p>
-          <a:p>
-            <a:pPr algn="ctr">
-              <a:lnSpc>
-                <a:spcPts val="1746"/>
-              </a:lnSpc>
-            </a:pPr>
-            <a:r>
-              <a:rPr lang="en-US" sz="1303">
-                <a:solidFill>
-                  <a:srgbClr val="000000"/>
-                </a:solidFill>
-                <a:latin typeface="Circe"/>
-                <a:ea typeface="Circe"/>
-                <a:cs typeface="Circe"/>
-                <a:sym typeface="Circe"/>
-              </a:rPr>
-              <a:t>A unique aparthotel for living, working and leisure.</a:t>
-            </a:r>
-          </a:p>
-        </p:txBody>
-      </p:sp>
-      <p:sp>
-        <p:nvSpPr>
-          <p:cNvPr id="25" name="TextBox 25"/>
-          <p:cNvSpPr txBox="1">
-            <a:spLocks noGrp="1" noRot="1" noMove="1" noResize="1" noEditPoints="1" noAdjustHandles="1" noChangeArrowheads="1" noChangeShapeType="1"/>
-          </p:cNvSpPr>
-          <p:nvPr/>
-        </p:nvSpPr>
-        <p:spPr>
-          <a:xfrm>
-            <a:off x="4170785" y="5566075"/>
-            <a:ext cx="2350430" cy="447402"/>
-          </a:xfrm>
-          <a:prstGeom prst="rect">
-            <a:avLst/>
-          </a:prstGeom>
-        </p:spPr>
-        <p:txBody>
-          <a:bodyPr lIns="0" tIns="0" rIns="0" bIns="0" rtlCol="0" anchor="t">
-            <a:spAutoFit/>
-          </a:bodyPr>
-          <a:lstStyle/>
-          <a:p>
-            <a:pPr algn="ctr">
-              <a:lnSpc>
-                <a:spcPts val="3350"/>
-              </a:lnSpc>
-            </a:pPr>
-            <a:r>
-              <a:rPr lang="en-US" sz="3603">
-                <a:solidFill>
-                  <a:srgbClr val="000000"/>
-                </a:solidFill>
-                <a:latin typeface="Circe"/>
-                <a:ea typeface="Circe"/>
-                <a:cs typeface="Circe"/>
-                <a:sym typeface="Circe"/>
-              </a:rPr>
-              <a:t>merch</a:t>
-            </a:r>
-          </a:p>
-        </p:txBody>
-      </p:sp>
-      <p:sp>
-        <p:nvSpPr>
-          <p:cNvPr id="26" name="TextBox 26"/>
-          <p:cNvSpPr txBox="1">
-            <a:spLocks noGrp="1" noRot="1" noMove="1" noResize="1" noEditPoints="1" noAdjustHandles="1" noChangeArrowheads="1" noChangeShapeType="1"/>
-          </p:cNvSpPr>
-          <p:nvPr/>
-        </p:nvSpPr>
-        <p:spPr>
-          <a:xfrm>
-            <a:off x="3790720" y="1834983"/>
-            <a:ext cx="3110559" cy="1765757"/>
-          </a:xfrm>
-          <a:prstGeom prst="rect">
-            <a:avLst/>
-          </a:prstGeom>
-        </p:spPr>
-        <p:txBody>
-          <a:bodyPr lIns="0" tIns="0" rIns="0" bIns="0" rtlCol="0" anchor="t">
-            <a:spAutoFit/>
-          </a:bodyPr>
-          <a:lstStyle/>
-          <a:p>
-            <a:pPr algn="ctr">
-              <a:lnSpc>
-                <a:spcPts val="2038"/>
-              </a:lnSpc>
-            </a:pPr>
-            <a:r>
-              <a:rPr lang="en-US" sz="910">
-                <a:solidFill>
-                  <a:srgbClr val="000000"/>
-                </a:solidFill>
-                <a:latin typeface="Circe"/>
-                <a:ea typeface="Circe"/>
-                <a:cs typeface="Circe"/>
-                <a:sym typeface="Circe"/>
-              </a:rPr>
-              <a:t>A space where art, the city, and people meet.</a:t>
-            </a:r>
-          </a:p>
-          <a:p>
-            <a:pPr algn="ctr">
-              <a:lnSpc>
-                <a:spcPts val="2038"/>
-              </a:lnSpc>
-            </a:pPr>
-            <a:r>
-              <a:rPr lang="en-US" sz="910">
-                <a:solidFill>
-                  <a:srgbClr val="000000"/>
-                </a:solidFill>
-                <a:latin typeface="Circe"/>
-                <a:ea typeface="Circe"/>
-                <a:cs typeface="Circe"/>
-                <a:sym typeface="Circe"/>
-              </a:rPr>
-              <a:t>You are not just guests of the aparthotel — you are co-creators of the atmosphere, witnesses to cultural events, and part of the visual story of ARTSTUDIO.</a:t>
-            </a:r>
-          </a:p>
-          <a:p>
-            <a:pPr algn="ctr">
-              <a:lnSpc>
-                <a:spcPts val="2038"/>
-              </a:lnSpc>
-            </a:pPr>
-            <a:endParaRPr lang="en-US" sz="910">
-              <a:solidFill>
-                <a:srgbClr val="000000"/>
-              </a:solidFill>
-              <a:latin typeface="Circe"/>
-              <a:ea typeface="Circe"/>
-              <a:cs typeface="Circe"/>
-              <a:sym typeface="Circe"/>
-            </a:endParaRPr>
-          </a:p>
-          <a:p>
-            <a:pPr algn="ctr">
-              <a:lnSpc>
-                <a:spcPts val="2038"/>
-              </a:lnSpc>
-            </a:pPr>
-            <a:r>
-              <a:rPr lang="en-US" sz="910">
-                <a:solidFill>
-                  <a:srgbClr val="000000"/>
-                </a:solidFill>
-                <a:latin typeface="Circe"/>
-                <a:ea typeface="Circe"/>
-                <a:cs typeface="Circe"/>
-                <a:sym typeface="Circe"/>
-              </a:rPr>
-              <a:t>We truly appreciate it when you share your photos </a:t>
-            </a:r>
-          </a:p>
-          <a:p>
-            <a:pPr algn="ctr">
-              <a:lnSpc>
-                <a:spcPts val="2038"/>
-              </a:lnSpc>
-            </a:pPr>
-            <a:r>
-              <a:rPr lang="en-US" sz="910">
-                <a:solidFill>
-                  <a:srgbClr val="000000"/>
-                </a:solidFill>
-                <a:latin typeface="Circe"/>
-                <a:ea typeface="Circe"/>
-                <a:cs typeface="Circe"/>
-                <a:sym typeface="Circe"/>
-              </a:rPr>
-              <a:t>and tag us on social media!</a:t>
-            </a:r>
-          </a:p>
-        </p:txBody>
-      </p:sp>
-      <p:sp>
-        <p:nvSpPr>
-          <p:cNvPr id="27" name="TextBox 27"/>
-          <p:cNvSpPr txBox="1">
-            <a:spLocks noGrp="1" noRot="1" noMove="1" noResize="1" noEditPoints="1" noAdjustHandles="1" noChangeArrowheads="1" noChangeShapeType="1"/>
-          </p:cNvSpPr>
-          <p:nvPr/>
-        </p:nvSpPr>
-        <p:spPr>
-          <a:xfrm>
-            <a:off x="3790720" y="6225739"/>
-            <a:ext cx="3110559" cy="360159"/>
-          </a:xfrm>
-          <a:prstGeom prst="rect">
-            <a:avLst/>
-          </a:prstGeom>
-        </p:spPr>
-        <p:txBody>
-          <a:bodyPr lIns="0" tIns="0" rIns="0" bIns="0" rtlCol="0" anchor="t">
-            <a:spAutoFit/>
-          </a:bodyPr>
-          <a:lstStyle/>
-          <a:p>
-            <a:pPr algn="ctr">
-              <a:lnSpc>
-                <a:spcPts val="1556"/>
-              </a:lnSpc>
-            </a:pPr>
-            <a:r>
-              <a:rPr lang="en-US" sz="910">
-                <a:solidFill>
-                  <a:srgbClr val="000000"/>
-                </a:solidFill>
-                <a:latin typeface="Circe"/>
-                <a:ea typeface="Circe"/>
-                <a:cs typeface="Circe"/>
-                <a:sym typeface="Circe"/>
-              </a:rPr>
-              <a:t>Signature pajamas, candles, and souvenirs —</a:t>
-            </a:r>
-          </a:p>
-          <a:p>
-            <a:pPr algn="ctr">
-              <a:lnSpc>
-                <a:spcPts val="1556"/>
-              </a:lnSpc>
-            </a:pPr>
-            <a:r>
-              <a:rPr lang="en-US" sz="910">
-                <a:solidFill>
-                  <a:srgbClr val="000000"/>
-                </a:solidFill>
-                <a:latin typeface="Circe"/>
-                <a:ea typeface="Circe"/>
-                <a:cs typeface="Circe"/>
-                <a:sym typeface="Circe"/>
-              </a:rPr>
-              <a:t>all available at reception.</a:t>
-            </a:r>
-          </a:p>
-        </p:txBody>
-      </p:sp>
-      <p:sp>
-        <p:nvSpPr>
-          <p:cNvPr id="28" name="TextBox 28"/>
-          <p:cNvSpPr txBox="1"/>
-          <p:nvPr/>
-        </p:nvSpPr>
-        <p:spPr>
-          <a:xfrm>
-            <a:off x="7415808" y="6341564"/>
-            <a:ext cx="3110559" cy="737057"/>
-          </a:xfrm>
-          <a:prstGeom prst="rect">
-            <a:avLst/>
-          </a:prstGeom>
-        </p:spPr>
-        <p:txBody>
-          <a:bodyPr lIns="0" tIns="0" rIns="0" bIns="0" rtlCol="0" anchor="t">
-            <a:spAutoFit/>
-          </a:bodyPr>
-          <a:lstStyle/>
-          <a:p>
-            <a:pPr algn="ctr">
-              <a:lnSpc>
-                <a:spcPts val="2038"/>
-              </a:lnSpc>
-            </a:pPr>
-            <a:r>
-              <a:rPr lang="en-US" sz="910">
-                <a:solidFill>
-                  <a:srgbClr val="000000"/>
-                </a:solidFill>
-                <a:latin typeface="Circe"/>
-                <a:ea typeface="Circe"/>
-                <a:cs typeface="Circe"/>
-                <a:sym typeface="Circe"/>
-              </a:rPr>
-              <a:t>Stay connected with ARTSTUDIO</a:t>
-            </a:r>
-          </a:p>
-          <a:p>
-            <a:pPr algn="ctr">
-              <a:lnSpc>
-                <a:spcPts val="2038"/>
-              </a:lnSpc>
-            </a:pPr>
-            <a:r>
-              <a:rPr lang="en-US" sz="910">
-                <a:solidFill>
-                  <a:srgbClr val="000000"/>
-                </a:solidFill>
-                <a:latin typeface="Circe"/>
-                <a:ea typeface="Circe"/>
-                <a:cs typeface="Circe"/>
-                <a:sym typeface="Circe"/>
-              </a:rPr>
-              <a:t>Contacts, social media, and assistance </a:t>
-            </a:r>
-          </a:p>
-          <a:p>
-            <a:pPr algn="ctr">
-              <a:lnSpc>
-                <a:spcPts val="2038"/>
-              </a:lnSpc>
-            </a:pPr>
-            <a:r>
-              <a:rPr lang="en-US" sz="910">
-                <a:solidFill>
-                  <a:srgbClr val="000000"/>
-                </a:solidFill>
-                <a:latin typeface="Circe"/>
-                <a:ea typeface="Circe"/>
-                <a:cs typeface="Circe"/>
-                <a:sym typeface="Circe"/>
-              </a:rPr>
-              <a:t>— all available via QR</a:t>
-            </a:r>
-          </a:p>
-        </p:txBody>
-      </p:sp>
-      <p:sp>
-        <p:nvSpPr>
-          <p:cNvPr id="30" name="TextBox 23">
-            <a:extLst>
-              <a:ext uri="{FF2B5EF4-FFF2-40B4-BE49-F238E27FC236}">
-                <a16:creationId xmlns:a16="http://schemas.microsoft.com/office/drawing/2014/main" id="{E62FB258-4BE7-EEDD-88FE-A0566C14FCFE}"/>
-              </a:ext>
-            </a:extLst>
-          </p:cNvPr>
-          <p:cNvSpPr txBox="1"/>
-          <p:nvPr/>
-        </p:nvSpPr>
-        <p:spPr>
-          <a:xfrm>
-            <a:off x="888976" y="3565121"/>
-            <a:ext cx="2350430" cy="396262"/>
-          </a:xfrm>
-          <a:prstGeom prst="rect">
-            <a:avLst/>
-          </a:prstGeom>
-        </p:spPr>
-        <p:txBody>
-          <a:bodyPr lIns="0" tIns="0" rIns="0" bIns="0" rtlCol="0" anchor="t">
-            <a:spAutoFit/>
-          </a:bodyPr>
-          <a:lstStyle/>
-          <a:p>
-            <a:pPr algn="ctr">
-              <a:lnSpc>
-                <a:spcPts val="3350"/>
-              </a:lnSpc>
-            </a:pPr>
-            <a:r>
-              <a:rPr dirty="0">
-                <a:latin typeface="Circe" panose="020B0502020203020203" pitchFamily="34" charset="-52"/>
-              </a:rPr>
-              <a:t>{{PASSWORD}}</a:t>
-            </a:r>
-          </a:p>
-        </p:txBody>
-      </p:sp>
-      <p:sp>
-        <p:nvSpPr>
-          <p:cNvPr id="31" name="TextBox 30">
-            <a:extLst>
-              <a:ext uri="{FF2B5EF4-FFF2-40B4-BE49-F238E27FC236}">
-                <a16:creationId xmlns:a16="http://schemas.microsoft.com/office/drawing/2014/main" id="{C31A894E-A8CB-7354-6A0C-0B41AA2340CF}"/>
-              </a:ext>
-            </a:extLst>
-          </p:cNvPr>
-          <p:cNvSpPr txBox="1"/>
-          <p:nvPr/>
-        </p:nvSpPr>
-        <p:spPr>
-          <a:xfrm>
-            <a:off x="1143198" y="4904003"/>
-            <a:ext cx="1307902" cy="369332"/>
-          </a:xfrm>
-          <a:prstGeom prst="rect">
-            <a:avLst/>
-          </a:prstGeom>
-          <a:noFill/>
-        </p:spPr>
-        <p:txBody>
-          <a:bodyPr wrap="square">
-            <a:spAutoFit/>
-          </a:bodyPr>
-          <a:lstStyle/>
-          <a:p>
-            <a:r>
-              <a:rPr dirty="0"/>
-              <a:t>{{QR_WIFI}}</a:t>
-            </a:r>
-          </a:p>
-        </p:txBody>
-      </p:sp>
     </p:spTree>
+    <p:extLst>
+      <p:ext uri="{BB962C8B-B14F-4D97-AF65-F5344CB8AC3E}">
+        <p14:creationId xmlns:p14="http://schemas.microsoft.com/office/powerpoint/2010/main" val="2223939003"/>
+      </p:ext>
+    </p:extLst>
   </p:cSld>
   <p:clrMapOvr>
     <a:masterClrMapping/>

--- a/api/templates/brochure_en.pptx
+++ b/api/templates/brochure_en.pptx
@@ -3066,208 +3066,6 @@
           <a:chExt cx="0" cy="0"/>
         </a:xfrm>
       </p:grpSpPr>
-      <p:graphicFrame>
-        <p:nvGraphicFramePr>
-          <p:cNvPr id="2" name="Таблица 1">
-            <a:extLst>
-              <a:ext uri="{FF2B5EF4-FFF2-40B4-BE49-F238E27FC236}">
-                <a16:creationId xmlns:a16="http://schemas.microsoft.com/office/drawing/2014/main" id="{50D6D9D9-4548-9227-ED4C-46D8A75E33EF}"/>
-              </a:ext>
-            </a:extLst>
-          </p:cNvPr>
-          <p:cNvGraphicFramePr>
-            <a:graphicFrameLocks noGrp="1"/>
-          </p:cNvGraphicFramePr>
-          <p:nvPr/>
-        </p:nvGraphicFramePr>
-        <p:xfrm>
-          <a:off x="0" y="0"/>
-          <a:ext cx="10693401" cy="7556500"/>
-        </p:xfrm>
-        <a:graphic>
-          <a:graphicData uri="http://schemas.openxmlformats.org/drawingml/2006/table">
-            <a:tbl>
-              <a:tblPr firstRow="1" bandRow="1">
-                <a:tableStyleId>{5C22544A-7EE6-4342-B048-85BDC9FD1C3A}</a:tableStyleId>
-              </a:tblPr>
-              <a:tblGrid>
-                <a:gridCol w="3564467">
-                  <a:extLst>
-                    <a:ext uri="{9D8B030D-6E8A-4147-A177-3AD203B41FA5}">
-                      <a16:colId xmlns:a16="http://schemas.microsoft.com/office/drawing/2014/main" val="2831110576"/>
-                    </a:ext>
-                  </a:extLst>
-                </a:gridCol>
-                <a:gridCol w="3564467">
-                  <a:extLst>
-                    <a:ext uri="{9D8B030D-6E8A-4147-A177-3AD203B41FA5}">
-                      <a16:colId xmlns:a16="http://schemas.microsoft.com/office/drawing/2014/main" val="3473239179"/>
-                    </a:ext>
-                  </a:extLst>
-                </a:gridCol>
-                <a:gridCol w="3564467">
-                  <a:extLst>
-                    <a:ext uri="{9D8B030D-6E8A-4147-A177-3AD203B41FA5}">
-                      <a16:colId xmlns:a16="http://schemas.microsoft.com/office/drawing/2014/main" val="4237337569"/>
-                    </a:ext>
-                  </a:extLst>
-                </a:gridCol>
-              </a:tblGrid>
-              <a:tr h="7556500">
-                <a:tc>
-                  <a:txBody>
-                    <a:bodyPr/>
-                    <a:lstStyle/>
-                    <a:p>
-                      <a:endParaRPr lang="ru-RU" dirty="0"/>
-                    </a:p>
-                  </a:txBody>
-                  <a:tcPr>
-                    <a:lnL w="12700" cap="flat" cmpd="sng" algn="ctr">
-                      <a:solidFill>
-                        <a:schemeClr val="tx1"/>
-                      </a:solidFill>
-                      <a:prstDash val="solid"/>
-                      <a:round/>
-                      <a:headEnd type="none" w="med" len="med"/>
-                      <a:tailEnd type="none" w="med" len="med"/>
-                    </a:lnL>
-                    <a:lnR w="12700" cap="flat" cmpd="sng" algn="ctr">
-                      <a:solidFill>
-                        <a:schemeClr val="tx1"/>
-                      </a:solidFill>
-                      <a:prstDash val="solid"/>
-                      <a:round/>
-                      <a:headEnd type="none" w="med" len="med"/>
-                      <a:tailEnd type="none" w="med" len="med"/>
-                    </a:lnR>
-                    <a:lnT w="12700" cap="flat" cmpd="sng" algn="ctr">
-                      <a:solidFill>
-                        <a:schemeClr val="tx1"/>
-                      </a:solidFill>
-                      <a:prstDash val="solid"/>
-                      <a:round/>
-                      <a:headEnd type="none" w="med" len="med"/>
-                      <a:tailEnd type="none" w="med" len="med"/>
-                    </a:lnT>
-                    <a:lnB w="12700" cap="flat" cmpd="sng" algn="ctr">
-                      <a:solidFill>
-                        <a:schemeClr val="tx1"/>
-                      </a:solidFill>
-                      <a:prstDash val="solid"/>
-                      <a:round/>
-                      <a:headEnd type="none" w="med" len="med"/>
-                      <a:tailEnd type="none" w="med" len="med"/>
-                    </a:lnB>
-                    <a:noFill/>
-                  </a:tcPr>
-                </a:tc>
-                <a:tc>
-                  <a:txBody>
-                    <a:bodyPr/>
-                    <a:lstStyle/>
-                    <a:p>
-                      <a:endParaRPr lang="ru-RU" dirty="0"/>
-                    </a:p>
-                  </a:txBody>
-                  <a:tcPr>
-                    <a:lnL w="12700" cap="flat" cmpd="sng" algn="ctr">
-                      <a:solidFill>
-                        <a:schemeClr val="tx1"/>
-                      </a:solidFill>
-                      <a:prstDash val="solid"/>
-                      <a:round/>
-                      <a:headEnd type="none" w="med" len="med"/>
-                      <a:tailEnd type="none" w="med" len="med"/>
-                    </a:lnL>
-                    <a:lnR w="12700" cap="flat" cmpd="sng" algn="ctr">
-                      <a:solidFill>
-                        <a:schemeClr val="tx1"/>
-                      </a:solidFill>
-                      <a:prstDash val="solid"/>
-                      <a:round/>
-                      <a:headEnd type="none" w="med" len="med"/>
-                      <a:tailEnd type="none" w="med" len="med"/>
-                    </a:lnR>
-                    <a:lnT w="12700" cap="flat" cmpd="sng" algn="ctr">
-                      <a:solidFill>
-                        <a:schemeClr val="tx1"/>
-                      </a:solidFill>
-                      <a:prstDash val="solid"/>
-                      <a:round/>
-                      <a:headEnd type="none" w="med" len="med"/>
-                      <a:tailEnd type="none" w="med" len="med"/>
-                    </a:lnT>
-                    <a:lnB w="12700" cap="flat" cmpd="sng" algn="ctr">
-                      <a:solidFill>
-                        <a:schemeClr val="tx1"/>
-                      </a:solidFill>
-                      <a:prstDash val="solid"/>
-                      <a:round/>
-                      <a:headEnd type="none" w="med" len="med"/>
-                      <a:tailEnd type="none" w="med" len="med"/>
-                    </a:lnB>
-                    <a:noFill/>
-                  </a:tcPr>
-                </a:tc>
-                <a:tc>
-                  <a:txBody>
-                    <a:bodyPr/>
-                    <a:lstStyle/>
-                    <a:p>
-                      <a:endParaRPr lang="ru-RU" dirty="0"/>
-                    </a:p>
-                  </a:txBody>
-                  <a:tcPr>
-                    <a:lnL w="12700" cap="flat" cmpd="sng" algn="ctr">
-                      <a:solidFill>
-                        <a:schemeClr val="tx1"/>
-                      </a:solidFill>
-                      <a:prstDash val="solid"/>
-                      <a:round/>
-                      <a:headEnd type="none" w="med" len="med"/>
-                      <a:tailEnd type="none" w="med" len="med"/>
-                    </a:lnL>
-                    <a:lnR w="12700" cap="flat" cmpd="sng" algn="ctr">
-                      <a:solidFill>
-                        <a:schemeClr val="tx1"/>
-                      </a:solidFill>
-                      <a:prstDash val="solid"/>
-                      <a:round/>
-                      <a:headEnd type="none" w="med" len="med"/>
-                      <a:tailEnd type="none" w="med" len="med"/>
-                    </a:lnR>
-                    <a:lnT w="12700" cap="flat" cmpd="sng" algn="ctr">
-                      <a:solidFill>
-                        <a:schemeClr val="tx1"/>
-                      </a:solidFill>
-                      <a:prstDash val="solid"/>
-                      <a:round/>
-                      <a:headEnd type="none" w="med" len="med"/>
-                      <a:tailEnd type="none" w="med" len="med"/>
-                    </a:lnT>
-                    <a:lnB w="12700" cap="flat" cmpd="sng" algn="ctr">
-                      <a:solidFill>
-                        <a:schemeClr val="tx1"/>
-                      </a:solidFill>
-                      <a:prstDash val="solid"/>
-                      <a:round/>
-                      <a:headEnd type="none" w="med" len="med"/>
-                      <a:tailEnd type="none" w="med" len="med"/>
-                    </a:lnB>
-                    <a:noFill/>
-                  </a:tcPr>
-                </a:tc>
-                <a:extLst>
-                  <a:ext uri="{0D108BD9-81ED-4DB2-BD59-A6C34878D82A}">
-                    <a16:rowId xmlns:a16="http://schemas.microsoft.com/office/drawing/2014/main" val="1988845691"/>
-                  </a:ext>
-                </a:extLst>
-              </a:tr>
-            </a:tbl>
-          </a:graphicData>
-        </a:graphic>
-      </p:graphicFrame>
       <p:grpSp>
         <p:nvGrpSpPr>
           <p:cNvPr id="34" name="Группа 33">
@@ -4614,7 +4412,7 @@
           <p:spPr>
             <a:xfrm>
               <a:off x="622287" y="4261148"/>
-              <a:ext cx="3118941" cy="538609"/>
+              <a:ext cx="3118941" cy="359073"/>
             </a:xfrm>
             <a:prstGeom prst="rect">
               <a:avLst/>
@@ -4673,25 +4471,6 @@
                   <a:sym typeface="Circe"/>
                 </a:rPr>
                 <a:t>laundry powder sachet — 150 ₽ each.</a:t>
-              </a:r>
-            </a:p>
-            <a:p>
-              <a:pPr algn="l">
-                <a:lnSpc>
-                  <a:spcPts val="1420"/>
-                </a:lnSpc>
-              </a:pPr>
-              <a:r>
-                <a:rPr lang="en-US" sz="1109" dirty="0">
-                  <a:solidFill>
-                    <a:srgbClr val="000000"/>
-                  </a:solidFill>
-                  <a:latin typeface="Circe"/>
-                  <a:ea typeface="Circe"/>
-                  <a:cs typeface="Circe"/>
-                  <a:sym typeface="Circe"/>
-                </a:rPr>
-                <a:t>.</a:t>
               </a:r>
             </a:p>
           </p:txBody>
@@ -5403,7 +5182,7 @@
                   <a:cs typeface="Circe"/>
                   <a:sym typeface="Circe"/>
                 </a:rPr>
-                <a:t>services</a:t>
+                <a:t>Services</a:t>
               </a:r>
             </a:p>
           </p:txBody>
@@ -6700,208 +6479,6 @@
           <a:chExt cx="0" cy="0"/>
         </a:xfrm>
       </p:grpSpPr>
-      <p:graphicFrame>
-        <p:nvGraphicFramePr>
-          <p:cNvPr id="2" name="Таблица 1">
-            <a:extLst>
-              <a:ext uri="{FF2B5EF4-FFF2-40B4-BE49-F238E27FC236}">
-                <a16:creationId xmlns:a16="http://schemas.microsoft.com/office/drawing/2014/main" id="{8E815524-1041-A780-42D7-94D8AC15580F}"/>
-              </a:ext>
-            </a:extLst>
-          </p:cNvPr>
-          <p:cNvGraphicFramePr>
-            <a:graphicFrameLocks noGrp="1"/>
-          </p:cNvGraphicFramePr>
-          <p:nvPr/>
-        </p:nvGraphicFramePr>
-        <p:xfrm>
-          <a:off x="0" y="-1441"/>
-          <a:ext cx="10693401" cy="7556500"/>
-        </p:xfrm>
-        <a:graphic>
-          <a:graphicData uri="http://schemas.openxmlformats.org/drawingml/2006/table">
-            <a:tbl>
-              <a:tblPr firstRow="1" bandRow="1">
-                <a:tableStyleId>{5C22544A-7EE6-4342-B048-85BDC9FD1C3A}</a:tableStyleId>
-              </a:tblPr>
-              <a:tblGrid>
-                <a:gridCol w="3564467">
-                  <a:extLst>
-                    <a:ext uri="{9D8B030D-6E8A-4147-A177-3AD203B41FA5}">
-                      <a16:colId xmlns:a16="http://schemas.microsoft.com/office/drawing/2014/main" val="2831110576"/>
-                    </a:ext>
-                  </a:extLst>
-                </a:gridCol>
-                <a:gridCol w="3564467">
-                  <a:extLst>
-                    <a:ext uri="{9D8B030D-6E8A-4147-A177-3AD203B41FA5}">
-                      <a16:colId xmlns:a16="http://schemas.microsoft.com/office/drawing/2014/main" val="3473239179"/>
-                    </a:ext>
-                  </a:extLst>
-                </a:gridCol>
-                <a:gridCol w="3564467">
-                  <a:extLst>
-                    <a:ext uri="{9D8B030D-6E8A-4147-A177-3AD203B41FA5}">
-                      <a16:colId xmlns:a16="http://schemas.microsoft.com/office/drawing/2014/main" val="4237337569"/>
-                    </a:ext>
-                  </a:extLst>
-                </a:gridCol>
-              </a:tblGrid>
-              <a:tr h="7556500">
-                <a:tc>
-                  <a:txBody>
-                    <a:bodyPr/>
-                    <a:lstStyle/>
-                    <a:p>
-                      <a:endParaRPr lang="ru-RU" dirty="0"/>
-                    </a:p>
-                  </a:txBody>
-                  <a:tcPr>
-                    <a:lnL w="12700" cap="flat" cmpd="sng" algn="ctr">
-                      <a:solidFill>
-                        <a:schemeClr val="tx1"/>
-                      </a:solidFill>
-                      <a:prstDash val="solid"/>
-                      <a:round/>
-                      <a:headEnd type="none" w="med" len="med"/>
-                      <a:tailEnd type="none" w="med" len="med"/>
-                    </a:lnL>
-                    <a:lnR w="12700" cap="flat" cmpd="sng" algn="ctr">
-                      <a:solidFill>
-                        <a:schemeClr val="tx1"/>
-                      </a:solidFill>
-                      <a:prstDash val="solid"/>
-                      <a:round/>
-                      <a:headEnd type="none" w="med" len="med"/>
-                      <a:tailEnd type="none" w="med" len="med"/>
-                    </a:lnR>
-                    <a:lnT w="12700" cap="flat" cmpd="sng" algn="ctr">
-                      <a:solidFill>
-                        <a:schemeClr val="tx1"/>
-                      </a:solidFill>
-                      <a:prstDash val="solid"/>
-                      <a:round/>
-                      <a:headEnd type="none" w="med" len="med"/>
-                      <a:tailEnd type="none" w="med" len="med"/>
-                    </a:lnT>
-                    <a:lnB w="12700" cap="flat" cmpd="sng" algn="ctr">
-                      <a:solidFill>
-                        <a:schemeClr val="tx1"/>
-                      </a:solidFill>
-                      <a:prstDash val="solid"/>
-                      <a:round/>
-                      <a:headEnd type="none" w="med" len="med"/>
-                      <a:tailEnd type="none" w="med" len="med"/>
-                    </a:lnB>
-                    <a:noFill/>
-                  </a:tcPr>
-                </a:tc>
-                <a:tc>
-                  <a:txBody>
-                    <a:bodyPr/>
-                    <a:lstStyle/>
-                    <a:p>
-                      <a:endParaRPr lang="ru-RU" dirty="0"/>
-                    </a:p>
-                  </a:txBody>
-                  <a:tcPr>
-                    <a:lnL w="12700" cap="flat" cmpd="sng" algn="ctr">
-                      <a:solidFill>
-                        <a:schemeClr val="tx1"/>
-                      </a:solidFill>
-                      <a:prstDash val="solid"/>
-                      <a:round/>
-                      <a:headEnd type="none" w="med" len="med"/>
-                      <a:tailEnd type="none" w="med" len="med"/>
-                    </a:lnL>
-                    <a:lnR w="12700" cap="flat" cmpd="sng" algn="ctr">
-                      <a:solidFill>
-                        <a:schemeClr val="tx1"/>
-                      </a:solidFill>
-                      <a:prstDash val="solid"/>
-                      <a:round/>
-                      <a:headEnd type="none" w="med" len="med"/>
-                      <a:tailEnd type="none" w="med" len="med"/>
-                    </a:lnR>
-                    <a:lnT w="12700" cap="flat" cmpd="sng" algn="ctr">
-                      <a:solidFill>
-                        <a:schemeClr val="tx1"/>
-                      </a:solidFill>
-                      <a:prstDash val="solid"/>
-                      <a:round/>
-                      <a:headEnd type="none" w="med" len="med"/>
-                      <a:tailEnd type="none" w="med" len="med"/>
-                    </a:lnT>
-                    <a:lnB w="12700" cap="flat" cmpd="sng" algn="ctr">
-                      <a:solidFill>
-                        <a:schemeClr val="tx1"/>
-                      </a:solidFill>
-                      <a:prstDash val="solid"/>
-                      <a:round/>
-                      <a:headEnd type="none" w="med" len="med"/>
-                      <a:tailEnd type="none" w="med" len="med"/>
-                    </a:lnB>
-                    <a:noFill/>
-                  </a:tcPr>
-                </a:tc>
-                <a:tc>
-                  <a:txBody>
-                    <a:bodyPr/>
-                    <a:lstStyle/>
-                    <a:p>
-                      <a:endParaRPr lang="ru-RU" dirty="0"/>
-                    </a:p>
-                  </a:txBody>
-                  <a:tcPr>
-                    <a:lnL w="12700" cap="flat" cmpd="sng" algn="ctr">
-                      <a:solidFill>
-                        <a:schemeClr val="tx1"/>
-                      </a:solidFill>
-                      <a:prstDash val="solid"/>
-                      <a:round/>
-                      <a:headEnd type="none" w="med" len="med"/>
-                      <a:tailEnd type="none" w="med" len="med"/>
-                    </a:lnL>
-                    <a:lnR w="12700" cap="flat" cmpd="sng" algn="ctr">
-                      <a:solidFill>
-                        <a:schemeClr val="tx1"/>
-                      </a:solidFill>
-                      <a:prstDash val="solid"/>
-                      <a:round/>
-                      <a:headEnd type="none" w="med" len="med"/>
-                      <a:tailEnd type="none" w="med" len="med"/>
-                    </a:lnR>
-                    <a:lnT w="12700" cap="flat" cmpd="sng" algn="ctr">
-                      <a:solidFill>
-                        <a:schemeClr val="tx1"/>
-                      </a:solidFill>
-                      <a:prstDash val="solid"/>
-                      <a:round/>
-                      <a:headEnd type="none" w="med" len="med"/>
-                      <a:tailEnd type="none" w="med" len="med"/>
-                    </a:lnT>
-                    <a:lnB w="12700" cap="flat" cmpd="sng" algn="ctr">
-                      <a:solidFill>
-                        <a:schemeClr val="tx1"/>
-                      </a:solidFill>
-                      <a:prstDash val="solid"/>
-                      <a:round/>
-                      <a:headEnd type="none" w="med" len="med"/>
-                      <a:tailEnd type="none" w="med" len="med"/>
-                    </a:lnB>
-                    <a:noFill/>
-                  </a:tcPr>
-                </a:tc>
-                <a:extLst>
-                  <a:ext uri="{0D108BD9-81ED-4DB2-BD59-A6C34878D82A}">
-                    <a16:rowId xmlns:a16="http://schemas.microsoft.com/office/drawing/2014/main" val="1988845691"/>
-                  </a:ext>
-                </a:extLst>
-              </a:tr>
-            </a:tbl>
-          </a:graphicData>
-        </a:graphic>
-      </p:graphicFrame>
       <p:grpSp>
         <p:nvGrpSpPr>
           <p:cNvPr id="16" name="Группа 15">
